--- a/Part_1_Resources_for_computational_modellers/3_Analysis_tools/4_NWB.pptx
+++ b/Part_1_Resources_for_computational_modellers/3_Analysis_tools/4_NWB.pptx
@@ -39,7 +39,7 @@
       </p:grpSpPr>
       <p:sp>
         <p:nvSpPr>
-          <p:cNvPr id="117" name="PlaceHolder 1"/>
+          <p:cNvPr id="108" name="PlaceHolder 1"/>
           <p:cNvSpPr>
             <a:spLocks noGrp="1"/>
           </p:cNvSpPr>
@@ -89,7 +89,7 @@
       </p:sp>
       <p:sp>
         <p:nvSpPr>
-          <p:cNvPr id="118" name="PlaceHolder 2"/>
+          <p:cNvPr id="109" name="PlaceHolder 2"/>
           <p:cNvSpPr>
             <a:spLocks noGrp="1"/>
           </p:cNvSpPr>
@@ -121,7 +121,7 @@
                 </a:uFill>
                 <a:latin typeface="Times New Roman"/>
               </a:rPr>
-              <a:t> </a:t>
+              <a:t>&lt;header&gt;</a:t>
             </a:r>
             <a:endParaRPr b="0" lang="en-GB" sz="1400" spc="-1" strike="noStrike">
               <a:solidFill>
@@ -139,7 +139,7 @@
       </p:sp>
       <p:sp>
         <p:nvSpPr>
-          <p:cNvPr id="119" name="PlaceHolder 3"/>
+          <p:cNvPr id="110" name="PlaceHolder 3"/>
           <p:cNvSpPr>
             <a:spLocks noGrp="1"/>
           </p:cNvSpPr>
@@ -172,7 +172,7 @@
                 </a:uFill>
                 <a:latin typeface="Times New Roman"/>
               </a:rPr>
-              <a:t> </a:t>
+              <a:t>&lt;date/time&gt;</a:t>
             </a:r>
             <a:endParaRPr b="0" lang="en-GB" sz="1400" spc="-1" strike="noStrike">
               <a:solidFill>
@@ -190,7 +190,7 @@
       </p:sp>
       <p:sp>
         <p:nvSpPr>
-          <p:cNvPr id="120" name="PlaceHolder 4"/>
+          <p:cNvPr id="111" name="PlaceHolder 4"/>
           <p:cNvSpPr>
             <a:spLocks noGrp="1"/>
           </p:cNvSpPr>
@@ -222,7 +222,7 @@
                 </a:uFill>
                 <a:latin typeface="Times New Roman"/>
               </a:rPr>
-              <a:t> </a:t>
+              <a:t>&lt;footer&gt;</a:t>
             </a:r>
             <a:endParaRPr b="0" lang="en-GB" sz="1400" spc="-1" strike="noStrike">
               <a:solidFill>
@@ -240,7 +240,7 @@
       </p:sp>
       <p:sp>
         <p:nvSpPr>
-          <p:cNvPr id="121" name="PlaceHolder 5"/>
+          <p:cNvPr id="112" name="PlaceHolder 5"/>
           <p:cNvSpPr>
             <a:spLocks noGrp="1"/>
           </p:cNvSpPr>
@@ -261,7 +261,7 @@
           <a:bodyPr lIns="0" rIns="0" tIns="0" bIns="0" anchor="b"/>
           <a:p>
             <a:pPr algn="r"/>
-            <a:fld id="{6982FBFA-0A89-4F8F-874B-F173F5B2C82F}" type="slidenum">
+            <a:fld id="{BE2038DE-E509-4FFD-88C2-3BF1CBDEE6BA}" type="slidenum">
               <a:rPr b="0" lang="en-GB" sz="1400" spc="-1" strike="noStrike">
                 <a:solidFill>
                   <a:srgbClr val="000000"/>
@@ -273,7 +273,7 @@
                 </a:uFill>
                 <a:latin typeface="Times New Roman"/>
               </a:rPr>
-              <a:t>1</a:t>
+              <a:t>&lt;number&gt;</a:t>
             </a:fld>
             <a:endParaRPr b="0" lang="en-GB" sz="1400" spc="-1" strike="noStrike">
               <a:solidFill>
@@ -314,14 +314,14 @@
       </p:grpSpPr>
       <p:sp>
         <p:nvSpPr>
-          <p:cNvPr id="145" name="TextShape 1"/>
-          <p:cNvSpPr txBox="1"/>
+          <p:cNvPr id="136" name="CustomShape 1"/>
+          <p:cNvSpPr/>
           <p:nvPr/>
         </p:nvSpPr>
         <p:spPr>
           <a:xfrm>
             <a:off x="4278240" y="10156680"/>
-            <a:ext cx="3279240" cy="533160"/>
+            <a:ext cx="3278880" cy="532800"/>
           </a:xfrm>
           <a:prstGeom prst="rect">
             <a:avLst/>
@@ -331,6 +331,12 @@
             <a:noFill/>
           </a:ln>
         </p:spPr>
+        <p:style>
+          <a:lnRef idx="0"/>
+          <a:fillRef idx="0"/>
+          <a:effectRef idx="0"/>
+          <a:fontRef idx="minor"/>
+        </p:style>
         <p:txBody>
           <a:bodyPr lIns="0" rIns="0" tIns="0" bIns="0" anchor="b"/>
           <a:p>
@@ -339,7 +345,7 @@
                 <a:spcPct val="100000"/>
               </a:lnSpc>
             </a:pPr>
-            <a:fld id="{2E0DCF67-EAC3-43E1-A01C-02AC06E14B75}" type="slidenum">
+            <a:fld id="{A27AEF06-02A5-4C78-9754-012DAC699285}" type="slidenum">
               <a:rPr b="0" lang="en-GB" sz="1400" spc="-1" strike="noStrike">
                 <a:solidFill>
                   <a:srgbClr val="000000"/>
@@ -352,25 +358,25 @@
                 <a:latin typeface="Times New Roman"/>
                 <a:ea typeface="DejaVu Sans"/>
               </a:rPr>
-              <a:t>1</a:t>
+              <a:t>&lt;number&gt;</a:t>
             </a:fld>
-            <a:endParaRPr b="0" lang="en-GB" sz="1400" spc="-1" strike="noStrike">
-              <a:solidFill>
-                <a:srgbClr val="000000"/>
-              </a:solidFill>
-              <a:uFill>
-                <a:solidFill>
-                  <a:srgbClr val="ffffff"/>
-                </a:solidFill>
-              </a:uFill>
-              <a:latin typeface="Times New Roman"/>
-            </a:endParaRPr>
-          </a:p>
-        </p:txBody>
-      </p:sp>
-      <p:sp>
-        <p:nvSpPr>
-          <p:cNvPr id="146" name="PlaceHolder 2"/>
+            <a:endParaRPr b="0" lang="en-GB" sz="1800" spc="-1" strike="noStrike">
+              <a:solidFill>
+                <a:srgbClr val="000000"/>
+              </a:solidFill>
+              <a:uFill>
+                <a:solidFill>
+                  <a:srgbClr val="ffffff"/>
+                </a:solidFill>
+              </a:uFill>
+              <a:latin typeface="Arial"/>
+            </a:endParaRPr>
+          </a:p>
+        </p:txBody>
+      </p:sp>
+      <p:sp>
+        <p:nvSpPr>
+          <p:cNvPr id="137" name="PlaceHolder 2"/>
           <p:cNvSpPr>
             <a:spLocks noGrp="1"/>
           </p:cNvSpPr>
@@ -381,7 +387,7 @@
         <p:spPr>
           <a:xfrm>
             <a:off x="755640" y="5078520"/>
-            <a:ext cx="6048000" cy="4811400"/>
+            <a:ext cx="6047640" cy="4811040"/>
           </a:xfrm>
           <a:prstGeom prst="rect">
             <a:avLst/>
@@ -428,14 +434,14 @@
       </p:grpSpPr>
       <p:sp>
         <p:nvSpPr>
-          <p:cNvPr id="147" name="TextShape 1"/>
-          <p:cNvSpPr txBox="1"/>
+          <p:cNvPr id="138" name="CustomShape 1"/>
+          <p:cNvSpPr/>
           <p:nvPr/>
         </p:nvSpPr>
         <p:spPr>
           <a:xfrm>
             <a:off x="4278240" y="10156680"/>
-            <a:ext cx="3279240" cy="533160"/>
+            <a:ext cx="3278880" cy="532800"/>
           </a:xfrm>
           <a:prstGeom prst="rect">
             <a:avLst/>
@@ -445,6 +451,12 @@
             <a:noFill/>
           </a:ln>
         </p:spPr>
+        <p:style>
+          <a:lnRef idx="0"/>
+          <a:fillRef idx="0"/>
+          <a:effectRef idx="0"/>
+          <a:fontRef idx="minor"/>
+        </p:style>
         <p:txBody>
           <a:bodyPr lIns="0" rIns="0" tIns="0" bIns="0" anchor="b"/>
           <a:p>
@@ -453,7 +465,7 @@
                 <a:spcPct val="100000"/>
               </a:lnSpc>
             </a:pPr>
-            <a:fld id="{3D35F931-308E-432B-891B-73FE20208F33}" type="slidenum">
+            <a:fld id="{2F416EAD-47C6-4457-B666-A0528C766FBE}" type="slidenum">
               <a:rPr b="0" lang="en-GB" sz="1400" spc="-1" strike="noStrike">
                 <a:solidFill>
                   <a:srgbClr val="000000"/>
@@ -466,25 +478,25 @@
                 <a:latin typeface="Times New Roman"/>
                 <a:ea typeface="DejaVu Sans"/>
               </a:rPr>
-              <a:t>1</a:t>
+              <a:t>&lt;number&gt;</a:t>
             </a:fld>
-            <a:endParaRPr b="0" lang="en-GB" sz="1400" spc="-1" strike="noStrike">
-              <a:solidFill>
-                <a:srgbClr val="000000"/>
-              </a:solidFill>
-              <a:uFill>
-                <a:solidFill>
-                  <a:srgbClr val="ffffff"/>
-                </a:solidFill>
-              </a:uFill>
-              <a:latin typeface="Times New Roman"/>
-            </a:endParaRPr>
-          </a:p>
-        </p:txBody>
-      </p:sp>
-      <p:sp>
-        <p:nvSpPr>
-          <p:cNvPr id="148" name="PlaceHolder 2"/>
+            <a:endParaRPr b="0" lang="en-GB" sz="1800" spc="-1" strike="noStrike">
+              <a:solidFill>
+                <a:srgbClr val="000000"/>
+              </a:solidFill>
+              <a:uFill>
+                <a:solidFill>
+                  <a:srgbClr val="ffffff"/>
+                </a:solidFill>
+              </a:uFill>
+              <a:latin typeface="Arial"/>
+            </a:endParaRPr>
+          </a:p>
+        </p:txBody>
+      </p:sp>
+      <p:sp>
+        <p:nvSpPr>
+          <p:cNvPr id="139" name="PlaceHolder 2"/>
           <p:cNvSpPr>
             <a:spLocks noGrp="1"/>
           </p:cNvSpPr>
@@ -495,7 +507,7 @@
         <p:spPr>
           <a:xfrm>
             <a:off x="755640" y="5078520"/>
-            <a:ext cx="6048000" cy="4811400"/>
+            <a:ext cx="6047640" cy="4811040"/>
           </a:xfrm>
           <a:prstGeom prst="rect">
             <a:avLst/>
@@ -542,14 +554,14 @@
       </p:grpSpPr>
       <p:sp>
         <p:nvSpPr>
-          <p:cNvPr id="149" name="TextShape 1"/>
-          <p:cNvSpPr txBox="1"/>
+          <p:cNvPr id="140" name="CustomShape 1"/>
+          <p:cNvSpPr/>
           <p:nvPr/>
         </p:nvSpPr>
         <p:spPr>
           <a:xfrm>
             <a:off x="4278240" y="10156680"/>
-            <a:ext cx="3279240" cy="533160"/>
+            <a:ext cx="3278880" cy="532800"/>
           </a:xfrm>
           <a:prstGeom prst="rect">
             <a:avLst/>
@@ -559,6 +571,12 @@
             <a:noFill/>
           </a:ln>
         </p:spPr>
+        <p:style>
+          <a:lnRef idx="0"/>
+          <a:fillRef idx="0"/>
+          <a:effectRef idx="0"/>
+          <a:fontRef idx="minor"/>
+        </p:style>
         <p:txBody>
           <a:bodyPr lIns="0" rIns="0" tIns="0" bIns="0" anchor="b"/>
           <a:p>
@@ -567,7 +585,7 @@
                 <a:spcPct val="100000"/>
               </a:lnSpc>
             </a:pPr>
-            <a:fld id="{F2F8E160-E153-43B4-AB3C-A7FD9F8505D7}" type="slidenum">
+            <a:fld id="{DF9F42DB-402F-4481-863F-D22675BB777F}" type="slidenum">
               <a:rPr b="0" lang="en-GB" sz="1400" spc="-1" strike="noStrike">
                 <a:solidFill>
                   <a:srgbClr val="000000"/>
@@ -580,25 +598,25 @@
                 <a:latin typeface="Times New Roman"/>
                 <a:ea typeface="DejaVu Sans"/>
               </a:rPr>
-              <a:t>1</a:t>
+              <a:t>&lt;number&gt;</a:t>
             </a:fld>
-            <a:endParaRPr b="0" lang="en-GB" sz="1400" spc="-1" strike="noStrike">
-              <a:solidFill>
-                <a:srgbClr val="000000"/>
-              </a:solidFill>
-              <a:uFill>
-                <a:solidFill>
-                  <a:srgbClr val="ffffff"/>
-                </a:solidFill>
-              </a:uFill>
-              <a:latin typeface="Times New Roman"/>
-            </a:endParaRPr>
-          </a:p>
-        </p:txBody>
-      </p:sp>
-      <p:sp>
-        <p:nvSpPr>
-          <p:cNvPr id="150" name="PlaceHolder 2"/>
+            <a:endParaRPr b="0" lang="en-GB" sz="1800" spc="-1" strike="noStrike">
+              <a:solidFill>
+                <a:srgbClr val="000000"/>
+              </a:solidFill>
+              <a:uFill>
+                <a:solidFill>
+                  <a:srgbClr val="ffffff"/>
+                </a:solidFill>
+              </a:uFill>
+              <a:latin typeface="Arial"/>
+            </a:endParaRPr>
+          </a:p>
+        </p:txBody>
+      </p:sp>
+      <p:sp>
+        <p:nvSpPr>
+          <p:cNvPr id="141" name="PlaceHolder 2"/>
           <p:cNvSpPr>
             <a:spLocks noGrp="1"/>
           </p:cNvSpPr>
@@ -609,7 +627,7 @@
         <p:spPr>
           <a:xfrm>
             <a:off x="755640" y="5078520"/>
-            <a:ext cx="6048000" cy="4811400"/>
+            <a:ext cx="6047640" cy="4811040"/>
           </a:xfrm>
           <a:prstGeom prst="rect">
             <a:avLst/>
@@ -656,14 +674,14 @@
       </p:grpSpPr>
       <p:sp>
         <p:nvSpPr>
-          <p:cNvPr id="151" name="TextShape 1"/>
-          <p:cNvSpPr txBox="1"/>
+          <p:cNvPr id="142" name="CustomShape 1"/>
+          <p:cNvSpPr/>
           <p:nvPr/>
         </p:nvSpPr>
         <p:spPr>
           <a:xfrm>
             <a:off x="4278240" y="10156680"/>
-            <a:ext cx="3279240" cy="533160"/>
+            <a:ext cx="3278880" cy="532800"/>
           </a:xfrm>
           <a:prstGeom prst="rect">
             <a:avLst/>
@@ -673,6 +691,12 @@
             <a:noFill/>
           </a:ln>
         </p:spPr>
+        <p:style>
+          <a:lnRef idx="0"/>
+          <a:fillRef idx="0"/>
+          <a:effectRef idx="0"/>
+          <a:fontRef idx="minor"/>
+        </p:style>
         <p:txBody>
           <a:bodyPr lIns="0" rIns="0" tIns="0" bIns="0" anchor="b"/>
           <a:p>
@@ -681,7 +705,7 @@
                 <a:spcPct val="93000"/>
               </a:lnSpc>
             </a:pPr>
-            <a:fld id="{6CD95834-A186-40A0-91F6-161EF735CC19}" type="slidenum">
+            <a:fld id="{12A75D8F-8422-4180-9C9D-151E68C2AF67}" type="slidenum">
               <a:rPr b="0" lang="en-GB" sz="1400" spc="-1" strike="noStrike">
                 <a:solidFill>
                   <a:srgbClr val="000000"/>
@@ -696,23 +720,23 @@
               </a:rPr>
               <a:t>&lt;number&gt;</a:t>
             </a:fld>
-            <a:endParaRPr b="0" lang="en-GB" sz="1400" spc="-1" strike="noStrike">
-              <a:solidFill>
-                <a:srgbClr val="000000"/>
-              </a:solidFill>
-              <a:uFill>
-                <a:solidFill>
-                  <a:srgbClr val="ffffff"/>
-                </a:solidFill>
-              </a:uFill>
-              <a:latin typeface="Times New Roman"/>
-            </a:endParaRPr>
-          </a:p>
-        </p:txBody>
-      </p:sp>
-      <p:sp>
-        <p:nvSpPr>
-          <p:cNvPr id="152" name="PlaceHolder 2"/>
+            <a:endParaRPr b="0" lang="en-GB" sz="1800" spc="-1" strike="noStrike">
+              <a:solidFill>
+                <a:srgbClr val="000000"/>
+              </a:solidFill>
+              <a:uFill>
+                <a:solidFill>
+                  <a:srgbClr val="ffffff"/>
+                </a:solidFill>
+              </a:uFill>
+              <a:latin typeface="Arial"/>
+            </a:endParaRPr>
+          </a:p>
+        </p:txBody>
+      </p:sp>
+      <p:sp>
+        <p:nvSpPr>
+          <p:cNvPr id="143" name="PlaceHolder 2"/>
           <p:cNvSpPr>
             <a:spLocks noGrp="1"/>
           </p:cNvSpPr>
@@ -723,7 +747,7 @@
         <p:spPr>
           <a:xfrm>
             <a:off x="756720" y="5077440"/>
-            <a:ext cx="6047640" cy="4810680"/>
+            <a:ext cx="6047280" cy="4810320"/>
           </a:xfrm>
           <a:prstGeom prst="rect">
             <a:avLst/>
@@ -792,7 +816,7 @@
       </p:grpSpPr>
       <p:sp>
         <p:nvSpPr>
-          <p:cNvPr id="26" name="PlaceHolder 1"/>
+          <p:cNvPr id="23" name="PlaceHolder 1"/>
           <p:cNvSpPr>
             <a:spLocks noGrp="1"/>
           </p:cNvSpPr>
@@ -803,7 +827,7 @@
         <p:spPr>
           <a:xfrm>
             <a:off x="503280" y="301680"/>
-            <a:ext cx="9069120" cy="1260000"/>
+            <a:ext cx="9068760" cy="1259640"/>
           </a:xfrm>
           <a:prstGeom prst="rect">
             <a:avLst/>
@@ -812,6 +836,7 @@
         <p:txBody>
           <a:bodyPr lIns="0" rIns="0" tIns="0" bIns="0" anchor="ctr"/>
           <a:p>
+            <a:pPr algn="ctr"/>
             <a:endParaRPr b="0" lang="en-GB" sz="4400" spc="-1" strike="noStrike">
               <a:solidFill>
                 <a:srgbClr val="000000"/>
@@ -828,7 +853,7 @@
       </p:sp>
       <p:sp>
         <p:nvSpPr>
-          <p:cNvPr id="27" name="PlaceHolder 2"/>
+          <p:cNvPr id="24" name="PlaceHolder 2"/>
           <p:cNvSpPr>
             <a:spLocks noGrp="1"/>
           </p:cNvSpPr>
@@ -864,7 +889,7 @@
       </p:sp>
       <p:sp>
         <p:nvSpPr>
-          <p:cNvPr id="28" name="PlaceHolder 3"/>
+          <p:cNvPr id="25" name="PlaceHolder 3"/>
           <p:cNvSpPr>
             <a:spLocks noGrp="1"/>
           </p:cNvSpPr>
@@ -922,7 +947,7 @@
       </p:grpSpPr>
       <p:sp>
         <p:nvSpPr>
-          <p:cNvPr id="29" name="PlaceHolder 1"/>
+          <p:cNvPr id="26" name="PlaceHolder 1"/>
           <p:cNvSpPr>
             <a:spLocks noGrp="1"/>
           </p:cNvSpPr>
@@ -933,7 +958,7 @@
         <p:spPr>
           <a:xfrm>
             <a:off x="503280" y="301680"/>
-            <a:ext cx="9069120" cy="1260000"/>
+            <a:ext cx="9068760" cy="1259640"/>
           </a:xfrm>
           <a:prstGeom prst="rect">
             <a:avLst/>
@@ -942,6 +967,7 @@
         <p:txBody>
           <a:bodyPr lIns="0" rIns="0" tIns="0" bIns="0" anchor="ctr"/>
           <a:p>
+            <a:pPr algn="ctr"/>
             <a:endParaRPr b="0" lang="en-GB" sz="4400" spc="-1" strike="noStrike">
               <a:solidFill>
                 <a:srgbClr val="000000"/>
@@ -958,7 +984,7 @@
       </p:sp>
       <p:sp>
         <p:nvSpPr>
-          <p:cNvPr id="30" name="PlaceHolder 2"/>
+          <p:cNvPr id="27" name="PlaceHolder 2"/>
           <p:cNvSpPr>
             <a:spLocks noGrp="1"/>
           </p:cNvSpPr>
@@ -994,7 +1020,7 @@
       </p:sp>
       <p:sp>
         <p:nvSpPr>
-          <p:cNvPr id="31" name="PlaceHolder 3"/>
+          <p:cNvPr id="28" name="PlaceHolder 3"/>
           <p:cNvSpPr>
             <a:spLocks noGrp="1"/>
           </p:cNvSpPr>
@@ -1030,7 +1056,7 @@
       </p:sp>
       <p:sp>
         <p:nvSpPr>
-          <p:cNvPr id="32" name="PlaceHolder 4"/>
+          <p:cNvPr id="29" name="PlaceHolder 4"/>
           <p:cNvSpPr>
             <a:spLocks noGrp="1"/>
           </p:cNvSpPr>
@@ -1066,7 +1092,7 @@
       </p:sp>
       <p:sp>
         <p:nvSpPr>
-          <p:cNvPr id="33" name="PlaceHolder 5"/>
+          <p:cNvPr id="30" name="PlaceHolder 5"/>
           <p:cNvSpPr>
             <a:spLocks noGrp="1"/>
           </p:cNvSpPr>
@@ -1124,7 +1150,7 @@
       </p:grpSpPr>
       <p:sp>
         <p:nvSpPr>
-          <p:cNvPr id="34" name="PlaceHolder 1"/>
+          <p:cNvPr id="31" name="PlaceHolder 1"/>
           <p:cNvSpPr>
             <a:spLocks noGrp="1"/>
           </p:cNvSpPr>
@@ -1135,7 +1161,7 @@
         <p:spPr>
           <a:xfrm>
             <a:off x="503280" y="301680"/>
-            <a:ext cx="9069120" cy="1260000"/>
+            <a:ext cx="9068760" cy="1259640"/>
           </a:xfrm>
           <a:prstGeom prst="rect">
             <a:avLst/>
@@ -1144,6 +1170,7 @@
         <p:txBody>
           <a:bodyPr lIns="0" rIns="0" tIns="0" bIns="0" anchor="ctr"/>
           <a:p>
+            <a:pPr algn="ctr"/>
             <a:endParaRPr b="0" lang="en-GB" sz="4400" spc="-1" strike="noStrike">
               <a:solidFill>
                 <a:srgbClr val="000000"/>
@@ -1160,7 +1187,7 @@
       </p:sp>
       <p:sp>
         <p:nvSpPr>
-          <p:cNvPr id="35" name="PlaceHolder 2"/>
+          <p:cNvPr id="32" name="PlaceHolder 2"/>
           <p:cNvSpPr>
             <a:spLocks noGrp="1"/>
           </p:cNvSpPr>
@@ -1196,7 +1223,7 @@
       </p:sp>
       <p:sp>
         <p:nvSpPr>
-          <p:cNvPr id="36" name="PlaceHolder 3"/>
+          <p:cNvPr id="33" name="PlaceHolder 3"/>
           <p:cNvSpPr>
             <a:spLocks noGrp="1"/>
           </p:cNvSpPr>
@@ -1232,7 +1259,7 @@
       </p:sp>
       <p:pic>
         <p:nvPicPr>
-          <p:cNvPr id="37" name="" descr=""/>
+          <p:cNvPr id="34" name="" descr=""/>
           <p:cNvPicPr/>
           <p:nvPr/>
         </p:nvPicPr>
@@ -1242,8 +1269,8 @@
         </p:blipFill>
         <p:spPr>
           <a:xfrm>
-            <a:off x="2292480" y="1768680"/>
-            <a:ext cx="5494680" cy="4384080"/>
+            <a:off x="2292840" y="1768680"/>
+            <a:ext cx="5493960" cy="4384080"/>
           </a:xfrm>
           <a:prstGeom prst="rect">
             <a:avLst/>
@@ -1255,7 +1282,7 @@
       </p:pic>
       <p:pic>
         <p:nvPicPr>
-          <p:cNvPr id="38" name="" descr=""/>
+          <p:cNvPr id="35" name="" descr=""/>
           <p:cNvPicPr/>
           <p:nvPr/>
         </p:nvPicPr>
@@ -1265,8 +1292,8 @@
         </p:blipFill>
         <p:spPr>
           <a:xfrm>
-            <a:off x="2292480" y="1768680"/>
-            <a:ext cx="5494680" cy="4384080"/>
+            <a:off x="2292840" y="1768680"/>
+            <a:ext cx="5493960" cy="4384080"/>
           </a:xfrm>
           <a:prstGeom prst="rect">
             <a:avLst/>
@@ -1322,7 +1349,7 @@
       </p:grpSpPr>
       <p:sp>
         <p:nvSpPr>
-          <p:cNvPr id="44" name="PlaceHolder 1"/>
+          <p:cNvPr id="38" name="PlaceHolder 1"/>
           <p:cNvSpPr>
             <a:spLocks noGrp="1"/>
           </p:cNvSpPr>
@@ -1333,7 +1360,7 @@
         <p:spPr>
           <a:xfrm>
             <a:off x="503280" y="301680"/>
-            <a:ext cx="9069120" cy="1260000"/>
+            <a:ext cx="9068760" cy="1259640"/>
           </a:xfrm>
           <a:prstGeom prst="rect">
             <a:avLst/>
@@ -1342,6 +1369,7 @@
         <p:txBody>
           <a:bodyPr lIns="0" rIns="0" tIns="0" bIns="0" anchor="ctr"/>
           <a:p>
+            <a:pPr algn="ctr"/>
             <a:endParaRPr b="0" lang="en-GB" sz="4400" spc="-1" strike="noStrike">
               <a:solidFill>
                 <a:srgbClr val="000000"/>
@@ -1358,7 +1386,7 @@
       </p:sp>
       <p:sp>
         <p:nvSpPr>
-          <p:cNvPr id="45" name="PlaceHolder 2"/>
+          <p:cNvPr id="39" name="PlaceHolder 2"/>
           <p:cNvSpPr>
             <a:spLocks noGrp="1"/>
           </p:cNvSpPr>
@@ -1417,7 +1445,7 @@
       </p:grpSpPr>
       <p:sp>
         <p:nvSpPr>
-          <p:cNvPr id="46" name="PlaceHolder 1"/>
+          <p:cNvPr id="40" name="PlaceHolder 1"/>
           <p:cNvSpPr>
             <a:spLocks noGrp="1"/>
           </p:cNvSpPr>
@@ -1428,7 +1456,7 @@
         <p:spPr>
           <a:xfrm>
             <a:off x="503280" y="301680"/>
-            <a:ext cx="9069120" cy="1260000"/>
+            <a:ext cx="9068760" cy="1259640"/>
           </a:xfrm>
           <a:prstGeom prst="rect">
             <a:avLst/>
@@ -1437,6 +1465,7 @@
         <p:txBody>
           <a:bodyPr lIns="0" rIns="0" tIns="0" bIns="0" anchor="ctr"/>
           <a:p>
+            <a:pPr algn="ctr"/>
             <a:endParaRPr b="0" lang="en-GB" sz="4400" spc="-1" strike="noStrike">
               <a:solidFill>
                 <a:srgbClr val="000000"/>
@@ -1453,7 +1482,7 @@
       </p:sp>
       <p:sp>
         <p:nvSpPr>
-          <p:cNvPr id="47" name="PlaceHolder 2"/>
+          <p:cNvPr id="41" name="PlaceHolder 2"/>
           <p:cNvSpPr>
             <a:spLocks noGrp="1"/>
           </p:cNvSpPr>
@@ -1511,7 +1540,7 @@
       </p:grpSpPr>
       <p:sp>
         <p:nvSpPr>
-          <p:cNvPr id="48" name="PlaceHolder 1"/>
+          <p:cNvPr id="42" name="PlaceHolder 1"/>
           <p:cNvSpPr>
             <a:spLocks noGrp="1"/>
           </p:cNvSpPr>
@@ -1522,7 +1551,7 @@
         <p:spPr>
           <a:xfrm>
             <a:off x="503280" y="301680"/>
-            <a:ext cx="9069120" cy="1260000"/>
+            <a:ext cx="9068760" cy="1259640"/>
           </a:xfrm>
           <a:prstGeom prst="rect">
             <a:avLst/>
@@ -1531,6 +1560,7 @@
         <p:txBody>
           <a:bodyPr lIns="0" rIns="0" tIns="0" bIns="0" anchor="ctr"/>
           <a:p>
+            <a:pPr algn="ctr"/>
             <a:endParaRPr b="0" lang="en-GB" sz="4400" spc="-1" strike="noStrike">
               <a:solidFill>
                 <a:srgbClr val="000000"/>
@@ -1547,7 +1577,7 @@
       </p:sp>
       <p:sp>
         <p:nvSpPr>
-          <p:cNvPr id="49" name="PlaceHolder 2"/>
+          <p:cNvPr id="43" name="PlaceHolder 2"/>
           <p:cNvSpPr>
             <a:spLocks noGrp="1"/>
           </p:cNvSpPr>
@@ -1583,7 +1613,7 @@
       </p:sp>
       <p:sp>
         <p:nvSpPr>
-          <p:cNvPr id="50" name="PlaceHolder 3"/>
+          <p:cNvPr id="44" name="PlaceHolder 3"/>
           <p:cNvSpPr>
             <a:spLocks noGrp="1"/>
           </p:cNvSpPr>
@@ -1641,7 +1671,7 @@
       </p:grpSpPr>
       <p:sp>
         <p:nvSpPr>
-          <p:cNvPr id="51" name="PlaceHolder 1"/>
+          <p:cNvPr id="45" name="PlaceHolder 1"/>
           <p:cNvSpPr>
             <a:spLocks noGrp="1"/>
           </p:cNvSpPr>
@@ -1652,7 +1682,7 @@
         <p:spPr>
           <a:xfrm>
             <a:off x="503280" y="301680"/>
-            <a:ext cx="9069120" cy="1260000"/>
+            <a:ext cx="9068760" cy="1259640"/>
           </a:xfrm>
           <a:prstGeom prst="rect">
             <a:avLst/>
@@ -1661,6 +1691,7 @@
         <p:txBody>
           <a:bodyPr lIns="0" rIns="0" tIns="0" bIns="0" anchor="ctr"/>
           <a:p>
+            <a:pPr algn="ctr"/>
             <a:endParaRPr b="0" lang="en-GB" sz="4400" spc="-1" strike="noStrike">
               <a:solidFill>
                 <a:srgbClr val="000000"/>
@@ -1699,7 +1730,7 @@
       </p:grpSpPr>
       <p:sp>
         <p:nvSpPr>
-          <p:cNvPr id="52" name="PlaceHolder 1"/>
+          <p:cNvPr id="46" name="PlaceHolder 1"/>
           <p:cNvSpPr>
             <a:spLocks noGrp="1"/>
           </p:cNvSpPr>
@@ -1710,7 +1741,7 @@
         <p:spPr>
           <a:xfrm>
             <a:off x="503280" y="301680"/>
-            <a:ext cx="9069120" cy="5842080"/>
+            <a:ext cx="9068760" cy="5840280"/>
           </a:xfrm>
           <a:prstGeom prst="rect">
             <a:avLst/>
@@ -1758,7 +1789,7 @@
       </p:grpSpPr>
       <p:sp>
         <p:nvSpPr>
-          <p:cNvPr id="53" name="PlaceHolder 1"/>
+          <p:cNvPr id="47" name="PlaceHolder 1"/>
           <p:cNvSpPr>
             <a:spLocks noGrp="1"/>
           </p:cNvSpPr>
@@ -1769,7 +1800,7 @@
         <p:spPr>
           <a:xfrm>
             <a:off x="503280" y="301680"/>
-            <a:ext cx="9069120" cy="1260000"/>
+            <a:ext cx="9068760" cy="1259640"/>
           </a:xfrm>
           <a:prstGeom prst="rect">
             <a:avLst/>
@@ -1778,6 +1809,7 @@
         <p:txBody>
           <a:bodyPr lIns="0" rIns="0" tIns="0" bIns="0" anchor="ctr"/>
           <a:p>
+            <a:pPr algn="ctr"/>
             <a:endParaRPr b="0" lang="en-GB" sz="4400" spc="-1" strike="noStrike">
               <a:solidFill>
                 <a:srgbClr val="000000"/>
@@ -1794,7 +1826,7 @@
       </p:sp>
       <p:sp>
         <p:nvSpPr>
-          <p:cNvPr id="54" name="PlaceHolder 2"/>
+          <p:cNvPr id="48" name="PlaceHolder 2"/>
           <p:cNvSpPr>
             <a:spLocks noGrp="1"/>
           </p:cNvSpPr>
@@ -1830,7 +1862,7 @@
       </p:sp>
       <p:sp>
         <p:nvSpPr>
-          <p:cNvPr id="55" name="PlaceHolder 3"/>
+          <p:cNvPr id="49" name="PlaceHolder 3"/>
           <p:cNvSpPr>
             <a:spLocks noGrp="1"/>
           </p:cNvSpPr>
@@ -1866,7 +1898,7 @@
       </p:sp>
       <p:sp>
         <p:nvSpPr>
-          <p:cNvPr id="56" name="PlaceHolder 4"/>
+          <p:cNvPr id="50" name="PlaceHolder 4"/>
           <p:cNvSpPr>
             <a:spLocks noGrp="1"/>
           </p:cNvSpPr>
@@ -1924,7 +1956,7 @@
       </p:grpSpPr>
       <p:sp>
         <p:nvSpPr>
-          <p:cNvPr id="5" name="PlaceHolder 1"/>
+          <p:cNvPr id="2" name="PlaceHolder 1"/>
           <p:cNvSpPr>
             <a:spLocks noGrp="1"/>
           </p:cNvSpPr>
@@ -1935,7 +1967,7 @@
         <p:spPr>
           <a:xfrm>
             <a:off x="503280" y="301680"/>
-            <a:ext cx="9069120" cy="1260000"/>
+            <a:ext cx="9068760" cy="1259640"/>
           </a:xfrm>
           <a:prstGeom prst="rect">
             <a:avLst/>
@@ -1944,6 +1976,7 @@
         <p:txBody>
           <a:bodyPr lIns="0" rIns="0" tIns="0" bIns="0" anchor="ctr"/>
           <a:p>
+            <a:pPr algn="ctr"/>
             <a:endParaRPr b="0" lang="en-GB" sz="4400" spc="-1" strike="noStrike">
               <a:solidFill>
                 <a:srgbClr val="000000"/>
@@ -1960,7 +1993,7 @@
       </p:sp>
       <p:sp>
         <p:nvSpPr>
-          <p:cNvPr id="6" name="PlaceHolder 2"/>
+          <p:cNvPr id="3" name="PlaceHolder 2"/>
           <p:cNvSpPr>
             <a:spLocks noGrp="1"/>
           </p:cNvSpPr>
@@ -2019,7 +2052,7 @@
       </p:grpSpPr>
       <p:sp>
         <p:nvSpPr>
-          <p:cNvPr id="57" name="PlaceHolder 1"/>
+          <p:cNvPr id="51" name="PlaceHolder 1"/>
           <p:cNvSpPr>
             <a:spLocks noGrp="1"/>
           </p:cNvSpPr>
@@ -2030,7 +2063,7 @@
         <p:spPr>
           <a:xfrm>
             <a:off x="503280" y="301680"/>
-            <a:ext cx="9069120" cy="1260000"/>
+            <a:ext cx="9068760" cy="1259640"/>
           </a:xfrm>
           <a:prstGeom prst="rect">
             <a:avLst/>
@@ -2039,6 +2072,7 @@
         <p:txBody>
           <a:bodyPr lIns="0" rIns="0" tIns="0" bIns="0" anchor="ctr"/>
           <a:p>
+            <a:pPr algn="ctr"/>
             <a:endParaRPr b="0" lang="en-GB" sz="4400" spc="-1" strike="noStrike">
               <a:solidFill>
                 <a:srgbClr val="000000"/>
@@ -2055,7 +2089,7 @@
       </p:sp>
       <p:sp>
         <p:nvSpPr>
-          <p:cNvPr id="58" name="PlaceHolder 2"/>
+          <p:cNvPr id="52" name="PlaceHolder 2"/>
           <p:cNvSpPr>
             <a:spLocks noGrp="1"/>
           </p:cNvSpPr>
@@ -2091,7 +2125,7 @@
       </p:sp>
       <p:sp>
         <p:nvSpPr>
-          <p:cNvPr id="59" name="PlaceHolder 3"/>
+          <p:cNvPr id="53" name="PlaceHolder 3"/>
           <p:cNvSpPr>
             <a:spLocks noGrp="1"/>
           </p:cNvSpPr>
@@ -2127,7 +2161,7 @@
       </p:sp>
       <p:sp>
         <p:nvSpPr>
-          <p:cNvPr id="60" name="PlaceHolder 4"/>
+          <p:cNvPr id="54" name="PlaceHolder 4"/>
           <p:cNvSpPr>
             <a:spLocks noGrp="1"/>
           </p:cNvSpPr>
@@ -2185,7 +2219,7 @@
       </p:grpSpPr>
       <p:sp>
         <p:nvSpPr>
-          <p:cNvPr id="61" name="PlaceHolder 1"/>
+          <p:cNvPr id="55" name="PlaceHolder 1"/>
           <p:cNvSpPr>
             <a:spLocks noGrp="1"/>
           </p:cNvSpPr>
@@ -2196,7 +2230,7 @@
         <p:spPr>
           <a:xfrm>
             <a:off x="503280" y="301680"/>
-            <a:ext cx="9069120" cy="1260000"/>
+            <a:ext cx="9068760" cy="1259640"/>
           </a:xfrm>
           <a:prstGeom prst="rect">
             <a:avLst/>
@@ -2205,6 +2239,7 @@
         <p:txBody>
           <a:bodyPr lIns="0" rIns="0" tIns="0" bIns="0" anchor="ctr"/>
           <a:p>
+            <a:pPr algn="ctr"/>
             <a:endParaRPr b="0" lang="en-GB" sz="4400" spc="-1" strike="noStrike">
               <a:solidFill>
                 <a:srgbClr val="000000"/>
@@ -2221,7 +2256,7 @@
       </p:sp>
       <p:sp>
         <p:nvSpPr>
-          <p:cNvPr id="62" name="PlaceHolder 2"/>
+          <p:cNvPr id="56" name="PlaceHolder 2"/>
           <p:cNvSpPr>
             <a:spLocks noGrp="1"/>
           </p:cNvSpPr>
@@ -2257,7 +2292,7 @@
       </p:sp>
       <p:sp>
         <p:nvSpPr>
-          <p:cNvPr id="63" name="PlaceHolder 3"/>
+          <p:cNvPr id="57" name="PlaceHolder 3"/>
           <p:cNvSpPr>
             <a:spLocks noGrp="1"/>
           </p:cNvSpPr>
@@ -2293,7 +2328,7 @@
       </p:sp>
       <p:sp>
         <p:nvSpPr>
-          <p:cNvPr id="64" name="PlaceHolder 4"/>
+          <p:cNvPr id="58" name="PlaceHolder 4"/>
           <p:cNvSpPr>
             <a:spLocks noGrp="1"/>
           </p:cNvSpPr>
@@ -2351,7 +2386,7 @@
       </p:grpSpPr>
       <p:sp>
         <p:nvSpPr>
-          <p:cNvPr id="65" name="PlaceHolder 1"/>
+          <p:cNvPr id="59" name="PlaceHolder 1"/>
           <p:cNvSpPr>
             <a:spLocks noGrp="1"/>
           </p:cNvSpPr>
@@ -2362,7 +2397,7 @@
         <p:spPr>
           <a:xfrm>
             <a:off x="503280" y="301680"/>
-            <a:ext cx="9069120" cy="1260000"/>
+            <a:ext cx="9068760" cy="1259640"/>
           </a:xfrm>
           <a:prstGeom prst="rect">
             <a:avLst/>
@@ -2371,6 +2406,7 @@
         <p:txBody>
           <a:bodyPr lIns="0" rIns="0" tIns="0" bIns="0" anchor="ctr"/>
           <a:p>
+            <a:pPr algn="ctr"/>
             <a:endParaRPr b="0" lang="en-GB" sz="4400" spc="-1" strike="noStrike">
               <a:solidFill>
                 <a:srgbClr val="000000"/>
@@ -2387,7 +2423,7 @@
       </p:sp>
       <p:sp>
         <p:nvSpPr>
-          <p:cNvPr id="66" name="PlaceHolder 2"/>
+          <p:cNvPr id="60" name="PlaceHolder 2"/>
           <p:cNvSpPr>
             <a:spLocks noGrp="1"/>
           </p:cNvSpPr>
@@ -2423,7 +2459,7 @@
       </p:sp>
       <p:sp>
         <p:nvSpPr>
-          <p:cNvPr id="67" name="PlaceHolder 3"/>
+          <p:cNvPr id="61" name="PlaceHolder 3"/>
           <p:cNvSpPr>
             <a:spLocks noGrp="1"/>
           </p:cNvSpPr>
@@ -2481,7 +2517,7 @@
       </p:grpSpPr>
       <p:sp>
         <p:nvSpPr>
-          <p:cNvPr id="68" name="PlaceHolder 1"/>
+          <p:cNvPr id="62" name="PlaceHolder 1"/>
           <p:cNvSpPr>
             <a:spLocks noGrp="1"/>
           </p:cNvSpPr>
@@ -2492,7 +2528,7 @@
         <p:spPr>
           <a:xfrm>
             <a:off x="503280" y="301680"/>
-            <a:ext cx="9069120" cy="1260000"/>
+            <a:ext cx="9068760" cy="1259640"/>
           </a:xfrm>
           <a:prstGeom prst="rect">
             <a:avLst/>
@@ -2501,6 +2537,7 @@
         <p:txBody>
           <a:bodyPr lIns="0" rIns="0" tIns="0" bIns="0" anchor="ctr"/>
           <a:p>
+            <a:pPr algn="ctr"/>
             <a:endParaRPr b="0" lang="en-GB" sz="4400" spc="-1" strike="noStrike">
               <a:solidFill>
                 <a:srgbClr val="000000"/>
@@ -2517,7 +2554,7 @@
       </p:sp>
       <p:sp>
         <p:nvSpPr>
-          <p:cNvPr id="69" name="PlaceHolder 2"/>
+          <p:cNvPr id="63" name="PlaceHolder 2"/>
           <p:cNvSpPr>
             <a:spLocks noGrp="1"/>
           </p:cNvSpPr>
@@ -2553,7 +2590,7 @@
       </p:sp>
       <p:sp>
         <p:nvSpPr>
-          <p:cNvPr id="70" name="PlaceHolder 3"/>
+          <p:cNvPr id="64" name="PlaceHolder 3"/>
           <p:cNvSpPr>
             <a:spLocks noGrp="1"/>
           </p:cNvSpPr>
@@ -2589,7 +2626,7 @@
       </p:sp>
       <p:sp>
         <p:nvSpPr>
-          <p:cNvPr id="71" name="PlaceHolder 4"/>
+          <p:cNvPr id="65" name="PlaceHolder 4"/>
           <p:cNvSpPr>
             <a:spLocks noGrp="1"/>
           </p:cNvSpPr>
@@ -2625,7 +2662,7 @@
       </p:sp>
       <p:sp>
         <p:nvSpPr>
-          <p:cNvPr id="72" name="PlaceHolder 5"/>
+          <p:cNvPr id="66" name="PlaceHolder 5"/>
           <p:cNvSpPr>
             <a:spLocks noGrp="1"/>
           </p:cNvSpPr>
@@ -2683,7 +2720,7 @@
       </p:grpSpPr>
       <p:sp>
         <p:nvSpPr>
-          <p:cNvPr id="73" name="PlaceHolder 1"/>
+          <p:cNvPr id="67" name="PlaceHolder 1"/>
           <p:cNvSpPr>
             <a:spLocks noGrp="1"/>
           </p:cNvSpPr>
@@ -2694,7 +2731,7 @@
         <p:spPr>
           <a:xfrm>
             <a:off x="503280" y="301680"/>
-            <a:ext cx="9069120" cy="1260000"/>
+            <a:ext cx="9068760" cy="1259640"/>
           </a:xfrm>
           <a:prstGeom prst="rect">
             <a:avLst/>
@@ -2703,6 +2740,7 @@
         <p:txBody>
           <a:bodyPr lIns="0" rIns="0" tIns="0" bIns="0" anchor="ctr"/>
           <a:p>
+            <a:pPr algn="ctr"/>
             <a:endParaRPr b="0" lang="en-GB" sz="4400" spc="-1" strike="noStrike">
               <a:solidFill>
                 <a:srgbClr val="000000"/>
@@ -2719,7 +2757,7 @@
       </p:sp>
       <p:sp>
         <p:nvSpPr>
-          <p:cNvPr id="74" name="PlaceHolder 2"/>
+          <p:cNvPr id="68" name="PlaceHolder 2"/>
           <p:cNvSpPr>
             <a:spLocks noGrp="1"/>
           </p:cNvSpPr>
@@ -2755,7 +2793,7 @@
       </p:sp>
       <p:sp>
         <p:nvSpPr>
-          <p:cNvPr id="75" name="PlaceHolder 3"/>
+          <p:cNvPr id="69" name="PlaceHolder 3"/>
           <p:cNvSpPr>
             <a:spLocks noGrp="1"/>
           </p:cNvSpPr>
@@ -2791,7 +2829,7 @@
       </p:sp>
       <p:pic>
         <p:nvPicPr>
-          <p:cNvPr id="76" name="" descr=""/>
+          <p:cNvPr id="70" name="" descr=""/>
           <p:cNvPicPr/>
           <p:nvPr/>
         </p:nvPicPr>
@@ -2801,8 +2839,8 @@
         </p:blipFill>
         <p:spPr>
           <a:xfrm>
-            <a:off x="2292480" y="1768680"/>
-            <a:ext cx="5494680" cy="4384080"/>
+            <a:off x="2292840" y="1768680"/>
+            <a:ext cx="5493960" cy="4384080"/>
           </a:xfrm>
           <a:prstGeom prst="rect">
             <a:avLst/>
@@ -2814,7 +2852,7 @@
       </p:pic>
       <p:pic>
         <p:nvPicPr>
-          <p:cNvPr id="77" name="" descr=""/>
+          <p:cNvPr id="71" name="" descr=""/>
           <p:cNvPicPr/>
           <p:nvPr/>
         </p:nvPicPr>
@@ -2824,8 +2862,8 @@
         </p:blipFill>
         <p:spPr>
           <a:xfrm>
-            <a:off x="2292480" y="1768680"/>
-            <a:ext cx="5494680" cy="4384080"/>
+            <a:off x="2292840" y="1768680"/>
+            <a:ext cx="5493960" cy="4384080"/>
           </a:xfrm>
           <a:prstGeom prst="rect">
             <a:avLst/>
@@ -2881,7 +2919,7 @@
       </p:grpSpPr>
       <p:sp>
         <p:nvSpPr>
-          <p:cNvPr id="83" name="PlaceHolder 1"/>
+          <p:cNvPr id="74" name="PlaceHolder 1"/>
           <p:cNvSpPr>
             <a:spLocks noGrp="1"/>
           </p:cNvSpPr>
@@ -2892,7 +2930,7 @@
         <p:spPr>
           <a:xfrm>
             <a:off x="503280" y="301680"/>
-            <a:ext cx="9069120" cy="1260000"/>
+            <a:ext cx="9068760" cy="1259640"/>
           </a:xfrm>
           <a:prstGeom prst="rect">
             <a:avLst/>
@@ -2901,6 +2939,7 @@
         <p:txBody>
           <a:bodyPr lIns="0" rIns="0" tIns="0" bIns="0" anchor="ctr"/>
           <a:p>
+            <a:pPr algn="ctr"/>
             <a:endParaRPr b="0" lang="en-GB" sz="4400" spc="-1" strike="noStrike">
               <a:solidFill>
                 <a:srgbClr val="000000"/>
@@ -2917,7 +2956,7 @@
       </p:sp>
       <p:sp>
         <p:nvSpPr>
-          <p:cNvPr id="84" name="PlaceHolder 2"/>
+          <p:cNvPr id="75" name="PlaceHolder 2"/>
           <p:cNvSpPr>
             <a:spLocks noGrp="1"/>
           </p:cNvSpPr>
@@ -2976,7 +3015,7 @@
       </p:grpSpPr>
       <p:sp>
         <p:nvSpPr>
-          <p:cNvPr id="85" name="PlaceHolder 1"/>
+          <p:cNvPr id="76" name="PlaceHolder 1"/>
           <p:cNvSpPr>
             <a:spLocks noGrp="1"/>
           </p:cNvSpPr>
@@ -2987,7 +3026,7 @@
         <p:spPr>
           <a:xfrm>
             <a:off x="503280" y="301680"/>
-            <a:ext cx="9069120" cy="1260000"/>
+            <a:ext cx="9068760" cy="1259640"/>
           </a:xfrm>
           <a:prstGeom prst="rect">
             <a:avLst/>
@@ -2996,6 +3035,7 @@
         <p:txBody>
           <a:bodyPr lIns="0" rIns="0" tIns="0" bIns="0" anchor="ctr"/>
           <a:p>
+            <a:pPr algn="ctr"/>
             <a:endParaRPr b="0" lang="en-GB" sz="4400" spc="-1" strike="noStrike">
               <a:solidFill>
                 <a:srgbClr val="000000"/>
@@ -3012,7 +3052,7 @@
       </p:sp>
       <p:sp>
         <p:nvSpPr>
-          <p:cNvPr id="86" name="PlaceHolder 2"/>
+          <p:cNvPr id="77" name="PlaceHolder 2"/>
           <p:cNvSpPr>
             <a:spLocks noGrp="1"/>
           </p:cNvSpPr>
@@ -3070,7 +3110,7 @@
       </p:grpSpPr>
       <p:sp>
         <p:nvSpPr>
-          <p:cNvPr id="87" name="PlaceHolder 1"/>
+          <p:cNvPr id="78" name="PlaceHolder 1"/>
           <p:cNvSpPr>
             <a:spLocks noGrp="1"/>
           </p:cNvSpPr>
@@ -3081,7 +3121,7 @@
         <p:spPr>
           <a:xfrm>
             <a:off x="503280" y="301680"/>
-            <a:ext cx="9069120" cy="1260000"/>
+            <a:ext cx="9068760" cy="1259640"/>
           </a:xfrm>
           <a:prstGeom prst="rect">
             <a:avLst/>
@@ -3090,6 +3130,7 @@
         <p:txBody>
           <a:bodyPr lIns="0" rIns="0" tIns="0" bIns="0" anchor="ctr"/>
           <a:p>
+            <a:pPr algn="ctr"/>
             <a:endParaRPr b="0" lang="en-GB" sz="4400" spc="-1" strike="noStrike">
               <a:solidFill>
                 <a:srgbClr val="000000"/>
@@ -3106,7 +3147,7 @@
       </p:sp>
       <p:sp>
         <p:nvSpPr>
-          <p:cNvPr id="88" name="PlaceHolder 2"/>
+          <p:cNvPr id="79" name="PlaceHolder 2"/>
           <p:cNvSpPr>
             <a:spLocks noGrp="1"/>
           </p:cNvSpPr>
@@ -3142,7 +3183,7 @@
       </p:sp>
       <p:sp>
         <p:nvSpPr>
-          <p:cNvPr id="89" name="PlaceHolder 3"/>
+          <p:cNvPr id="80" name="PlaceHolder 3"/>
           <p:cNvSpPr>
             <a:spLocks noGrp="1"/>
           </p:cNvSpPr>
@@ -3200,7 +3241,7 @@
       </p:grpSpPr>
       <p:sp>
         <p:nvSpPr>
-          <p:cNvPr id="90" name="PlaceHolder 1"/>
+          <p:cNvPr id="81" name="PlaceHolder 1"/>
           <p:cNvSpPr>
             <a:spLocks noGrp="1"/>
           </p:cNvSpPr>
@@ -3211,7 +3252,7 @@
         <p:spPr>
           <a:xfrm>
             <a:off x="503280" y="301680"/>
-            <a:ext cx="9069120" cy="1260000"/>
+            <a:ext cx="9068760" cy="1259640"/>
           </a:xfrm>
           <a:prstGeom prst="rect">
             <a:avLst/>
@@ -3220,6 +3261,7 @@
         <p:txBody>
           <a:bodyPr lIns="0" rIns="0" tIns="0" bIns="0" anchor="ctr"/>
           <a:p>
+            <a:pPr algn="ctr"/>
             <a:endParaRPr b="0" lang="en-GB" sz="4400" spc="-1" strike="noStrike">
               <a:solidFill>
                 <a:srgbClr val="000000"/>
@@ -3258,7 +3300,7 @@
       </p:grpSpPr>
       <p:sp>
         <p:nvSpPr>
-          <p:cNvPr id="7" name="PlaceHolder 1"/>
+          <p:cNvPr id="4" name="PlaceHolder 1"/>
           <p:cNvSpPr>
             <a:spLocks noGrp="1"/>
           </p:cNvSpPr>
@@ -3269,7 +3311,7 @@
         <p:spPr>
           <a:xfrm>
             <a:off x="503280" y="301680"/>
-            <a:ext cx="9069120" cy="1260000"/>
+            <a:ext cx="9068760" cy="1259640"/>
           </a:xfrm>
           <a:prstGeom prst="rect">
             <a:avLst/>
@@ -3278,6 +3320,7 @@
         <p:txBody>
           <a:bodyPr lIns="0" rIns="0" tIns="0" bIns="0" anchor="ctr"/>
           <a:p>
+            <a:pPr algn="ctr"/>
             <a:endParaRPr b="0" lang="en-GB" sz="4400" spc="-1" strike="noStrike">
               <a:solidFill>
                 <a:srgbClr val="000000"/>
@@ -3294,7 +3337,7 @@
       </p:sp>
       <p:sp>
         <p:nvSpPr>
-          <p:cNvPr id="8" name="PlaceHolder 2"/>
+          <p:cNvPr id="5" name="PlaceHolder 2"/>
           <p:cNvSpPr>
             <a:spLocks noGrp="1"/>
           </p:cNvSpPr>
@@ -3352,7 +3395,7 @@
       </p:grpSpPr>
       <p:sp>
         <p:nvSpPr>
-          <p:cNvPr id="91" name="PlaceHolder 1"/>
+          <p:cNvPr id="82" name="PlaceHolder 1"/>
           <p:cNvSpPr>
             <a:spLocks noGrp="1"/>
           </p:cNvSpPr>
@@ -3363,7 +3406,7 @@
         <p:spPr>
           <a:xfrm>
             <a:off x="503280" y="301680"/>
-            <a:ext cx="9069120" cy="5842080"/>
+            <a:ext cx="9068760" cy="5840280"/>
           </a:xfrm>
           <a:prstGeom prst="rect">
             <a:avLst/>
@@ -3411,7 +3454,7 @@
       </p:grpSpPr>
       <p:sp>
         <p:nvSpPr>
-          <p:cNvPr id="92" name="PlaceHolder 1"/>
+          <p:cNvPr id="83" name="PlaceHolder 1"/>
           <p:cNvSpPr>
             <a:spLocks noGrp="1"/>
           </p:cNvSpPr>
@@ -3422,7 +3465,7 @@
         <p:spPr>
           <a:xfrm>
             <a:off x="503280" y="301680"/>
-            <a:ext cx="9069120" cy="1260000"/>
+            <a:ext cx="9068760" cy="1259640"/>
           </a:xfrm>
           <a:prstGeom prst="rect">
             <a:avLst/>
@@ -3431,6 +3474,7 @@
         <p:txBody>
           <a:bodyPr lIns="0" rIns="0" tIns="0" bIns="0" anchor="ctr"/>
           <a:p>
+            <a:pPr algn="ctr"/>
             <a:endParaRPr b="0" lang="en-GB" sz="4400" spc="-1" strike="noStrike">
               <a:solidFill>
                 <a:srgbClr val="000000"/>
@@ -3447,7 +3491,7 @@
       </p:sp>
       <p:sp>
         <p:nvSpPr>
-          <p:cNvPr id="93" name="PlaceHolder 2"/>
+          <p:cNvPr id="84" name="PlaceHolder 2"/>
           <p:cNvSpPr>
             <a:spLocks noGrp="1"/>
           </p:cNvSpPr>
@@ -3483,7 +3527,7 @@
       </p:sp>
       <p:sp>
         <p:nvSpPr>
-          <p:cNvPr id="94" name="PlaceHolder 3"/>
+          <p:cNvPr id="85" name="PlaceHolder 3"/>
           <p:cNvSpPr>
             <a:spLocks noGrp="1"/>
           </p:cNvSpPr>
@@ -3519,7 +3563,7 @@
       </p:sp>
       <p:sp>
         <p:nvSpPr>
-          <p:cNvPr id="95" name="PlaceHolder 4"/>
+          <p:cNvPr id="86" name="PlaceHolder 4"/>
           <p:cNvSpPr>
             <a:spLocks noGrp="1"/>
           </p:cNvSpPr>
@@ -3577,7 +3621,7 @@
       </p:grpSpPr>
       <p:sp>
         <p:nvSpPr>
-          <p:cNvPr id="96" name="PlaceHolder 1"/>
+          <p:cNvPr id="87" name="PlaceHolder 1"/>
           <p:cNvSpPr>
             <a:spLocks noGrp="1"/>
           </p:cNvSpPr>
@@ -3588,7 +3632,7 @@
         <p:spPr>
           <a:xfrm>
             <a:off x="503280" y="301680"/>
-            <a:ext cx="9069120" cy="1260000"/>
+            <a:ext cx="9068760" cy="1259640"/>
           </a:xfrm>
           <a:prstGeom prst="rect">
             <a:avLst/>
@@ -3597,6 +3641,7 @@
         <p:txBody>
           <a:bodyPr lIns="0" rIns="0" tIns="0" bIns="0" anchor="ctr"/>
           <a:p>
+            <a:pPr algn="ctr"/>
             <a:endParaRPr b="0" lang="en-GB" sz="4400" spc="-1" strike="noStrike">
               <a:solidFill>
                 <a:srgbClr val="000000"/>
@@ -3613,7 +3658,7 @@
       </p:sp>
       <p:sp>
         <p:nvSpPr>
-          <p:cNvPr id="97" name="PlaceHolder 2"/>
+          <p:cNvPr id="88" name="PlaceHolder 2"/>
           <p:cNvSpPr>
             <a:spLocks noGrp="1"/>
           </p:cNvSpPr>
@@ -3649,7 +3694,7 @@
       </p:sp>
       <p:sp>
         <p:nvSpPr>
-          <p:cNvPr id="98" name="PlaceHolder 3"/>
+          <p:cNvPr id="89" name="PlaceHolder 3"/>
           <p:cNvSpPr>
             <a:spLocks noGrp="1"/>
           </p:cNvSpPr>
@@ -3685,7 +3730,7 @@
       </p:sp>
       <p:sp>
         <p:nvSpPr>
-          <p:cNvPr id="99" name="PlaceHolder 4"/>
+          <p:cNvPr id="90" name="PlaceHolder 4"/>
           <p:cNvSpPr>
             <a:spLocks noGrp="1"/>
           </p:cNvSpPr>
@@ -3743,7 +3788,7 @@
       </p:grpSpPr>
       <p:sp>
         <p:nvSpPr>
-          <p:cNvPr id="100" name="PlaceHolder 1"/>
+          <p:cNvPr id="91" name="PlaceHolder 1"/>
           <p:cNvSpPr>
             <a:spLocks noGrp="1"/>
           </p:cNvSpPr>
@@ -3754,7 +3799,7 @@
         <p:spPr>
           <a:xfrm>
             <a:off x="503280" y="301680"/>
-            <a:ext cx="9069120" cy="1260000"/>
+            <a:ext cx="9068760" cy="1259640"/>
           </a:xfrm>
           <a:prstGeom prst="rect">
             <a:avLst/>
@@ -3763,6 +3808,7 @@
         <p:txBody>
           <a:bodyPr lIns="0" rIns="0" tIns="0" bIns="0" anchor="ctr"/>
           <a:p>
+            <a:pPr algn="ctr"/>
             <a:endParaRPr b="0" lang="en-GB" sz="4400" spc="-1" strike="noStrike">
               <a:solidFill>
                 <a:srgbClr val="000000"/>
@@ -3779,7 +3825,7 @@
       </p:sp>
       <p:sp>
         <p:nvSpPr>
-          <p:cNvPr id="101" name="PlaceHolder 2"/>
+          <p:cNvPr id="92" name="PlaceHolder 2"/>
           <p:cNvSpPr>
             <a:spLocks noGrp="1"/>
           </p:cNvSpPr>
@@ -3815,7 +3861,7 @@
       </p:sp>
       <p:sp>
         <p:nvSpPr>
-          <p:cNvPr id="102" name="PlaceHolder 3"/>
+          <p:cNvPr id="93" name="PlaceHolder 3"/>
           <p:cNvSpPr>
             <a:spLocks noGrp="1"/>
           </p:cNvSpPr>
@@ -3851,7 +3897,7 @@
       </p:sp>
       <p:sp>
         <p:nvSpPr>
-          <p:cNvPr id="103" name="PlaceHolder 4"/>
+          <p:cNvPr id="94" name="PlaceHolder 4"/>
           <p:cNvSpPr>
             <a:spLocks noGrp="1"/>
           </p:cNvSpPr>
@@ -3909,7 +3955,7 @@
       </p:grpSpPr>
       <p:sp>
         <p:nvSpPr>
-          <p:cNvPr id="104" name="PlaceHolder 1"/>
+          <p:cNvPr id="95" name="PlaceHolder 1"/>
           <p:cNvSpPr>
             <a:spLocks noGrp="1"/>
           </p:cNvSpPr>
@@ -3920,7 +3966,7 @@
         <p:spPr>
           <a:xfrm>
             <a:off x="503280" y="301680"/>
-            <a:ext cx="9069120" cy="1260000"/>
+            <a:ext cx="9068760" cy="1259640"/>
           </a:xfrm>
           <a:prstGeom prst="rect">
             <a:avLst/>
@@ -3929,6 +3975,7 @@
         <p:txBody>
           <a:bodyPr lIns="0" rIns="0" tIns="0" bIns="0" anchor="ctr"/>
           <a:p>
+            <a:pPr algn="ctr"/>
             <a:endParaRPr b="0" lang="en-GB" sz="4400" spc="-1" strike="noStrike">
               <a:solidFill>
                 <a:srgbClr val="000000"/>
@@ -3945,7 +3992,7 @@
       </p:sp>
       <p:sp>
         <p:nvSpPr>
-          <p:cNvPr id="105" name="PlaceHolder 2"/>
+          <p:cNvPr id="96" name="PlaceHolder 2"/>
           <p:cNvSpPr>
             <a:spLocks noGrp="1"/>
           </p:cNvSpPr>
@@ -3981,7 +4028,7 @@
       </p:sp>
       <p:sp>
         <p:nvSpPr>
-          <p:cNvPr id="106" name="PlaceHolder 3"/>
+          <p:cNvPr id="97" name="PlaceHolder 3"/>
           <p:cNvSpPr>
             <a:spLocks noGrp="1"/>
           </p:cNvSpPr>
@@ -4039,7 +4086,7 @@
       </p:grpSpPr>
       <p:sp>
         <p:nvSpPr>
-          <p:cNvPr id="107" name="PlaceHolder 1"/>
+          <p:cNvPr id="98" name="PlaceHolder 1"/>
           <p:cNvSpPr>
             <a:spLocks noGrp="1"/>
           </p:cNvSpPr>
@@ -4050,7 +4097,7 @@
         <p:spPr>
           <a:xfrm>
             <a:off x="503280" y="301680"/>
-            <a:ext cx="9069120" cy="1260000"/>
+            <a:ext cx="9068760" cy="1259640"/>
           </a:xfrm>
           <a:prstGeom prst="rect">
             <a:avLst/>
@@ -4059,6 +4106,7 @@
         <p:txBody>
           <a:bodyPr lIns="0" rIns="0" tIns="0" bIns="0" anchor="ctr"/>
           <a:p>
+            <a:pPr algn="ctr"/>
             <a:endParaRPr b="0" lang="en-GB" sz="4400" spc="-1" strike="noStrike">
               <a:solidFill>
                 <a:srgbClr val="000000"/>
@@ -4075,7 +4123,7 @@
       </p:sp>
       <p:sp>
         <p:nvSpPr>
-          <p:cNvPr id="108" name="PlaceHolder 2"/>
+          <p:cNvPr id="99" name="PlaceHolder 2"/>
           <p:cNvSpPr>
             <a:spLocks noGrp="1"/>
           </p:cNvSpPr>
@@ -4111,7 +4159,7 @@
       </p:sp>
       <p:sp>
         <p:nvSpPr>
-          <p:cNvPr id="109" name="PlaceHolder 3"/>
+          <p:cNvPr id="100" name="PlaceHolder 3"/>
           <p:cNvSpPr>
             <a:spLocks noGrp="1"/>
           </p:cNvSpPr>
@@ -4147,7 +4195,7 @@
       </p:sp>
       <p:sp>
         <p:nvSpPr>
-          <p:cNvPr id="110" name="PlaceHolder 4"/>
+          <p:cNvPr id="101" name="PlaceHolder 4"/>
           <p:cNvSpPr>
             <a:spLocks noGrp="1"/>
           </p:cNvSpPr>
@@ -4183,7 +4231,7 @@
       </p:sp>
       <p:sp>
         <p:nvSpPr>
-          <p:cNvPr id="111" name="PlaceHolder 5"/>
+          <p:cNvPr id="102" name="PlaceHolder 5"/>
           <p:cNvSpPr>
             <a:spLocks noGrp="1"/>
           </p:cNvSpPr>
@@ -4241,7 +4289,7 @@
       </p:grpSpPr>
       <p:sp>
         <p:nvSpPr>
-          <p:cNvPr id="112" name="PlaceHolder 1"/>
+          <p:cNvPr id="103" name="PlaceHolder 1"/>
           <p:cNvSpPr>
             <a:spLocks noGrp="1"/>
           </p:cNvSpPr>
@@ -4252,7 +4300,7 @@
         <p:spPr>
           <a:xfrm>
             <a:off x="503280" y="301680"/>
-            <a:ext cx="9069120" cy="1260000"/>
+            <a:ext cx="9068760" cy="1259640"/>
           </a:xfrm>
           <a:prstGeom prst="rect">
             <a:avLst/>
@@ -4261,6 +4309,7 @@
         <p:txBody>
           <a:bodyPr lIns="0" rIns="0" tIns="0" bIns="0" anchor="ctr"/>
           <a:p>
+            <a:pPr algn="ctr"/>
             <a:endParaRPr b="0" lang="en-GB" sz="4400" spc="-1" strike="noStrike">
               <a:solidFill>
                 <a:srgbClr val="000000"/>
@@ -4277,7 +4326,7 @@
       </p:sp>
       <p:sp>
         <p:nvSpPr>
-          <p:cNvPr id="113" name="PlaceHolder 2"/>
+          <p:cNvPr id="104" name="PlaceHolder 2"/>
           <p:cNvSpPr>
             <a:spLocks noGrp="1"/>
           </p:cNvSpPr>
@@ -4313,7 +4362,7 @@
       </p:sp>
       <p:sp>
         <p:nvSpPr>
-          <p:cNvPr id="114" name="PlaceHolder 3"/>
+          <p:cNvPr id="105" name="PlaceHolder 3"/>
           <p:cNvSpPr>
             <a:spLocks noGrp="1"/>
           </p:cNvSpPr>
@@ -4349,7 +4398,7 @@
       </p:sp>
       <p:pic>
         <p:nvPicPr>
-          <p:cNvPr id="115" name="" descr=""/>
+          <p:cNvPr id="106" name="" descr=""/>
           <p:cNvPicPr/>
           <p:nvPr/>
         </p:nvPicPr>
@@ -4359,8 +4408,8 @@
         </p:blipFill>
         <p:spPr>
           <a:xfrm>
-            <a:off x="2292480" y="1768680"/>
-            <a:ext cx="5494680" cy="4384080"/>
+            <a:off x="2292840" y="1768680"/>
+            <a:ext cx="5493960" cy="4384080"/>
           </a:xfrm>
           <a:prstGeom prst="rect">
             <a:avLst/>
@@ -4372,7 +4421,7 @@
       </p:pic>
       <p:pic>
         <p:nvPicPr>
-          <p:cNvPr id="116" name="" descr=""/>
+          <p:cNvPr id="107" name="" descr=""/>
           <p:cNvPicPr/>
           <p:nvPr/>
         </p:nvPicPr>
@@ -4382,8 +4431,8 @@
         </p:blipFill>
         <p:spPr>
           <a:xfrm>
-            <a:off x="2292480" y="1768680"/>
-            <a:ext cx="5494680" cy="4384080"/>
+            <a:off x="2292840" y="1768680"/>
+            <a:ext cx="5493960" cy="4384080"/>
           </a:xfrm>
           <a:prstGeom prst="rect">
             <a:avLst/>
@@ -4417,7 +4466,7 @@
       </p:grpSpPr>
       <p:sp>
         <p:nvSpPr>
-          <p:cNvPr id="9" name="PlaceHolder 1"/>
+          <p:cNvPr id="6" name="PlaceHolder 1"/>
           <p:cNvSpPr>
             <a:spLocks noGrp="1"/>
           </p:cNvSpPr>
@@ -4428,7 +4477,7 @@
         <p:spPr>
           <a:xfrm>
             <a:off x="503280" y="301680"/>
-            <a:ext cx="9069120" cy="1260000"/>
+            <a:ext cx="9068760" cy="1259640"/>
           </a:xfrm>
           <a:prstGeom prst="rect">
             <a:avLst/>
@@ -4437,6 +4486,7 @@
         <p:txBody>
           <a:bodyPr lIns="0" rIns="0" tIns="0" bIns="0" anchor="ctr"/>
           <a:p>
+            <a:pPr algn="ctr"/>
             <a:endParaRPr b="0" lang="en-GB" sz="4400" spc="-1" strike="noStrike">
               <a:solidFill>
                 <a:srgbClr val="000000"/>
@@ -4453,7 +4503,7 @@
       </p:sp>
       <p:sp>
         <p:nvSpPr>
-          <p:cNvPr id="10" name="PlaceHolder 2"/>
+          <p:cNvPr id="7" name="PlaceHolder 2"/>
           <p:cNvSpPr>
             <a:spLocks noGrp="1"/>
           </p:cNvSpPr>
@@ -4489,7 +4539,7 @@
       </p:sp>
       <p:sp>
         <p:nvSpPr>
-          <p:cNvPr id="11" name="PlaceHolder 3"/>
+          <p:cNvPr id="8" name="PlaceHolder 3"/>
           <p:cNvSpPr>
             <a:spLocks noGrp="1"/>
           </p:cNvSpPr>
@@ -4547,7 +4597,7 @@
       </p:grpSpPr>
       <p:sp>
         <p:nvSpPr>
-          <p:cNvPr id="12" name="PlaceHolder 1"/>
+          <p:cNvPr id="9" name="PlaceHolder 1"/>
           <p:cNvSpPr>
             <a:spLocks noGrp="1"/>
           </p:cNvSpPr>
@@ -4558,7 +4608,7 @@
         <p:spPr>
           <a:xfrm>
             <a:off x="503280" y="301680"/>
-            <a:ext cx="9069120" cy="1260000"/>
+            <a:ext cx="9068760" cy="1259640"/>
           </a:xfrm>
           <a:prstGeom prst="rect">
             <a:avLst/>
@@ -4567,6 +4617,7 @@
         <p:txBody>
           <a:bodyPr lIns="0" rIns="0" tIns="0" bIns="0" anchor="ctr"/>
           <a:p>
+            <a:pPr algn="ctr"/>
             <a:endParaRPr b="0" lang="en-GB" sz="4400" spc="-1" strike="noStrike">
               <a:solidFill>
                 <a:srgbClr val="000000"/>
@@ -4605,7 +4656,7 @@
       </p:grpSpPr>
       <p:sp>
         <p:nvSpPr>
-          <p:cNvPr id="13" name="PlaceHolder 1"/>
+          <p:cNvPr id="10" name="PlaceHolder 1"/>
           <p:cNvSpPr>
             <a:spLocks noGrp="1"/>
           </p:cNvSpPr>
@@ -4616,7 +4667,7 @@
         <p:spPr>
           <a:xfrm>
             <a:off x="503280" y="301680"/>
-            <a:ext cx="9069120" cy="5842080"/>
+            <a:ext cx="9068760" cy="5840280"/>
           </a:xfrm>
           <a:prstGeom prst="rect">
             <a:avLst/>
@@ -4664,7 +4715,7 @@
       </p:grpSpPr>
       <p:sp>
         <p:nvSpPr>
-          <p:cNvPr id="14" name="PlaceHolder 1"/>
+          <p:cNvPr id="11" name="PlaceHolder 1"/>
           <p:cNvSpPr>
             <a:spLocks noGrp="1"/>
           </p:cNvSpPr>
@@ -4675,7 +4726,7 @@
         <p:spPr>
           <a:xfrm>
             <a:off x="503280" y="301680"/>
-            <a:ext cx="9069120" cy="1260000"/>
+            <a:ext cx="9068760" cy="1259640"/>
           </a:xfrm>
           <a:prstGeom prst="rect">
             <a:avLst/>
@@ -4684,6 +4735,7 @@
         <p:txBody>
           <a:bodyPr lIns="0" rIns="0" tIns="0" bIns="0" anchor="ctr"/>
           <a:p>
+            <a:pPr algn="ctr"/>
             <a:endParaRPr b="0" lang="en-GB" sz="4400" spc="-1" strike="noStrike">
               <a:solidFill>
                 <a:srgbClr val="000000"/>
@@ -4700,7 +4752,7 @@
       </p:sp>
       <p:sp>
         <p:nvSpPr>
-          <p:cNvPr id="15" name="PlaceHolder 2"/>
+          <p:cNvPr id="12" name="PlaceHolder 2"/>
           <p:cNvSpPr>
             <a:spLocks noGrp="1"/>
           </p:cNvSpPr>
@@ -4736,7 +4788,7 @@
       </p:sp>
       <p:sp>
         <p:nvSpPr>
-          <p:cNvPr id="16" name="PlaceHolder 3"/>
+          <p:cNvPr id="13" name="PlaceHolder 3"/>
           <p:cNvSpPr>
             <a:spLocks noGrp="1"/>
           </p:cNvSpPr>
@@ -4772,7 +4824,7 @@
       </p:sp>
       <p:sp>
         <p:nvSpPr>
-          <p:cNvPr id="17" name="PlaceHolder 4"/>
+          <p:cNvPr id="14" name="PlaceHolder 4"/>
           <p:cNvSpPr>
             <a:spLocks noGrp="1"/>
           </p:cNvSpPr>
@@ -4830,7 +4882,7 @@
       </p:grpSpPr>
       <p:sp>
         <p:nvSpPr>
-          <p:cNvPr id="18" name="PlaceHolder 1"/>
+          <p:cNvPr id="15" name="PlaceHolder 1"/>
           <p:cNvSpPr>
             <a:spLocks noGrp="1"/>
           </p:cNvSpPr>
@@ -4841,7 +4893,7 @@
         <p:spPr>
           <a:xfrm>
             <a:off x="503280" y="301680"/>
-            <a:ext cx="9069120" cy="1260000"/>
+            <a:ext cx="9068760" cy="1259640"/>
           </a:xfrm>
           <a:prstGeom prst="rect">
             <a:avLst/>
@@ -4850,6 +4902,7 @@
         <p:txBody>
           <a:bodyPr lIns="0" rIns="0" tIns="0" bIns="0" anchor="ctr"/>
           <a:p>
+            <a:pPr algn="ctr"/>
             <a:endParaRPr b="0" lang="en-GB" sz="4400" spc="-1" strike="noStrike">
               <a:solidFill>
                 <a:srgbClr val="000000"/>
@@ -4866,7 +4919,7 @@
       </p:sp>
       <p:sp>
         <p:nvSpPr>
-          <p:cNvPr id="19" name="PlaceHolder 2"/>
+          <p:cNvPr id="16" name="PlaceHolder 2"/>
           <p:cNvSpPr>
             <a:spLocks noGrp="1"/>
           </p:cNvSpPr>
@@ -4902,7 +4955,7 @@
       </p:sp>
       <p:sp>
         <p:nvSpPr>
-          <p:cNvPr id="20" name="PlaceHolder 3"/>
+          <p:cNvPr id="17" name="PlaceHolder 3"/>
           <p:cNvSpPr>
             <a:spLocks noGrp="1"/>
           </p:cNvSpPr>
@@ -4938,7 +4991,7 @@
       </p:sp>
       <p:sp>
         <p:nvSpPr>
-          <p:cNvPr id="21" name="PlaceHolder 4"/>
+          <p:cNvPr id="18" name="PlaceHolder 4"/>
           <p:cNvSpPr>
             <a:spLocks noGrp="1"/>
           </p:cNvSpPr>
@@ -4996,7 +5049,7 @@
       </p:grpSpPr>
       <p:sp>
         <p:nvSpPr>
-          <p:cNvPr id="22" name="PlaceHolder 1"/>
+          <p:cNvPr id="19" name="PlaceHolder 1"/>
           <p:cNvSpPr>
             <a:spLocks noGrp="1"/>
           </p:cNvSpPr>
@@ -5007,7 +5060,7 @@
         <p:spPr>
           <a:xfrm>
             <a:off x="503280" y="301680"/>
-            <a:ext cx="9069120" cy="1260000"/>
+            <a:ext cx="9068760" cy="1259640"/>
           </a:xfrm>
           <a:prstGeom prst="rect">
             <a:avLst/>
@@ -5016,6 +5069,7 @@
         <p:txBody>
           <a:bodyPr lIns="0" rIns="0" tIns="0" bIns="0" anchor="ctr"/>
           <a:p>
+            <a:pPr algn="ctr"/>
             <a:endParaRPr b="0" lang="en-GB" sz="4400" spc="-1" strike="noStrike">
               <a:solidFill>
                 <a:srgbClr val="000000"/>
@@ -5032,7 +5086,7 @@
       </p:sp>
       <p:sp>
         <p:nvSpPr>
-          <p:cNvPr id="23" name="PlaceHolder 2"/>
+          <p:cNvPr id="20" name="PlaceHolder 2"/>
           <p:cNvSpPr>
             <a:spLocks noGrp="1"/>
           </p:cNvSpPr>
@@ -5068,7 +5122,7 @@
       </p:sp>
       <p:sp>
         <p:nvSpPr>
-          <p:cNvPr id="24" name="PlaceHolder 3"/>
+          <p:cNvPr id="21" name="PlaceHolder 3"/>
           <p:cNvSpPr>
             <a:spLocks noGrp="1"/>
           </p:cNvSpPr>
@@ -5104,7 +5158,7 @@
       </p:sp>
       <p:sp>
         <p:nvSpPr>
-          <p:cNvPr id="25" name="PlaceHolder 4"/>
+          <p:cNvPr id="22" name="PlaceHolder 4"/>
           <p:cNvSpPr>
             <a:spLocks noGrp="1"/>
           </p:cNvSpPr>
@@ -5179,8 +5233,8 @@
         </p:nvSpPr>
         <p:spPr>
           <a:xfrm>
-            <a:off x="503280" y="301680"/>
-            <a:ext cx="9069120" cy="1260000"/>
+            <a:off x="504000" y="301320"/>
+            <a:ext cx="9072000" cy="1261800"/>
           </a:xfrm>
           <a:prstGeom prst="rect">
             <a:avLst/>
@@ -5189,11 +5243,7 @@
         <p:txBody>
           <a:bodyPr lIns="0" rIns="0" tIns="0" bIns="0" anchor="ctr"/>
           <a:p>
-            <a:pPr algn="ctr">
-              <a:lnSpc>
-                <a:spcPct val="93000"/>
-              </a:lnSpc>
-            </a:pPr>
+            <a:pPr algn="ctr"/>
             <a:r>
               <a:rPr b="0" lang="en-GB" sz="4400" spc="-1" strike="noStrike">
                 <a:solidFill>
@@ -5205,9 +5255,8 @@
                   </a:solidFill>
                 </a:uFill>
                 <a:latin typeface="Arial"/>
-                <a:ea typeface="Noto Sans CJK SC Regular"/>
               </a:rPr>
-              <a:t>Click to edit Master title style</a:t>
+              <a:t>Click to edit the title text format</a:t>
             </a:r>
             <a:endParaRPr b="0" lang="en-GB" sz="4400" spc="-1" strike="noStrike">
               <a:solidFill>
@@ -5230,134 +5279,6 @@
             <a:spLocks noGrp="1"/>
           </p:cNvSpPr>
           <p:nvPr>
-            <p:ph type="dt"/>
-          </p:nvPr>
-        </p:nvSpPr>
-        <p:spPr>
-          <a:xfrm>
-            <a:off x="503280" y="6886440"/>
-            <a:ext cx="2346120" cy="518760"/>
-          </a:xfrm>
-          <a:prstGeom prst="rect">
-            <a:avLst/>
-          </a:prstGeom>
-        </p:spPr>
-        <p:txBody>
-          <a:bodyPr lIns="0" rIns="0" tIns="0" bIns="0"/>
-          <a:p>
-            <a:endParaRPr b="0" lang="en-GB" sz="2400" spc="-1" strike="noStrike">
-              <a:solidFill>
-                <a:srgbClr val="000000"/>
-              </a:solidFill>
-              <a:uFill>
-                <a:solidFill>
-                  <a:srgbClr val="ffffff"/>
-                </a:solidFill>
-              </a:uFill>
-              <a:latin typeface="Times New Roman"/>
-            </a:endParaRPr>
-          </a:p>
-        </p:txBody>
-      </p:sp>
-      <p:sp>
-        <p:nvSpPr>
-          <p:cNvPr id="2" name="PlaceHolder 3"/>
-          <p:cNvSpPr>
-            <a:spLocks noGrp="1"/>
-          </p:cNvSpPr>
-          <p:nvPr>
-            <p:ph type="ftr"/>
-          </p:nvPr>
-        </p:nvSpPr>
-        <p:spPr>
-          <a:xfrm>
-            <a:off x="3448080" y="6886440"/>
-            <a:ext cx="3193560" cy="518760"/>
-          </a:xfrm>
-          <a:prstGeom prst="rect">
-            <a:avLst/>
-          </a:prstGeom>
-        </p:spPr>
-        <p:txBody>
-          <a:bodyPr lIns="0" rIns="0" tIns="0" bIns="0"/>
-          <a:p>
-            <a:endParaRPr b="0" lang="en-GB" sz="2400" spc="-1" strike="noStrike">
-              <a:solidFill>
-                <a:srgbClr val="000000"/>
-              </a:solidFill>
-              <a:uFill>
-                <a:solidFill>
-                  <a:srgbClr val="ffffff"/>
-                </a:solidFill>
-              </a:uFill>
-              <a:latin typeface="Times New Roman"/>
-            </a:endParaRPr>
-          </a:p>
-        </p:txBody>
-      </p:sp>
-      <p:sp>
-        <p:nvSpPr>
-          <p:cNvPr id="3" name="PlaceHolder 4"/>
-          <p:cNvSpPr>
-            <a:spLocks noGrp="1"/>
-          </p:cNvSpPr>
-          <p:nvPr>
-            <p:ph type="sldNum"/>
-          </p:nvPr>
-        </p:nvSpPr>
-        <p:spPr>
-          <a:xfrm>
-            <a:off x="7227720" y="6886440"/>
-            <a:ext cx="2346120" cy="518760"/>
-          </a:xfrm>
-          <a:prstGeom prst="rect">
-            <a:avLst/>
-          </a:prstGeom>
-        </p:spPr>
-        <p:txBody>
-          <a:bodyPr lIns="0" rIns="0" tIns="0" bIns="0"/>
-          <a:p>
-            <a:pPr algn="r">
-              <a:lnSpc>
-                <a:spcPct val="100000"/>
-              </a:lnSpc>
-            </a:pPr>
-            <a:fld id="{8A0A39AA-554F-48FC-9A41-188625DC99F7}" type="slidenum">
-              <a:rPr b="0" lang="en-GB" sz="1400" spc="-1" strike="noStrike">
-                <a:solidFill>
-                  <a:srgbClr val="000000"/>
-                </a:solidFill>
-                <a:uFill>
-                  <a:solidFill>
-                    <a:srgbClr val="ffffff"/>
-                  </a:solidFill>
-                </a:uFill>
-                <a:latin typeface="Times New Roman"/>
-                <a:ea typeface="DejaVu Sans"/>
-              </a:rPr>
-              <a:t>1</a:t>
-            </a:fld>
-            <a:endParaRPr b="0" lang="en-GB" sz="1400" spc="-1" strike="noStrike">
-              <a:solidFill>
-                <a:srgbClr val="000000"/>
-              </a:solidFill>
-              <a:uFill>
-                <a:solidFill>
-                  <a:srgbClr val="ffffff"/>
-                </a:solidFill>
-              </a:uFill>
-              <a:latin typeface="Times New Roman"/>
-            </a:endParaRPr>
-          </a:p>
-        </p:txBody>
-      </p:sp>
-      <p:sp>
-        <p:nvSpPr>
-          <p:cNvPr id="4" name="PlaceHolder 5"/>
-          <p:cNvSpPr>
-            <a:spLocks noGrp="1"/>
-          </p:cNvSpPr>
-          <p:nvPr>
             <p:ph type="body"/>
           </p:nvPr>
         </p:nvSpPr>
@@ -5374,6 +5295,9 @@
           <a:bodyPr lIns="0" rIns="0" tIns="0" bIns="0"/>
           <a:p>
             <a:pPr marL="432000" indent="-324000">
+              <a:spcBef>
+                <a:spcPts val="1417"/>
+              </a:spcBef>
               <a:buClr>
                 <a:srgbClr val="000000"/>
               </a:buClr>
@@ -5409,6 +5333,9 @@
           </a:p>
           <a:p>
             <a:pPr lvl="1" marL="864000" indent="-324000">
+              <a:spcBef>
+                <a:spcPts val="1134"/>
+              </a:spcBef>
               <a:buClr>
                 <a:srgbClr val="000000"/>
               </a:buClr>
@@ -5417,7 +5344,7 @@
               <a:buChar char=""/>
             </a:pPr>
             <a:r>
-              <a:rPr b="0" lang="en-GB" sz="2400" spc="-1" strike="noStrike">
+              <a:rPr b="0" lang="en-GB" sz="2800" spc="-1" strike="noStrike">
                 <a:solidFill>
                   <a:srgbClr val="000000"/>
                 </a:solidFill>
@@ -5430,7 +5357,7 @@
               </a:rPr>
               <a:t>Second Outline Level</a:t>
             </a:r>
-            <a:endParaRPr b="0" lang="en-GB" sz="2400" spc="-1" strike="noStrike">
+            <a:endParaRPr b="0" lang="en-GB" sz="2800" spc="-1" strike="noStrike">
               <a:solidFill>
                 <a:srgbClr val="000000"/>
               </a:solidFill>
@@ -5444,6 +5371,9 @@
           </a:p>
           <a:p>
             <a:pPr lvl="2" marL="1296000" indent="-288000">
+              <a:spcBef>
+                <a:spcPts val="850"/>
+              </a:spcBef>
               <a:buClr>
                 <a:srgbClr val="000000"/>
               </a:buClr>
@@ -5452,7 +5382,7 @@
               <a:buChar char=""/>
             </a:pPr>
             <a:r>
-              <a:rPr b="0" lang="en-GB" sz="2000" spc="-1" strike="noStrike">
+              <a:rPr b="0" lang="en-GB" sz="2400" spc="-1" strike="noStrike">
                 <a:solidFill>
                   <a:srgbClr val="000000"/>
                 </a:solidFill>
@@ -5465,7 +5395,7 @@
               </a:rPr>
               <a:t>Third Outline Level</a:t>
             </a:r>
-            <a:endParaRPr b="0" lang="en-GB" sz="2000" spc="-1" strike="noStrike">
+            <a:endParaRPr b="0" lang="en-GB" sz="2400" spc="-1" strike="noStrike">
               <a:solidFill>
                 <a:srgbClr val="000000"/>
               </a:solidFill>
@@ -5479,6 +5409,9 @@
           </a:p>
           <a:p>
             <a:pPr lvl="3" marL="1728000" indent="-216000">
+              <a:spcBef>
+                <a:spcPts val="567"/>
+              </a:spcBef>
               <a:buClr>
                 <a:srgbClr val="000000"/>
               </a:buClr>
@@ -5514,6 +5447,9 @@
           </a:p>
           <a:p>
             <a:pPr lvl="4" marL="2160000" indent="-216000">
+              <a:spcBef>
+                <a:spcPts val="283"/>
+              </a:spcBef>
               <a:buClr>
                 <a:srgbClr val="000000"/>
               </a:buClr>
@@ -5549,6 +5485,9 @@
           </a:p>
           <a:p>
             <a:pPr lvl="5" marL="2592000" indent="-216000">
+              <a:spcBef>
+                <a:spcPts val="283"/>
+              </a:spcBef>
               <a:buClr>
                 <a:srgbClr val="000000"/>
               </a:buClr>
@@ -5584,6 +5523,9 @@
           </a:p>
           <a:p>
             <a:pPr lvl="6" marL="3024000" indent="-216000">
+              <a:spcBef>
+                <a:spcPts val="283"/>
+              </a:spcBef>
               <a:buClr>
                 <a:srgbClr val="000000"/>
               </a:buClr>
@@ -5665,7 +5607,7 @@
       </p:grpSpPr>
       <p:sp>
         <p:nvSpPr>
-          <p:cNvPr id="39" name="PlaceHolder 1"/>
+          <p:cNvPr id="36" name="PlaceHolder 1"/>
           <p:cNvSpPr>
             <a:spLocks noGrp="1"/>
           </p:cNvSpPr>
@@ -5675,8 +5617,8 @@
         </p:nvSpPr>
         <p:spPr>
           <a:xfrm>
-            <a:off x="503280" y="301680"/>
-            <a:ext cx="9069120" cy="1260000"/>
+            <a:off x="504000" y="301320"/>
+            <a:ext cx="9072000" cy="1261800"/>
           </a:xfrm>
           <a:prstGeom prst="rect">
             <a:avLst/>
@@ -5685,11 +5627,7 @@
         <p:txBody>
           <a:bodyPr lIns="0" rIns="0" tIns="0" bIns="0" anchor="ctr"/>
           <a:p>
-            <a:pPr algn="ctr">
-              <a:lnSpc>
-                <a:spcPct val="93000"/>
-              </a:lnSpc>
-            </a:pPr>
+            <a:pPr algn="ctr"/>
             <a:r>
               <a:rPr b="0" lang="en-GB" sz="4400" spc="-1" strike="noStrike">
                 <a:solidFill>
@@ -5701,9 +5639,8 @@
                   </a:solidFill>
                 </a:uFill>
                 <a:latin typeface="Arial"/>
-                <a:ea typeface="Noto Sans CJK SC Regular"/>
               </a:rPr>
-              <a:t>Click to edit Master title style</a:t>
+              <a:t>Click to edit the title text format</a:t>
             </a:r>
             <a:endParaRPr b="0" lang="en-GB" sz="4400" spc="-1" strike="noStrike">
               <a:solidFill>
@@ -5721,7 +5658,7 @@
       </p:sp>
       <p:sp>
         <p:nvSpPr>
-          <p:cNvPr id="40" name="PlaceHolder 2"/>
+          <p:cNvPr id="37" name="PlaceHolder 2"/>
           <p:cNvSpPr>
             <a:spLocks noGrp="1"/>
           </p:cNvSpPr>
@@ -5731,17 +5668,20 @@
         </p:nvSpPr>
         <p:spPr>
           <a:xfrm>
-            <a:off x="503280" y="1768320"/>
-            <a:ext cx="9069120" cy="4382640"/>
-          </a:xfrm>
-          <a:prstGeom prst="rect">
-            <a:avLst/>
-          </a:prstGeom>
-        </p:spPr>
-        <p:txBody>
-          <a:bodyPr lIns="0" rIns="0" tIns="28440" bIns="0"/>
+            <a:off x="504000" y="1768680"/>
+            <a:ext cx="9072000" cy="4384080"/>
+          </a:xfrm>
+          <a:prstGeom prst="rect">
+            <a:avLst/>
+          </a:prstGeom>
+        </p:spPr>
+        <p:txBody>
+          <a:bodyPr lIns="0" rIns="0" tIns="0" bIns="0"/>
           <a:p>
             <a:pPr marL="432000" indent="-324000">
+              <a:spcBef>
+                <a:spcPts val="1417"/>
+              </a:spcBef>
               <a:buClr>
                 <a:srgbClr val="000000"/>
               </a:buClr>
@@ -5760,7 +5700,6 @@
                   </a:solidFill>
                 </a:uFill>
                 <a:latin typeface="Arial"/>
-                <a:ea typeface="Noto Sans CJK SC Regular"/>
               </a:rPr>
               <a:t>Click to edit the outline text format</a:t>
             </a:r>
@@ -5778,6 +5717,9 @@
           </a:p>
           <a:p>
             <a:pPr lvl="1" marL="864000" indent="-324000">
+              <a:spcBef>
+                <a:spcPts val="1134"/>
+              </a:spcBef>
               <a:buClr>
                 <a:srgbClr val="000000"/>
               </a:buClr>
@@ -5786,7 +5728,7 @@
               <a:buChar char=""/>
             </a:pPr>
             <a:r>
-              <a:rPr b="0" lang="en-GB" sz="3200" spc="-1" strike="noStrike">
+              <a:rPr b="0" lang="en-GB" sz="2800" spc="-1" strike="noStrike">
                 <a:solidFill>
                   <a:srgbClr val="000000"/>
                 </a:solidFill>
@@ -5796,11 +5738,10 @@
                   </a:solidFill>
                 </a:uFill>
                 <a:latin typeface="Arial"/>
-                <a:ea typeface="Noto Sans CJK SC Regular"/>
               </a:rPr>
               <a:t>Second Outline Level</a:t>
             </a:r>
-            <a:endParaRPr b="0" lang="en-GB" sz="3200" spc="-1" strike="noStrike">
+            <a:endParaRPr b="0" lang="en-GB" sz="2800" spc="-1" strike="noStrike">
               <a:solidFill>
                 <a:srgbClr val="000000"/>
               </a:solidFill>
@@ -5814,6 +5755,9 @@
           </a:p>
           <a:p>
             <a:pPr lvl="2" marL="1296000" indent="-288000">
+              <a:spcBef>
+                <a:spcPts val="850"/>
+              </a:spcBef>
               <a:buClr>
                 <a:srgbClr val="000000"/>
               </a:buClr>
@@ -5822,7 +5766,7 @@
               <a:buChar char=""/>
             </a:pPr>
             <a:r>
-              <a:rPr b="0" lang="en-GB" sz="3200" spc="-1" strike="noStrike">
+              <a:rPr b="0" lang="en-GB" sz="2400" spc="-1" strike="noStrike">
                 <a:solidFill>
                   <a:srgbClr val="000000"/>
                 </a:solidFill>
@@ -5832,11 +5776,10 @@
                   </a:solidFill>
                 </a:uFill>
                 <a:latin typeface="Arial"/>
-                <a:ea typeface="Noto Sans CJK SC Regular"/>
               </a:rPr>
               <a:t>Third Outline Level</a:t>
             </a:r>
-            <a:endParaRPr b="0" lang="en-GB" sz="3200" spc="-1" strike="noStrike">
+            <a:endParaRPr b="0" lang="en-GB" sz="2400" spc="-1" strike="noStrike">
               <a:solidFill>
                 <a:srgbClr val="000000"/>
               </a:solidFill>
@@ -5850,6 +5793,9 @@
           </a:p>
           <a:p>
             <a:pPr lvl="3" marL="1728000" indent="-216000">
+              <a:spcBef>
+                <a:spcPts val="567"/>
+              </a:spcBef>
               <a:buClr>
                 <a:srgbClr val="000000"/>
               </a:buClr>
@@ -5858,7 +5804,7 @@
               <a:buChar char=""/>
             </a:pPr>
             <a:r>
-              <a:rPr b="0" lang="en-GB" sz="3200" spc="-1" strike="noStrike">
+              <a:rPr b="0" lang="en-GB" sz="2000" spc="-1" strike="noStrike">
                 <a:solidFill>
                   <a:srgbClr val="000000"/>
                 </a:solidFill>
@@ -5868,11 +5814,10 @@
                   </a:solidFill>
                 </a:uFill>
                 <a:latin typeface="Arial"/>
-                <a:ea typeface="Noto Sans CJK SC Regular"/>
               </a:rPr>
               <a:t>Fourth Outline Level</a:t>
             </a:r>
-            <a:endParaRPr b="0" lang="en-GB" sz="3200" spc="-1" strike="noStrike">
+            <a:endParaRPr b="0" lang="en-GB" sz="2000" spc="-1" strike="noStrike">
               <a:solidFill>
                 <a:srgbClr val="000000"/>
               </a:solidFill>
@@ -5886,6 +5831,9 @@
           </a:p>
           <a:p>
             <a:pPr lvl="4" marL="2160000" indent="-216000">
+              <a:spcBef>
+                <a:spcPts val="283"/>
+              </a:spcBef>
               <a:buClr>
                 <a:srgbClr val="000000"/>
               </a:buClr>
@@ -5894,7 +5842,7 @@
               <a:buChar char=""/>
             </a:pPr>
             <a:r>
-              <a:rPr b="0" lang="en-GB" sz="3200" spc="-1" strike="noStrike">
+              <a:rPr b="0" lang="en-GB" sz="2000" spc="-1" strike="noStrike">
                 <a:solidFill>
                   <a:srgbClr val="000000"/>
                 </a:solidFill>
@@ -5904,11 +5852,10 @@
                   </a:solidFill>
                 </a:uFill>
                 <a:latin typeface="Arial"/>
-                <a:ea typeface="Noto Sans CJK SC Regular"/>
               </a:rPr>
               <a:t>Fifth Outline Level</a:t>
             </a:r>
-            <a:endParaRPr b="0" lang="en-GB" sz="3200" spc="-1" strike="noStrike">
+            <a:endParaRPr b="0" lang="en-GB" sz="2000" spc="-1" strike="noStrike">
               <a:solidFill>
                 <a:srgbClr val="000000"/>
               </a:solidFill>
@@ -5922,6 +5869,9 @@
           </a:p>
           <a:p>
             <a:pPr lvl="5" marL="2592000" indent="-216000">
+              <a:spcBef>
+                <a:spcPts val="283"/>
+              </a:spcBef>
               <a:buClr>
                 <a:srgbClr val="000000"/>
               </a:buClr>
@@ -5930,7 +5880,7 @@
               <a:buChar char=""/>
             </a:pPr>
             <a:r>
-              <a:rPr b="0" lang="en-GB" sz="3200" spc="-1" strike="noStrike">
+              <a:rPr b="0" lang="en-GB" sz="2000" spc="-1" strike="noStrike">
                 <a:solidFill>
                   <a:srgbClr val="000000"/>
                 </a:solidFill>
@@ -5940,30 +5890,35 @@
                   </a:solidFill>
                 </a:uFill>
                 <a:latin typeface="Arial"/>
-                <a:ea typeface="Noto Sans CJK SC Regular"/>
               </a:rPr>
               <a:t>Sixth Outline Level</a:t>
             </a:r>
-            <a:endParaRPr b="0" lang="en-GB" sz="3200" spc="-1" strike="noStrike">
-              <a:solidFill>
-                <a:srgbClr val="000000"/>
-              </a:solidFill>
-              <a:uFill>
-                <a:solidFill>
-                  <a:srgbClr val="ffffff"/>
-                </a:solidFill>
-              </a:uFill>
-              <a:latin typeface="Arial"/>
-            </a:endParaRPr>
-          </a:p>
-          <a:p>
-            <a:pPr marL="343080" indent="-342720">
-              <a:lnSpc>
-                <a:spcPct val="100000"/>
-              </a:lnSpc>
+            <a:endParaRPr b="0" lang="en-GB" sz="2000" spc="-1" strike="noStrike">
+              <a:solidFill>
+                <a:srgbClr val="000000"/>
+              </a:solidFill>
+              <a:uFill>
+                <a:solidFill>
+                  <a:srgbClr val="ffffff"/>
+                </a:solidFill>
+              </a:uFill>
+              <a:latin typeface="Arial"/>
+            </a:endParaRPr>
+          </a:p>
+          <a:p>
+            <a:pPr lvl="6" marL="3024000" indent="-216000">
+              <a:spcBef>
+                <a:spcPts val="283"/>
+              </a:spcBef>
+              <a:buClr>
+                <a:srgbClr val="000000"/>
+              </a:buClr>
+              <a:buSzPct val="45000"/>
+              <a:buFont typeface="Wingdings" charset="2"/>
+              <a:buChar char=""/>
             </a:pPr>
             <a:r>
-              <a:rPr b="0" lang="en-GB" sz="3200" spc="-1" strike="noStrike">
+              <a:rPr b="0" lang="en-GB" sz="2000" spc="-1" strike="noStrike">
                 <a:solidFill>
                   <a:srgbClr val="000000"/>
                 </a:solidFill>
@@ -5973,260 +5928,19 @@
                   </a:solidFill>
                 </a:uFill>
                 <a:latin typeface="Arial"/>
-                <a:ea typeface="Noto Sans CJK SC Regular"/>
               </a:rPr>
-              <a:t>Seventh Outline LevelClick to edit Master text styles</a:t>
+              <a:t>Seventh Outline Level</a:t>
             </a:r>
-            <a:endParaRPr b="0" lang="en-GB" sz="3200" spc="-1" strike="noStrike">
-              <a:solidFill>
-                <a:srgbClr val="000000"/>
-              </a:solidFill>
-              <a:uFill>
-                <a:solidFill>
-                  <a:srgbClr val="ffffff"/>
-                </a:solidFill>
-              </a:uFill>
-              <a:latin typeface="Arial"/>
-            </a:endParaRPr>
-          </a:p>
-          <a:p>
-            <a:r>
-              <a:rPr b="0" lang="en-GB" sz="2800" spc="-1" strike="noStrike">
-                <a:solidFill>
-                  <a:srgbClr val="000000"/>
-                </a:solidFill>
-                <a:uFill>
-                  <a:solidFill>
-                    <a:srgbClr val="ffffff"/>
-                  </a:solidFill>
-                </a:uFill>
-                <a:latin typeface="Arial"/>
-                <a:ea typeface="Noto Sans CJK SC Regular"/>
-              </a:rPr>
-              <a:t>Second level</a:t>
-            </a:r>
-            <a:endParaRPr b="0" lang="en-GB" sz="3200" spc="-1" strike="noStrike">
-              <a:solidFill>
-                <a:srgbClr val="000000"/>
-              </a:solidFill>
-              <a:uFill>
-                <a:solidFill>
-                  <a:srgbClr val="ffffff"/>
-                </a:solidFill>
-              </a:uFill>
-              <a:latin typeface="Arial"/>
-            </a:endParaRPr>
-          </a:p>
-          <a:p>
-            <a:r>
-              <a:rPr b="0" lang="en-GB" sz="2400" spc="-1" strike="noStrike">
-                <a:solidFill>
-                  <a:srgbClr val="000000"/>
-                </a:solidFill>
-                <a:uFill>
-                  <a:solidFill>
-                    <a:srgbClr val="ffffff"/>
-                  </a:solidFill>
-                </a:uFill>
-                <a:latin typeface="Arial"/>
-                <a:ea typeface="Noto Sans CJK SC Regular"/>
-              </a:rPr>
-              <a:t>Third level</a:t>
-            </a:r>
-            <a:endParaRPr b="0" lang="en-GB" sz="3200" spc="-1" strike="noStrike">
-              <a:solidFill>
-                <a:srgbClr val="000000"/>
-              </a:solidFill>
-              <a:uFill>
-                <a:solidFill>
-                  <a:srgbClr val="ffffff"/>
-                </a:solidFill>
-              </a:uFill>
-              <a:latin typeface="Arial"/>
-            </a:endParaRPr>
-          </a:p>
-          <a:p>
-            <a:r>
-              <a:rPr b="0" lang="en-GB" sz="2000" spc="-1" strike="noStrike">
-                <a:solidFill>
-                  <a:srgbClr val="000000"/>
-                </a:solidFill>
-                <a:uFill>
-                  <a:solidFill>
-                    <a:srgbClr val="ffffff"/>
-                  </a:solidFill>
-                </a:uFill>
-                <a:latin typeface="Arial"/>
-                <a:ea typeface="Noto Sans CJK SC Regular"/>
-              </a:rPr>
-              <a:t>Fourth level</a:t>
-            </a:r>
-            <a:endParaRPr b="0" lang="en-GB" sz="3200" spc="-1" strike="noStrike">
-              <a:solidFill>
-                <a:srgbClr val="000000"/>
-              </a:solidFill>
-              <a:uFill>
-                <a:solidFill>
-                  <a:srgbClr val="ffffff"/>
-                </a:solidFill>
-              </a:uFill>
-              <a:latin typeface="Arial"/>
-            </a:endParaRPr>
-          </a:p>
-          <a:p>
-            <a:r>
-              <a:rPr b="0" lang="en-GB" sz="2000" spc="-1" strike="noStrike">
-                <a:solidFill>
-                  <a:srgbClr val="000000"/>
-                </a:solidFill>
-                <a:uFill>
-                  <a:solidFill>
-                    <a:srgbClr val="ffffff"/>
-                  </a:solidFill>
-                </a:uFill>
-                <a:latin typeface="Arial"/>
-                <a:ea typeface="Noto Sans CJK SC Regular"/>
-              </a:rPr>
-              <a:t>Fifth level</a:t>
-            </a:r>
-            <a:endParaRPr b="0" lang="en-GB" sz="3200" spc="-1" strike="noStrike">
-              <a:solidFill>
-                <a:srgbClr val="000000"/>
-              </a:solidFill>
-              <a:uFill>
-                <a:solidFill>
-                  <a:srgbClr val="ffffff"/>
-                </a:solidFill>
-              </a:uFill>
-              <a:latin typeface="Arial"/>
-            </a:endParaRPr>
-          </a:p>
-        </p:txBody>
-      </p:sp>
-      <p:sp>
-        <p:nvSpPr>
-          <p:cNvPr id="41" name="PlaceHolder 3"/>
-          <p:cNvSpPr>
-            <a:spLocks noGrp="1"/>
-          </p:cNvSpPr>
-          <p:nvPr>
-            <p:ph type="dt"/>
-          </p:nvPr>
-        </p:nvSpPr>
-        <p:spPr>
-          <a:xfrm>
-            <a:off x="503280" y="6886440"/>
-            <a:ext cx="2346120" cy="518760"/>
-          </a:xfrm>
-          <a:prstGeom prst="rect">
-            <a:avLst/>
-          </a:prstGeom>
-        </p:spPr>
-        <p:txBody>
-          <a:bodyPr lIns="0" rIns="0" tIns="0" bIns="0"/>
-          <a:p>
-            <a:endParaRPr b="0" lang="en-GB" sz="2400" spc="-1" strike="noStrike">
-              <a:solidFill>
-                <a:srgbClr val="000000"/>
-              </a:solidFill>
-              <a:uFill>
-                <a:solidFill>
-                  <a:srgbClr val="ffffff"/>
-                </a:solidFill>
-              </a:uFill>
-              <a:latin typeface="Times New Roman"/>
-            </a:endParaRPr>
-          </a:p>
-        </p:txBody>
-      </p:sp>
-      <p:sp>
-        <p:nvSpPr>
-          <p:cNvPr id="42" name="PlaceHolder 4"/>
-          <p:cNvSpPr>
-            <a:spLocks noGrp="1"/>
-          </p:cNvSpPr>
-          <p:nvPr>
-            <p:ph type="ftr"/>
-          </p:nvPr>
-        </p:nvSpPr>
-        <p:spPr>
-          <a:xfrm>
-            <a:off x="3448080" y="6886440"/>
-            <a:ext cx="3193560" cy="518760"/>
-          </a:xfrm>
-          <a:prstGeom prst="rect">
-            <a:avLst/>
-          </a:prstGeom>
-        </p:spPr>
-        <p:txBody>
-          <a:bodyPr lIns="0" rIns="0" tIns="0" bIns="0"/>
-          <a:p>
-            <a:endParaRPr b="0" lang="en-GB" sz="2400" spc="-1" strike="noStrike">
-              <a:solidFill>
-                <a:srgbClr val="000000"/>
-              </a:solidFill>
-              <a:uFill>
-                <a:solidFill>
-                  <a:srgbClr val="ffffff"/>
-                </a:solidFill>
-              </a:uFill>
-              <a:latin typeface="Times New Roman"/>
-            </a:endParaRPr>
-          </a:p>
-        </p:txBody>
-      </p:sp>
-      <p:sp>
-        <p:nvSpPr>
-          <p:cNvPr id="43" name="PlaceHolder 5"/>
-          <p:cNvSpPr>
-            <a:spLocks noGrp="1"/>
-          </p:cNvSpPr>
-          <p:nvPr>
-            <p:ph type="sldNum"/>
-          </p:nvPr>
-        </p:nvSpPr>
-        <p:spPr>
-          <a:xfrm>
-            <a:off x="7227720" y="6886440"/>
-            <a:ext cx="2346120" cy="518760"/>
-          </a:xfrm>
-          <a:prstGeom prst="rect">
-            <a:avLst/>
-          </a:prstGeom>
-        </p:spPr>
-        <p:txBody>
-          <a:bodyPr lIns="0" rIns="0" tIns="0" bIns="0"/>
-          <a:p>
-            <a:pPr algn="r">
-              <a:lnSpc>
-                <a:spcPct val="100000"/>
-              </a:lnSpc>
-            </a:pPr>
-            <a:fld id="{3E724C4B-E01B-4D43-9DAA-21F1B53CBF53}" type="slidenum">
-              <a:rPr b="0" lang="en-GB" sz="1400" spc="-1" strike="noStrike">
-                <a:solidFill>
-                  <a:srgbClr val="000000"/>
-                </a:solidFill>
-                <a:uFill>
-                  <a:solidFill>
-                    <a:srgbClr val="ffffff"/>
-                  </a:solidFill>
-                </a:uFill>
-                <a:latin typeface="Times New Roman"/>
-                <a:ea typeface="DejaVu Sans"/>
-              </a:rPr>
-              <a:t>1</a:t>
-            </a:fld>
-            <a:endParaRPr b="0" lang="en-GB" sz="1400" spc="-1" strike="noStrike">
-              <a:solidFill>
-                <a:srgbClr val="000000"/>
-              </a:solidFill>
-              <a:uFill>
-                <a:solidFill>
-                  <a:srgbClr val="ffffff"/>
-                </a:solidFill>
-              </a:uFill>
-              <a:latin typeface="Times New Roman"/>
+            <a:endParaRPr b="0" lang="en-GB" sz="2000" spc="-1" strike="noStrike">
+              <a:solidFill>
+                <a:srgbClr val="000000"/>
+              </a:solidFill>
+              <a:uFill>
+                <a:solidFill>
+                  <a:srgbClr val="ffffff"/>
+                </a:solidFill>
+              </a:uFill>
+              <a:latin typeface="Arial"/>
             </a:endParaRPr>
           </a:p>
         </p:txBody>
@@ -6277,7 +5991,7 @@
       </p:grpSpPr>
       <p:sp>
         <p:nvSpPr>
-          <p:cNvPr id="78" name="PlaceHolder 1"/>
+          <p:cNvPr id="72" name="PlaceHolder 1"/>
           <p:cNvSpPr>
             <a:spLocks noGrp="1"/>
           </p:cNvSpPr>
@@ -6288,7 +6002,7 @@
         <p:spPr>
           <a:xfrm>
             <a:off x="503280" y="301680"/>
-            <a:ext cx="9069120" cy="1260000"/>
+            <a:ext cx="9068760" cy="1259640"/>
           </a:xfrm>
           <a:prstGeom prst="rect">
             <a:avLst/>
@@ -6297,13 +6011,8 @@
         <p:txBody>
           <a:bodyPr lIns="0" rIns="0" tIns="0" bIns="0" anchor="ctr"/>
           <a:p>
-            <a:pPr algn="ctr">
-              <a:lnSpc>
-                <a:spcPct val="93000"/>
-              </a:lnSpc>
-            </a:pPr>
             <a:r>
-              <a:rPr b="0" lang="en-GB" sz="4400" spc="-1" strike="noStrike">
+              <a:rPr b="0" lang="en-GB" sz="1800" spc="-1" strike="noStrike">
                 <a:solidFill>
                   <a:srgbClr val="000000"/>
                 </a:solidFill>
@@ -6313,155 +6022,26 @@
                   </a:solidFill>
                 </a:uFill>
                 <a:latin typeface="Arial"/>
-                <a:ea typeface="Noto Sans CJK SC Regular"/>
               </a:rPr>
-              <a:t>Click to edit Master title style</a:t>
+              <a:t>Click to edit the title text format</a:t>
             </a:r>
-            <a:endParaRPr b="0" lang="en-GB" sz="4400" spc="-1" strike="noStrike">
-              <a:solidFill>
-                <a:srgbClr val="000000"/>
-              </a:solidFill>
-              <a:uFill>
-                <a:solidFill>
-                  <a:srgbClr val="ffffff"/>
-                </a:solidFill>
-              </a:uFill>
-              <a:latin typeface="Arial"/>
-            </a:endParaRPr>
-          </a:p>
-        </p:txBody>
-      </p:sp>
-      <p:sp>
-        <p:nvSpPr>
-          <p:cNvPr id="79" name="PlaceHolder 2"/>
-          <p:cNvSpPr>
-            <a:spLocks noGrp="1"/>
-          </p:cNvSpPr>
-          <p:nvPr>
-            <p:ph type="dt"/>
-          </p:nvPr>
-        </p:nvSpPr>
-        <p:spPr>
-          <a:xfrm>
-            <a:off x="503280" y="6886440"/>
-            <a:ext cx="2346120" cy="518760"/>
-          </a:xfrm>
-          <a:prstGeom prst="rect">
-            <a:avLst/>
-          </a:prstGeom>
-        </p:spPr>
-        <p:txBody>
-          <a:bodyPr lIns="0" rIns="0" tIns="0" bIns="0"/>
-          <a:p>
-            <a:endParaRPr b="0" lang="en-GB" sz="2400" spc="-1" strike="noStrike">
-              <a:solidFill>
-                <a:srgbClr val="000000"/>
-              </a:solidFill>
-              <a:uFill>
-                <a:solidFill>
-                  <a:srgbClr val="ffffff"/>
-                </a:solidFill>
-              </a:uFill>
-              <a:latin typeface="Times New Roman"/>
-            </a:endParaRPr>
-          </a:p>
-        </p:txBody>
-      </p:sp>
-      <p:sp>
-        <p:nvSpPr>
-          <p:cNvPr id="80" name="PlaceHolder 3"/>
-          <p:cNvSpPr>
-            <a:spLocks noGrp="1"/>
-          </p:cNvSpPr>
-          <p:nvPr>
-            <p:ph type="ftr"/>
-          </p:nvPr>
-        </p:nvSpPr>
-        <p:spPr>
-          <a:xfrm>
-            <a:off x="3448080" y="6886440"/>
-            <a:ext cx="3193560" cy="518760"/>
-          </a:xfrm>
-          <a:prstGeom prst="rect">
-            <a:avLst/>
-          </a:prstGeom>
-        </p:spPr>
-        <p:txBody>
-          <a:bodyPr lIns="0" rIns="0" tIns="0" bIns="0"/>
-          <a:p>
-            <a:endParaRPr b="0" lang="en-GB" sz="2400" spc="-1" strike="noStrike">
-              <a:solidFill>
-                <a:srgbClr val="000000"/>
-              </a:solidFill>
-              <a:uFill>
-                <a:solidFill>
-                  <a:srgbClr val="ffffff"/>
-                </a:solidFill>
-              </a:uFill>
-              <a:latin typeface="Times New Roman"/>
-            </a:endParaRPr>
-          </a:p>
-        </p:txBody>
-      </p:sp>
-      <p:sp>
-        <p:nvSpPr>
-          <p:cNvPr id="81" name="PlaceHolder 4"/>
-          <p:cNvSpPr>
-            <a:spLocks noGrp="1"/>
-          </p:cNvSpPr>
-          <p:nvPr>
-            <p:ph type="sldNum"/>
-          </p:nvPr>
-        </p:nvSpPr>
-        <p:spPr>
-          <a:xfrm>
-            <a:off x="7227720" y="6886440"/>
-            <a:ext cx="2346120" cy="518760"/>
-          </a:xfrm>
-          <a:prstGeom prst="rect">
-            <a:avLst/>
-          </a:prstGeom>
-        </p:spPr>
-        <p:txBody>
-          <a:bodyPr lIns="0" rIns="0" tIns="0" bIns="0"/>
-          <a:p>
-            <a:pPr algn="r">
-              <a:lnSpc>
-                <a:spcPct val="100000"/>
-              </a:lnSpc>
-            </a:pPr>
-            <a:fld id="{23023AD7-CFA8-4C88-9CFE-039B4269A595}" type="slidenum">
-              <a:rPr b="0" lang="en-GB" sz="1400" spc="-1" strike="noStrike">
-                <a:solidFill>
-                  <a:srgbClr val="000000"/>
-                </a:solidFill>
-                <a:uFill>
-                  <a:solidFill>
-                    <a:srgbClr val="ffffff"/>
-                  </a:solidFill>
-                </a:uFill>
-                <a:latin typeface="Times New Roman"/>
-                <a:ea typeface="DejaVu Sans"/>
-              </a:rPr>
-              <a:t>1</a:t>
-            </a:fld>
-            <a:endParaRPr b="0" lang="en-GB" sz="1400" spc="-1" strike="noStrike">
-              <a:solidFill>
-                <a:srgbClr val="000000"/>
-              </a:solidFill>
-              <a:uFill>
-                <a:solidFill>
-                  <a:srgbClr val="ffffff"/>
-                </a:solidFill>
-              </a:uFill>
-              <a:latin typeface="Times New Roman"/>
-            </a:endParaRPr>
-          </a:p>
-        </p:txBody>
-      </p:sp>
-      <p:sp>
-        <p:nvSpPr>
-          <p:cNvPr id="82" name="PlaceHolder 5"/>
+            <a:endParaRPr b="0" lang="en-GB" sz="1800" spc="-1" strike="noStrike">
+              <a:solidFill>
+                <a:srgbClr val="000000"/>
+              </a:solidFill>
+              <a:uFill>
+                <a:solidFill>
+                  <a:srgbClr val="ffffff"/>
+                </a:solidFill>
+              </a:uFill>
+              <a:latin typeface="Arial"/>
+            </a:endParaRPr>
+          </a:p>
+        </p:txBody>
+      </p:sp>
+      <p:sp>
+        <p:nvSpPr>
+          <p:cNvPr id="73" name="PlaceHolder 2"/>
           <p:cNvSpPr>
             <a:spLocks noGrp="1"/>
           </p:cNvSpPr>
@@ -6482,6 +6062,9 @@
           <a:bodyPr lIns="0" rIns="0" tIns="0" bIns="0"/>
           <a:p>
             <a:pPr marL="432000" indent="-324000">
+              <a:spcBef>
+                <a:spcPts val="1417"/>
+              </a:spcBef>
               <a:buClr>
                 <a:srgbClr val="000000"/>
               </a:buClr>
@@ -6517,6 +6100,9 @@
           </a:p>
           <a:p>
             <a:pPr lvl="1" marL="864000" indent="-324000">
+              <a:spcBef>
+                <a:spcPts val="1134"/>
+              </a:spcBef>
               <a:buClr>
                 <a:srgbClr val="000000"/>
               </a:buClr>
@@ -6525,7 +6111,7 @@
               <a:buChar char=""/>
             </a:pPr>
             <a:r>
-              <a:rPr b="0" lang="en-GB" sz="2400" spc="-1" strike="noStrike">
+              <a:rPr b="0" lang="en-GB" sz="2800" spc="-1" strike="noStrike">
                 <a:solidFill>
                   <a:srgbClr val="000000"/>
                 </a:solidFill>
@@ -6538,7 +6124,7 @@
               </a:rPr>
               <a:t>Second Outline Level</a:t>
             </a:r>
-            <a:endParaRPr b="0" lang="en-GB" sz="2400" spc="-1" strike="noStrike">
+            <a:endParaRPr b="0" lang="en-GB" sz="2800" spc="-1" strike="noStrike">
               <a:solidFill>
                 <a:srgbClr val="000000"/>
               </a:solidFill>
@@ -6552,6 +6138,9 @@
           </a:p>
           <a:p>
             <a:pPr lvl="2" marL="1296000" indent="-288000">
+              <a:spcBef>
+                <a:spcPts val="850"/>
+              </a:spcBef>
               <a:buClr>
                 <a:srgbClr val="000000"/>
               </a:buClr>
@@ -6560,7 +6149,7 @@
               <a:buChar char=""/>
             </a:pPr>
             <a:r>
-              <a:rPr b="0" lang="en-GB" sz="2000" spc="-1" strike="noStrike">
+              <a:rPr b="0" lang="en-GB" sz="2400" spc="-1" strike="noStrike">
                 <a:solidFill>
                   <a:srgbClr val="000000"/>
                 </a:solidFill>
@@ -6573,7 +6162,7 @@
               </a:rPr>
               <a:t>Third Outline Level</a:t>
             </a:r>
-            <a:endParaRPr b="0" lang="en-GB" sz="2000" spc="-1" strike="noStrike">
+            <a:endParaRPr b="0" lang="en-GB" sz="2400" spc="-1" strike="noStrike">
               <a:solidFill>
                 <a:srgbClr val="000000"/>
               </a:solidFill>
@@ -6587,6 +6176,9 @@
           </a:p>
           <a:p>
             <a:pPr lvl="3" marL="1728000" indent="-216000">
+              <a:spcBef>
+                <a:spcPts val="567"/>
+              </a:spcBef>
               <a:buClr>
                 <a:srgbClr val="000000"/>
               </a:buClr>
@@ -6622,6 +6214,9 @@
           </a:p>
           <a:p>
             <a:pPr lvl="4" marL="2160000" indent="-216000">
+              <a:spcBef>
+                <a:spcPts val="283"/>
+              </a:spcBef>
               <a:buClr>
                 <a:srgbClr val="000000"/>
               </a:buClr>
@@ -6657,6 +6252,9 @@
           </a:p>
           <a:p>
             <a:pPr lvl="5" marL="2592000" indent="-216000">
+              <a:spcBef>
+                <a:spcPts val="283"/>
+              </a:spcBef>
               <a:buClr>
                 <a:srgbClr val="000000"/>
               </a:buClr>
@@ -6692,6 +6290,9 @@
           </a:p>
           <a:p>
             <a:pPr lvl="6" marL="3024000" indent="-216000">
+              <a:spcBef>
+                <a:spcPts val="283"/>
+              </a:spcBef>
               <a:buClr>
                 <a:srgbClr val="000000"/>
               </a:buClr>
@@ -6766,14 +6367,14 @@
       </p:grpSpPr>
       <p:sp>
         <p:nvSpPr>
-          <p:cNvPr id="122" name="TextShape 1"/>
-          <p:cNvSpPr txBox="1"/>
+          <p:cNvPr id="113" name="CustomShape 1"/>
+          <p:cNvSpPr/>
           <p:nvPr/>
         </p:nvSpPr>
         <p:spPr>
           <a:xfrm>
             <a:off x="503280" y="1474920"/>
-            <a:ext cx="9070560" cy="1261800"/>
+            <a:ext cx="9070200" cy="1261440"/>
           </a:xfrm>
           <a:prstGeom prst="rect">
             <a:avLst/>
@@ -6783,6 +6384,12 @@
             <a:noFill/>
           </a:ln>
         </p:spPr>
+        <p:style>
+          <a:lnRef idx="0"/>
+          <a:fillRef idx="0"/>
+          <a:effectRef idx="0"/>
+          <a:fontRef idx="minor"/>
+        </p:style>
         <p:txBody>
           <a:bodyPr lIns="0" rIns="0" tIns="39240" bIns="0" anchor="ctr"/>
           <a:p>
@@ -6806,30 +6413,30 @@
               </a:rPr>
               <a:t>Neurodata Without Borders Neurophysiology format</a:t>
             </a:r>
-            <a:endParaRPr b="0" lang="en-GB" sz="4400" spc="-1" strike="noStrike">
-              <a:solidFill>
-                <a:srgbClr val="000000"/>
-              </a:solidFill>
-              <a:uFill>
-                <a:solidFill>
-                  <a:srgbClr val="ffffff"/>
-                </a:solidFill>
-              </a:uFill>
-              <a:latin typeface="Arial"/>
-            </a:endParaRPr>
-          </a:p>
-        </p:txBody>
-      </p:sp>
-      <p:sp>
-        <p:nvSpPr>
-          <p:cNvPr id="123" name="TextShape 2"/>
-          <p:cNvSpPr txBox="1"/>
+            <a:endParaRPr b="0" lang="en-GB" sz="1800" spc="-1" strike="noStrike">
+              <a:solidFill>
+                <a:srgbClr val="000000"/>
+              </a:solidFill>
+              <a:uFill>
+                <a:solidFill>
+                  <a:srgbClr val="ffffff"/>
+                </a:solidFill>
+              </a:uFill>
+              <a:latin typeface="Arial"/>
+            </a:endParaRPr>
+          </a:p>
+        </p:txBody>
+      </p:sp>
+      <p:sp>
+        <p:nvSpPr>
+          <p:cNvPr id="114" name="CustomShape 2"/>
+          <p:cNvSpPr/>
           <p:nvPr/>
         </p:nvSpPr>
         <p:spPr>
           <a:xfrm>
             <a:off x="503280" y="3059280"/>
-            <a:ext cx="9070560" cy="649080"/>
+            <a:ext cx="9070200" cy="648720"/>
           </a:xfrm>
           <a:prstGeom prst="rect">
             <a:avLst/>
@@ -6839,6 +6446,12 @@
             <a:noFill/>
           </a:ln>
         </p:spPr>
+        <p:style>
+          <a:lnRef idx="0"/>
+          <a:fillRef idx="0"/>
+          <a:effectRef idx="0"/>
+          <a:fontRef idx="minor"/>
+        </p:style>
         <p:txBody>
           <a:bodyPr lIns="0" rIns="0" tIns="28440" bIns="0" anchor="ctr"/>
           <a:p>
@@ -6848,9 +6461,9 @@
               </a:lnSpc>
             </a:pPr>
             <a:r>
-              <a:rPr b="0" lang="en-GB" sz="3200" spc="-1" strike="noStrike">
-                <a:solidFill>
-                  <a:srgbClr val="000000"/>
+              <a:rPr b="0" lang="en-GB" sz="3200" spc="-1" strike="noStrike" u="sng">
+                <a:solidFill>
+                  <a:srgbClr val="0000ff"/>
                 </a:solidFill>
                 <a:uFill>
                   <a:solidFill>
@@ -6863,30 +6476,30 @@
               </a:rPr>
               <a:t>http://nwb.org</a:t>
             </a:r>
-            <a:endParaRPr b="0" lang="en-GB" sz="3200" spc="-1" strike="noStrike">
-              <a:solidFill>
-                <a:srgbClr val="000000"/>
-              </a:solidFill>
-              <a:uFill>
-                <a:solidFill>
-                  <a:srgbClr val="ffffff"/>
-                </a:solidFill>
-              </a:uFill>
-              <a:latin typeface="Arial"/>
-            </a:endParaRPr>
-          </a:p>
-        </p:txBody>
-      </p:sp>
-      <p:sp>
-        <p:nvSpPr>
-          <p:cNvPr id="124" name="CustomShape 3"/>
+            <a:endParaRPr b="0" lang="en-GB" sz="1800" spc="-1" strike="noStrike">
+              <a:solidFill>
+                <a:srgbClr val="000000"/>
+              </a:solidFill>
+              <a:uFill>
+                <a:solidFill>
+                  <a:srgbClr val="ffffff"/>
+                </a:solidFill>
+              </a:uFill>
+              <a:latin typeface="Arial"/>
+            </a:endParaRPr>
+          </a:p>
+        </p:txBody>
+      </p:sp>
+      <p:sp>
+        <p:nvSpPr>
+          <p:cNvPr id="115" name="CustomShape 3"/>
           <p:cNvSpPr/>
           <p:nvPr/>
         </p:nvSpPr>
         <p:spPr>
           <a:xfrm>
             <a:off x="216000" y="7020000"/>
-            <a:ext cx="2879280" cy="396360"/>
+            <a:ext cx="2878920" cy="396000"/>
           </a:xfrm>
           <a:prstGeom prst="rect">
             <a:avLst/>
@@ -6941,14 +6554,14 @@
       </p:sp>
       <p:sp>
         <p:nvSpPr>
-          <p:cNvPr id="125" name="CustomShape 4"/>
+          <p:cNvPr id="116" name="CustomShape 4"/>
           <p:cNvSpPr/>
           <p:nvPr/>
         </p:nvSpPr>
         <p:spPr>
           <a:xfrm>
             <a:off x="1295280" y="4932360"/>
-            <a:ext cx="7488000" cy="1250640"/>
+            <a:ext cx="7487640" cy="1250280"/>
           </a:xfrm>
           <a:prstGeom prst="rect">
             <a:avLst/>
@@ -7003,7 +6616,7 @@
       </p:sp>
       <p:sp>
         <p:nvSpPr>
-          <p:cNvPr id="126" name="Line 5"/>
+          <p:cNvPr id="117" name="Line 5"/>
           <p:cNvSpPr/>
           <p:nvPr/>
         </p:nvSpPr>
@@ -7031,14 +6644,14 @@
       </p:sp>
       <p:sp>
         <p:nvSpPr>
-          <p:cNvPr id="127" name="CustomShape 6"/>
+          <p:cNvPr id="118" name="CustomShape 6"/>
           <p:cNvSpPr/>
           <p:nvPr/>
         </p:nvSpPr>
         <p:spPr>
           <a:xfrm>
             <a:off x="6985080" y="7020000"/>
-            <a:ext cx="2879280" cy="396360"/>
+            <a:ext cx="2878920" cy="396000"/>
           </a:xfrm>
           <a:prstGeom prst="rect">
             <a:avLst/>
@@ -7142,14 +6755,14 @@
       </p:grpSpPr>
       <p:sp>
         <p:nvSpPr>
-          <p:cNvPr id="128" name="CustomShape 1"/>
+          <p:cNvPr id="119" name="CustomShape 1"/>
           <p:cNvSpPr/>
           <p:nvPr/>
         </p:nvSpPr>
         <p:spPr>
           <a:xfrm>
             <a:off x="1080000" y="1691640"/>
-            <a:ext cx="8064360" cy="3738960"/>
+            <a:ext cx="8064000" cy="3738600"/>
           </a:xfrm>
           <a:prstGeom prst="rect">
             <a:avLst/>
@@ -7168,7 +6781,7 @@
         <p:txBody>
           <a:bodyPr lIns="90000" rIns="90000" tIns="45000" bIns="45000"/>
           <a:p>
-            <a:pPr marL="343080" indent="-342720">
+            <a:pPr marL="343080" indent="-342360">
               <a:lnSpc>
                 <a:spcPct val="100000"/>
               </a:lnSpc>
@@ -7206,7 +6819,7 @@
             </a:endParaRPr>
           </a:p>
           <a:p>
-            <a:pPr marL="343080" indent="-342720">
+            <a:pPr marL="343080" indent="-342360">
               <a:lnSpc>
                 <a:spcPct val="100000"/>
               </a:lnSpc>
@@ -7244,7 +6857,7 @@
             </a:endParaRPr>
           </a:p>
           <a:p>
-            <a:pPr marL="343080" indent="-342720">
+            <a:pPr marL="343080" indent="-342360">
               <a:lnSpc>
                 <a:spcPct val="100000"/>
               </a:lnSpc>
@@ -7282,7 +6895,7 @@
             </a:endParaRPr>
           </a:p>
           <a:p>
-            <a:pPr marL="343080" indent="-342720">
+            <a:pPr marL="343080" indent="-342360">
               <a:lnSpc>
                 <a:spcPct val="100000"/>
               </a:lnSpc>
@@ -7320,7 +6933,7 @@
             </a:endParaRPr>
           </a:p>
           <a:p>
-            <a:pPr marL="343080" indent="-342720">
+            <a:pPr marL="343080" indent="-342360">
               <a:lnSpc>
                 <a:spcPct val="100000"/>
               </a:lnSpc>
@@ -7361,14 +6974,14 @@
       </p:sp>
       <p:sp>
         <p:nvSpPr>
-          <p:cNvPr id="129" name="TextShape 2"/>
-          <p:cNvSpPr txBox="1"/>
+          <p:cNvPr id="120" name="CustomShape 2"/>
+          <p:cNvSpPr/>
           <p:nvPr/>
         </p:nvSpPr>
         <p:spPr>
           <a:xfrm>
             <a:off x="456480" y="273600"/>
-            <a:ext cx="8227800" cy="1144440"/>
+            <a:ext cx="8227440" cy="1144080"/>
           </a:xfrm>
           <a:prstGeom prst="rect">
             <a:avLst/>
@@ -7378,6 +6991,12 @@
             <a:noFill/>
           </a:ln>
         </p:spPr>
+        <p:style>
+          <a:lnRef idx="0"/>
+          <a:fillRef idx="0"/>
+          <a:effectRef idx="0"/>
+          <a:fontRef idx="minor"/>
+        </p:style>
         <p:txBody>
           <a:bodyPr lIns="0" rIns="0" tIns="35280" bIns="0" anchor="ctr"/>
           <a:p>
@@ -7401,7 +7020,7 @@
               </a:rPr>
               <a:t>NWB features</a:t>
             </a:r>
-            <a:endParaRPr b="0" lang="en-GB" sz="4400" spc="-1" strike="noStrike">
+            <a:endParaRPr b="0" lang="en-GB" sz="1800" spc="-1" strike="noStrike">
               <a:solidFill>
                 <a:srgbClr val="000000"/>
               </a:solidFill>
@@ -7466,14 +7085,14 @@
       </p:grpSpPr>
       <p:sp>
         <p:nvSpPr>
-          <p:cNvPr id="130" name="TextShape 1"/>
-          <p:cNvSpPr txBox="1"/>
+          <p:cNvPr id="121" name="CustomShape 1"/>
+          <p:cNvSpPr/>
           <p:nvPr/>
         </p:nvSpPr>
         <p:spPr>
           <a:xfrm>
             <a:off x="456480" y="273600"/>
-            <a:ext cx="8227800" cy="1144440"/>
+            <a:ext cx="8227440" cy="1144080"/>
           </a:xfrm>
           <a:prstGeom prst="rect">
             <a:avLst/>
@@ -7483,6 +7102,12 @@
             <a:noFill/>
           </a:ln>
         </p:spPr>
+        <p:style>
+          <a:lnRef idx="0"/>
+          <a:fillRef idx="0"/>
+          <a:effectRef idx="0"/>
+          <a:fontRef idx="minor"/>
+        </p:style>
         <p:txBody>
           <a:bodyPr lIns="0" rIns="0" tIns="35280" bIns="0" anchor="ctr"/>
           <a:p>
@@ -7506,30 +7131,30 @@
               </a:rPr>
               <a:t>Current work/ future plans</a:t>
             </a:r>
-            <a:endParaRPr b="0" lang="en-GB" sz="4400" spc="-1" strike="noStrike">
-              <a:solidFill>
-                <a:srgbClr val="000000"/>
-              </a:solidFill>
-              <a:uFill>
-                <a:solidFill>
-                  <a:srgbClr val="ffffff"/>
-                </a:solidFill>
-              </a:uFill>
-              <a:latin typeface="Arial"/>
-            </a:endParaRPr>
-          </a:p>
-        </p:txBody>
-      </p:sp>
-      <p:sp>
-        <p:nvSpPr>
-          <p:cNvPr id="131" name="CustomShape 2"/>
+            <a:endParaRPr b="0" lang="en-GB" sz="1800" spc="-1" strike="noStrike">
+              <a:solidFill>
+                <a:srgbClr val="000000"/>
+              </a:solidFill>
+              <a:uFill>
+                <a:solidFill>
+                  <a:srgbClr val="ffffff"/>
+                </a:solidFill>
+              </a:uFill>
+              <a:latin typeface="Arial"/>
+            </a:endParaRPr>
+          </a:p>
+        </p:txBody>
+      </p:sp>
+      <p:sp>
+        <p:nvSpPr>
+          <p:cNvPr id="122" name="CustomShape 2"/>
           <p:cNvSpPr/>
           <p:nvPr/>
         </p:nvSpPr>
         <p:spPr>
           <a:xfrm>
             <a:off x="1080000" y="1691640"/>
-            <a:ext cx="8064360" cy="4757760"/>
+            <a:ext cx="8064000" cy="4757400"/>
           </a:xfrm>
           <a:prstGeom prst="rect">
             <a:avLst/>
@@ -7548,7 +7173,7 @@
         <p:txBody>
           <a:bodyPr lIns="90000" rIns="90000" tIns="45000" bIns="45000"/>
           <a:p>
-            <a:pPr marL="343080" indent="-342720">
+            <a:pPr marL="343080" indent="-342360">
               <a:lnSpc>
                 <a:spcPct val="100000"/>
               </a:lnSpc>
@@ -7586,7 +7211,7 @@
             </a:endParaRPr>
           </a:p>
           <a:p>
-            <a:pPr marL="343080" indent="-342720">
+            <a:pPr marL="343080" indent="-342360">
               <a:lnSpc>
                 <a:spcPct val="100000"/>
               </a:lnSpc>
@@ -7624,7 +7249,7 @@
             </a:endParaRPr>
           </a:p>
           <a:p>
-            <a:pPr marL="343080" indent="-342720">
+            <a:pPr marL="343080" indent="-342360">
               <a:lnSpc>
                 <a:spcPct val="100000"/>
               </a:lnSpc>
@@ -7662,7 +7287,7 @@
             </a:endParaRPr>
           </a:p>
           <a:p>
-            <a:pPr marL="343080" indent="-342720">
+            <a:pPr marL="343080" indent="-342360">
               <a:lnSpc>
                 <a:spcPct val="100000"/>
               </a:lnSpc>
@@ -7700,7 +7325,7 @@
             </a:endParaRPr>
           </a:p>
           <a:p>
-            <a:pPr marL="343080" indent="-342720">
+            <a:pPr marL="343080" indent="-342360">
               <a:lnSpc>
                 <a:spcPct val="100000"/>
               </a:lnSpc>
@@ -7738,7 +7363,7 @@
             </a:endParaRPr>
           </a:p>
           <a:p>
-            <a:pPr marL="343080" indent="-342720">
+            <a:pPr marL="343080" indent="-342360">
               <a:lnSpc>
                 <a:spcPct val="100000"/>
               </a:lnSpc>
@@ -7826,39 +7451,16 @@
           <a:chExt cx="0" cy="0"/>
         </a:xfrm>
       </p:grpSpPr>
-      <p:pic>
-        <p:nvPicPr>
-          <p:cNvPr id="132" name="Picture 1" descr=""/>
-          <p:cNvPicPr/>
+      <p:sp>
+        <p:nvSpPr>
+          <p:cNvPr id="123" name="CustomShape 1"/>
+          <p:cNvSpPr/>
           <p:nvPr/>
-        </p:nvPicPr>
-        <p:blipFill>
-          <a:blip r:embed="rId1"/>
-          <a:stretch/>
-        </p:blipFill>
-        <p:spPr>
-          <a:xfrm>
-            <a:off x="5472360" y="1043640"/>
-            <a:ext cx="3672000" cy="5123880"/>
-          </a:xfrm>
-          <a:prstGeom prst="rect">
-            <a:avLst/>
-          </a:prstGeom>
-          <a:ln>
-            <a:noFill/>
-          </a:ln>
-        </p:spPr>
-      </p:pic>
-      <p:sp>
-        <p:nvSpPr>
-          <p:cNvPr id="133" name="TextShape 1"/>
-          <p:cNvSpPr txBox="1"/>
-          <p:nvPr/>
         </p:nvSpPr>
         <p:spPr>
           <a:xfrm>
             <a:off x="503640" y="0"/>
-            <a:ext cx="9070560" cy="887040"/>
+            <a:ext cx="9070200" cy="886680"/>
           </a:xfrm>
           <a:prstGeom prst="rect">
             <a:avLst/>
@@ -7868,6 +7470,12 @@
             <a:noFill/>
           </a:ln>
         </p:spPr>
+        <p:style>
+          <a:lnRef idx="0"/>
+          <a:fillRef idx="0"/>
+          <a:effectRef idx="0"/>
+          <a:fontRef idx="minor"/>
+        </p:style>
         <p:txBody>
           <a:bodyPr lIns="0" rIns="0" tIns="38880" bIns="0" anchor="ctr"/>
           <a:p>
@@ -7891,30 +7499,30 @@
               </a:rPr>
               <a:t>Overview of NWB format</a:t>
             </a:r>
-            <a:endParaRPr b="0" lang="en-GB" sz="4400" spc="-1" strike="noStrike">
-              <a:solidFill>
-                <a:srgbClr val="000000"/>
-              </a:solidFill>
-              <a:uFill>
-                <a:solidFill>
-                  <a:srgbClr val="ffffff"/>
-                </a:solidFill>
-              </a:uFill>
-              <a:latin typeface="Arial"/>
-            </a:endParaRPr>
-          </a:p>
-        </p:txBody>
-      </p:sp>
-      <p:sp>
-        <p:nvSpPr>
-          <p:cNvPr id="134" name="CustomShape 2"/>
+            <a:endParaRPr b="0" lang="en-GB" sz="1800" spc="-1" strike="noStrike">
+              <a:solidFill>
+                <a:srgbClr val="000000"/>
+              </a:solidFill>
+              <a:uFill>
+                <a:solidFill>
+                  <a:srgbClr val="ffffff"/>
+                </a:solidFill>
+              </a:uFill>
+              <a:latin typeface="Arial"/>
+            </a:endParaRPr>
+          </a:p>
+        </p:txBody>
+      </p:sp>
+      <p:sp>
+        <p:nvSpPr>
+          <p:cNvPr id="124" name="CustomShape 2"/>
           <p:cNvSpPr/>
           <p:nvPr/>
         </p:nvSpPr>
         <p:spPr>
           <a:xfrm>
             <a:off x="4910040" y="6583320"/>
-            <a:ext cx="5109840" cy="914040"/>
+            <a:ext cx="5109480" cy="913680"/>
           </a:xfrm>
           <a:prstGeom prst="rect">
             <a:avLst/>
@@ -7984,14 +7592,14 @@
       </p:sp>
       <p:sp>
         <p:nvSpPr>
-          <p:cNvPr id="135" name="CustomShape 3"/>
+          <p:cNvPr id="125" name="CustomShape 3"/>
           <p:cNvSpPr/>
           <p:nvPr/>
         </p:nvSpPr>
         <p:spPr>
           <a:xfrm>
             <a:off x="320760" y="2487600"/>
-            <a:ext cx="4435200" cy="1225080"/>
+            <a:ext cx="4434840" cy="1224720"/>
           </a:xfrm>
           <a:prstGeom prst="rect">
             <a:avLst/>
@@ -8049,14 +7657,14 @@
       </p:sp>
       <p:sp>
         <p:nvSpPr>
-          <p:cNvPr id="136" name="CustomShape 4"/>
+          <p:cNvPr id="126" name="CustomShape 4"/>
           <p:cNvSpPr/>
           <p:nvPr/>
         </p:nvSpPr>
         <p:spPr>
           <a:xfrm>
             <a:off x="316080" y="1411200"/>
-            <a:ext cx="4438440" cy="782280"/>
+            <a:ext cx="4438080" cy="781920"/>
           </a:xfrm>
           <a:prstGeom prst="rect">
             <a:avLst/>
@@ -8114,14 +7722,14 @@
       </p:sp>
       <p:sp>
         <p:nvSpPr>
-          <p:cNvPr id="137" name="CustomShape 5"/>
+          <p:cNvPr id="127" name="CustomShape 5"/>
           <p:cNvSpPr/>
           <p:nvPr/>
         </p:nvSpPr>
         <p:spPr>
           <a:xfrm>
             <a:off x="320760" y="3995640"/>
-            <a:ext cx="4425480" cy="950400"/>
+            <a:ext cx="4425120" cy="950040"/>
           </a:xfrm>
           <a:prstGeom prst="rect">
             <a:avLst/>
@@ -8179,14 +7787,14 @@
       </p:sp>
       <p:sp>
         <p:nvSpPr>
-          <p:cNvPr id="138" name="CustomShape 6"/>
+          <p:cNvPr id="128" name="CustomShape 6"/>
           <p:cNvSpPr/>
           <p:nvPr/>
         </p:nvSpPr>
         <p:spPr>
           <a:xfrm>
             <a:off x="320760" y="5199120"/>
-            <a:ext cx="4425480" cy="996480"/>
+            <a:ext cx="4425120" cy="996120"/>
           </a:xfrm>
           <a:prstGeom prst="rect">
             <a:avLst/>
@@ -8244,14 +7852,14 @@
       </p:sp>
       <p:sp>
         <p:nvSpPr>
-          <p:cNvPr id="139" name="CustomShape 7"/>
+          <p:cNvPr id="129" name="CustomShape 7"/>
           <p:cNvSpPr/>
           <p:nvPr/>
         </p:nvSpPr>
         <p:spPr>
           <a:xfrm>
             <a:off x="320760" y="6434280"/>
-            <a:ext cx="4435200" cy="769680"/>
+            <a:ext cx="4434840" cy="769320"/>
           </a:xfrm>
           <a:prstGeom prst="rect">
             <a:avLst/>
@@ -8309,7 +7917,7 @@
       </p:sp>
       <p:sp>
         <p:nvSpPr>
-          <p:cNvPr id="140" name="Line 8"/>
+          <p:cNvPr id="130" name="Line 8"/>
           <p:cNvSpPr/>
           <p:nvPr/>
         </p:nvSpPr>
@@ -8338,7 +7946,7 @@
       </p:sp>
       <p:sp>
         <p:nvSpPr>
-          <p:cNvPr id="141" name="Line 9"/>
+          <p:cNvPr id="131" name="Line 9"/>
           <p:cNvSpPr/>
           <p:nvPr/>
         </p:nvSpPr>
@@ -8367,7 +7975,7 @@
       </p:sp>
       <p:sp>
         <p:nvSpPr>
-          <p:cNvPr id="142" name="Line 10"/>
+          <p:cNvPr id="132" name="Line 10"/>
           <p:cNvSpPr/>
           <p:nvPr/>
         </p:nvSpPr>
@@ -8396,7 +8004,7 @@
       </p:sp>
       <p:sp>
         <p:nvSpPr>
-          <p:cNvPr id="143" name="Line 11"/>
+          <p:cNvPr id="133" name="Line 11"/>
           <p:cNvSpPr/>
           <p:nvPr/>
         </p:nvSpPr>
@@ -8425,7 +8033,7 @@
       </p:sp>
       <p:sp>
         <p:nvSpPr>
-          <p:cNvPr id="144" name="Line 12"/>
+          <p:cNvPr id="134" name="Line 12"/>
           <p:cNvSpPr/>
           <p:nvPr/>
         </p:nvSpPr>
@@ -8452,6 +8060,29 @@
           <a:fontRef idx="minor"/>
         </p:style>
       </p:sp>
+      <p:pic>
+        <p:nvPicPr>
+          <p:cNvPr id="135" name="" descr=""/>
+          <p:cNvPicPr/>
+          <p:nvPr/>
+        </p:nvPicPr>
+        <p:blipFill>
+          <a:blip r:embed="rId1"/>
+          <a:stretch/>
+        </p:blipFill>
+        <p:spPr>
+          <a:xfrm>
+            <a:off x="5646600" y="850320"/>
+            <a:ext cx="4142520" cy="5787000"/>
+          </a:xfrm>
+          <a:prstGeom prst="rect">
+            <a:avLst/>
+          </a:prstGeom>
+          <a:ln>
+            <a:noFill/>
+          </a:ln>
+        </p:spPr>
+      </p:pic>
     </p:spTree>
   </p:cSld>
   <p:timing>

--- a/Part_1_Resources_for_computational_modellers/3_Analysis_tools/4_NWB.pptx
+++ b/Part_1_Resources_for_computational_modellers/3_Analysis_tools/4_NWB.pptx
@@ -1,27 +1,455 @@
 
 <file path=ppt/presentation.xml><?xml version="1.0" encoding="utf-8"?>
-<p:presentation xmlns:a="http://schemas.openxmlformats.org/drawingml/2006/main" xmlns:p="http://schemas.openxmlformats.org/presentationml/2006/main" xmlns:r="http://schemas.openxmlformats.org/officeDocument/2006/relationships" xmlns:p14="http://schemas.microsoft.com/office/powerpoint/2010/main" xmlns:p15="http://schemas.microsoft.com/office/powerpoint/2012/main" xmlns:mc="http://schemas.openxmlformats.org/markup-compatibility/2006">
+<p:presentation xmlns:a="http://schemas.openxmlformats.org/drawingml/2006/main" xmlns:r="http://schemas.openxmlformats.org/officeDocument/2006/relationships" xmlns:p="http://schemas.openxmlformats.org/presentationml/2006/main" saveSubsetFonts="1">
   <p:sldMasterIdLst>
-    <p:sldMasterId id="2147483648" r:id="rId2"/>
-    <p:sldMasterId id="2147483661" r:id="rId3"/>
-    <p:sldMasterId id="2147483674" r:id="rId4"/>
+    <p:sldMasterId id="2147483648" r:id="rId1"/>
+    <p:sldMasterId id="2147483661" r:id="rId2"/>
+    <p:sldMasterId id="2147483674" r:id="rId3"/>
   </p:sldMasterIdLst>
   <p:notesMasterIdLst>
-    <p:notesMasterId r:id="rId5"/>
+    <p:notesMasterId r:id="rId8"/>
   </p:notesMasterIdLst>
   <p:sldIdLst>
-    <p:sldId id="256" r:id="rId6"/>
-    <p:sldId id="257" r:id="rId7"/>
-    <p:sldId id="258" r:id="rId8"/>
-    <p:sldId id="259" r:id="rId9"/>
+    <p:sldId id="256" r:id="rId4"/>
+    <p:sldId id="257" r:id="rId5"/>
+    <p:sldId id="259" r:id="rId6"/>
+    <p:sldId id="258" r:id="rId7"/>
   </p:sldIdLst>
   <p:sldSz cx="10080625" cy="7559675"/>
-  <p:notesSz cx="7559675" cy="10691812"/>
+  <p:notesSz cx="7559675" cy="10691813"/>
+  <p:defaultTextStyle>
+    <a:defPPr>
+      <a:defRPr lang="en-US"/>
+    </a:defPPr>
+    <a:lvl1pPr marL="0" algn="l" defTabSz="914400" rtl="0" eaLnBrk="1" latinLnBrk="0" hangingPunct="1">
+      <a:defRPr sz="1800" kern="1200">
+        <a:solidFill>
+          <a:schemeClr val="tx1"/>
+        </a:solidFill>
+        <a:latin typeface="+mn-lt"/>
+        <a:ea typeface="+mn-ea"/>
+        <a:cs typeface="+mn-cs"/>
+      </a:defRPr>
+    </a:lvl1pPr>
+    <a:lvl2pPr marL="457200" algn="l" defTabSz="914400" rtl="0" eaLnBrk="1" latinLnBrk="0" hangingPunct="1">
+      <a:defRPr sz="1800" kern="1200">
+        <a:solidFill>
+          <a:schemeClr val="tx1"/>
+        </a:solidFill>
+        <a:latin typeface="+mn-lt"/>
+        <a:ea typeface="+mn-ea"/>
+        <a:cs typeface="+mn-cs"/>
+      </a:defRPr>
+    </a:lvl2pPr>
+    <a:lvl3pPr marL="914400" algn="l" defTabSz="914400" rtl="0" eaLnBrk="1" latinLnBrk="0" hangingPunct="1">
+      <a:defRPr sz="1800" kern="1200">
+        <a:solidFill>
+          <a:schemeClr val="tx1"/>
+        </a:solidFill>
+        <a:latin typeface="+mn-lt"/>
+        <a:ea typeface="+mn-ea"/>
+        <a:cs typeface="+mn-cs"/>
+      </a:defRPr>
+    </a:lvl3pPr>
+    <a:lvl4pPr marL="1371600" algn="l" defTabSz="914400" rtl="0" eaLnBrk="1" latinLnBrk="0" hangingPunct="1">
+      <a:defRPr sz="1800" kern="1200">
+        <a:solidFill>
+          <a:schemeClr val="tx1"/>
+        </a:solidFill>
+        <a:latin typeface="+mn-lt"/>
+        <a:ea typeface="+mn-ea"/>
+        <a:cs typeface="+mn-cs"/>
+      </a:defRPr>
+    </a:lvl4pPr>
+    <a:lvl5pPr marL="1828800" algn="l" defTabSz="914400" rtl="0" eaLnBrk="1" latinLnBrk="0" hangingPunct="1">
+      <a:defRPr sz="1800" kern="1200">
+        <a:solidFill>
+          <a:schemeClr val="tx1"/>
+        </a:solidFill>
+        <a:latin typeface="+mn-lt"/>
+        <a:ea typeface="+mn-ea"/>
+        <a:cs typeface="+mn-cs"/>
+      </a:defRPr>
+    </a:lvl5pPr>
+    <a:lvl6pPr marL="2286000" algn="l" defTabSz="914400" rtl="0" eaLnBrk="1" latinLnBrk="0" hangingPunct="1">
+      <a:defRPr sz="1800" kern="1200">
+        <a:solidFill>
+          <a:schemeClr val="tx1"/>
+        </a:solidFill>
+        <a:latin typeface="+mn-lt"/>
+        <a:ea typeface="+mn-ea"/>
+        <a:cs typeface="+mn-cs"/>
+      </a:defRPr>
+    </a:lvl6pPr>
+    <a:lvl7pPr marL="2743200" algn="l" defTabSz="914400" rtl="0" eaLnBrk="1" latinLnBrk="0" hangingPunct="1">
+      <a:defRPr sz="1800" kern="1200">
+        <a:solidFill>
+          <a:schemeClr val="tx1"/>
+        </a:solidFill>
+        <a:latin typeface="+mn-lt"/>
+        <a:ea typeface="+mn-ea"/>
+        <a:cs typeface="+mn-cs"/>
+      </a:defRPr>
+    </a:lvl7pPr>
+    <a:lvl8pPr marL="3200400" algn="l" defTabSz="914400" rtl="0" eaLnBrk="1" latinLnBrk="0" hangingPunct="1">
+      <a:defRPr sz="1800" kern="1200">
+        <a:solidFill>
+          <a:schemeClr val="tx1"/>
+        </a:solidFill>
+        <a:latin typeface="+mn-lt"/>
+        <a:ea typeface="+mn-ea"/>
+        <a:cs typeface="+mn-cs"/>
+      </a:defRPr>
+    </a:lvl8pPr>
+    <a:lvl9pPr marL="3657600" algn="l" defTabSz="914400" rtl="0" eaLnBrk="1" latinLnBrk="0" hangingPunct="1">
+      <a:defRPr sz="1800" kern="1200">
+        <a:solidFill>
+          <a:schemeClr val="tx1"/>
+        </a:solidFill>
+        <a:latin typeface="+mn-lt"/>
+        <a:ea typeface="+mn-ea"/>
+        <a:cs typeface="+mn-cs"/>
+      </a:defRPr>
+    </a:lvl9pPr>
+  </p:defaultTextStyle>
 </p:presentation>
 </file>
 
 <file path=ppt/notesMasters/notesMaster1.xml><?xml version="1.0" encoding="utf-8"?>
-<p:notesMaster xmlns:a="http://schemas.openxmlformats.org/drawingml/2006/main" xmlns:p="http://schemas.openxmlformats.org/presentationml/2006/main" xmlns:r="http://schemas.openxmlformats.org/officeDocument/2006/relationships" xmlns:p14="http://schemas.microsoft.com/office/powerpoint/2010/main" xmlns:p15="http://schemas.microsoft.com/office/powerpoint/2012/main" xmlns:mc="http://schemas.openxmlformats.org/markup-compatibility/2006">
+<p:notesMaster xmlns:a="http://schemas.openxmlformats.org/drawingml/2006/main" xmlns:r="http://schemas.openxmlformats.org/officeDocument/2006/relationships" xmlns:p="http://schemas.openxmlformats.org/presentationml/2006/main">
+  <p:cSld>
+    <p:bg>
+      <p:bgRef idx="1001">
+        <a:schemeClr val="bg1"/>
+      </p:bgRef>
+    </p:bg>
+    <p:spTree>
+      <p:nvGrpSpPr>
+        <p:cNvPr id="1" name=""/>
+        <p:cNvGrpSpPr/>
+        <p:nvPr/>
+      </p:nvGrpSpPr>
+      <p:grpSpPr>
+        <a:xfrm>
+          <a:off x="0" y="0"/>
+          <a:ext cx="0" cy="0"/>
+          <a:chOff x="0" y="0"/>
+          <a:chExt cx="0" cy="0"/>
+        </a:xfrm>
+      </p:grpSpPr>
+      <p:sp>
+        <p:nvSpPr>
+          <p:cNvPr id="108" name="PlaceHolder 1"/>
+          <p:cNvSpPr>
+            <a:spLocks noGrp="1"/>
+          </p:cNvSpPr>
+          <p:nvPr>
+            <p:ph type="body"/>
+          </p:nvPr>
+        </p:nvSpPr>
+        <p:spPr>
+          <a:xfrm>
+            <a:off x="756000" y="5078520"/>
+            <a:ext cx="6047640" cy="4811040"/>
+          </a:xfrm>
+          <a:prstGeom prst="rect">
+            <a:avLst/>
+          </a:prstGeom>
+        </p:spPr>
+        <p:txBody>
+          <a:bodyPr lIns="0" tIns="0" rIns="0" bIns="0"/>
+          <a:lstStyle/>
+          <a:p>
+            <a:r>
+              <a:rPr lang="en-GB" sz="2000" b="0" strike="noStrike" spc="-1">
+                <a:solidFill>
+                  <a:srgbClr val="000000"/>
+                </a:solidFill>
+                <a:uFill>
+                  <a:solidFill>
+                    <a:srgbClr val="FFFFFF"/>
+                  </a:solidFill>
+                </a:uFill>
+                <a:latin typeface="Arial"/>
+              </a:rPr>
+              <a:t>Click to edit the notes format</a:t>
+            </a:r>
+          </a:p>
+        </p:txBody>
+      </p:sp>
+      <p:sp>
+        <p:nvSpPr>
+          <p:cNvPr id="109" name="PlaceHolder 2"/>
+          <p:cNvSpPr>
+            <a:spLocks noGrp="1"/>
+          </p:cNvSpPr>
+          <p:nvPr>
+            <p:ph type="hdr"/>
+          </p:nvPr>
+        </p:nvSpPr>
+        <p:spPr>
+          <a:xfrm>
+            <a:off x="0" y="0"/>
+            <a:ext cx="3280680" cy="534240"/>
+          </a:xfrm>
+          <a:prstGeom prst="rect">
+            <a:avLst/>
+          </a:prstGeom>
+        </p:spPr>
+        <p:txBody>
+          <a:bodyPr lIns="0" tIns="0" rIns="0" bIns="0"/>
+          <a:lstStyle/>
+          <a:p>
+            <a:r>
+              <a:rPr lang="en-GB" sz="1400" b="0" strike="noStrike" spc="-1">
+                <a:solidFill>
+                  <a:srgbClr val="000000"/>
+                </a:solidFill>
+                <a:uFill>
+                  <a:solidFill>
+                    <a:srgbClr val="FFFFFF"/>
+                  </a:solidFill>
+                </a:uFill>
+                <a:latin typeface="Times New Roman"/>
+              </a:rPr>
+              <a:t>&lt;header&gt;</a:t>
+            </a:r>
+          </a:p>
+        </p:txBody>
+      </p:sp>
+      <p:sp>
+        <p:nvSpPr>
+          <p:cNvPr id="110" name="PlaceHolder 3"/>
+          <p:cNvSpPr>
+            <a:spLocks noGrp="1"/>
+          </p:cNvSpPr>
+          <p:nvPr>
+            <p:ph type="dt"/>
+          </p:nvPr>
+        </p:nvSpPr>
+        <p:spPr>
+          <a:xfrm>
+            <a:off x="4278960" y="0"/>
+            <a:ext cx="3280680" cy="534240"/>
+          </a:xfrm>
+          <a:prstGeom prst="rect">
+            <a:avLst/>
+          </a:prstGeom>
+        </p:spPr>
+        <p:txBody>
+          <a:bodyPr lIns="0" tIns="0" rIns="0" bIns="0"/>
+          <a:lstStyle/>
+          <a:p>
+            <a:pPr algn="r"/>
+            <a:r>
+              <a:rPr lang="en-GB" sz="1400" b="0" strike="noStrike" spc="-1">
+                <a:solidFill>
+                  <a:srgbClr val="000000"/>
+                </a:solidFill>
+                <a:uFill>
+                  <a:solidFill>
+                    <a:srgbClr val="FFFFFF"/>
+                  </a:solidFill>
+                </a:uFill>
+                <a:latin typeface="Times New Roman"/>
+              </a:rPr>
+              <a:t>&lt;date/time&gt;</a:t>
+            </a:r>
+          </a:p>
+        </p:txBody>
+      </p:sp>
+      <p:sp>
+        <p:nvSpPr>
+          <p:cNvPr id="111" name="PlaceHolder 4"/>
+          <p:cNvSpPr>
+            <a:spLocks noGrp="1"/>
+          </p:cNvSpPr>
+          <p:nvPr>
+            <p:ph type="ftr"/>
+          </p:nvPr>
+        </p:nvSpPr>
+        <p:spPr>
+          <a:xfrm>
+            <a:off x="0" y="10157400"/>
+            <a:ext cx="3280680" cy="534240"/>
+          </a:xfrm>
+          <a:prstGeom prst="rect">
+            <a:avLst/>
+          </a:prstGeom>
+        </p:spPr>
+        <p:txBody>
+          <a:bodyPr lIns="0" tIns="0" rIns="0" bIns="0" anchor="b"/>
+          <a:lstStyle/>
+          <a:p>
+            <a:r>
+              <a:rPr lang="en-GB" sz="1400" b="0" strike="noStrike" spc="-1">
+                <a:solidFill>
+                  <a:srgbClr val="000000"/>
+                </a:solidFill>
+                <a:uFill>
+                  <a:solidFill>
+                    <a:srgbClr val="FFFFFF"/>
+                  </a:solidFill>
+                </a:uFill>
+                <a:latin typeface="Times New Roman"/>
+              </a:rPr>
+              <a:t>&lt;footer&gt;</a:t>
+            </a:r>
+          </a:p>
+        </p:txBody>
+      </p:sp>
+      <p:sp>
+        <p:nvSpPr>
+          <p:cNvPr id="112" name="PlaceHolder 5"/>
+          <p:cNvSpPr>
+            <a:spLocks noGrp="1"/>
+          </p:cNvSpPr>
+          <p:nvPr>
+            <p:ph type="sldNum"/>
+          </p:nvPr>
+        </p:nvSpPr>
+        <p:spPr>
+          <a:xfrm>
+            <a:off x="4278960" y="10157400"/>
+            <a:ext cx="3280680" cy="534240"/>
+          </a:xfrm>
+          <a:prstGeom prst="rect">
+            <a:avLst/>
+          </a:prstGeom>
+        </p:spPr>
+        <p:txBody>
+          <a:bodyPr lIns="0" tIns="0" rIns="0" bIns="0" anchor="b"/>
+          <a:lstStyle/>
+          <a:p>
+            <a:pPr algn="r"/>
+            <a:fld id="{BE2038DE-E509-4FFD-88C2-3BF1CBDEE6BA}" type="slidenum">
+              <a:rPr lang="en-GB" sz="1400" b="0" strike="noStrike" spc="-1">
+                <a:solidFill>
+                  <a:srgbClr val="000000"/>
+                </a:solidFill>
+                <a:uFill>
+                  <a:solidFill>
+                    <a:srgbClr val="FFFFFF"/>
+                  </a:solidFill>
+                </a:uFill>
+                <a:latin typeface="Times New Roman"/>
+              </a:rPr>
+              <a:t>‹#›</a:t>
+            </a:fld>
+            <a:endParaRPr lang="en-GB" sz="1400" b="0" strike="noStrike" spc="-1">
+              <a:solidFill>
+                <a:srgbClr val="000000"/>
+              </a:solidFill>
+              <a:uFill>
+                <a:solidFill>
+                  <a:srgbClr val="FFFFFF"/>
+                </a:solidFill>
+              </a:uFill>
+              <a:latin typeface="Times New Roman"/>
+            </a:endParaRPr>
+          </a:p>
+        </p:txBody>
+      </p:sp>
+    </p:spTree>
+  </p:cSld>
+  <p:clrMap bg1="lt1" tx1="dk1" bg2="lt2" tx2="dk2" accent1="accent1" accent2="accent2" accent3="accent3" accent4="accent4" accent5="accent5" accent6="accent6" hlink="hlink" folHlink="folHlink"/>
+  <p:notesStyle>
+    <a:lvl1pPr marL="0" algn="l" defTabSz="914400" rtl="0" eaLnBrk="1" latinLnBrk="0" hangingPunct="1">
+      <a:defRPr sz="1200" kern="1200">
+        <a:solidFill>
+          <a:schemeClr val="tx1"/>
+        </a:solidFill>
+        <a:latin typeface="+mn-lt"/>
+        <a:ea typeface="+mn-ea"/>
+        <a:cs typeface="+mn-cs"/>
+      </a:defRPr>
+    </a:lvl1pPr>
+    <a:lvl2pPr marL="457200" algn="l" defTabSz="914400" rtl="0" eaLnBrk="1" latinLnBrk="0" hangingPunct="1">
+      <a:defRPr sz="1200" kern="1200">
+        <a:solidFill>
+          <a:schemeClr val="tx1"/>
+        </a:solidFill>
+        <a:latin typeface="+mn-lt"/>
+        <a:ea typeface="+mn-ea"/>
+        <a:cs typeface="+mn-cs"/>
+      </a:defRPr>
+    </a:lvl2pPr>
+    <a:lvl3pPr marL="914400" algn="l" defTabSz="914400" rtl="0" eaLnBrk="1" latinLnBrk="0" hangingPunct="1">
+      <a:defRPr sz="1200" kern="1200">
+        <a:solidFill>
+          <a:schemeClr val="tx1"/>
+        </a:solidFill>
+        <a:latin typeface="+mn-lt"/>
+        <a:ea typeface="+mn-ea"/>
+        <a:cs typeface="+mn-cs"/>
+      </a:defRPr>
+    </a:lvl3pPr>
+    <a:lvl4pPr marL="1371600" algn="l" defTabSz="914400" rtl="0" eaLnBrk="1" latinLnBrk="0" hangingPunct="1">
+      <a:defRPr sz="1200" kern="1200">
+        <a:solidFill>
+          <a:schemeClr val="tx1"/>
+        </a:solidFill>
+        <a:latin typeface="+mn-lt"/>
+        <a:ea typeface="+mn-ea"/>
+        <a:cs typeface="+mn-cs"/>
+      </a:defRPr>
+    </a:lvl4pPr>
+    <a:lvl5pPr marL="1828800" algn="l" defTabSz="914400" rtl="0" eaLnBrk="1" latinLnBrk="0" hangingPunct="1">
+      <a:defRPr sz="1200" kern="1200">
+        <a:solidFill>
+          <a:schemeClr val="tx1"/>
+        </a:solidFill>
+        <a:latin typeface="+mn-lt"/>
+        <a:ea typeface="+mn-ea"/>
+        <a:cs typeface="+mn-cs"/>
+      </a:defRPr>
+    </a:lvl5pPr>
+    <a:lvl6pPr marL="2286000" algn="l" defTabSz="914400" rtl="0" eaLnBrk="1" latinLnBrk="0" hangingPunct="1">
+      <a:defRPr sz="1200" kern="1200">
+        <a:solidFill>
+          <a:schemeClr val="tx1"/>
+        </a:solidFill>
+        <a:latin typeface="+mn-lt"/>
+        <a:ea typeface="+mn-ea"/>
+        <a:cs typeface="+mn-cs"/>
+      </a:defRPr>
+    </a:lvl6pPr>
+    <a:lvl7pPr marL="2743200" algn="l" defTabSz="914400" rtl="0" eaLnBrk="1" latinLnBrk="0" hangingPunct="1">
+      <a:defRPr sz="1200" kern="1200">
+        <a:solidFill>
+          <a:schemeClr val="tx1"/>
+        </a:solidFill>
+        <a:latin typeface="+mn-lt"/>
+        <a:ea typeface="+mn-ea"/>
+        <a:cs typeface="+mn-cs"/>
+      </a:defRPr>
+    </a:lvl7pPr>
+    <a:lvl8pPr marL="3200400" algn="l" defTabSz="914400" rtl="0" eaLnBrk="1" latinLnBrk="0" hangingPunct="1">
+      <a:defRPr sz="1200" kern="1200">
+        <a:solidFill>
+          <a:schemeClr val="tx1"/>
+        </a:solidFill>
+        <a:latin typeface="+mn-lt"/>
+        <a:ea typeface="+mn-ea"/>
+        <a:cs typeface="+mn-cs"/>
+      </a:defRPr>
+    </a:lvl8pPr>
+    <a:lvl9pPr marL="3657600" algn="l" defTabSz="914400" rtl="0" eaLnBrk="1" latinLnBrk="0" hangingPunct="1">
+      <a:defRPr sz="1200" kern="1200">
+        <a:solidFill>
+          <a:schemeClr val="tx1"/>
+        </a:solidFill>
+        <a:latin typeface="+mn-lt"/>
+        <a:ea typeface="+mn-ea"/>
+        <a:cs typeface="+mn-cs"/>
+      </a:defRPr>
+    </a:lvl9pPr>
+  </p:notesStyle>
+</p:notesMaster>
+</file>
+
+<file path=ppt/notesSlides/notesSlide1.xml><?xml version="1.0" encoding="utf-8"?>
+<p:notes xmlns:a="http://schemas.openxmlformats.org/drawingml/2006/main" xmlns:r="http://schemas.openxmlformats.org/officeDocument/2006/relationships" xmlns:p="http://schemas.openxmlformats.org/presentationml/2006/main">
   <p:cSld>
     <p:spTree>
       <p:nvGrpSpPr>
@@ -39,264 +467,120 @@
       </p:grpSpPr>
       <p:sp>
         <p:nvSpPr>
-          <p:cNvPr id="108" name="PlaceHolder 1"/>
-          <p:cNvSpPr>
-            <a:spLocks noGrp="1"/>
-          </p:cNvSpPr>
-          <p:nvPr>
-            <p:ph type="body"/>
-          </p:nvPr>
-        </p:nvSpPr>
-        <p:spPr>
-          <a:xfrm>
-            <a:off x="756000" y="5078520"/>
-            <a:ext cx="6047640" cy="4811040"/>
-          </a:xfrm>
-          <a:prstGeom prst="rect">
-            <a:avLst/>
-          </a:prstGeom>
-        </p:spPr>
-        <p:txBody>
-          <a:bodyPr lIns="0" rIns="0" tIns="0" bIns="0"/>
-          <a:p>
-            <a:r>
-              <a:rPr b="0" lang="en-GB" sz="2000" spc="-1" strike="noStrike">
+          <p:cNvPr id="136" name="CustomShape 1"/>
+          <p:cNvSpPr/>
+          <p:nvPr/>
+        </p:nvSpPr>
+        <p:spPr>
+          <a:xfrm>
+            <a:off x="4278240" y="10156680"/>
+            <a:ext cx="3278880" cy="532800"/>
+          </a:xfrm>
+          <a:prstGeom prst="rect">
+            <a:avLst/>
+          </a:prstGeom>
+          <a:noFill/>
+          <a:ln>
+            <a:noFill/>
+          </a:ln>
+        </p:spPr>
+        <p:style>
+          <a:lnRef idx="0">
+            <a:scrgbClr r="0" g="0" b="0"/>
+          </a:lnRef>
+          <a:fillRef idx="0">
+            <a:scrgbClr r="0" g="0" b="0"/>
+          </a:fillRef>
+          <a:effectRef idx="0">
+            <a:scrgbClr r="0" g="0" b="0"/>
+          </a:effectRef>
+          <a:fontRef idx="minor"/>
+        </p:style>
+        <p:txBody>
+          <a:bodyPr lIns="0" tIns="0" rIns="0" bIns="0" anchor="b"/>
+          <a:lstStyle/>
+          <a:p>
+            <a:pPr algn="r">
+              <a:lnSpc>
+                <a:spcPct val="100000"/>
+              </a:lnSpc>
+            </a:pPr>
+            <a:fld id="{A27AEF06-02A5-4C78-9754-012DAC699285}" type="slidenum">
+              <a:rPr lang="en-GB" sz="1400" b="0" strike="noStrike" spc="-1">
                 <a:solidFill>
                   <a:srgbClr val="000000"/>
                 </a:solidFill>
                 <a:uFill>
                   <a:solidFill>
-                    <a:srgbClr val="ffffff"/>
-                  </a:solidFill>
-                </a:uFill>
-                <a:latin typeface="Arial"/>
-              </a:rPr>
-              <a:t>Click to edit the notes format</a:t>
-            </a:r>
-            <a:endParaRPr b="0" lang="en-GB" sz="2000" spc="-1" strike="noStrike">
-              <a:solidFill>
-                <a:srgbClr val="000000"/>
-              </a:solidFill>
-              <a:uFill>
-                <a:solidFill>
-                  <a:srgbClr val="ffffff"/>
-                </a:solidFill>
-              </a:uFill>
-              <a:latin typeface="Arial"/>
-            </a:endParaRPr>
-          </a:p>
-        </p:txBody>
-      </p:sp>
-      <p:sp>
-        <p:nvSpPr>
-          <p:cNvPr id="109" name="PlaceHolder 2"/>
-          <p:cNvSpPr>
-            <a:spLocks noGrp="1"/>
-          </p:cNvSpPr>
-          <p:nvPr>
-            <p:ph type="hdr"/>
-          </p:nvPr>
-        </p:nvSpPr>
-        <p:spPr>
-          <a:xfrm>
-            <a:off x="0" y="0"/>
-            <a:ext cx="3280680" cy="534240"/>
-          </a:xfrm>
-          <a:prstGeom prst="rect">
-            <a:avLst/>
-          </a:prstGeom>
-        </p:spPr>
-        <p:txBody>
-          <a:bodyPr lIns="0" rIns="0" tIns="0" bIns="0"/>
-          <a:p>
-            <a:r>
-              <a:rPr b="0" lang="en-GB" sz="1400" spc="-1" strike="noStrike">
-                <a:solidFill>
-                  <a:srgbClr val="000000"/>
-                </a:solidFill>
-                <a:uFill>
-                  <a:solidFill>
-                    <a:srgbClr val="ffffff"/>
+                    <a:srgbClr val="FFFFFF"/>
                   </a:solidFill>
                 </a:uFill>
                 <a:latin typeface="Times New Roman"/>
+                <a:ea typeface="DejaVu Sans"/>
               </a:rPr>
-              <a:t>&lt;header&gt;</a:t>
-            </a:r>
-            <a:endParaRPr b="0" lang="en-GB" sz="1400" spc="-1" strike="noStrike">
-              <a:solidFill>
-                <a:srgbClr val="000000"/>
-              </a:solidFill>
-              <a:uFill>
-                <a:solidFill>
-                  <a:srgbClr val="ffffff"/>
-                </a:solidFill>
-              </a:uFill>
-              <a:latin typeface="Times New Roman"/>
-            </a:endParaRPr>
-          </a:p>
-        </p:txBody>
-      </p:sp>
-      <p:sp>
-        <p:nvSpPr>
-          <p:cNvPr id="110" name="PlaceHolder 3"/>
-          <p:cNvSpPr>
-            <a:spLocks noGrp="1"/>
-          </p:cNvSpPr>
-          <p:nvPr>
-            <p:ph type="dt"/>
-          </p:nvPr>
-        </p:nvSpPr>
-        <p:spPr>
-          <a:xfrm>
-            <a:off x="4278960" y="0"/>
-            <a:ext cx="3280680" cy="534240"/>
-          </a:xfrm>
-          <a:prstGeom prst="rect">
-            <a:avLst/>
-          </a:prstGeom>
-        </p:spPr>
-        <p:txBody>
-          <a:bodyPr lIns="0" rIns="0" tIns="0" bIns="0"/>
-          <a:p>
-            <a:pPr algn="r"/>
-            <a:r>
-              <a:rPr b="0" lang="en-GB" sz="1400" spc="-1" strike="noStrike">
-                <a:solidFill>
-                  <a:srgbClr val="000000"/>
-                </a:solidFill>
-                <a:uFill>
-                  <a:solidFill>
-                    <a:srgbClr val="ffffff"/>
-                  </a:solidFill>
-                </a:uFill>
-                <a:latin typeface="Times New Roman"/>
-              </a:rPr>
-              <a:t>&lt;date/time&gt;</a:t>
-            </a:r>
-            <a:endParaRPr b="0" lang="en-GB" sz="1400" spc="-1" strike="noStrike">
-              <a:solidFill>
-                <a:srgbClr val="000000"/>
-              </a:solidFill>
-              <a:uFill>
-                <a:solidFill>
-                  <a:srgbClr val="ffffff"/>
-                </a:solidFill>
-              </a:uFill>
-              <a:latin typeface="Times New Roman"/>
-            </a:endParaRPr>
-          </a:p>
-        </p:txBody>
-      </p:sp>
-      <p:sp>
-        <p:nvSpPr>
-          <p:cNvPr id="111" name="PlaceHolder 4"/>
-          <p:cNvSpPr>
-            <a:spLocks noGrp="1"/>
-          </p:cNvSpPr>
-          <p:nvPr>
-            <p:ph type="ftr"/>
-          </p:nvPr>
-        </p:nvSpPr>
-        <p:spPr>
-          <a:xfrm>
-            <a:off x="0" y="10157400"/>
-            <a:ext cx="3280680" cy="534240"/>
-          </a:xfrm>
-          <a:prstGeom prst="rect">
-            <a:avLst/>
-          </a:prstGeom>
-        </p:spPr>
-        <p:txBody>
-          <a:bodyPr lIns="0" rIns="0" tIns="0" bIns="0" anchor="b"/>
-          <a:p>
-            <a:r>
-              <a:rPr b="0" lang="en-GB" sz="1400" spc="-1" strike="noStrike">
-                <a:solidFill>
-                  <a:srgbClr val="000000"/>
-                </a:solidFill>
-                <a:uFill>
-                  <a:solidFill>
-                    <a:srgbClr val="ffffff"/>
-                  </a:solidFill>
-                </a:uFill>
-                <a:latin typeface="Times New Roman"/>
-              </a:rPr>
-              <a:t>&lt;footer&gt;</a:t>
-            </a:r>
-            <a:endParaRPr b="0" lang="en-GB" sz="1400" spc="-1" strike="noStrike">
-              <a:solidFill>
-                <a:srgbClr val="000000"/>
-              </a:solidFill>
-              <a:uFill>
-                <a:solidFill>
-                  <a:srgbClr val="ffffff"/>
-                </a:solidFill>
-              </a:uFill>
-              <a:latin typeface="Times New Roman"/>
-            </a:endParaRPr>
-          </a:p>
-        </p:txBody>
-      </p:sp>
-      <p:sp>
-        <p:nvSpPr>
-          <p:cNvPr id="112" name="PlaceHolder 5"/>
-          <p:cNvSpPr>
-            <a:spLocks noGrp="1"/>
-          </p:cNvSpPr>
-          <p:nvPr>
-            <p:ph type="sldNum"/>
-          </p:nvPr>
-        </p:nvSpPr>
-        <p:spPr>
-          <a:xfrm>
-            <a:off x="4278960" y="10157400"/>
-            <a:ext cx="3280680" cy="534240"/>
-          </a:xfrm>
-          <a:prstGeom prst="rect">
-            <a:avLst/>
-          </a:prstGeom>
-        </p:spPr>
-        <p:txBody>
-          <a:bodyPr lIns="0" rIns="0" tIns="0" bIns="0" anchor="b"/>
-          <a:p>
-            <a:pPr algn="r"/>
-            <a:fld id="{BE2038DE-E509-4FFD-88C2-3BF1CBDEE6BA}" type="slidenum">
-              <a:rPr b="0" lang="en-GB" sz="1400" spc="-1" strike="noStrike">
-                <a:solidFill>
-                  <a:srgbClr val="000000"/>
-                </a:solidFill>
-                <a:uFill>
-                  <a:solidFill>
-                    <a:srgbClr val="ffffff"/>
-                  </a:solidFill>
-                </a:uFill>
-                <a:latin typeface="Times New Roman"/>
-              </a:rPr>
-              <a:t>&lt;number&gt;</a:t>
+              <a:t>1</a:t>
             </a:fld>
-            <a:endParaRPr b="0" lang="en-GB" sz="1400" spc="-1" strike="noStrike">
-              <a:solidFill>
-                <a:srgbClr val="000000"/>
-              </a:solidFill>
-              <a:uFill>
-                <a:solidFill>
-                  <a:srgbClr val="ffffff"/>
-                </a:solidFill>
-              </a:uFill>
-              <a:latin typeface="Times New Roman"/>
+            <a:endParaRPr lang="en-GB" sz="1800" b="0" strike="noStrike" spc="-1">
+              <a:solidFill>
+                <a:srgbClr val="000000"/>
+              </a:solidFill>
+              <a:uFill>
+                <a:solidFill>
+                  <a:srgbClr val="FFFFFF"/>
+                </a:solidFill>
+              </a:uFill>
+              <a:latin typeface="Arial"/>
+            </a:endParaRPr>
+          </a:p>
+        </p:txBody>
+      </p:sp>
+      <p:sp>
+        <p:nvSpPr>
+          <p:cNvPr id="137" name="PlaceHolder 2"/>
+          <p:cNvSpPr>
+            <a:spLocks noGrp="1"/>
+          </p:cNvSpPr>
+          <p:nvPr>
+            <p:ph type="body"/>
+          </p:nvPr>
+        </p:nvSpPr>
+        <p:spPr>
+          <a:xfrm>
+            <a:off x="755640" y="5078520"/>
+            <a:ext cx="6047640" cy="4811040"/>
+          </a:xfrm>
+          <a:prstGeom prst="rect">
+            <a:avLst/>
+          </a:prstGeom>
+        </p:spPr>
+        <p:txBody>
+          <a:bodyPr lIns="0" tIns="0" rIns="0" bIns="0" anchor="ctr"/>
+          <a:lstStyle/>
+          <a:p>
+            <a:endParaRPr lang="en-GB" sz="2000" b="0" strike="noStrike" spc="-1">
+              <a:solidFill>
+                <a:srgbClr val="000000"/>
+              </a:solidFill>
+              <a:uFill>
+                <a:solidFill>
+                  <a:srgbClr val="FFFFFF"/>
+                </a:solidFill>
+              </a:uFill>
+              <a:latin typeface="Arial"/>
             </a:endParaRPr>
           </a:p>
         </p:txBody>
       </p:sp>
     </p:spTree>
   </p:cSld>
-  <p:clrMap bg1="lt1" bg2="lt2" tx1="dk1" tx2="dk2" accent1="accent1" accent2="accent2" accent3="accent3" accent4="accent4" accent5="accent5" accent6="accent6" hlink="hlink" folHlink="folHlink"/>
-</p:notesMaster>
+  <p:clrMapOvr>
+    <a:masterClrMapping/>
+  </p:clrMapOvr>
+</p:notes>
 </file>
 
-<file path=ppt/notesSlides/notesSlide1.xml><?xml version="1.0" encoding="utf-8"?>
-<p:notes xmlns:a="http://schemas.openxmlformats.org/drawingml/2006/main" xmlns:p="http://schemas.openxmlformats.org/presentationml/2006/main" xmlns:r="http://schemas.openxmlformats.org/officeDocument/2006/relationships" xmlns:p14="http://schemas.microsoft.com/office/powerpoint/2010/main" xmlns:p15="http://schemas.microsoft.com/office/powerpoint/2012/main" xmlns:mc="http://schemas.openxmlformats.org/markup-compatibility/2006">
+<file path=ppt/notesSlides/notesSlide2.xml><?xml version="1.0" encoding="utf-8"?>
+<p:notes xmlns:a="http://schemas.openxmlformats.org/drawingml/2006/main" xmlns:r="http://schemas.openxmlformats.org/officeDocument/2006/relationships" xmlns:p="http://schemas.openxmlformats.org/presentationml/2006/main">
   <p:cSld>
     <p:spTree>
       <p:nvGrpSpPr>
@@ -314,7 +598,7 @@
       </p:grpSpPr>
       <p:sp>
         <p:nvSpPr>
-          <p:cNvPr id="136" name="CustomShape 1"/>
+          <p:cNvPr id="138" name="CustomShape 1"/>
           <p:cNvSpPr/>
           <p:nvPr/>
         </p:nvSpPr>
@@ -332,51 +616,58 @@
           </a:ln>
         </p:spPr>
         <p:style>
-          <a:lnRef idx="0"/>
-          <a:fillRef idx="0"/>
-          <a:effectRef idx="0"/>
+          <a:lnRef idx="0">
+            <a:scrgbClr r="0" g="0" b="0"/>
+          </a:lnRef>
+          <a:fillRef idx="0">
+            <a:scrgbClr r="0" g="0" b="0"/>
+          </a:fillRef>
+          <a:effectRef idx="0">
+            <a:scrgbClr r="0" g="0" b="0"/>
+          </a:effectRef>
           <a:fontRef idx="minor"/>
         </p:style>
         <p:txBody>
-          <a:bodyPr lIns="0" rIns="0" tIns="0" bIns="0" anchor="b"/>
+          <a:bodyPr lIns="0" tIns="0" rIns="0" bIns="0" anchor="b"/>
+          <a:lstStyle/>
           <a:p>
             <a:pPr algn="r">
               <a:lnSpc>
                 <a:spcPct val="100000"/>
               </a:lnSpc>
             </a:pPr>
-            <a:fld id="{A27AEF06-02A5-4C78-9754-012DAC699285}" type="slidenum">
-              <a:rPr b="0" lang="en-GB" sz="1400" spc="-1" strike="noStrike">
+            <a:fld id="{2F416EAD-47C6-4457-B666-A0528C766FBE}" type="slidenum">
+              <a:rPr lang="en-GB" sz="1400" b="0" strike="noStrike" spc="-1">
                 <a:solidFill>
                   <a:srgbClr val="000000"/>
                 </a:solidFill>
                 <a:uFill>
                   <a:solidFill>
-                    <a:srgbClr val="ffffff"/>
+                    <a:srgbClr val="FFFFFF"/>
                   </a:solidFill>
                 </a:uFill>
                 <a:latin typeface="Times New Roman"/>
                 <a:ea typeface="DejaVu Sans"/>
               </a:rPr>
-              <a:t>&lt;number&gt;</a:t>
+              <a:t>2</a:t>
             </a:fld>
-            <a:endParaRPr b="0" lang="en-GB" sz="1800" spc="-1" strike="noStrike">
-              <a:solidFill>
-                <a:srgbClr val="000000"/>
-              </a:solidFill>
-              <a:uFill>
-                <a:solidFill>
-                  <a:srgbClr val="ffffff"/>
-                </a:solidFill>
-              </a:uFill>
-              <a:latin typeface="Arial"/>
-            </a:endParaRPr>
-          </a:p>
-        </p:txBody>
-      </p:sp>
-      <p:sp>
-        <p:nvSpPr>
-          <p:cNvPr id="137" name="PlaceHolder 2"/>
+            <a:endParaRPr lang="en-GB" sz="1800" b="0" strike="noStrike" spc="-1">
+              <a:solidFill>
+                <a:srgbClr val="000000"/>
+              </a:solidFill>
+              <a:uFill>
+                <a:solidFill>
+                  <a:srgbClr val="FFFFFF"/>
+                </a:solidFill>
+              </a:uFill>
+              <a:latin typeface="Arial"/>
+            </a:endParaRPr>
+          </a:p>
+        </p:txBody>
+      </p:sp>
+      <p:sp>
+        <p:nvSpPr>
+          <p:cNvPr id="139" name="PlaceHolder 2"/>
           <p:cNvSpPr>
             <a:spLocks noGrp="1"/>
           </p:cNvSpPr>
@@ -394,15 +685,16 @@
           </a:prstGeom>
         </p:spPr>
         <p:txBody>
-          <a:bodyPr lIns="0" rIns="0" tIns="0" bIns="0" anchor="ctr"/>
-          <a:p>
-            <a:endParaRPr b="0" lang="en-GB" sz="2000" spc="-1" strike="noStrike">
-              <a:solidFill>
-                <a:srgbClr val="000000"/>
-              </a:solidFill>
-              <a:uFill>
-                <a:solidFill>
-                  <a:srgbClr val="ffffff"/>
+          <a:bodyPr lIns="0" tIns="0" rIns="0" bIns="0" anchor="ctr"/>
+          <a:lstStyle/>
+          <a:p>
+            <a:endParaRPr lang="en-GB" sz="2000" b="0" strike="noStrike" spc="-1">
+              <a:solidFill>
+                <a:srgbClr val="000000"/>
+              </a:solidFill>
+              <a:uFill>
+                <a:solidFill>
+                  <a:srgbClr val="FFFFFF"/>
                 </a:solidFill>
               </a:uFill>
               <a:latin typeface="Arial"/>
@@ -412,11 +704,14 @@
       </p:sp>
     </p:spTree>
   </p:cSld>
+  <p:clrMapOvr>
+    <a:masterClrMapping/>
+  </p:clrMapOvr>
 </p:notes>
 </file>
 
-<file path=ppt/notesSlides/notesSlide2.xml><?xml version="1.0" encoding="utf-8"?>
-<p:notes xmlns:a="http://schemas.openxmlformats.org/drawingml/2006/main" xmlns:p="http://schemas.openxmlformats.org/presentationml/2006/main" xmlns:r="http://schemas.openxmlformats.org/officeDocument/2006/relationships" xmlns:p14="http://schemas.microsoft.com/office/powerpoint/2010/main" xmlns:p15="http://schemas.microsoft.com/office/powerpoint/2012/main" xmlns:mc="http://schemas.openxmlformats.org/markup-compatibility/2006">
+<file path=ppt/notesSlides/notesSlide3.xml><?xml version="1.0" encoding="utf-8"?>
+<p:notes xmlns:a="http://schemas.openxmlformats.org/drawingml/2006/main" xmlns:r="http://schemas.openxmlformats.org/officeDocument/2006/relationships" xmlns:p="http://schemas.openxmlformats.org/presentationml/2006/main">
   <p:cSld>
     <p:spTree>
       <p:nvGrpSpPr>
@@ -434,7 +729,7 @@
       </p:grpSpPr>
       <p:sp>
         <p:nvSpPr>
-          <p:cNvPr id="138" name="CustomShape 1"/>
+          <p:cNvPr id="142" name="CustomShape 1"/>
           <p:cNvSpPr/>
           <p:nvPr/>
         </p:nvSpPr>
@@ -452,51 +747,58 @@
           </a:ln>
         </p:spPr>
         <p:style>
-          <a:lnRef idx="0"/>
-          <a:fillRef idx="0"/>
-          <a:effectRef idx="0"/>
+          <a:lnRef idx="0">
+            <a:scrgbClr r="0" g="0" b="0"/>
+          </a:lnRef>
+          <a:fillRef idx="0">
+            <a:scrgbClr r="0" g="0" b="0"/>
+          </a:fillRef>
+          <a:effectRef idx="0">
+            <a:scrgbClr r="0" g="0" b="0"/>
+          </a:effectRef>
           <a:fontRef idx="minor"/>
         </p:style>
         <p:txBody>
-          <a:bodyPr lIns="0" rIns="0" tIns="0" bIns="0" anchor="b"/>
+          <a:bodyPr lIns="0" tIns="0" rIns="0" bIns="0" anchor="b"/>
+          <a:lstStyle/>
           <a:p>
             <a:pPr algn="r">
               <a:lnSpc>
-                <a:spcPct val="100000"/>
+                <a:spcPct val="93000"/>
               </a:lnSpc>
             </a:pPr>
-            <a:fld id="{2F416EAD-47C6-4457-B666-A0528C766FBE}" type="slidenum">
-              <a:rPr b="0" lang="en-GB" sz="1400" spc="-1" strike="noStrike">
+            <a:fld id="{12A75D8F-8422-4180-9C9D-151E68C2AF67}" type="slidenum">
+              <a:rPr lang="en-GB" sz="1400" b="0" strike="noStrike" spc="-1">
                 <a:solidFill>
                   <a:srgbClr val="000000"/>
                 </a:solidFill>
                 <a:uFill>
                   <a:solidFill>
-                    <a:srgbClr val="ffffff"/>
+                    <a:srgbClr val="FFFFFF"/>
                   </a:solidFill>
                 </a:uFill>
                 <a:latin typeface="Times New Roman"/>
                 <a:ea typeface="DejaVu Sans"/>
               </a:rPr>
-              <a:t>&lt;number&gt;</a:t>
+              <a:t>3</a:t>
             </a:fld>
-            <a:endParaRPr b="0" lang="en-GB" sz="1800" spc="-1" strike="noStrike">
-              <a:solidFill>
-                <a:srgbClr val="000000"/>
-              </a:solidFill>
-              <a:uFill>
-                <a:solidFill>
-                  <a:srgbClr val="ffffff"/>
-                </a:solidFill>
-              </a:uFill>
-              <a:latin typeface="Arial"/>
-            </a:endParaRPr>
-          </a:p>
-        </p:txBody>
-      </p:sp>
-      <p:sp>
-        <p:nvSpPr>
-          <p:cNvPr id="139" name="PlaceHolder 2"/>
+            <a:endParaRPr lang="en-GB" sz="1800" b="0" strike="noStrike" spc="-1">
+              <a:solidFill>
+                <a:srgbClr val="000000"/>
+              </a:solidFill>
+              <a:uFill>
+                <a:solidFill>
+                  <a:srgbClr val="FFFFFF"/>
+                </a:solidFill>
+              </a:uFill>
+              <a:latin typeface="Arial"/>
+            </a:endParaRPr>
+          </a:p>
+        </p:txBody>
+      </p:sp>
+      <p:sp>
+        <p:nvSpPr>
+          <p:cNvPr id="143" name="PlaceHolder 2"/>
           <p:cNvSpPr>
             <a:spLocks noGrp="1"/>
           </p:cNvSpPr>
@@ -506,23 +808,24 @@
         </p:nvSpPr>
         <p:spPr>
           <a:xfrm>
-            <a:off x="755640" y="5078520"/>
-            <a:ext cx="6047640" cy="4811040"/>
-          </a:xfrm>
-          <a:prstGeom prst="rect">
-            <a:avLst/>
-          </a:prstGeom>
-        </p:spPr>
-        <p:txBody>
-          <a:bodyPr lIns="0" rIns="0" tIns="0" bIns="0" anchor="ctr"/>
-          <a:p>
-            <a:endParaRPr b="0" lang="en-GB" sz="2000" spc="-1" strike="noStrike">
-              <a:solidFill>
-                <a:srgbClr val="000000"/>
-              </a:solidFill>
-              <a:uFill>
-                <a:solidFill>
-                  <a:srgbClr val="ffffff"/>
+            <a:off x="756720" y="5077440"/>
+            <a:ext cx="6047280" cy="4810320"/>
+          </a:xfrm>
+          <a:prstGeom prst="rect">
+            <a:avLst/>
+          </a:prstGeom>
+        </p:spPr>
+        <p:txBody>
+          <a:bodyPr lIns="0" tIns="0" rIns="0" bIns="0" anchor="ctr"/>
+          <a:lstStyle/>
+          <a:p>
+            <a:endParaRPr lang="en-GB" sz="2000" b="0" strike="noStrike" spc="-1">
+              <a:solidFill>
+                <a:srgbClr val="000000"/>
+              </a:solidFill>
+              <a:uFill>
+                <a:solidFill>
+                  <a:srgbClr val="FFFFFF"/>
                 </a:solidFill>
               </a:uFill>
               <a:latin typeface="Arial"/>
@@ -532,11 +835,14 @@
       </p:sp>
     </p:spTree>
   </p:cSld>
+  <p:clrMapOvr>
+    <a:masterClrMapping/>
+  </p:clrMapOvr>
 </p:notes>
 </file>
 
-<file path=ppt/notesSlides/notesSlide3.xml><?xml version="1.0" encoding="utf-8"?>
-<p:notes xmlns:a="http://schemas.openxmlformats.org/drawingml/2006/main" xmlns:p="http://schemas.openxmlformats.org/presentationml/2006/main" xmlns:r="http://schemas.openxmlformats.org/officeDocument/2006/relationships" xmlns:p14="http://schemas.microsoft.com/office/powerpoint/2010/main" xmlns:p15="http://schemas.microsoft.com/office/powerpoint/2012/main" xmlns:mc="http://schemas.openxmlformats.org/markup-compatibility/2006">
+<file path=ppt/notesSlides/notesSlide4.xml><?xml version="1.0" encoding="utf-8"?>
+<p:notes xmlns:a="http://schemas.openxmlformats.org/drawingml/2006/main" xmlns:r="http://schemas.openxmlformats.org/officeDocument/2006/relationships" xmlns:p="http://schemas.openxmlformats.org/presentationml/2006/main">
   <p:cSld>
     <p:spTree>
       <p:nvGrpSpPr>
@@ -572,13 +878,20 @@
           </a:ln>
         </p:spPr>
         <p:style>
-          <a:lnRef idx="0"/>
-          <a:fillRef idx="0"/>
-          <a:effectRef idx="0"/>
+          <a:lnRef idx="0">
+            <a:scrgbClr r="0" g="0" b="0"/>
+          </a:lnRef>
+          <a:fillRef idx="0">
+            <a:scrgbClr r="0" g="0" b="0"/>
+          </a:fillRef>
+          <a:effectRef idx="0">
+            <a:scrgbClr r="0" g="0" b="0"/>
+          </a:effectRef>
           <a:fontRef idx="minor"/>
         </p:style>
         <p:txBody>
-          <a:bodyPr lIns="0" rIns="0" tIns="0" bIns="0" anchor="b"/>
+          <a:bodyPr lIns="0" tIns="0" rIns="0" bIns="0" anchor="b"/>
+          <a:lstStyle/>
           <a:p>
             <a:pPr algn="r">
               <a:lnSpc>
@@ -586,27 +899,27 @@
               </a:lnSpc>
             </a:pPr>
             <a:fld id="{DF9F42DB-402F-4481-863F-D22675BB777F}" type="slidenum">
-              <a:rPr b="0" lang="en-GB" sz="1400" spc="-1" strike="noStrike">
+              <a:rPr lang="en-GB" sz="1400" b="0" strike="noStrike" spc="-1">
                 <a:solidFill>
                   <a:srgbClr val="000000"/>
                 </a:solidFill>
                 <a:uFill>
                   <a:solidFill>
-                    <a:srgbClr val="ffffff"/>
+                    <a:srgbClr val="FFFFFF"/>
                   </a:solidFill>
                 </a:uFill>
                 <a:latin typeface="Times New Roman"/>
                 <a:ea typeface="DejaVu Sans"/>
               </a:rPr>
-              <a:t>&lt;number&gt;</a:t>
+              <a:t>4</a:t>
             </a:fld>
-            <a:endParaRPr b="0" lang="en-GB" sz="1800" spc="-1" strike="noStrike">
-              <a:solidFill>
-                <a:srgbClr val="000000"/>
-              </a:solidFill>
-              <a:uFill>
-                <a:solidFill>
-                  <a:srgbClr val="ffffff"/>
+            <a:endParaRPr lang="en-GB" sz="1800" b="0" strike="noStrike" spc="-1">
+              <a:solidFill>
+                <a:srgbClr val="000000"/>
+              </a:solidFill>
+              <a:uFill>
+                <a:solidFill>
+                  <a:srgbClr val="FFFFFF"/>
                 </a:solidFill>
               </a:uFill>
               <a:latin typeface="Arial"/>
@@ -634,15 +947,16 @@
           </a:prstGeom>
         </p:spPr>
         <p:txBody>
-          <a:bodyPr lIns="0" rIns="0" tIns="0" bIns="0" anchor="ctr"/>
-          <a:p>
-            <a:endParaRPr b="0" lang="en-GB" sz="2000" spc="-1" strike="noStrike">
-              <a:solidFill>
-                <a:srgbClr val="000000"/>
-              </a:solidFill>
-              <a:uFill>
-                <a:solidFill>
-                  <a:srgbClr val="ffffff"/>
+          <a:bodyPr lIns="0" tIns="0" rIns="0" bIns="0" anchor="ctr"/>
+          <a:lstStyle/>
+          <a:p>
+            <a:endParaRPr lang="en-GB" sz="2000" b="0" strike="noStrike" spc="-1">
+              <a:solidFill>
+                <a:srgbClr val="000000"/>
+              </a:solidFill>
+              <a:uFill>
+                <a:solidFill>
+                  <a:srgbClr val="FFFFFF"/>
                 </a:solidFill>
               </a:uFill>
               <a:latin typeface="Arial"/>
@@ -652,131 +966,14 @@
       </p:sp>
     </p:spTree>
   </p:cSld>
-</p:notes>
-</file>
-
-<file path=ppt/notesSlides/notesSlide4.xml><?xml version="1.0" encoding="utf-8"?>
-<p:notes xmlns:a="http://schemas.openxmlformats.org/drawingml/2006/main" xmlns:p="http://schemas.openxmlformats.org/presentationml/2006/main" xmlns:r="http://schemas.openxmlformats.org/officeDocument/2006/relationships" xmlns:p14="http://schemas.microsoft.com/office/powerpoint/2010/main" xmlns:p15="http://schemas.microsoft.com/office/powerpoint/2012/main" xmlns:mc="http://schemas.openxmlformats.org/markup-compatibility/2006">
-  <p:cSld>
-    <p:spTree>
-      <p:nvGrpSpPr>
-        <p:cNvPr id="1" name=""/>
-        <p:cNvGrpSpPr/>
-        <p:nvPr/>
-      </p:nvGrpSpPr>
-      <p:grpSpPr>
-        <a:xfrm>
-          <a:off x="0" y="0"/>
-          <a:ext cx="0" cy="0"/>
-          <a:chOff x="0" y="0"/>
-          <a:chExt cx="0" cy="0"/>
-        </a:xfrm>
-      </p:grpSpPr>
-      <p:sp>
-        <p:nvSpPr>
-          <p:cNvPr id="142" name="CustomShape 1"/>
-          <p:cNvSpPr/>
-          <p:nvPr/>
-        </p:nvSpPr>
-        <p:spPr>
-          <a:xfrm>
-            <a:off x="4278240" y="10156680"/>
-            <a:ext cx="3278880" cy="532800"/>
-          </a:xfrm>
-          <a:prstGeom prst="rect">
-            <a:avLst/>
-          </a:prstGeom>
-          <a:noFill/>
-          <a:ln>
-            <a:noFill/>
-          </a:ln>
-        </p:spPr>
-        <p:style>
-          <a:lnRef idx="0"/>
-          <a:fillRef idx="0"/>
-          <a:effectRef idx="0"/>
-          <a:fontRef idx="minor"/>
-        </p:style>
-        <p:txBody>
-          <a:bodyPr lIns="0" rIns="0" tIns="0" bIns="0" anchor="b"/>
-          <a:p>
-            <a:pPr algn="r">
-              <a:lnSpc>
-                <a:spcPct val="93000"/>
-              </a:lnSpc>
-            </a:pPr>
-            <a:fld id="{12A75D8F-8422-4180-9C9D-151E68C2AF67}" type="slidenum">
-              <a:rPr b="0" lang="en-GB" sz="1400" spc="-1" strike="noStrike">
-                <a:solidFill>
-                  <a:srgbClr val="000000"/>
-                </a:solidFill>
-                <a:uFill>
-                  <a:solidFill>
-                    <a:srgbClr val="ffffff"/>
-                  </a:solidFill>
-                </a:uFill>
-                <a:latin typeface="Times New Roman"/>
-                <a:ea typeface="DejaVu Sans"/>
-              </a:rPr>
-              <a:t>&lt;number&gt;</a:t>
-            </a:fld>
-            <a:endParaRPr b="0" lang="en-GB" sz="1800" spc="-1" strike="noStrike">
-              <a:solidFill>
-                <a:srgbClr val="000000"/>
-              </a:solidFill>
-              <a:uFill>
-                <a:solidFill>
-                  <a:srgbClr val="ffffff"/>
-                </a:solidFill>
-              </a:uFill>
-              <a:latin typeface="Arial"/>
-            </a:endParaRPr>
-          </a:p>
-        </p:txBody>
-      </p:sp>
-      <p:sp>
-        <p:nvSpPr>
-          <p:cNvPr id="143" name="PlaceHolder 2"/>
-          <p:cNvSpPr>
-            <a:spLocks noGrp="1"/>
-          </p:cNvSpPr>
-          <p:nvPr>
-            <p:ph type="body"/>
-          </p:nvPr>
-        </p:nvSpPr>
-        <p:spPr>
-          <a:xfrm>
-            <a:off x="756720" y="5077440"/>
-            <a:ext cx="6047280" cy="4810320"/>
-          </a:xfrm>
-          <a:prstGeom prst="rect">
-            <a:avLst/>
-          </a:prstGeom>
-        </p:spPr>
-        <p:txBody>
-          <a:bodyPr lIns="0" rIns="0" tIns="0" bIns="0" anchor="ctr"/>
-          <a:p>
-            <a:endParaRPr b="0" lang="en-GB" sz="2000" spc="-1" strike="noStrike">
-              <a:solidFill>
-                <a:srgbClr val="000000"/>
-              </a:solidFill>
-              <a:uFill>
-                <a:solidFill>
-                  <a:srgbClr val="ffffff"/>
-                </a:solidFill>
-              </a:uFill>
-              <a:latin typeface="Arial"/>
-            </a:endParaRPr>
-          </a:p>
-        </p:txBody>
-      </p:sp>
-    </p:spTree>
-  </p:cSld>
+  <p:clrMapOvr>
+    <a:masterClrMapping/>
+  </p:clrMapOvr>
 </p:notes>
 </file>
 
 <file path=ppt/slideLayouts/slideLayout1.xml><?xml version="1.0" encoding="utf-8"?>
-<p:sldLayout xmlns:a="http://schemas.openxmlformats.org/drawingml/2006/main" xmlns:p="http://schemas.openxmlformats.org/presentationml/2006/main" xmlns:r="http://schemas.openxmlformats.org/officeDocument/2006/relationships" xmlns:p14="http://schemas.microsoft.com/office/powerpoint/2010/main" xmlns:p15="http://schemas.microsoft.com/office/powerpoint/2012/main" xmlns:mc="http://schemas.openxmlformats.org/markup-compatibility/2006" type="blank" preserve="1">
+<p:sldLayout xmlns:a="http://schemas.openxmlformats.org/drawingml/2006/main" xmlns:r="http://schemas.openxmlformats.org/officeDocument/2006/relationships" xmlns:p="http://schemas.openxmlformats.org/presentationml/2006/main" type="blank" preserve="1">
   <p:cSld name="Blank Slide">
     <p:spTree>
       <p:nvGrpSpPr>
@@ -794,11 +991,14 @@
       </p:grpSpPr>
     </p:spTree>
   </p:cSld>
+  <p:clrMapOvr>
+    <a:masterClrMapping/>
+  </p:clrMapOvr>
 </p:sldLayout>
 </file>
 
 <file path=ppt/slideLayouts/slideLayout10.xml><?xml version="1.0" encoding="utf-8"?>
-<p:sldLayout xmlns:a="http://schemas.openxmlformats.org/drawingml/2006/main" xmlns:p="http://schemas.openxmlformats.org/presentationml/2006/main" xmlns:r="http://schemas.openxmlformats.org/officeDocument/2006/relationships" xmlns:p14="http://schemas.microsoft.com/office/powerpoint/2010/main" xmlns:p15="http://schemas.microsoft.com/office/powerpoint/2012/main" xmlns:mc="http://schemas.openxmlformats.org/markup-compatibility/2006" type="objOverTx" preserve="1">
+<p:sldLayout xmlns:a="http://schemas.openxmlformats.org/drawingml/2006/main" xmlns:r="http://schemas.openxmlformats.org/officeDocument/2006/relationships" xmlns:p="http://schemas.openxmlformats.org/presentationml/2006/main" type="objOverTx" preserve="1">
   <p:cSld name="Title, Content over Content">
     <p:spTree>
       <p:nvGrpSpPr>
@@ -834,16 +1034,17 @@
           </a:prstGeom>
         </p:spPr>
         <p:txBody>
-          <a:bodyPr lIns="0" rIns="0" tIns="0" bIns="0" anchor="ctr"/>
+          <a:bodyPr lIns="0" tIns="0" rIns="0" bIns="0" anchor="ctr"/>
+          <a:lstStyle/>
           <a:p>
             <a:pPr algn="ctr"/>
-            <a:endParaRPr b="0" lang="en-GB" sz="4400" spc="-1" strike="noStrike">
-              <a:solidFill>
-                <a:srgbClr val="000000"/>
-              </a:solidFill>
-              <a:uFill>
-                <a:solidFill>
-                  <a:srgbClr val="ffffff"/>
+            <a:endParaRPr lang="en-GB" sz="4400" b="0" strike="noStrike" spc="-1">
+              <a:solidFill>
+                <a:srgbClr val="000000"/>
+              </a:solidFill>
+              <a:uFill>
+                <a:solidFill>
+                  <a:srgbClr val="FFFFFF"/>
                 </a:solidFill>
               </a:uFill>
               <a:latin typeface="Arial"/>
@@ -871,15 +1072,16 @@
           </a:prstGeom>
         </p:spPr>
         <p:txBody>
-          <a:bodyPr lIns="0" rIns="0" tIns="0" bIns="0"/>
-          <a:p>
-            <a:endParaRPr b="0" lang="en-GB" sz="3200" spc="-1" strike="noStrike">
-              <a:solidFill>
-                <a:srgbClr val="000000"/>
-              </a:solidFill>
-              <a:uFill>
-                <a:solidFill>
-                  <a:srgbClr val="ffffff"/>
+          <a:bodyPr lIns="0" tIns="0" rIns="0" bIns="0"/>
+          <a:lstStyle/>
+          <a:p>
+            <a:endParaRPr lang="en-GB" sz="3200" b="0" strike="noStrike" spc="-1">
+              <a:solidFill>
+                <a:srgbClr val="000000"/>
+              </a:solidFill>
+              <a:uFill>
+                <a:solidFill>
+                  <a:srgbClr val="FFFFFF"/>
                 </a:solidFill>
               </a:uFill>
               <a:latin typeface="Arial"/>
@@ -907,15 +1109,16 @@
           </a:prstGeom>
         </p:spPr>
         <p:txBody>
-          <a:bodyPr lIns="0" rIns="0" tIns="0" bIns="0"/>
-          <a:p>
-            <a:endParaRPr b="0" lang="en-GB" sz="3200" spc="-1" strike="noStrike">
-              <a:solidFill>
-                <a:srgbClr val="000000"/>
-              </a:solidFill>
-              <a:uFill>
-                <a:solidFill>
-                  <a:srgbClr val="ffffff"/>
+          <a:bodyPr lIns="0" tIns="0" rIns="0" bIns="0"/>
+          <a:lstStyle/>
+          <a:p>
+            <a:endParaRPr lang="en-GB" sz="3200" b="0" strike="noStrike" spc="-1">
+              <a:solidFill>
+                <a:srgbClr val="000000"/>
+              </a:solidFill>
+              <a:uFill>
+                <a:solidFill>
+                  <a:srgbClr val="FFFFFF"/>
                 </a:solidFill>
               </a:uFill>
               <a:latin typeface="Arial"/>
@@ -925,11 +1128,14 @@
       </p:sp>
     </p:spTree>
   </p:cSld>
+  <p:clrMapOvr>
+    <a:masterClrMapping/>
+  </p:clrMapOvr>
 </p:sldLayout>
 </file>
 
 <file path=ppt/slideLayouts/slideLayout11.xml><?xml version="1.0" encoding="utf-8"?>
-<p:sldLayout xmlns:a="http://schemas.openxmlformats.org/drawingml/2006/main" xmlns:p="http://schemas.openxmlformats.org/presentationml/2006/main" xmlns:r="http://schemas.openxmlformats.org/officeDocument/2006/relationships" xmlns:p14="http://schemas.microsoft.com/office/powerpoint/2010/main" xmlns:p15="http://schemas.microsoft.com/office/powerpoint/2012/main" xmlns:mc="http://schemas.openxmlformats.org/markup-compatibility/2006" type="fourObj" preserve="1">
+<p:sldLayout xmlns:a="http://schemas.openxmlformats.org/drawingml/2006/main" xmlns:r="http://schemas.openxmlformats.org/officeDocument/2006/relationships" xmlns:p="http://schemas.openxmlformats.org/presentationml/2006/main" type="fourObj" preserve="1">
   <p:cSld name="Title, 4 Content">
     <p:spTree>
       <p:nvGrpSpPr>
@@ -965,16 +1171,17 @@
           </a:prstGeom>
         </p:spPr>
         <p:txBody>
-          <a:bodyPr lIns="0" rIns="0" tIns="0" bIns="0" anchor="ctr"/>
+          <a:bodyPr lIns="0" tIns="0" rIns="0" bIns="0" anchor="ctr"/>
+          <a:lstStyle/>
           <a:p>
             <a:pPr algn="ctr"/>
-            <a:endParaRPr b="0" lang="en-GB" sz="4400" spc="-1" strike="noStrike">
-              <a:solidFill>
-                <a:srgbClr val="000000"/>
-              </a:solidFill>
-              <a:uFill>
-                <a:solidFill>
-                  <a:srgbClr val="ffffff"/>
+            <a:endParaRPr lang="en-GB" sz="4400" b="0" strike="noStrike" spc="-1">
+              <a:solidFill>
+                <a:srgbClr val="000000"/>
+              </a:solidFill>
+              <a:uFill>
+                <a:solidFill>
+                  <a:srgbClr val="FFFFFF"/>
                 </a:solidFill>
               </a:uFill>
               <a:latin typeface="Arial"/>
@@ -1002,15 +1209,16 @@
           </a:prstGeom>
         </p:spPr>
         <p:txBody>
-          <a:bodyPr lIns="0" rIns="0" tIns="0" bIns="0"/>
-          <a:p>
-            <a:endParaRPr b="0" lang="en-GB" sz="3200" spc="-1" strike="noStrike">
-              <a:solidFill>
-                <a:srgbClr val="000000"/>
-              </a:solidFill>
-              <a:uFill>
-                <a:solidFill>
-                  <a:srgbClr val="ffffff"/>
+          <a:bodyPr lIns="0" tIns="0" rIns="0" bIns="0"/>
+          <a:lstStyle/>
+          <a:p>
+            <a:endParaRPr lang="en-GB" sz="3200" b="0" strike="noStrike" spc="-1">
+              <a:solidFill>
+                <a:srgbClr val="000000"/>
+              </a:solidFill>
+              <a:uFill>
+                <a:solidFill>
+                  <a:srgbClr val="FFFFFF"/>
                 </a:solidFill>
               </a:uFill>
               <a:latin typeface="Arial"/>
@@ -1038,15 +1246,16 @@
           </a:prstGeom>
         </p:spPr>
         <p:txBody>
-          <a:bodyPr lIns="0" rIns="0" tIns="0" bIns="0"/>
-          <a:p>
-            <a:endParaRPr b="0" lang="en-GB" sz="3200" spc="-1" strike="noStrike">
-              <a:solidFill>
-                <a:srgbClr val="000000"/>
-              </a:solidFill>
-              <a:uFill>
-                <a:solidFill>
-                  <a:srgbClr val="ffffff"/>
+          <a:bodyPr lIns="0" tIns="0" rIns="0" bIns="0"/>
+          <a:lstStyle/>
+          <a:p>
+            <a:endParaRPr lang="en-GB" sz="3200" b="0" strike="noStrike" spc="-1">
+              <a:solidFill>
+                <a:srgbClr val="000000"/>
+              </a:solidFill>
+              <a:uFill>
+                <a:solidFill>
+                  <a:srgbClr val="FFFFFF"/>
                 </a:solidFill>
               </a:uFill>
               <a:latin typeface="Arial"/>
@@ -1074,15 +1283,16 @@
           </a:prstGeom>
         </p:spPr>
         <p:txBody>
-          <a:bodyPr lIns="0" rIns="0" tIns="0" bIns="0"/>
-          <a:p>
-            <a:endParaRPr b="0" lang="en-GB" sz="3200" spc="-1" strike="noStrike">
-              <a:solidFill>
-                <a:srgbClr val="000000"/>
-              </a:solidFill>
-              <a:uFill>
-                <a:solidFill>
-                  <a:srgbClr val="ffffff"/>
+          <a:bodyPr lIns="0" tIns="0" rIns="0" bIns="0"/>
+          <a:lstStyle/>
+          <a:p>
+            <a:endParaRPr lang="en-GB" sz="3200" b="0" strike="noStrike" spc="-1">
+              <a:solidFill>
+                <a:srgbClr val="000000"/>
+              </a:solidFill>
+              <a:uFill>
+                <a:solidFill>
+                  <a:srgbClr val="FFFFFF"/>
                 </a:solidFill>
               </a:uFill>
               <a:latin typeface="Arial"/>
@@ -1110,15 +1320,16 @@
           </a:prstGeom>
         </p:spPr>
         <p:txBody>
-          <a:bodyPr lIns="0" rIns="0" tIns="0" bIns="0"/>
-          <a:p>
-            <a:endParaRPr b="0" lang="en-GB" sz="3200" spc="-1" strike="noStrike">
-              <a:solidFill>
-                <a:srgbClr val="000000"/>
-              </a:solidFill>
-              <a:uFill>
-                <a:solidFill>
-                  <a:srgbClr val="ffffff"/>
+          <a:bodyPr lIns="0" tIns="0" rIns="0" bIns="0"/>
+          <a:lstStyle/>
+          <a:p>
+            <a:endParaRPr lang="en-GB" sz="3200" b="0" strike="noStrike" spc="-1">
+              <a:solidFill>
+                <a:srgbClr val="000000"/>
+              </a:solidFill>
+              <a:uFill>
+                <a:solidFill>
+                  <a:srgbClr val="FFFFFF"/>
                 </a:solidFill>
               </a:uFill>
               <a:latin typeface="Arial"/>
@@ -1128,11 +1339,14 @@
       </p:sp>
     </p:spTree>
   </p:cSld>
+  <p:clrMapOvr>
+    <a:masterClrMapping/>
+  </p:clrMapOvr>
 </p:sldLayout>
 </file>
 
 <file path=ppt/slideLayouts/slideLayout12.xml><?xml version="1.0" encoding="utf-8"?>
-<p:sldLayout xmlns:a="http://schemas.openxmlformats.org/drawingml/2006/main" xmlns:p="http://schemas.openxmlformats.org/presentationml/2006/main" xmlns:r="http://schemas.openxmlformats.org/officeDocument/2006/relationships" xmlns:p14="http://schemas.microsoft.com/office/powerpoint/2010/main" xmlns:p15="http://schemas.microsoft.com/office/powerpoint/2012/main" xmlns:mc="http://schemas.openxmlformats.org/markup-compatibility/2006" type="blank" preserve="1">
+<p:sldLayout xmlns:a="http://schemas.openxmlformats.org/drawingml/2006/main" xmlns:r="http://schemas.openxmlformats.org/officeDocument/2006/relationships" xmlns:p="http://schemas.openxmlformats.org/presentationml/2006/main" type="blank" preserve="1">
   <p:cSld name="Title, 6 Content">
     <p:spTree>
       <p:nvGrpSpPr>
@@ -1168,16 +1382,17 @@
           </a:prstGeom>
         </p:spPr>
         <p:txBody>
-          <a:bodyPr lIns="0" rIns="0" tIns="0" bIns="0" anchor="ctr"/>
+          <a:bodyPr lIns="0" tIns="0" rIns="0" bIns="0" anchor="ctr"/>
+          <a:lstStyle/>
           <a:p>
             <a:pPr algn="ctr"/>
-            <a:endParaRPr b="0" lang="en-GB" sz="4400" spc="-1" strike="noStrike">
-              <a:solidFill>
-                <a:srgbClr val="000000"/>
-              </a:solidFill>
-              <a:uFill>
-                <a:solidFill>
-                  <a:srgbClr val="ffffff"/>
+            <a:endParaRPr lang="en-GB" sz="4400" b="0" strike="noStrike" spc="-1">
+              <a:solidFill>
+                <a:srgbClr val="000000"/>
+              </a:solidFill>
+              <a:uFill>
+                <a:solidFill>
+                  <a:srgbClr val="FFFFFF"/>
                 </a:solidFill>
               </a:uFill>
               <a:latin typeface="Arial"/>
@@ -1205,15 +1420,16 @@
           </a:prstGeom>
         </p:spPr>
         <p:txBody>
-          <a:bodyPr lIns="0" rIns="0" tIns="0" bIns="0"/>
-          <a:p>
-            <a:endParaRPr b="0" lang="en-GB" sz="3200" spc="-1" strike="noStrike">
-              <a:solidFill>
-                <a:srgbClr val="000000"/>
-              </a:solidFill>
-              <a:uFill>
-                <a:solidFill>
-                  <a:srgbClr val="ffffff"/>
+          <a:bodyPr lIns="0" tIns="0" rIns="0" bIns="0"/>
+          <a:lstStyle/>
+          <a:p>
+            <a:endParaRPr lang="en-GB" sz="3200" b="0" strike="noStrike" spc="-1">
+              <a:solidFill>
+                <a:srgbClr val="000000"/>
+              </a:solidFill>
+              <a:uFill>
+                <a:solidFill>
+                  <a:srgbClr val="FFFFFF"/>
                 </a:solidFill>
               </a:uFill>
               <a:latin typeface="Arial"/>
@@ -1241,15 +1457,16 @@
           </a:prstGeom>
         </p:spPr>
         <p:txBody>
-          <a:bodyPr lIns="0" rIns="0" tIns="0" bIns="0"/>
-          <a:p>
-            <a:endParaRPr b="0" lang="en-GB" sz="3200" spc="-1" strike="noStrike">
-              <a:solidFill>
-                <a:srgbClr val="000000"/>
-              </a:solidFill>
-              <a:uFill>
-                <a:solidFill>
-                  <a:srgbClr val="ffffff"/>
+          <a:bodyPr lIns="0" tIns="0" rIns="0" bIns="0"/>
+          <a:lstStyle/>
+          <a:p>
+            <a:endParaRPr lang="en-GB" sz="3200" b="0" strike="noStrike" spc="-1">
+              <a:solidFill>
+                <a:srgbClr val="000000"/>
+              </a:solidFill>
+              <a:uFill>
+                <a:solidFill>
+                  <a:srgbClr val="FFFFFF"/>
                 </a:solidFill>
               </a:uFill>
               <a:latin typeface="Arial"/>
@@ -1259,7 +1476,7 @@
       </p:sp>
       <p:pic>
         <p:nvPicPr>
-          <p:cNvPr id="34" name="" descr=""/>
+          <p:cNvPr id="34" name="Picture 33"/>
           <p:cNvPicPr/>
           <p:nvPr/>
         </p:nvPicPr>
@@ -1282,12 +1499,12 @@
       </p:pic>
       <p:pic>
         <p:nvPicPr>
-          <p:cNvPr id="35" name="" descr=""/>
+          <p:cNvPr id="35" name="Picture 34"/>
           <p:cNvPicPr/>
           <p:nvPr/>
         </p:nvPicPr>
         <p:blipFill>
-          <a:blip r:embed="rId3"/>
+          <a:blip r:embed="rId2"/>
           <a:stretch/>
         </p:blipFill>
         <p:spPr>
@@ -1305,11 +1522,14 @@
       </p:pic>
     </p:spTree>
   </p:cSld>
+  <p:clrMapOvr>
+    <a:masterClrMapping/>
+  </p:clrMapOvr>
 </p:sldLayout>
 </file>
 
 <file path=ppt/slideLayouts/slideLayout13.xml><?xml version="1.0" encoding="utf-8"?>
-<p:sldLayout xmlns:a="http://schemas.openxmlformats.org/drawingml/2006/main" xmlns:p="http://schemas.openxmlformats.org/presentationml/2006/main" xmlns:r="http://schemas.openxmlformats.org/officeDocument/2006/relationships" xmlns:p14="http://schemas.microsoft.com/office/powerpoint/2010/main" xmlns:p15="http://schemas.microsoft.com/office/powerpoint/2012/main" xmlns:mc="http://schemas.openxmlformats.org/markup-compatibility/2006" type="blank" preserve="1">
+<p:sldLayout xmlns:a="http://schemas.openxmlformats.org/drawingml/2006/main" xmlns:r="http://schemas.openxmlformats.org/officeDocument/2006/relationships" xmlns:p="http://schemas.openxmlformats.org/presentationml/2006/main" type="blank" preserve="1">
   <p:cSld name="Blank Slide">
     <p:spTree>
       <p:nvGrpSpPr>
@@ -1327,11 +1547,14 @@
       </p:grpSpPr>
     </p:spTree>
   </p:cSld>
+  <p:clrMapOvr>
+    <a:masterClrMapping/>
+  </p:clrMapOvr>
 </p:sldLayout>
 </file>
 
 <file path=ppt/slideLayouts/slideLayout14.xml><?xml version="1.0" encoding="utf-8"?>
-<p:sldLayout xmlns:a="http://schemas.openxmlformats.org/drawingml/2006/main" xmlns:p="http://schemas.openxmlformats.org/presentationml/2006/main" xmlns:r="http://schemas.openxmlformats.org/officeDocument/2006/relationships" xmlns:p14="http://schemas.microsoft.com/office/powerpoint/2010/main" xmlns:p15="http://schemas.microsoft.com/office/powerpoint/2012/main" xmlns:mc="http://schemas.openxmlformats.org/markup-compatibility/2006" type="tx" preserve="1">
+<p:sldLayout xmlns:a="http://schemas.openxmlformats.org/drawingml/2006/main" xmlns:r="http://schemas.openxmlformats.org/officeDocument/2006/relationships" xmlns:p="http://schemas.openxmlformats.org/presentationml/2006/main" type="tx" preserve="1">
   <p:cSld name="Title Slide">
     <p:spTree>
       <p:nvGrpSpPr>
@@ -1367,16 +1590,17 @@
           </a:prstGeom>
         </p:spPr>
         <p:txBody>
-          <a:bodyPr lIns="0" rIns="0" tIns="0" bIns="0" anchor="ctr"/>
+          <a:bodyPr lIns="0" tIns="0" rIns="0" bIns="0" anchor="ctr"/>
+          <a:lstStyle/>
           <a:p>
             <a:pPr algn="ctr"/>
-            <a:endParaRPr b="0" lang="en-GB" sz="4400" spc="-1" strike="noStrike">
-              <a:solidFill>
-                <a:srgbClr val="000000"/>
-              </a:solidFill>
-              <a:uFill>
-                <a:solidFill>
-                  <a:srgbClr val="ffffff"/>
+            <a:endParaRPr lang="en-GB" sz="4400" b="0" strike="noStrike" spc="-1">
+              <a:solidFill>
+                <a:srgbClr val="000000"/>
+              </a:solidFill>
+              <a:uFill>
+                <a:solidFill>
+                  <a:srgbClr val="FFFFFF"/>
                 </a:solidFill>
               </a:uFill>
               <a:latin typeface="Arial"/>
@@ -1404,16 +1628,17 @@
           </a:prstGeom>
         </p:spPr>
         <p:txBody>
-          <a:bodyPr lIns="0" rIns="0" tIns="0" bIns="0" anchor="ctr"/>
+          <a:bodyPr lIns="0" tIns="0" rIns="0" bIns="0" anchor="ctr"/>
+          <a:lstStyle/>
           <a:p>
             <a:pPr algn="ctr"/>
-            <a:endParaRPr b="0" lang="en-GB" sz="3200" spc="-1" strike="noStrike">
-              <a:solidFill>
-                <a:srgbClr val="000000"/>
-              </a:solidFill>
-              <a:uFill>
-                <a:solidFill>
-                  <a:srgbClr val="ffffff"/>
+            <a:endParaRPr lang="en-GB" sz="3200" b="0" strike="noStrike" spc="-1">
+              <a:solidFill>
+                <a:srgbClr val="000000"/>
+              </a:solidFill>
+              <a:uFill>
+                <a:solidFill>
+                  <a:srgbClr val="FFFFFF"/>
                 </a:solidFill>
               </a:uFill>
               <a:latin typeface="Arial"/>
@@ -1423,11 +1648,14 @@
       </p:sp>
     </p:spTree>
   </p:cSld>
+  <p:clrMapOvr>
+    <a:masterClrMapping/>
+  </p:clrMapOvr>
 </p:sldLayout>
 </file>
 
 <file path=ppt/slideLayouts/slideLayout15.xml><?xml version="1.0" encoding="utf-8"?>
-<p:sldLayout xmlns:a="http://schemas.openxmlformats.org/drawingml/2006/main" xmlns:p="http://schemas.openxmlformats.org/presentationml/2006/main" xmlns:r="http://schemas.openxmlformats.org/officeDocument/2006/relationships" xmlns:p14="http://schemas.microsoft.com/office/powerpoint/2010/main" xmlns:p15="http://schemas.microsoft.com/office/powerpoint/2012/main" xmlns:mc="http://schemas.openxmlformats.org/markup-compatibility/2006" type="obj" preserve="1">
+<p:sldLayout xmlns:a="http://schemas.openxmlformats.org/drawingml/2006/main" xmlns:r="http://schemas.openxmlformats.org/officeDocument/2006/relationships" xmlns:p="http://schemas.openxmlformats.org/presentationml/2006/main" type="obj" preserve="1">
   <p:cSld name="Title, Content">
     <p:spTree>
       <p:nvGrpSpPr>
@@ -1463,16 +1691,17 @@
           </a:prstGeom>
         </p:spPr>
         <p:txBody>
-          <a:bodyPr lIns="0" rIns="0" tIns="0" bIns="0" anchor="ctr"/>
+          <a:bodyPr lIns="0" tIns="0" rIns="0" bIns="0" anchor="ctr"/>
+          <a:lstStyle/>
           <a:p>
             <a:pPr algn="ctr"/>
-            <a:endParaRPr b="0" lang="en-GB" sz="4400" spc="-1" strike="noStrike">
-              <a:solidFill>
-                <a:srgbClr val="000000"/>
-              </a:solidFill>
-              <a:uFill>
-                <a:solidFill>
-                  <a:srgbClr val="ffffff"/>
+            <a:endParaRPr lang="en-GB" sz="4400" b="0" strike="noStrike" spc="-1">
+              <a:solidFill>
+                <a:srgbClr val="000000"/>
+              </a:solidFill>
+              <a:uFill>
+                <a:solidFill>
+                  <a:srgbClr val="FFFFFF"/>
                 </a:solidFill>
               </a:uFill>
               <a:latin typeface="Arial"/>
@@ -1500,15 +1729,16 @@
           </a:prstGeom>
         </p:spPr>
         <p:txBody>
-          <a:bodyPr lIns="0" rIns="0" tIns="0" bIns="0"/>
-          <a:p>
-            <a:endParaRPr b="0" lang="en-GB" sz="3200" spc="-1" strike="noStrike">
-              <a:solidFill>
-                <a:srgbClr val="000000"/>
-              </a:solidFill>
-              <a:uFill>
-                <a:solidFill>
-                  <a:srgbClr val="ffffff"/>
+          <a:bodyPr lIns="0" tIns="0" rIns="0" bIns="0"/>
+          <a:lstStyle/>
+          <a:p>
+            <a:endParaRPr lang="en-GB" sz="3200" b="0" strike="noStrike" spc="-1">
+              <a:solidFill>
+                <a:srgbClr val="000000"/>
+              </a:solidFill>
+              <a:uFill>
+                <a:solidFill>
+                  <a:srgbClr val="FFFFFF"/>
                 </a:solidFill>
               </a:uFill>
               <a:latin typeface="Arial"/>
@@ -1518,11 +1748,14 @@
       </p:sp>
     </p:spTree>
   </p:cSld>
+  <p:clrMapOvr>
+    <a:masterClrMapping/>
+  </p:clrMapOvr>
 </p:sldLayout>
 </file>
 
 <file path=ppt/slideLayouts/slideLayout16.xml><?xml version="1.0" encoding="utf-8"?>
-<p:sldLayout xmlns:a="http://schemas.openxmlformats.org/drawingml/2006/main" xmlns:p="http://schemas.openxmlformats.org/presentationml/2006/main" xmlns:r="http://schemas.openxmlformats.org/officeDocument/2006/relationships" xmlns:p14="http://schemas.microsoft.com/office/powerpoint/2010/main" xmlns:p15="http://schemas.microsoft.com/office/powerpoint/2012/main" xmlns:mc="http://schemas.openxmlformats.org/markup-compatibility/2006" type="twoObj" preserve="1">
+<p:sldLayout xmlns:a="http://schemas.openxmlformats.org/drawingml/2006/main" xmlns:r="http://schemas.openxmlformats.org/officeDocument/2006/relationships" xmlns:p="http://schemas.openxmlformats.org/presentationml/2006/main" type="twoObj" preserve="1">
   <p:cSld name="Title, 2 Content">
     <p:spTree>
       <p:nvGrpSpPr>
@@ -1558,16 +1791,17 @@
           </a:prstGeom>
         </p:spPr>
         <p:txBody>
-          <a:bodyPr lIns="0" rIns="0" tIns="0" bIns="0" anchor="ctr"/>
+          <a:bodyPr lIns="0" tIns="0" rIns="0" bIns="0" anchor="ctr"/>
+          <a:lstStyle/>
           <a:p>
             <a:pPr algn="ctr"/>
-            <a:endParaRPr b="0" lang="en-GB" sz="4400" spc="-1" strike="noStrike">
-              <a:solidFill>
-                <a:srgbClr val="000000"/>
-              </a:solidFill>
-              <a:uFill>
-                <a:solidFill>
-                  <a:srgbClr val="ffffff"/>
+            <a:endParaRPr lang="en-GB" sz="4400" b="0" strike="noStrike" spc="-1">
+              <a:solidFill>
+                <a:srgbClr val="000000"/>
+              </a:solidFill>
+              <a:uFill>
+                <a:solidFill>
+                  <a:srgbClr val="FFFFFF"/>
                 </a:solidFill>
               </a:uFill>
               <a:latin typeface="Arial"/>
@@ -1595,15 +1829,16 @@
           </a:prstGeom>
         </p:spPr>
         <p:txBody>
-          <a:bodyPr lIns="0" rIns="0" tIns="0" bIns="0"/>
-          <a:p>
-            <a:endParaRPr b="0" lang="en-GB" sz="3200" spc="-1" strike="noStrike">
-              <a:solidFill>
-                <a:srgbClr val="000000"/>
-              </a:solidFill>
-              <a:uFill>
-                <a:solidFill>
-                  <a:srgbClr val="ffffff"/>
+          <a:bodyPr lIns="0" tIns="0" rIns="0" bIns="0"/>
+          <a:lstStyle/>
+          <a:p>
+            <a:endParaRPr lang="en-GB" sz="3200" b="0" strike="noStrike" spc="-1">
+              <a:solidFill>
+                <a:srgbClr val="000000"/>
+              </a:solidFill>
+              <a:uFill>
+                <a:solidFill>
+                  <a:srgbClr val="FFFFFF"/>
                 </a:solidFill>
               </a:uFill>
               <a:latin typeface="Arial"/>
@@ -1631,15 +1866,16 @@
           </a:prstGeom>
         </p:spPr>
         <p:txBody>
-          <a:bodyPr lIns="0" rIns="0" tIns="0" bIns="0"/>
-          <a:p>
-            <a:endParaRPr b="0" lang="en-GB" sz="3200" spc="-1" strike="noStrike">
-              <a:solidFill>
-                <a:srgbClr val="000000"/>
-              </a:solidFill>
-              <a:uFill>
-                <a:solidFill>
-                  <a:srgbClr val="ffffff"/>
+          <a:bodyPr lIns="0" tIns="0" rIns="0" bIns="0"/>
+          <a:lstStyle/>
+          <a:p>
+            <a:endParaRPr lang="en-GB" sz="3200" b="0" strike="noStrike" spc="-1">
+              <a:solidFill>
+                <a:srgbClr val="000000"/>
+              </a:solidFill>
+              <a:uFill>
+                <a:solidFill>
+                  <a:srgbClr val="FFFFFF"/>
                 </a:solidFill>
               </a:uFill>
               <a:latin typeface="Arial"/>
@@ -1649,11 +1885,14 @@
       </p:sp>
     </p:spTree>
   </p:cSld>
+  <p:clrMapOvr>
+    <a:masterClrMapping/>
+  </p:clrMapOvr>
 </p:sldLayout>
 </file>
 
 <file path=ppt/slideLayouts/slideLayout17.xml><?xml version="1.0" encoding="utf-8"?>
-<p:sldLayout xmlns:a="http://schemas.openxmlformats.org/drawingml/2006/main" xmlns:p="http://schemas.openxmlformats.org/presentationml/2006/main" xmlns:r="http://schemas.openxmlformats.org/officeDocument/2006/relationships" xmlns:p14="http://schemas.microsoft.com/office/powerpoint/2010/main" xmlns:p15="http://schemas.microsoft.com/office/powerpoint/2012/main" xmlns:mc="http://schemas.openxmlformats.org/markup-compatibility/2006" type="titleOnly" preserve="1">
+<p:sldLayout xmlns:a="http://schemas.openxmlformats.org/drawingml/2006/main" xmlns:r="http://schemas.openxmlformats.org/officeDocument/2006/relationships" xmlns:p="http://schemas.openxmlformats.org/presentationml/2006/main" type="titleOnly" preserve="1">
   <p:cSld name="Title Only">
     <p:spTree>
       <p:nvGrpSpPr>
@@ -1689,16 +1928,17 @@
           </a:prstGeom>
         </p:spPr>
         <p:txBody>
-          <a:bodyPr lIns="0" rIns="0" tIns="0" bIns="0" anchor="ctr"/>
+          <a:bodyPr lIns="0" tIns="0" rIns="0" bIns="0" anchor="ctr"/>
+          <a:lstStyle/>
           <a:p>
             <a:pPr algn="ctr"/>
-            <a:endParaRPr b="0" lang="en-GB" sz="4400" spc="-1" strike="noStrike">
-              <a:solidFill>
-                <a:srgbClr val="000000"/>
-              </a:solidFill>
-              <a:uFill>
-                <a:solidFill>
-                  <a:srgbClr val="ffffff"/>
+            <a:endParaRPr lang="en-GB" sz="4400" b="0" strike="noStrike" spc="-1">
+              <a:solidFill>
+                <a:srgbClr val="000000"/>
+              </a:solidFill>
+              <a:uFill>
+                <a:solidFill>
+                  <a:srgbClr val="FFFFFF"/>
                 </a:solidFill>
               </a:uFill>
               <a:latin typeface="Arial"/>
@@ -1708,11 +1948,14 @@
       </p:sp>
     </p:spTree>
   </p:cSld>
+  <p:clrMapOvr>
+    <a:masterClrMapping/>
+  </p:clrMapOvr>
 </p:sldLayout>
 </file>
 
 <file path=ppt/slideLayouts/slideLayout18.xml><?xml version="1.0" encoding="utf-8"?>
-<p:sldLayout xmlns:a="http://schemas.openxmlformats.org/drawingml/2006/main" xmlns:p="http://schemas.openxmlformats.org/presentationml/2006/main" xmlns:r="http://schemas.openxmlformats.org/officeDocument/2006/relationships" xmlns:p14="http://schemas.microsoft.com/office/powerpoint/2010/main" xmlns:p15="http://schemas.microsoft.com/office/powerpoint/2012/main" xmlns:mc="http://schemas.openxmlformats.org/markup-compatibility/2006" type="objOnly" preserve="1">
+<p:sldLayout xmlns:a="http://schemas.openxmlformats.org/drawingml/2006/main" xmlns:r="http://schemas.openxmlformats.org/officeDocument/2006/relationships" xmlns:p="http://schemas.openxmlformats.org/presentationml/2006/main" type="objOnly" preserve="1">
   <p:cSld name="Centered Text">
     <p:spTree>
       <p:nvGrpSpPr>
@@ -1748,16 +1991,17 @@
           </a:prstGeom>
         </p:spPr>
         <p:txBody>
-          <a:bodyPr lIns="0" rIns="0" tIns="0" bIns="0" anchor="ctr"/>
+          <a:bodyPr lIns="0" tIns="0" rIns="0" bIns="0" anchor="ctr"/>
+          <a:lstStyle/>
           <a:p>
             <a:pPr algn="ctr"/>
-            <a:endParaRPr b="0" lang="en-GB" sz="3200" spc="-1" strike="noStrike">
-              <a:solidFill>
-                <a:srgbClr val="000000"/>
-              </a:solidFill>
-              <a:uFill>
-                <a:solidFill>
-                  <a:srgbClr val="ffffff"/>
+            <a:endParaRPr lang="en-GB" sz="3200" b="0" strike="noStrike" spc="-1">
+              <a:solidFill>
+                <a:srgbClr val="000000"/>
+              </a:solidFill>
+              <a:uFill>
+                <a:solidFill>
+                  <a:srgbClr val="FFFFFF"/>
                 </a:solidFill>
               </a:uFill>
               <a:latin typeface="Arial"/>
@@ -1767,11 +2011,14 @@
       </p:sp>
     </p:spTree>
   </p:cSld>
+  <p:clrMapOvr>
+    <a:masterClrMapping/>
+  </p:clrMapOvr>
 </p:sldLayout>
 </file>
 
 <file path=ppt/slideLayouts/slideLayout19.xml><?xml version="1.0" encoding="utf-8"?>
-<p:sldLayout xmlns:a="http://schemas.openxmlformats.org/drawingml/2006/main" xmlns:p="http://schemas.openxmlformats.org/presentationml/2006/main" xmlns:r="http://schemas.openxmlformats.org/officeDocument/2006/relationships" xmlns:p14="http://schemas.microsoft.com/office/powerpoint/2010/main" xmlns:p15="http://schemas.microsoft.com/office/powerpoint/2012/main" xmlns:mc="http://schemas.openxmlformats.org/markup-compatibility/2006" type="twoObjAndObj" preserve="1">
+<p:sldLayout xmlns:a="http://schemas.openxmlformats.org/drawingml/2006/main" xmlns:r="http://schemas.openxmlformats.org/officeDocument/2006/relationships" xmlns:p="http://schemas.openxmlformats.org/presentationml/2006/main" type="twoObjAndObj" preserve="1">
   <p:cSld name="Title, 2 Content and Content">
     <p:spTree>
       <p:nvGrpSpPr>
@@ -1807,16 +2054,17 @@
           </a:prstGeom>
         </p:spPr>
         <p:txBody>
-          <a:bodyPr lIns="0" rIns="0" tIns="0" bIns="0" anchor="ctr"/>
+          <a:bodyPr lIns="0" tIns="0" rIns="0" bIns="0" anchor="ctr"/>
+          <a:lstStyle/>
           <a:p>
             <a:pPr algn="ctr"/>
-            <a:endParaRPr b="0" lang="en-GB" sz="4400" spc="-1" strike="noStrike">
-              <a:solidFill>
-                <a:srgbClr val="000000"/>
-              </a:solidFill>
-              <a:uFill>
-                <a:solidFill>
-                  <a:srgbClr val="ffffff"/>
+            <a:endParaRPr lang="en-GB" sz="4400" b="0" strike="noStrike" spc="-1">
+              <a:solidFill>
+                <a:srgbClr val="000000"/>
+              </a:solidFill>
+              <a:uFill>
+                <a:solidFill>
+                  <a:srgbClr val="FFFFFF"/>
                 </a:solidFill>
               </a:uFill>
               <a:latin typeface="Arial"/>
@@ -1844,15 +2092,16 @@
           </a:prstGeom>
         </p:spPr>
         <p:txBody>
-          <a:bodyPr lIns="0" rIns="0" tIns="0" bIns="0"/>
-          <a:p>
-            <a:endParaRPr b="0" lang="en-GB" sz="3200" spc="-1" strike="noStrike">
-              <a:solidFill>
-                <a:srgbClr val="000000"/>
-              </a:solidFill>
-              <a:uFill>
-                <a:solidFill>
-                  <a:srgbClr val="ffffff"/>
+          <a:bodyPr lIns="0" tIns="0" rIns="0" bIns="0"/>
+          <a:lstStyle/>
+          <a:p>
+            <a:endParaRPr lang="en-GB" sz="3200" b="0" strike="noStrike" spc="-1">
+              <a:solidFill>
+                <a:srgbClr val="000000"/>
+              </a:solidFill>
+              <a:uFill>
+                <a:solidFill>
+                  <a:srgbClr val="FFFFFF"/>
                 </a:solidFill>
               </a:uFill>
               <a:latin typeface="Arial"/>
@@ -1880,15 +2129,16 @@
           </a:prstGeom>
         </p:spPr>
         <p:txBody>
-          <a:bodyPr lIns="0" rIns="0" tIns="0" bIns="0"/>
-          <a:p>
-            <a:endParaRPr b="0" lang="en-GB" sz="3200" spc="-1" strike="noStrike">
-              <a:solidFill>
-                <a:srgbClr val="000000"/>
-              </a:solidFill>
-              <a:uFill>
-                <a:solidFill>
-                  <a:srgbClr val="ffffff"/>
+          <a:bodyPr lIns="0" tIns="0" rIns="0" bIns="0"/>
+          <a:lstStyle/>
+          <a:p>
+            <a:endParaRPr lang="en-GB" sz="3200" b="0" strike="noStrike" spc="-1">
+              <a:solidFill>
+                <a:srgbClr val="000000"/>
+              </a:solidFill>
+              <a:uFill>
+                <a:solidFill>
+                  <a:srgbClr val="FFFFFF"/>
                 </a:solidFill>
               </a:uFill>
               <a:latin typeface="Arial"/>
@@ -1916,15 +2166,16 @@
           </a:prstGeom>
         </p:spPr>
         <p:txBody>
-          <a:bodyPr lIns="0" rIns="0" tIns="0" bIns="0"/>
-          <a:p>
-            <a:endParaRPr b="0" lang="en-GB" sz="3200" spc="-1" strike="noStrike">
-              <a:solidFill>
-                <a:srgbClr val="000000"/>
-              </a:solidFill>
-              <a:uFill>
-                <a:solidFill>
-                  <a:srgbClr val="ffffff"/>
+          <a:bodyPr lIns="0" tIns="0" rIns="0" bIns="0"/>
+          <a:lstStyle/>
+          <a:p>
+            <a:endParaRPr lang="en-GB" sz="3200" b="0" strike="noStrike" spc="-1">
+              <a:solidFill>
+                <a:srgbClr val="000000"/>
+              </a:solidFill>
+              <a:uFill>
+                <a:solidFill>
+                  <a:srgbClr val="FFFFFF"/>
                 </a:solidFill>
               </a:uFill>
               <a:latin typeface="Arial"/>
@@ -1934,11 +2185,14 @@
       </p:sp>
     </p:spTree>
   </p:cSld>
+  <p:clrMapOvr>
+    <a:masterClrMapping/>
+  </p:clrMapOvr>
 </p:sldLayout>
 </file>
 
 <file path=ppt/slideLayouts/slideLayout2.xml><?xml version="1.0" encoding="utf-8"?>
-<p:sldLayout xmlns:a="http://schemas.openxmlformats.org/drawingml/2006/main" xmlns:p="http://schemas.openxmlformats.org/presentationml/2006/main" xmlns:r="http://schemas.openxmlformats.org/officeDocument/2006/relationships" xmlns:p14="http://schemas.microsoft.com/office/powerpoint/2010/main" xmlns:p15="http://schemas.microsoft.com/office/powerpoint/2012/main" xmlns:mc="http://schemas.openxmlformats.org/markup-compatibility/2006" type="tx" preserve="1">
+<p:sldLayout xmlns:a="http://schemas.openxmlformats.org/drawingml/2006/main" xmlns:r="http://schemas.openxmlformats.org/officeDocument/2006/relationships" xmlns:p="http://schemas.openxmlformats.org/presentationml/2006/main" type="tx" preserve="1">
   <p:cSld name="Title Slide">
     <p:spTree>
       <p:nvGrpSpPr>
@@ -1974,16 +2228,17 @@
           </a:prstGeom>
         </p:spPr>
         <p:txBody>
-          <a:bodyPr lIns="0" rIns="0" tIns="0" bIns="0" anchor="ctr"/>
+          <a:bodyPr lIns="0" tIns="0" rIns="0" bIns="0" anchor="ctr"/>
+          <a:lstStyle/>
           <a:p>
             <a:pPr algn="ctr"/>
-            <a:endParaRPr b="0" lang="en-GB" sz="4400" spc="-1" strike="noStrike">
-              <a:solidFill>
-                <a:srgbClr val="000000"/>
-              </a:solidFill>
-              <a:uFill>
-                <a:solidFill>
-                  <a:srgbClr val="ffffff"/>
+            <a:endParaRPr lang="en-GB" sz="4400" b="0" strike="noStrike" spc="-1">
+              <a:solidFill>
+                <a:srgbClr val="000000"/>
+              </a:solidFill>
+              <a:uFill>
+                <a:solidFill>
+                  <a:srgbClr val="FFFFFF"/>
                 </a:solidFill>
               </a:uFill>
               <a:latin typeface="Arial"/>
@@ -2011,16 +2266,17 @@
           </a:prstGeom>
         </p:spPr>
         <p:txBody>
-          <a:bodyPr lIns="0" rIns="0" tIns="0" bIns="0" anchor="ctr"/>
+          <a:bodyPr lIns="0" tIns="0" rIns="0" bIns="0" anchor="ctr"/>
+          <a:lstStyle/>
           <a:p>
             <a:pPr algn="ctr"/>
-            <a:endParaRPr b="0" lang="en-GB" sz="3200" spc="-1" strike="noStrike">
-              <a:solidFill>
-                <a:srgbClr val="000000"/>
-              </a:solidFill>
-              <a:uFill>
-                <a:solidFill>
-                  <a:srgbClr val="ffffff"/>
+            <a:endParaRPr lang="en-GB" sz="3200" b="0" strike="noStrike" spc="-1">
+              <a:solidFill>
+                <a:srgbClr val="000000"/>
+              </a:solidFill>
+              <a:uFill>
+                <a:solidFill>
+                  <a:srgbClr val="FFFFFF"/>
                 </a:solidFill>
               </a:uFill>
               <a:latin typeface="Arial"/>
@@ -2030,11 +2286,14 @@
       </p:sp>
     </p:spTree>
   </p:cSld>
+  <p:clrMapOvr>
+    <a:masterClrMapping/>
+  </p:clrMapOvr>
 </p:sldLayout>
 </file>
 
 <file path=ppt/slideLayouts/slideLayout20.xml><?xml version="1.0" encoding="utf-8"?>
-<p:sldLayout xmlns:a="http://schemas.openxmlformats.org/drawingml/2006/main" xmlns:p="http://schemas.openxmlformats.org/presentationml/2006/main" xmlns:r="http://schemas.openxmlformats.org/officeDocument/2006/relationships" xmlns:p14="http://schemas.microsoft.com/office/powerpoint/2010/main" xmlns:p15="http://schemas.microsoft.com/office/powerpoint/2012/main" xmlns:mc="http://schemas.openxmlformats.org/markup-compatibility/2006" type="objAndTwoObj" preserve="1">
+<p:sldLayout xmlns:a="http://schemas.openxmlformats.org/drawingml/2006/main" xmlns:r="http://schemas.openxmlformats.org/officeDocument/2006/relationships" xmlns:p="http://schemas.openxmlformats.org/presentationml/2006/main" type="objAndTwoObj" preserve="1">
   <p:cSld name="Title Content and 2 Content">
     <p:spTree>
       <p:nvGrpSpPr>
@@ -2070,16 +2329,17 @@
           </a:prstGeom>
         </p:spPr>
         <p:txBody>
-          <a:bodyPr lIns="0" rIns="0" tIns="0" bIns="0" anchor="ctr"/>
+          <a:bodyPr lIns="0" tIns="0" rIns="0" bIns="0" anchor="ctr"/>
+          <a:lstStyle/>
           <a:p>
             <a:pPr algn="ctr"/>
-            <a:endParaRPr b="0" lang="en-GB" sz="4400" spc="-1" strike="noStrike">
-              <a:solidFill>
-                <a:srgbClr val="000000"/>
-              </a:solidFill>
-              <a:uFill>
-                <a:solidFill>
-                  <a:srgbClr val="ffffff"/>
+            <a:endParaRPr lang="en-GB" sz="4400" b="0" strike="noStrike" spc="-1">
+              <a:solidFill>
+                <a:srgbClr val="000000"/>
+              </a:solidFill>
+              <a:uFill>
+                <a:solidFill>
+                  <a:srgbClr val="FFFFFF"/>
                 </a:solidFill>
               </a:uFill>
               <a:latin typeface="Arial"/>
@@ -2107,15 +2367,16 @@
           </a:prstGeom>
         </p:spPr>
         <p:txBody>
-          <a:bodyPr lIns="0" rIns="0" tIns="0" bIns="0"/>
-          <a:p>
-            <a:endParaRPr b="0" lang="en-GB" sz="3200" spc="-1" strike="noStrike">
-              <a:solidFill>
-                <a:srgbClr val="000000"/>
-              </a:solidFill>
-              <a:uFill>
-                <a:solidFill>
-                  <a:srgbClr val="ffffff"/>
+          <a:bodyPr lIns="0" tIns="0" rIns="0" bIns="0"/>
+          <a:lstStyle/>
+          <a:p>
+            <a:endParaRPr lang="en-GB" sz="3200" b="0" strike="noStrike" spc="-1">
+              <a:solidFill>
+                <a:srgbClr val="000000"/>
+              </a:solidFill>
+              <a:uFill>
+                <a:solidFill>
+                  <a:srgbClr val="FFFFFF"/>
                 </a:solidFill>
               </a:uFill>
               <a:latin typeface="Arial"/>
@@ -2143,15 +2404,16 @@
           </a:prstGeom>
         </p:spPr>
         <p:txBody>
-          <a:bodyPr lIns="0" rIns="0" tIns="0" bIns="0"/>
-          <a:p>
-            <a:endParaRPr b="0" lang="en-GB" sz="3200" spc="-1" strike="noStrike">
-              <a:solidFill>
-                <a:srgbClr val="000000"/>
-              </a:solidFill>
-              <a:uFill>
-                <a:solidFill>
-                  <a:srgbClr val="ffffff"/>
+          <a:bodyPr lIns="0" tIns="0" rIns="0" bIns="0"/>
+          <a:lstStyle/>
+          <a:p>
+            <a:endParaRPr lang="en-GB" sz="3200" b="0" strike="noStrike" spc="-1">
+              <a:solidFill>
+                <a:srgbClr val="000000"/>
+              </a:solidFill>
+              <a:uFill>
+                <a:solidFill>
+                  <a:srgbClr val="FFFFFF"/>
                 </a:solidFill>
               </a:uFill>
               <a:latin typeface="Arial"/>
@@ -2179,15 +2441,16 @@
           </a:prstGeom>
         </p:spPr>
         <p:txBody>
-          <a:bodyPr lIns="0" rIns="0" tIns="0" bIns="0"/>
-          <a:p>
-            <a:endParaRPr b="0" lang="en-GB" sz="3200" spc="-1" strike="noStrike">
-              <a:solidFill>
-                <a:srgbClr val="000000"/>
-              </a:solidFill>
-              <a:uFill>
-                <a:solidFill>
-                  <a:srgbClr val="ffffff"/>
+          <a:bodyPr lIns="0" tIns="0" rIns="0" bIns="0"/>
+          <a:lstStyle/>
+          <a:p>
+            <a:endParaRPr lang="en-GB" sz="3200" b="0" strike="noStrike" spc="-1">
+              <a:solidFill>
+                <a:srgbClr val="000000"/>
+              </a:solidFill>
+              <a:uFill>
+                <a:solidFill>
+                  <a:srgbClr val="FFFFFF"/>
                 </a:solidFill>
               </a:uFill>
               <a:latin typeface="Arial"/>
@@ -2197,11 +2460,14 @@
       </p:sp>
     </p:spTree>
   </p:cSld>
+  <p:clrMapOvr>
+    <a:masterClrMapping/>
+  </p:clrMapOvr>
 </p:sldLayout>
 </file>
 
 <file path=ppt/slideLayouts/slideLayout21.xml><?xml version="1.0" encoding="utf-8"?>
-<p:sldLayout xmlns:a="http://schemas.openxmlformats.org/drawingml/2006/main" xmlns:p="http://schemas.openxmlformats.org/presentationml/2006/main" xmlns:r="http://schemas.openxmlformats.org/officeDocument/2006/relationships" xmlns:p14="http://schemas.microsoft.com/office/powerpoint/2010/main" xmlns:p15="http://schemas.microsoft.com/office/powerpoint/2012/main" xmlns:mc="http://schemas.openxmlformats.org/markup-compatibility/2006" type="twoObjOverTx" preserve="1">
+<p:sldLayout xmlns:a="http://schemas.openxmlformats.org/drawingml/2006/main" xmlns:r="http://schemas.openxmlformats.org/officeDocument/2006/relationships" xmlns:p="http://schemas.openxmlformats.org/presentationml/2006/main" type="twoObjOverTx" preserve="1">
   <p:cSld name="Title, 2 Content over Content">
     <p:spTree>
       <p:nvGrpSpPr>
@@ -2237,16 +2503,17 @@
           </a:prstGeom>
         </p:spPr>
         <p:txBody>
-          <a:bodyPr lIns="0" rIns="0" tIns="0" bIns="0" anchor="ctr"/>
+          <a:bodyPr lIns="0" tIns="0" rIns="0" bIns="0" anchor="ctr"/>
+          <a:lstStyle/>
           <a:p>
             <a:pPr algn="ctr"/>
-            <a:endParaRPr b="0" lang="en-GB" sz="4400" spc="-1" strike="noStrike">
-              <a:solidFill>
-                <a:srgbClr val="000000"/>
-              </a:solidFill>
-              <a:uFill>
-                <a:solidFill>
-                  <a:srgbClr val="ffffff"/>
+            <a:endParaRPr lang="en-GB" sz="4400" b="0" strike="noStrike" spc="-1">
+              <a:solidFill>
+                <a:srgbClr val="000000"/>
+              </a:solidFill>
+              <a:uFill>
+                <a:solidFill>
+                  <a:srgbClr val="FFFFFF"/>
                 </a:solidFill>
               </a:uFill>
               <a:latin typeface="Arial"/>
@@ -2274,15 +2541,16 @@
           </a:prstGeom>
         </p:spPr>
         <p:txBody>
-          <a:bodyPr lIns="0" rIns="0" tIns="0" bIns="0"/>
-          <a:p>
-            <a:endParaRPr b="0" lang="en-GB" sz="3200" spc="-1" strike="noStrike">
-              <a:solidFill>
-                <a:srgbClr val="000000"/>
-              </a:solidFill>
-              <a:uFill>
-                <a:solidFill>
-                  <a:srgbClr val="ffffff"/>
+          <a:bodyPr lIns="0" tIns="0" rIns="0" bIns="0"/>
+          <a:lstStyle/>
+          <a:p>
+            <a:endParaRPr lang="en-GB" sz="3200" b="0" strike="noStrike" spc="-1">
+              <a:solidFill>
+                <a:srgbClr val="000000"/>
+              </a:solidFill>
+              <a:uFill>
+                <a:solidFill>
+                  <a:srgbClr val="FFFFFF"/>
                 </a:solidFill>
               </a:uFill>
               <a:latin typeface="Arial"/>
@@ -2310,15 +2578,16 @@
           </a:prstGeom>
         </p:spPr>
         <p:txBody>
-          <a:bodyPr lIns="0" rIns="0" tIns="0" bIns="0"/>
-          <a:p>
-            <a:endParaRPr b="0" lang="en-GB" sz="3200" spc="-1" strike="noStrike">
-              <a:solidFill>
-                <a:srgbClr val="000000"/>
-              </a:solidFill>
-              <a:uFill>
-                <a:solidFill>
-                  <a:srgbClr val="ffffff"/>
+          <a:bodyPr lIns="0" tIns="0" rIns="0" bIns="0"/>
+          <a:lstStyle/>
+          <a:p>
+            <a:endParaRPr lang="en-GB" sz="3200" b="0" strike="noStrike" spc="-1">
+              <a:solidFill>
+                <a:srgbClr val="000000"/>
+              </a:solidFill>
+              <a:uFill>
+                <a:solidFill>
+                  <a:srgbClr val="FFFFFF"/>
                 </a:solidFill>
               </a:uFill>
               <a:latin typeface="Arial"/>
@@ -2346,15 +2615,16 @@
           </a:prstGeom>
         </p:spPr>
         <p:txBody>
-          <a:bodyPr lIns="0" rIns="0" tIns="0" bIns="0"/>
-          <a:p>
-            <a:endParaRPr b="0" lang="en-GB" sz="3200" spc="-1" strike="noStrike">
-              <a:solidFill>
-                <a:srgbClr val="000000"/>
-              </a:solidFill>
-              <a:uFill>
-                <a:solidFill>
-                  <a:srgbClr val="ffffff"/>
+          <a:bodyPr lIns="0" tIns="0" rIns="0" bIns="0"/>
+          <a:lstStyle/>
+          <a:p>
+            <a:endParaRPr lang="en-GB" sz="3200" b="0" strike="noStrike" spc="-1">
+              <a:solidFill>
+                <a:srgbClr val="000000"/>
+              </a:solidFill>
+              <a:uFill>
+                <a:solidFill>
+                  <a:srgbClr val="FFFFFF"/>
                 </a:solidFill>
               </a:uFill>
               <a:latin typeface="Arial"/>
@@ -2364,11 +2634,14 @@
       </p:sp>
     </p:spTree>
   </p:cSld>
+  <p:clrMapOvr>
+    <a:masterClrMapping/>
+  </p:clrMapOvr>
 </p:sldLayout>
 </file>
 
 <file path=ppt/slideLayouts/slideLayout22.xml><?xml version="1.0" encoding="utf-8"?>
-<p:sldLayout xmlns:a="http://schemas.openxmlformats.org/drawingml/2006/main" xmlns:p="http://schemas.openxmlformats.org/presentationml/2006/main" xmlns:r="http://schemas.openxmlformats.org/officeDocument/2006/relationships" xmlns:p14="http://schemas.microsoft.com/office/powerpoint/2010/main" xmlns:p15="http://schemas.microsoft.com/office/powerpoint/2012/main" xmlns:mc="http://schemas.openxmlformats.org/markup-compatibility/2006" type="objOverTx" preserve="1">
+<p:sldLayout xmlns:a="http://schemas.openxmlformats.org/drawingml/2006/main" xmlns:r="http://schemas.openxmlformats.org/officeDocument/2006/relationships" xmlns:p="http://schemas.openxmlformats.org/presentationml/2006/main" type="objOverTx" preserve="1">
   <p:cSld name="Title, Content over Content">
     <p:spTree>
       <p:nvGrpSpPr>
@@ -2404,16 +2677,17 @@
           </a:prstGeom>
         </p:spPr>
         <p:txBody>
-          <a:bodyPr lIns="0" rIns="0" tIns="0" bIns="0" anchor="ctr"/>
+          <a:bodyPr lIns="0" tIns="0" rIns="0" bIns="0" anchor="ctr"/>
+          <a:lstStyle/>
           <a:p>
             <a:pPr algn="ctr"/>
-            <a:endParaRPr b="0" lang="en-GB" sz="4400" spc="-1" strike="noStrike">
-              <a:solidFill>
-                <a:srgbClr val="000000"/>
-              </a:solidFill>
-              <a:uFill>
-                <a:solidFill>
-                  <a:srgbClr val="ffffff"/>
+            <a:endParaRPr lang="en-GB" sz="4400" b="0" strike="noStrike" spc="-1">
+              <a:solidFill>
+                <a:srgbClr val="000000"/>
+              </a:solidFill>
+              <a:uFill>
+                <a:solidFill>
+                  <a:srgbClr val="FFFFFF"/>
                 </a:solidFill>
               </a:uFill>
               <a:latin typeface="Arial"/>
@@ -2441,15 +2715,16 @@
           </a:prstGeom>
         </p:spPr>
         <p:txBody>
-          <a:bodyPr lIns="0" rIns="0" tIns="0" bIns="0"/>
-          <a:p>
-            <a:endParaRPr b="0" lang="en-GB" sz="3200" spc="-1" strike="noStrike">
-              <a:solidFill>
-                <a:srgbClr val="000000"/>
-              </a:solidFill>
-              <a:uFill>
-                <a:solidFill>
-                  <a:srgbClr val="ffffff"/>
+          <a:bodyPr lIns="0" tIns="0" rIns="0" bIns="0"/>
+          <a:lstStyle/>
+          <a:p>
+            <a:endParaRPr lang="en-GB" sz="3200" b="0" strike="noStrike" spc="-1">
+              <a:solidFill>
+                <a:srgbClr val="000000"/>
+              </a:solidFill>
+              <a:uFill>
+                <a:solidFill>
+                  <a:srgbClr val="FFFFFF"/>
                 </a:solidFill>
               </a:uFill>
               <a:latin typeface="Arial"/>
@@ -2477,15 +2752,16 @@
           </a:prstGeom>
         </p:spPr>
         <p:txBody>
-          <a:bodyPr lIns="0" rIns="0" tIns="0" bIns="0"/>
-          <a:p>
-            <a:endParaRPr b="0" lang="en-GB" sz="3200" spc="-1" strike="noStrike">
-              <a:solidFill>
-                <a:srgbClr val="000000"/>
-              </a:solidFill>
-              <a:uFill>
-                <a:solidFill>
-                  <a:srgbClr val="ffffff"/>
+          <a:bodyPr lIns="0" tIns="0" rIns="0" bIns="0"/>
+          <a:lstStyle/>
+          <a:p>
+            <a:endParaRPr lang="en-GB" sz="3200" b="0" strike="noStrike" spc="-1">
+              <a:solidFill>
+                <a:srgbClr val="000000"/>
+              </a:solidFill>
+              <a:uFill>
+                <a:solidFill>
+                  <a:srgbClr val="FFFFFF"/>
                 </a:solidFill>
               </a:uFill>
               <a:latin typeface="Arial"/>
@@ -2495,11 +2771,14 @@
       </p:sp>
     </p:spTree>
   </p:cSld>
+  <p:clrMapOvr>
+    <a:masterClrMapping/>
+  </p:clrMapOvr>
 </p:sldLayout>
 </file>
 
 <file path=ppt/slideLayouts/slideLayout23.xml><?xml version="1.0" encoding="utf-8"?>
-<p:sldLayout xmlns:a="http://schemas.openxmlformats.org/drawingml/2006/main" xmlns:p="http://schemas.openxmlformats.org/presentationml/2006/main" xmlns:r="http://schemas.openxmlformats.org/officeDocument/2006/relationships" xmlns:p14="http://schemas.microsoft.com/office/powerpoint/2010/main" xmlns:p15="http://schemas.microsoft.com/office/powerpoint/2012/main" xmlns:mc="http://schemas.openxmlformats.org/markup-compatibility/2006" type="fourObj" preserve="1">
+<p:sldLayout xmlns:a="http://schemas.openxmlformats.org/drawingml/2006/main" xmlns:r="http://schemas.openxmlformats.org/officeDocument/2006/relationships" xmlns:p="http://schemas.openxmlformats.org/presentationml/2006/main" type="fourObj" preserve="1">
   <p:cSld name="Title, 4 Content">
     <p:spTree>
       <p:nvGrpSpPr>
@@ -2535,16 +2814,17 @@
           </a:prstGeom>
         </p:spPr>
         <p:txBody>
-          <a:bodyPr lIns="0" rIns="0" tIns="0" bIns="0" anchor="ctr"/>
+          <a:bodyPr lIns="0" tIns="0" rIns="0" bIns="0" anchor="ctr"/>
+          <a:lstStyle/>
           <a:p>
             <a:pPr algn="ctr"/>
-            <a:endParaRPr b="0" lang="en-GB" sz="4400" spc="-1" strike="noStrike">
-              <a:solidFill>
-                <a:srgbClr val="000000"/>
-              </a:solidFill>
-              <a:uFill>
-                <a:solidFill>
-                  <a:srgbClr val="ffffff"/>
+            <a:endParaRPr lang="en-GB" sz="4400" b="0" strike="noStrike" spc="-1">
+              <a:solidFill>
+                <a:srgbClr val="000000"/>
+              </a:solidFill>
+              <a:uFill>
+                <a:solidFill>
+                  <a:srgbClr val="FFFFFF"/>
                 </a:solidFill>
               </a:uFill>
               <a:latin typeface="Arial"/>
@@ -2572,15 +2852,16 @@
           </a:prstGeom>
         </p:spPr>
         <p:txBody>
-          <a:bodyPr lIns="0" rIns="0" tIns="0" bIns="0"/>
-          <a:p>
-            <a:endParaRPr b="0" lang="en-GB" sz="3200" spc="-1" strike="noStrike">
-              <a:solidFill>
-                <a:srgbClr val="000000"/>
-              </a:solidFill>
-              <a:uFill>
-                <a:solidFill>
-                  <a:srgbClr val="ffffff"/>
+          <a:bodyPr lIns="0" tIns="0" rIns="0" bIns="0"/>
+          <a:lstStyle/>
+          <a:p>
+            <a:endParaRPr lang="en-GB" sz="3200" b="0" strike="noStrike" spc="-1">
+              <a:solidFill>
+                <a:srgbClr val="000000"/>
+              </a:solidFill>
+              <a:uFill>
+                <a:solidFill>
+                  <a:srgbClr val="FFFFFF"/>
                 </a:solidFill>
               </a:uFill>
               <a:latin typeface="Arial"/>
@@ -2608,15 +2889,16 @@
           </a:prstGeom>
         </p:spPr>
         <p:txBody>
-          <a:bodyPr lIns="0" rIns="0" tIns="0" bIns="0"/>
-          <a:p>
-            <a:endParaRPr b="0" lang="en-GB" sz="3200" spc="-1" strike="noStrike">
-              <a:solidFill>
-                <a:srgbClr val="000000"/>
-              </a:solidFill>
-              <a:uFill>
-                <a:solidFill>
-                  <a:srgbClr val="ffffff"/>
+          <a:bodyPr lIns="0" tIns="0" rIns="0" bIns="0"/>
+          <a:lstStyle/>
+          <a:p>
+            <a:endParaRPr lang="en-GB" sz="3200" b="0" strike="noStrike" spc="-1">
+              <a:solidFill>
+                <a:srgbClr val="000000"/>
+              </a:solidFill>
+              <a:uFill>
+                <a:solidFill>
+                  <a:srgbClr val="FFFFFF"/>
                 </a:solidFill>
               </a:uFill>
               <a:latin typeface="Arial"/>
@@ -2644,15 +2926,16 @@
           </a:prstGeom>
         </p:spPr>
         <p:txBody>
-          <a:bodyPr lIns="0" rIns="0" tIns="0" bIns="0"/>
-          <a:p>
-            <a:endParaRPr b="0" lang="en-GB" sz="3200" spc="-1" strike="noStrike">
-              <a:solidFill>
-                <a:srgbClr val="000000"/>
-              </a:solidFill>
-              <a:uFill>
-                <a:solidFill>
-                  <a:srgbClr val="ffffff"/>
+          <a:bodyPr lIns="0" tIns="0" rIns="0" bIns="0"/>
+          <a:lstStyle/>
+          <a:p>
+            <a:endParaRPr lang="en-GB" sz="3200" b="0" strike="noStrike" spc="-1">
+              <a:solidFill>
+                <a:srgbClr val="000000"/>
+              </a:solidFill>
+              <a:uFill>
+                <a:solidFill>
+                  <a:srgbClr val="FFFFFF"/>
                 </a:solidFill>
               </a:uFill>
               <a:latin typeface="Arial"/>
@@ -2680,15 +2963,16 @@
           </a:prstGeom>
         </p:spPr>
         <p:txBody>
-          <a:bodyPr lIns="0" rIns="0" tIns="0" bIns="0"/>
-          <a:p>
-            <a:endParaRPr b="0" lang="en-GB" sz="3200" spc="-1" strike="noStrike">
-              <a:solidFill>
-                <a:srgbClr val="000000"/>
-              </a:solidFill>
-              <a:uFill>
-                <a:solidFill>
-                  <a:srgbClr val="ffffff"/>
+          <a:bodyPr lIns="0" tIns="0" rIns="0" bIns="0"/>
+          <a:lstStyle/>
+          <a:p>
+            <a:endParaRPr lang="en-GB" sz="3200" b="0" strike="noStrike" spc="-1">
+              <a:solidFill>
+                <a:srgbClr val="000000"/>
+              </a:solidFill>
+              <a:uFill>
+                <a:solidFill>
+                  <a:srgbClr val="FFFFFF"/>
                 </a:solidFill>
               </a:uFill>
               <a:latin typeface="Arial"/>
@@ -2698,11 +2982,14 @@
       </p:sp>
     </p:spTree>
   </p:cSld>
+  <p:clrMapOvr>
+    <a:masterClrMapping/>
+  </p:clrMapOvr>
 </p:sldLayout>
 </file>
 
 <file path=ppt/slideLayouts/slideLayout24.xml><?xml version="1.0" encoding="utf-8"?>
-<p:sldLayout xmlns:a="http://schemas.openxmlformats.org/drawingml/2006/main" xmlns:p="http://schemas.openxmlformats.org/presentationml/2006/main" xmlns:r="http://schemas.openxmlformats.org/officeDocument/2006/relationships" xmlns:p14="http://schemas.microsoft.com/office/powerpoint/2010/main" xmlns:p15="http://schemas.microsoft.com/office/powerpoint/2012/main" xmlns:mc="http://schemas.openxmlformats.org/markup-compatibility/2006" type="blank" preserve="1">
+<p:sldLayout xmlns:a="http://schemas.openxmlformats.org/drawingml/2006/main" xmlns:r="http://schemas.openxmlformats.org/officeDocument/2006/relationships" xmlns:p="http://schemas.openxmlformats.org/presentationml/2006/main" type="blank" preserve="1">
   <p:cSld name="Title, 6 Content">
     <p:spTree>
       <p:nvGrpSpPr>
@@ -2738,16 +3025,17 @@
           </a:prstGeom>
         </p:spPr>
         <p:txBody>
-          <a:bodyPr lIns="0" rIns="0" tIns="0" bIns="0" anchor="ctr"/>
+          <a:bodyPr lIns="0" tIns="0" rIns="0" bIns="0" anchor="ctr"/>
+          <a:lstStyle/>
           <a:p>
             <a:pPr algn="ctr"/>
-            <a:endParaRPr b="0" lang="en-GB" sz="4400" spc="-1" strike="noStrike">
-              <a:solidFill>
-                <a:srgbClr val="000000"/>
-              </a:solidFill>
-              <a:uFill>
-                <a:solidFill>
-                  <a:srgbClr val="ffffff"/>
+            <a:endParaRPr lang="en-GB" sz="4400" b="0" strike="noStrike" spc="-1">
+              <a:solidFill>
+                <a:srgbClr val="000000"/>
+              </a:solidFill>
+              <a:uFill>
+                <a:solidFill>
+                  <a:srgbClr val="FFFFFF"/>
                 </a:solidFill>
               </a:uFill>
               <a:latin typeface="Arial"/>
@@ -2775,15 +3063,16 @@
           </a:prstGeom>
         </p:spPr>
         <p:txBody>
-          <a:bodyPr lIns="0" rIns="0" tIns="0" bIns="0"/>
-          <a:p>
-            <a:endParaRPr b="0" lang="en-GB" sz="3200" spc="-1" strike="noStrike">
-              <a:solidFill>
-                <a:srgbClr val="000000"/>
-              </a:solidFill>
-              <a:uFill>
-                <a:solidFill>
-                  <a:srgbClr val="ffffff"/>
+          <a:bodyPr lIns="0" tIns="0" rIns="0" bIns="0"/>
+          <a:lstStyle/>
+          <a:p>
+            <a:endParaRPr lang="en-GB" sz="3200" b="0" strike="noStrike" spc="-1">
+              <a:solidFill>
+                <a:srgbClr val="000000"/>
+              </a:solidFill>
+              <a:uFill>
+                <a:solidFill>
+                  <a:srgbClr val="FFFFFF"/>
                 </a:solidFill>
               </a:uFill>
               <a:latin typeface="Arial"/>
@@ -2811,15 +3100,16 @@
           </a:prstGeom>
         </p:spPr>
         <p:txBody>
-          <a:bodyPr lIns="0" rIns="0" tIns="0" bIns="0"/>
-          <a:p>
-            <a:endParaRPr b="0" lang="en-GB" sz="3200" spc="-1" strike="noStrike">
-              <a:solidFill>
-                <a:srgbClr val="000000"/>
-              </a:solidFill>
-              <a:uFill>
-                <a:solidFill>
-                  <a:srgbClr val="ffffff"/>
+          <a:bodyPr lIns="0" tIns="0" rIns="0" bIns="0"/>
+          <a:lstStyle/>
+          <a:p>
+            <a:endParaRPr lang="en-GB" sz="3200" b="0" strike="noStrike" spc="-1">
+              <a:solidFill>
+                <a:srgbClr val="000000"/>
+              </a:solidFill>
+              <a:uFill>
+                <a:solidFill>
+                  <a:srgbClr val="FFFFFF"/>
                 </a:solidFill>
               </a:uFill>
               <a:latin typeface="Arial"/>
@@ -2829,7 +3119,7 @@
       </p:sp>
       <p:pic>
         <p:nvPicPr>
-          <p:cNvPr id="70" name="" descr=""/>
+          <p:cNvPr id="70" name="Picture 69"/>
           <p:cNvPicPr/>
           <p:nvPr/>
         </p:nvPicPr>
@@ -2852,12 +3142,12 @@
       </p:pic>
       <p:pic>
         <p:nvPicPr>
-          <p:cNvPr id="71" name="" descr=""/>
+          <p:cNvPr id="71" name="Picture 70"/>
           <p:cNvPicPr/>
           <p:nvPr/>
         </p:nvPicPr>
         <p:blipFill>
-          <a:blip r:embed="rId3"/>
+          <a:blip r:embed="rId2"/>
           <a:stretch/>
         </p:blipFill>
         <p:spPr>
@@ -2875,11 +3165,14 @@
       </p:pic>
     </p:spTree>
   </p:cSld>
+  <p:clrMapOvr>
+    <a:masterClrMapping/>
+  </p:clrMapOvr>
 </p:sldLayout>
 </file>
 
 <file path=ppt/slideLayouts/slideLayout25.xml><?xml version="1.0" encoding="utf-8"?>
-<p:sldLayout xmlns:a="http://schemas.openxmlformats.org/drawingml/2006/main" xmlns:p="http://schemas.openxmlformats.org/presentationml/2006/main" xmlns:r="http://schemas.openxmlformats.org/officeDocument/2006/relationships" xmlns:p14="http://schemas.microsoft.com/office/powerpoint/2010/main" xmlns:p15="http://schemas.microsoft.com/office/powerpoint/2012/main" xmlns:mc="http://schemas.openxmlformats.org/markup-compatibility/2006" type="blank" preserve="1">
+<p:sldLayout xmlns:a="http://schemas.openxmlformats.org/drawingml/2006/main" xmlns:r="http://schemas.openxmlformats.org/officeDocument/2006/relationships" xmlns:p="http://schemas.openxmlformats.org/presentationml/2006/main" type="blank" preserve="1">
   <p:cSld name="Blank Slide">
     <p:spTree>
       <p:nvGrpSpPr>
@@ -2897,11 +3190,14 @@
       </p:grpSpPr>
     </p:spTree>
   </p:cSld>
+  <p:clrMapOvr>
+    <a:masterClrMapping/>
+  </p:clrMapOvr>
 </p:sldLayout>
 </file>
 
 <file path=ppt/slideLayouts/slideLayout26.xml><?xml version="1.0" encoding="utf-8"?>
-<p:sldLayout xmlns:a="http://schemas.openxmlformats.org/drawingml/2006/main" xmlns:p="http://schemas.openxmlformats.org/presentationml/2006/main" xmlns:r="http://schemas.openxmlformats.org/officeDocument/2006/relationships" xmlns:p14="http://schemas.microsoft.com/office/powerpoint/2010/main" xmlns:p15="http://schemas.microsoft.com/office/powerpoint/2012/main" xmlns:mc="http://schemas.openxmlformats.org/markup-compatibility/2006" type="tx" preserve="1">
+<p:sldLayout xmlns:a="http://schemas.openxmlformats.org/drawingml/2006/main" xmlns:r="http://schemas.openxmlformats.org/officeDocument/2006/relationships" xmlns:p="http://schemas.openxmlformats.org/presentationml/2006/main" type="tx" preserve="1">
   <p:cSld name="Title Slide">
     <p:spTree>
       <p:nvGrpSpPr>
@@ -2937,16 +3233,17 @@
           </a:prstGeom>
         </p:spPr>
         <p:txBody>
-          <a:bodyPr lIns="0" rIns="0" tIns="0" bIns="0" anchor="ctr"/>
+          <a:bodyPr lIns="0" tIns="0" rIns="0" bIns="0" anchor="ctr"/>
+          <a:lstStyle/>
           <a:p>
             <a:pPr algn="ctr"/>
-            <a:endParaRPr b="0" lang="en-GB" sz="4400" spc="-1" strike="noStrike">
-              <a:solidFill>
-                <a:srgbClr val="000000"/>
-              </a:solidFill>
-              <a:uFill>
-                <a:solidFill>
-                  <a:srgbClr val="ffffff"/>
+            <a:endParaRPr lang="en-GB" sz="4400" b="0" strike="noStrike" spc="-1">
+              <a:solidFill>
+                <a:srgbClr val="000000"/>
+              </a:solidFill>
+              <a:uFill>
+                <a:solidFill>
+                  <a:srgbClr val="FFFFFF"/>
                 </a:solidFill>
               </a:uFill>
               <a:latin typeface="Arial"/>
@@ -2974,16 +3271,17 @@
           </a:prstGeom>
         </p:spPr>
         <p:txBody>
-          <a:bodyPr lIns="0" rIns="0" tIns="0" bIns="0" anchor="ctr"/>
+          <a:bodyPr lIns="0" tIns="0" rIns="0" bIns="0" anchor="ctr"/>
+          <a:lstStyle/>
           <a:p>
             <a:pPr algn="ctr"/>
-            <a:endParaRPr b="0" lang="en-GB" sz="3200" spc="-1" strike="noStrike">
-              <a:solidFill>
-                <a:srgbClr val="000000"/>
-              </a:solidFill>
-              <a:uFill>
-                <a:solidFill>
-                  <a:srgbClr val="ffffff"/>
+            <a:endParaRPr lang="en-GB" sz="3200" b="0" strike="noStrike" spc="-1">
+              <a:solidFill>
+                <a:srgbClr val="000000"/>
+              </a:solidFill>
+              <a:uFill>
+                <a:solidFill>
+                  <a:srgbClr val="FFFFFF"/>
                 </a:solidFill>
               </a:uFill>
               <a:latin typeface="Arial"/>
@@ -2993,11 +3291,14 @@
       </p:sp>
     </p:spTree>
   </p:cSld>
+  <p:clrMapOvr>
+    <a:masterClrMapping/>
+  </p:clrMapOvr>
 </p:sldLayout>
 </file>
 
 <file path=ppt/slideLayouts/slideLayout27.xml><?xml version="1.0" encoding="utf-8"?>
-<p:sldLayout xmlns:a="http://schemas.openxmlformats.org/drawingml/2006/main" xmlns:p="http://schemas.openxmlformats.org/presentationml/2006/main" xmlns:r="http://schemas.openxmlformats.org/officeDocument/2006/relationships" xmlns:p14="http://schemas.microsoft.com/office/powerpoint/2010/main" xmlns:p15="http://schemas.microsoft.com/office/powerpoint/2012/main" xmlns:mc="http://schemas.openxmlformats.org/markup-compatibility/2006" type="obj" preserve="1">
+<p:sldLayout xmlns:a="http://schemas.openxmlformats.org/drawingml/2006/main" xmlns:r="http://schemas.openxmlformats.org/officeDocument/2006/relationships" xmlns:p="http://schemas.openxmlformats.org/presentationml/2006/main" type="obj" preserve="1">
   <p:cSld name="Title, Content">
     <p:spTree>
       <p:nvGrpSpPr>
@@ -3033,16 +3334,17 @@
           </a:prstGeom>
         </p:spPr>
         <p:txBody>
-          <a:bodyPr lIns="0" rIns="0" tIns="0" bIns="0" anchor="ctr"/>
+          <a:bodyPr lIns="0" tIns="0" rIns="0" bIns="0" anchor="ctr"/>
+          <a:lstStyle/>
           <a:p>
             <a:pPr algn="ctr"/>
-            <a:endParaRPr b="0" lang="en-GB" sz="4400" spc="-1" strike="noStrike">
-              <a:solidFill>
-                <a:srgbClr val="000000"/>
-              </a:solidFill>
-              <a:uFill>
-                <a:solidFill>
-                  <a:srgbClr val="ffffff"/>
+            <a:endParaRPr lang="en-GB" sz="4400" b="0" strike="noStrike" spc="-1">
+              <a:solidFill>
+                <a:srgbClr val="000000"/>
+              </a:solidFill>
+              <a:uFill>
+                <a:solidFill>
+                  <a:srgbClr val="FFFFFF"/>
                 </a:solidFill>
               </a:uFill>
               <a:latin typeface="Arial"/>
@@ -3070,15 +3372,16 @@
           </a:prstGeom>
         </p:spPr>
         <p:txBody>
-          <a:bodyPr lIns="0" rIns="0" tIns="0" bIns="0"/>
-          <a:p>
-            <a:endParaRPr b="0" lang="en-GB" sz="3200" spc="-1" strike="noStrike">
-              <a:solidFill>
-                <a:srgbClr val="000000"/>
-              </a:solidFill>
-              <a:uFill>
-                <a:solidFill>
-                  <a:srgbClr val="ffffff"/>
+          <a:bodyPr lIns="0" tIns="0" rIns="0" bIns="0"/>
+          <a:lstStyle/>
+          <a:p>
+            <a:endParaRPr lang="en-GB" sz="3200" b="0" strike="noStrike" spc="-1">
+              <a:solidFill>
+                <a:srgbClr val="000000"/>
+              </a:solidFill>
+              <a:uFill>
+                <a:solidFill>
+                  <a:srgbClr val="FFFFFF"/>
                 </a:solidFill>
               </a:uFill>
               <a:latin typeface="Arial"/>
@@ -3088,11 +3391,14 @@
       </p:sp>
     </p:spTree>
   </p:cSld>
+  <p:clrMapOvr>
+    <a:masterClrMapping/>
+  </p:clrMapOvr>
 </p:sldLayout>
 </file>
 
 <file path=ppt/slideLayouts/slideLayout28.xml><?xml version="1.0" encoding="utf-8"?>
-<p:sldLayout xmlns:a="http://schemas.openxmlformats.org/drawingml/2006/main" xmlns:p="http://schemas.openxmlformats.org/presentationml/2006/main" xmlns:r="http://schemas.openxmlformats.org/officeDocument/2006/relationships" xmlns:p14="http://schemas.microsoft.com/office/powerpoint/2010/main" xmlns:p15="http://schemas.microsoft.com/office/powerpoint/2012/main" xmlns:mc="http://schemas.openxmlformats.org/markup-compatibility/2006" type="twoObj" preserve="1">
+<p:sldLayout xmlns:a="http://schemas.openxmlformats.org/drawingml/2006/main" xmlns:r="http://schemas.openxmlformats.org/officeDocument/2006/relationships" xmlns:p="http://schemas.openxmlformats.org/presentationml/2006/main" type="twoObj" preserve="1">
   <p:cSld name="Title, 2 Content">
     <p:spTree>
       <p:nvGrpSpPr>
@@ -3128,16 +3434,17 @@
           </a:prstGeom>
         </p:spPr>
         <p:txBody>
-          <a:bodyPr lIns="0" rIns="0" tIns="0" bIns="0" anchor="ctr"/>
+          <a:bodyPr lIns="0" tIns="0" rIns="0" bIns="0" anchor="ctr"/>
+          <a:lstStyle/>
           <a:p>
             <a:pPr algn="ctr"/>
-            <a:endParaRPr b="0" lang="en-GB" sz="4400" spc="-1" strike="noStrike">
-              <a:solidFill>
-                <a:srgbClr val="000000"/>
-              </a:solidFill>
-              <a:uFill>
-                <a:solidFill>
-                  <a:srgbClr val="ffffff"/>
+            <a:endParaRPr lang="en-GB" sz="4400" b="0" strike="noStrike" spc="-1">
+              <a:solidFill>
+                <a:srgbClr val="000000"/>
+              </a:solidFill>
+              <a:uFill>
+                <a:solidFill>
+                  <a:srgbClr val="FFFFFF"/>
                 </a:solidFill>
               </a:uFill>
               <a:latin typeface="Arial"/>
@@ -3165,15 +3472,16 @@
           </a:prstGeom>
         </p:spPr>
         <p:txBody>
-          <a:bodyPr lIns="0" rIns="0" tIns="0" bIns="0"/>
-          <a:p>
-            <a:endParaRPr b="0" lang="en-GB" sz="3200" spc="-1" strike="noStrike">
-              <a:solidFill>
-                <a:srgbClr val="000000"/>
-              </a:solidFill>
-              <a:uFill>
-                <a:solidFill>
-                  <a:srgbClr val="ffffff"/>
+          <a:bodyPr lIns="0" tIns="0" rIns="0" bIns="0"/>
+          <a:lstStyle/>
+          <a:p>
+            <a:endParaRPr lang="en-GB" sz="3200" b="0" strike="noStrike" spc="-1">
+              <a:solidFill>
+                <a:srgbClr val="000000"/>
+              </a:solidFill>
+              <a:uFill>
+                <a:solidFill>
+                  <a:srgbClr val="FFFFFF"/>
                 </a:solidFill>
               </a:uFill>
               <a:latin typeface="Arial"/>
@@ -3201,15 +3509,16 @@
           </a:prstGeom>
         </p:spPr>
         <p:txBody>
-          <a:bodyPr lIns="0" rIns="0" tIns="0" bIns="0"/>
-          <a:p>
-            <a:endParaRPr b="0" lang="en-GB" sz="3200" spc="-1" strike="noStrike">
-              <a:solidFill>
-                <a:srgbClr val="000000"/>
-              </a:solidFill>
-              <a:uFill>
-                <a:solidFill>
-                  <a:srgbClr val="ffffff"/>
+          <a:bodyPr lIns="0" tIns="0" rIns="0" bIns="0"/>
+          <a:lstStyle/>
+          <a:p>
+            <a:endParaRPr lang="en-GB" sz="3200" b="0" strike="noStrike" spc="-1">
+              <a:solidFill>
+                <a:srgbClr val="000000"/>
+              </a:solidFill>
+              <a:uFill>
+                <a:solidFill>
+                  <a:srgbClr val="FFFFFF"/>
                 </a:solidFill>
               </a:uFill>
               <a:latin typeface="Arial"/>
@@ -3219,11 +3528,14 @@
       </p:sp>
     </p:spTree>
   </p:cSld>
+  <p:clrMapOvr>
+    <a:masterClrMapping/>
+  </p:clrMapOvr>
 </p:sldLayout>
 </file>
 
 <file path=ppt/slideLayouts/slideLayout29.xml><?xml version="1.0" encoding="utf-8"?>
-<p:sldLayout xmlns:a="http://schemas.openxmlformats.org/drawingml/2006/main" xmlns:p="http://schemas.openxmlformats.org/presentationml/2006/main" xmlns:r="http://schemas.openxmlformats.org/officeDocument/2006/relationships" xmlns:p14="http://schemas.microsoft.com/office/powerpoint/2010/main" xmlns:p15="http://schemas.microsoft.com/office/powerpoint/2012/main" xmlns:mc="http://schemas.openxmlformats.org/markup-compatibility/2006" type="titleOnly" preserve="1">
+<p:sldLayout xmlns:a="http://schemas.openxmlformats.org/drawingml/2006/main" xmlns:r="http://schemas.openxmlformats.org/officeDocument/2006/relationships" xmlns:p="http://schemas.openxmlformats.org/presentationml/2006/main" type="titleOnly" preserve="1">
   <p:cSld name="Title Only">
     <p:spTree>
       <p:nvGrpSpPr>
@@ -3259,16 +3571,17 @@
           </a:prstGeom>
         </p:spPr>
         <p:txBody>
-          <a:bodyPr lIns="0" rIns="0" tIns="0" bIns="0" anchor="ctr"/>
+          <a:bodyPr lIns="0" tIns="0" rIns="0" bIns="0" anchor="ctr"/>
+          <a:lstStyle/>
           <a:p>
             <a:pPr algn="ctr"/>
-            <a:endParaRPr b="0" lang="en-GB" sz="4400" spc="-1" strike="noStrike">
-              <a:solidFill>
-                <a:srgbClr val="000000"/>
-              </a:solidFill>
-              <a:uFill>
-                <a:solidFill>
-                  <a:srgbClr val="ffffff"/>
+            <a:endParaRPr lang="en-GB" sz="4400" b="0" strike="noStrike" spc="-1">
+              <a:solidFill>
+                <a:srgbClr val="000000"/>
+              </a:solidFill>
+              <a:uFill>
+                <a:solidFill>
+                  <a:srgbClr val="FFFFFF"/>
                 </a:solidFill>
               </a:uFill>
               <a:latin typeface="Arial"/>
@@ -3278,11 +3591,14 @@
       </p:sp>
     </p:spTree>
   </p:cSld>
+  <p:clrMapOvr>
+    <a:masterClrMapping/>
+  </p:clrMapOvr>
 </p:sldLayout>
 </file>
 
 <file path=ppt/slideLayouts/slideLayout3.xml><?xml version="1.0" encoding="utf-8"?>
-<p:sldLayout xmlns:a="http://schemas.openxmlformats.org/drawingml/2006/main" xmlns:p="http://schemas.openxmlformats.org/presentationml/2006/main" xmlns:r="http://schemas.openxmlformats.org/officeDocument/2006/relationships" xmlns:p14="http://schemas.microsoft.com/office/powerpoint/2010/main" xmlns:p15="http://schemas.microsoft.com/office/powerpoint/2012/main" xmlns:mc="http://schemas.openxmlformats.org/markup-compatibility/2006" type="obj" preserve="1">
+<p:sldLayout xmlns:a="http://schemas.openxmlformats.org/drawingml/2006/main" xmlns:r="http://schemas.openxmlformats.org/officeDocument/2006/relationships" xmlns:p="http://schemas.openxmlformats.org/presentationml/2006/main" type="obj" preserve="1">
   <p:cSld name="Title, Content">
     <p:spTree>
       <p:nvGrpSpPr>
@@ -3318,16 +3634,17 @@
           </a:prstGeom>
         </p:spPr>
         <p:txBody>
-          <a:bodyPr lIns="0" rIns="0" tIns="0" bIns="0" anchor="ctr"/>
+          <a:bodyPr lIns="0" tIns="0" rIns="0" bIns="0" anchor="ctr"/>
+          <a:lstStyle/>
           <a:p>
             <a:pPr algn="ctr"/>
-            <a:endParaRPr b="0" lang="en-GB" sz="4400" spc="-1" strike="noStrike">
-              <a:solidFill>
-                <a:srgbClr val="000000"/>
-              </a:solidFill>
-              <a:uFill>
-                <a:solidFill>
-                  <a:srgbClr val="ffffff"/>
+            <a:endParaRPr lang="en-GB" sz="4400" b="0" strike="noStrike" spc="-1">
+              <a:solidFill>
+                <a:srgbClr val="000000"/>
+              </a:solidFill>
+              <a:uFill>
+                <a:solidFill>
+                  <a:srgbClr val="FFFFFF"/>
                 </a:solidFill>
               </a:uFill>
               <a:latin typeface="Arial"/>
@@ -3355,15 +3672,16 @@
           </a:prstGeom>
         </p:spPr>
         <p:txBody>
-          <a:bodyPr lIns="0" rIns="0" tIns="0" bIns="0"/>
-          <a:p>
-            <a:endParaRPr b="0" lang="en-GB" sz="3200" spc="-1" strike="noStrike">
-              <a:solidFill>
-                <a:srgbClr val="000000"/>
-              </a:solidFill>
-              <a:uFill>
-                <a:solidFill>
-                  <a:srgbClr val="ffffff"/>
+          <a:bodyPr lIns="0" tIns="0" rIns="0" bIns="0"/>
+          <a:lstStyle/>
+          <a:p>
+            <a:endParaRPr lang="en-GB" sz="3200" b="0" strike="noStrike" spc="-1">
+              <a:solidFill>
+                <a:srgbClr val="000000"/>
+              </a:solidFill>
+              <a:uFill>
+                <a:solidFill>
+                  <a:srgbClr val="FFFFFF"/>
                 </a:solidFill>
               </a:uFill>
               <a:latin typeface="Arial"/>
@@ -3373,11 +3691,14 @@
       </p:sp>
     </p:spTree>
   </p:cSld>
+  <p:clrMapOvr>
+    <a:masterClrMapping/>
+  </p:clrMapOvr>
 </p:sldLayout>
 </file>
 
 <file path=ppt/slideLayouts/slideLayout30.xml><?xml version="1.0" encoding="utf-8"?>
-<p:sldLayout xmlns:a="http://schemas.openxmlformats.org/drawingml/2006/main" xmlns:p="http://schemas.openxmlformats.org/presentationml/2006/main" xmlns:r="http://schemas.openxmlformats.org/officeDocument/2006/relationships" xmlns:p14="http://schemas.microsoft.com/office/powerpoint/2010/main" xmlns:p15="http://schemas.microsoft.com/office/powerpoint/2012/main" xmlns:mc="http://schemas.openxmlformats.org/markup-compatibility/2006" type="objOnly" preserve="1">
+<p:sldLayout xmlns:a="http://schemas.openxmlformats.org/drawingml/2006/main" xmlns:r="http://schemas.openxmlformats.org/officeDocument/2006/relationships" xmlns:p="http://schemas.openxmlformats.org/presentationml/2006/main" type="objOnly" preserve="1">
   <p:cSld name="Centered Text">
     <p:spTree>
       <p:nvGrpSpPr>
@@ -3413,16 +3734,17 @@
           </a:prstGeom>
         </p:spPr>
         <p:txBody>
-          <a:bodyPr lIns="0" rIns="0" tIns="0" bIns="0" anchor="ctr"/>
+          <a:bodyPr lIns="0" tIns="0" rIns="0" bIns="0" anchor="ctr"/>
+          <a:lstStyle/>
           <a:p>
             <a:pPr algn="ctr"/>
-            <a:endParaRPr b="0" lang="en-GB" sz="3200" spc="-1" strike="noStrike">
-              <a:solidFill>
-                <a:srgbClr val="000000"/>
-              </a:solidFill>
-              <a:uFill>
-                <a:solidFill>
-                  <a:srgbClr val="ffffff"/>
+            <a:endParaRPr lang="en-GB" sz="3200" b="0" strike="noStrike" spc="-1">
+              <a:solidFill>
+                <a:srgbClr val="000000"/>
+              </a:solidFill>
+              <a:uFill>
+                <a:solidFill>
+                  <a:srgbClr val="FFFFFF"/>
                 </a:solidFill>
               </a:uFill>
               <a:latin typeface="Arial"/>
@@ -3432,11 +3754,14 @@
       </p:sp>
     </p:spTree>
   </p:cSld>
+  <p:clrMapOvr>
+    <a:masterClrMapping/>
+  </p:clrMapOvr>
 </p:sldLayout>
 </file>
 
 <file path=ppt/slideLayouts/slideLayout31.xml><?xml version="1.0" encoding="utf-8"?>
-<p:sldLayout xmlns:a="http://schemas.openxmlformats.org/drawingml/2006/main" xmlns:p="http://schemas.openxmlformats.org/presentationml/2006/main" xmlns:r="http://schemas.openxmlformats.org/officeDocument/2006/relationships" xmlns:p14="http://schemas.microsoft.com/office/powerpoint/2010/main" xmlns:p15="http://schemas.microsoft.com/office/powerpoint/2012/main" xmlns:mc="http://schemas.openxmlformats.org/markup-compatibility/2006" type="twoObjAndObj" preserve="1">
+<p:sldLayout xmlns:a="http://schemas.openxmlformats.org/drawingml/2006/main" xmlns:r="http://schemas.openxmlformats.org/officeDocument/2006/relationships" xmlns:p="http://schemas.openxmlformats.org/presentationml/2006/main" type="twoObjAndObj" preserve="1">
   <p:cSld name="Title, 2 Content and Content">
     <p:spTree>
       <p:nvGrpSpPr>
@@ -3472,16 +3797,17 @@
           </a:prstGeom>
         </p:spPr>
         <p:txBody>
-          <a:bodyPr lIns="0" rIns="0" tIns="0" bIns="0" anchor="ctr"/>
+          <a:bodyPr lIns="0" tIns="0" rIns="0" bIns="0" anchor="ctr"/>
+          <a:lstStyle/>
           <a:p>
             <a:pPr algn="ctr"/>
-            <a:endParaRPr b="0" lang="en-GB" sz="4400" spc="-1" strike="noStrike">
-              <a:solidFill>
-                <a:srgbClr val="000000"/>
-              </a:solidFill>
-              <a:uFill>
-                <a:solidFill>
-                  <a:srgbClr val="ffffff"/>
+            <a:endParaRPr lang="en-GB" sz="4400" b="0" strike="noStrike" spc="-1">
+              <a:solidFill>
+                <a:srgbClr val="000000"/>
+              </a:solidFill>
+              <a:uFill>
+                <a:solidFill>
+                  <a:srgbClr val="FFFFFF"/>
                 </a:solidFill>
               </a:uFill>
               <a:latin typeface="Arial"/>
@@ -3509,15 +3835,16 @@
           </a:prstGeom>
         </p:spPr>
         <p:txBody>
-          <a:bodyPr lIns="0" rIns="0" tIns="0" bIns="0"/>
-          <a:p>
-            <a:endParaRPr b="0" lang="en-GB" sz="3200" spc="-1" strike="noStrike">
-              <a:solidFill>
-                <a:srgbClr val="000000"/>
-              </a:solidFill>
-              <a:uFill>
-                <a:solidFill>
-                  <a:srgbClr val="ffffff"/>
+          <a:bodyPr lIns="0" tIns="0" rIns="0" bIns="0"/>
+          <a:lstStyle/>
+          <a:p>
+            <a:endParaRPr lang="en-GB" sz="3200" b="0" strike="noStrike" spc="-1">
+              <a:solidFill>
+                <a:srgbClr val="000000"/>
+              </a:solidFill>
+              <a:uFill>
+                <a:solidFill>
+                  <a:srgbClr val="FFFFFF"/>
                 </a:solidFill>
               </a:uFill>
               <a:latin typeface="Arial"/>
@@ -3545,15 +3872,16 @@
           </a:prstGeom>
         </p:spPr>
         <p:txBody>
-          <a:bodyPr lIns="0" rIns="0" tIns="0" bIns="0"/>
-          <a:p>
-            <a:endParaRPr b="0" lang="en-GB" sz="3200" spc="-1" strike="noStrike">
-              <a:solidFill>
-                <a:srgbClr val="000000"/>
-              </a:solidFill>
-              <a:uFill>
-                <a:solidFill>
-                  <a:srgbClr val="ffffff"/>
+          <a:bodyPr lIns="0" tIns="0" rIns="0" bIns="0"/>
+          <a:lstStyle/>
+          <a:p>
+            <a:endParaRPr lang="en-GB" sz="3200" b="0" strike="noStrike" spc="-1">
+              <a:solidFill>
+                <a:srgbClr val="000000"/>
+              </a:solidFill>
+              <a:uFill>
+                <a:solidFill>
+                  <a:srgbClr val="FFFFFF"/>
                 </a:solidFill>
               </a:uFill>
               <a:latin typeface="Arial"/>
@@ -3581,15 +3909,16 @@
           </a:prstGeom>
         </p:spPr>
         <p:txBody>
-          <a:bodyPr lIns="0" rIns="0" tIns="0" bIns="0"/>
-          <a:p>
-            <a:endParaRPr b="0" lang="en-GB" sz="3200" spc="-1" strike="noStrike">
-              <a:solidFill>
-                <a:srgbClr val="000000"/>
-              </a:solidFill>
-              <a:uFill>
-                <a:solidFill>
-                  <a:srgbClr val="ffffff"/>
+          <a:bodyPr lIns="0" tIns="0" rIns="0" bIns="0"/>
+          <a:lstStyle/>
+          <a:p>
+            <a:endParaRPr lang="en-GB" sz="3200" b="0" strike="noStrike" spc="-1">
+              <a:solidFill>
+                <a:srgbClr val="000000"/>
+              </a:solidFill>
+              <a:uFill>
+                <a:solidFill>
+                  <a:srgbClr val="FFFFFF"/>
                 </a:solidFill>
               </a:uFill>
               <a:latin typeface="Arial"/>
@@ -3599,11 +3928,14 @@
       </p:sp>
     </p:spTree>
   </p:cSld>
+  <p:clrMapOvr>
+    <a:masterClrMapping/>
+  </p:clrMapOvr>
 </p:sldLayout>
 </file>
 
 <file path=ppt/slideLayouts/slideLayout32.xml><?xml version="1.0" encoding="utf-8"?>
-<p:sldLayout xmlns:a="http://schemas.openxmlformats.org/drawingml/2006/main" xmlns:p="http://schemas.openxmlformats.org/presentationml/2006/main" xmlns:r="http://schemas.openxmlformats.org/officeDocument/2006/relationships" xmlns:p14="http://schemas.microsoft.com/office/powerpoint/2010/main" xmlns:p15="http://schemas.microsoft.com/office/powerpoint/2012/main" xmlns:mc="http://schemas.openxmlformats.org/markup-compatibility/2006" type="objAndTwoObj" preserve="1">
+<p:sldLayout xmlns:a="http://schemas.openxmlformats.org/drawingml/2006/main" xmlns:r="http://schemas.openxmlformats.org/officeDocument/2006/relationships" xmlns:p="http://schemas.openxmlformats.org/presentationml/2006/main" type="objAndTwoObj" preserve="1">
   <p:cSld name="Title Content and 2 Content">
     <p:spTree>
       <p:nvGrpSpPr>
@@ -3639,16 +3971,17 @@
           </a:prstGeom>
         </p:spPr>
         <p:txBody>
-          <a:bodyPr lIns="0" rIns="0" tIns="0" bIns="0" anchor="ctr"/>
+          <a:bodyPr lIns="0" tIns="0" rIns="0" bIns="0" anchor="ctr"/>
+          <a:lstStyle/>
           <a:p>
             <a:pPr algn="ctr"/>
-            <a:endParaRPr b="0" lang="en-GB" sz="4400" spc="-1" strike="noStrike">
-              <a:solidFill>
-                <a:srgbClr val="000000"/>
-              </a:solidFill>
-              <a:uFill>
-                <a:solidFill>
-                  <a:srgbClr val="ffffff"/>
+            <a:endParaRPr lang="en-GB" sz="4400" b="0" strike="noStrike" spc="-1">
+              <a:solidFill>
+                <a:srgbClr val="000000"/>
+              </a:solidFill>
+              <a:uFill>
+                <a:solidFill>
+                  <a:srgbClr val="FFFFFF"/>
                 </a:solidFill>
               </a:uFill>
               <a:latin typeface="Arial"/>
@@ -3676,15 +4009,16 @@
           </a:prstGeom>
         </p:spPr>
         <p:txBody>
-          <a:bodyPr lIns="0" rIns="0" tIns="0" bIns="0"/>
-          <a:p>
-            <a:endParaRPr b="0" lang="en-GB" sz="3200" spc="-1" strike="noStrike">
-              <a:solidFill>
-                <a:srgbClr val="000000"/>
-              </a:solidFill>
-              <a:uFill>
-                <a:solidFill>
-                  <a:srgbClr val="ffffff"/>
+          <a:bodyPr lIns="0" tIns="0" rIns="0" bIns="0"/>
+          <a:lstStyle/>
+          <a:p>
+            <a:endParaRPr lang="en-GB" sz="3200" b="0" strike="noStrike" spc="-1">
+              <a:solidFill>
+                <a:srgbClr val="000000"/>
+              </a:solidFill>
+              <a:uFill>
+                <a:solidFill>
+                  <a:srgbClr val="FFFFFF"/>
                 </a:solidFill>
               </a:uFill>
               <a:latin typeface="Arial"/>
@@ -3712,15 +4046,16 @@
           </a:prstGeom>
         </p:spPr>
         <p:txBody>
-          <a:bodyPr lIns="0" rIns="0" tIns="0" bIns="0"/>
-          <a:p>
-            <a:endParaRPr b="0" lang="en-GB" sz="3200" spc="-1" strike="noStrike">
-              <a:solidFill>
-                <a:srgbClr val="000000"/>
-              </a:solidFill>
-              <a:uFill>
-                <a:solidFill>
-                  <a:srgbClr val="ffffff"/>
+          <a:bodyPr lIns="0" tIns="0" rIns="0" bIns="0"/>
+          <a:lstStyle/>
+          <a:p>
+            <a:endParaRPr lang="en-GB" sz="3200" b="0" strike="noStrike" spc="-1">
+              <a:solidFill>
+                <a:srgbClr val="000000"/>
+              </a:solidFill>
+              <a:uFill>
+                <a:solidFill>
+                  <a:srgbClr val="FFFFFF"/>
                 </a:solidFill>
               </a:uFill>
               <a:latin typeface="Arial"/>
@@ -3748,15 +4083,16 @@
           </a:prstGeom>
         </p:spPr>
         <p:txBody>
-          <a:bodyPr lIns="0" rIns="0" tIns="0" bIns="0"/>
-          <a:p>
-            <a:endParaRPr b="0" lang="en-GB" sz="3200" spc="-1" strike="noStrike">
-              <a:solidFill>
-                <a:srgbClr val="000000"/>
-              </a:solidFill>
-              <a:uFill>
-                <a:solidFill>
-                  <a:srgbClr val="ffffff"/>
+          <a:bodyPr lIns="0" tIns="0" rIns="0" bIns="0"/>
+          <a:lstStyle/>
+          <a:p>
+            <a:endParaRPr lang="en-GB" sz="3200" b="0" strike="noStrike" spc="-1">
+              <a:solidFill>
+                <a:srgbClr val="000000"/>
+              </a:solidFill>
+              <a:uFill>
+                <a:solidFill>
+                  <a:srgbClr val="FFFFFF"/>
                 </a:solidFill>
               </a:uFill>
               <a:latin typeface="Arial"/>
@@ -3766,11 +4102,14 @@
       </p:sp>
     </p:spTree>
   </p:cSld>
+  <p:clrMapOvr>
+    <a:masterClrMapping/>
+  </p:clrMapOvr>
 </p:sldLayout>
 </file>
 
 <file path=ppt/slideLayouts/slideLayout33.xml><?xml version="1.0" encoding="utf-8"?>
-<p:sldLayout xmlns:a="http://schemas.openxmlformats.org/drawingml/2006/main" xmlns:p="http://schemas.openxmlformats.org/presentationml/2006/main" xmlns:r="http://schemas.openxmlformats.org/officeDocument/2006/relationships" xmlns:p14="http://schemas.microsoft.com/office/powerpoint/2010/main" xmlns:p15="http://schemas.microsoft.com/office/powerpoint/2012/main" xmlns:mc="http://schemas.openxmlformats.org/markup-compatibility/2006" type="twoObjOverTx" preserve="1">
+<p:sldLayout xmlns:a="http://schemas.openxmlformats.org/drawingml/2006/main" xmlns:r="http://schemas.openxmlformats.org/officeDocument/2006/relationships" xmlns:p="http://schemas.openxmlformats.org/presentationml/2006/main" type="twoObjOverTx" preserve="1">
   <p:cSld name="Title, 2 Content over Content">
     <p:spTree>
       <p:nvGrpSpPr>
@@ -3806,16 +4145,17 @@
           </a:prstGeom>
         </p:spPr>
         <p:txBody>
-          <a:bodyPr lIns="0" rIns="0" tIns="0" bIns="0" anchor="ctr"/>
+          <a:bodyPr lIns="0" tIns="0" rIns="0" bIns="0" anchor="ctr"/>
+          <a:lstStyle/>
           <a:p>
             <a:pPr algn="ctr"/>
-            <a:endParaRPr b="0" lang="en-GB" sz="4400" spc="-1" strike="noStrike">
-              <a:solidFill>
-                <a:srgbClr val="000000"/>
-              </a:solidFill>
-              <a:uFill>
-                <a:solidFill>
-                  <a:srgbClr val="ffffff"/>
+            <a:endParaRPr lang="en-GB" sz="4400" b="0" strike="noStrike" spc="-1">
+              <a:solidFill>
+                <a:srgbClr val="000000"/>
+              </a:solidFill>
+              <a:uFill>
+                <a:solidFill>
+                  <a:srgbClr val="FFFFFF"/>
                 </a:solidFill>
               </a:uFill>
               <a:latin typeface="Arial"/>
@@ -3843,15 +4183,16 @@
           </a:prstGeom>
         </p:spPr>
         <p:txBody>
-          <a:bodyPr lIns="0" rIns="0" tIns="0" bIns="0"/>
-          <a:p>
-            <a:endParaRPr b="0" lang="en-GB" sz="3200" spc="-1" strike="noStrike">
-              <a:solidFill>
-                <a:srgbClr val="000000"/>
-              </a:solidFill>
-              <a:uFill>
-                <a:solidFill>
-                  <a:srgbClr val="ffffff"/>
+          <a:bodyPr lIns="0" tIns="0" rIns="0" bIns="0"/>
+          <a:lstStyle/>
+          <a:p>
+            <a:endParaRPr lang="en-GB" sz="3200" b="0" strike="noStrike" spc="-1">
+              <a:solidFill>
+                <a:srgbClr val="000000"/>
+              </a:solidFill>
+              <a:uFill>
+                <a:solidFill>
+                  <a:srgbClr val="FFFFFF"/>
                 </a:solidFill>
               </a:uFill>
               <a:latin typeface="Arial"/>
@@ -3879,15 +4220,16 @@
           </a:prstGeom>
         </p:spPr>
         <p:txBody>
-          <a:bodyPr lIns="0" rIns="0" tIns="0" bIns="0"/>
-          <a:p>
-            <a:endParaRPr b="0" lang="en-GB" sz="3200" spc="-1" strike="noStrike">
-              <a:solidFill>
-                <a:srgbClr val="000000"/>
-              </a:solidFill>
-              <a:uFill>
-                <a:solidFill>
-                  <a:srgbClr val="ffffff"/>
+          <a:bodyPr lIns="0" tIns="0" rIns="0" bIns="0"/>
+          <a:lstStyle/>
+          <a:p>
+            <a:endParaRPr lang="en-GB" sz="3200" b="0" strike="noStrike" spc="-1">
+              <a:solidFill>
+                <a:srgbClr val="000000"/>
+              </a:solidFill>
+              <a:uFill>
+                <a:solidFill>
+                  <a:srgbClr val="FFFFFF"/>
                 </a:solidFill>
               </a:uFill>
               <a:latin typeface="Arial"/>
@@ -3915,15 +4257,16 @@
           </a:prstGeom>
         </p:spPr>
         <p:txBody>
-          <a:bodyPr lIns="0" rIns="0" tIns="0" bIns="0"/>
-          <a:p>
-            <a:endParaRPr b="0" lang="en-GB" sz="3200" spc="-1" strike="noStrike">
-              <a:solidFill>
-                <a:srgbClr val="000000"/>
-              </a:solidFill>
-              <a:uFill>
-                <a:solidFill>
-                  <a:srgbClr val="ffffff"/>
+          <a:bodyPr lIns="0" tIns="0" rIns="0" bIns="0"/>
+          <a:lstStyle/>
+          <a:p>
+            <a:endParaRPr lang="en-GB" sz="3200" b="0" strike="noStrike" spc="-1">
+              <a:solidFill>
+                <a:srgbClr val="000000"/>
+              </a:solidFill>
+              <a:uFill>
+                <a:solidFill>
+                  <a:srgbClr val="FFFFFF"/>
                 </a:solidFill>
               </a:uFill>
               <a:latin typeface="Arial"/>
@@ -3933,11 +4276,14 @@
       </p:sp>
     </p:spTree>
   </p:cSld>
+  <p:clrMapOvr>
+    <a:masterClrMapping/>
+  </p:clrMapOvr>
 </p:sldLayout>
 </file>
 
 <file path=ppt/slideLayouts/slideLayout34.xml><?xml version="1.0" encoding="utf-8"?>
-<p:sldLayout xmlns:a="http://schemas.openxmlformats.org/drawingml/2006/main" xmlns:p="http://schemas.openxmlformats.org/presentationml/2006/main" xmlns:r="http://schemas.openxmlformats.org/officeDocument/2006/relationships" xmlns:p14="http://schemas.microsoft.com/office/powerpoint/2010/main" xmlns:p15="http://schemas.microsoft.com/office/powerpoint/2012/main" xmlns:mc="http://schemas.openxmlformats.org/markup-compatibility/2006" type="objOverTx" preserve="1">
+<p:sldLayout xmlns:a="http://schemas.openxmlformats.org/drawingml/2006/main" xmlns:r="http://schemas.openxmlformats.org/officeDocument/2006/relationships" xmlns:p="http://schemas.openxmlformats.org/presentationml/2006/main" type="objOverTx" preserve="1">
   <p:cSld name="Title, Content over Content">
     <p:spTree>
       <p:nvGrpSpPr>
@@ -3973,16 +4319,17 @@
           </a:prstGeom>
         </p:spPr>
         <p:txBody>
-          <a:bodyPr lIns="0" rIns="0" tIns="0" bIns="0" anchor="ctr"/>
+          <a:bodyPr lIns="0" tIns="0" rIns="0" bIns="0" anchor="ctr"/>
+          <a:lstStyle/>
           <a:p>
             <a:pPr algn="ctr"/>
-            <a:endParaRPr b="0" lang="en-GB" sz="4400" spc="-1" strike="noStrike">
-              <a:solidFill>
-                <a:srgbClr val="000000"/>
-              </a:solidFill>
-              <a:uFill>
-                <a:solidFill>
-                  <a:srgbClr val="ffffff"/>
+            <a:endParaRPr lang="en-GB" sz="4400" b="0" strike="noStrike" spc="-1">
+              <a:solidFill>
+                <a:srgbClr val="000000"/>
+              </a:solidFill>
+              <a:uFill>
+                <a:solidFill>
+                  <a:srgbClr val="FFFFFF"/>
                 </a:solidFill>
               </a:uFill>
               <a:latin typeface="Arial"/>
@@ -4010,15 +4357,16 @@
           </a:prstGeom>
         </p:spPr>
         <p:txBody>
-          <a:bodyPr lIns="0" rIns="0" tIns="0" bIns="0"/>
-          <a:p>
-            <a:endParaRPr b="0" lang="en-GB" sz="3200" spc="-1" strike="noStrike">
-              <a:solidFill>
-                <a:srgbClr val="000000"/>
-              </a:solidFill>
-              <a:uFill>
-                <a:solidFill>
-                  <a:srgbClr val="ffffff"/>
+          <a:bodyPr lIns="0" tIns="0" rIns="0" bIns="0"/>
+          <a:lstStyle/>
+          <a:p>
+            <a:endParaRPr lang="en-GB" sz="3200" b="0" strike="noStrike" spc="-1">
+              <a:solidFill>
+                <a:srgbClr val="000000"/>
+              </a:solidFill>
+              <a:uFill>
+                <a:solidFill>
+                  <a:srgbClr val="FFFFFF"/>
                 </a:solidFill>
               </a:uFill>
               <a:latin typeface="Arial"/>
@@ -4046,15 +4394,16 @@
           </a:prstGeom>
         </p:spPr>
         <p:txBody>
-          <a:bodyPr lIns="0" rIns="0" tIns="0" bIns="0"/>
-          <a:p>
-            <a:endParaRPr b="0" lang="en-GB" sz="3200" spc="-1" strike="noStrike">
-              <a:solidFill>
-                <a:srgbClr val="000000"/>
-              </a:solidFill>
-              <a:uFill>
-                <a:solidFill>
-                  <a:srgbClr val="ffffff"/>
+          <a:bodyPr lIns="0" tIns="0" rIns="0" bIns="0"/>
+          <a:lstStyle/>
+          <a:p>
+            <a:endParaRPr lang="en-GB" sz="3200" b="0" strike="noStrike" spc="-1">
+              <a:solidFill>
+                <a:srgbClr val="000000"/>
+              </a:solidFill>
+              <a:uFill>
+                <a:solidFill>
+                  <a:srgbClr val="FFFFFF"/>
                 </a:solidFill>
               </a:uFill>
               <a:latin typeface="Arial"/>
@@ -4064,11 +4413,14 @@
       </p:sp>
     </p:spTree>
   </p:cSld>
+  <p:clrMapOvr>
+    <a:masterClrMapping/>
+  </p:clrMapOvr>
 </p:sldLayout>
 </file>
 
 <file path=ppt/slideLayouts/slideLayout35.xml><?xml version="1.0" encoding="utf-8"?>
-<p:sldLayout xmlns:a="http://schemas.openxmlformats.org/drawingml/2006/main" xmlns:p="http://schemas.openxmlformats.org/presentationml/2006/main" xmlns:r="http://schemas.openxmlformats.org/officeDocument/2006/relationships" xmlns:p14="http://schemas.microsoft.com/office/powerpoint/2010/main" xmlns:p15="http://schemas.microsoft.com/office/powerpoint/2012/main" xmlns:mc="http://schemas.openxmlformats.org/markup-compatibility/2006" type="fourObj" preserve="1">
+<p:sldLayout xmlns:a="http://schemas.openxmlformats.org/drawingml/2006/main" xmlns:r="http://schemas.openxmlformats.org/officeDocument/2006/relationships" xmlns:p="http://schemas.openxmlformats.org/presentationml/2006/main" type="fourObj" preserve="1">
   <p:cSld name="Title, 4 Content">
     <p:spTree>
       <p:nvGrpSpPr>
@@ -4104,16 +4456,17 @@
           </a:prstGeom>
         </p:spPr>
         <p:txBody>
-          <a:bodyPr lIns="0" rIns="0" tIns="0" bIns="0" anchor="ctr"/>
+          <a:bodyPr lIns="0" tIns="0" rIns="0" bIns="0" anchor="ctr"/>
+          <a:lstStyle/>
           <a:p>
             <a:pPr algn="ctr"/>
-            <a:endParaRPr b="0" lang="en-GB" sz="4400" spc="-1" strike="noStrike">
-              <a:solidFill>
-                <a:srgbClr val="000000"/>
-              </a:solidFill>
-              <a:uFill>
-                <a:solidFill>
-                  <a:srgbClr val="ffffff"/>
+            <a:endParaRPr lang="en-GB" sz="4400" b="0" strike="noStrike" spc="-1">
+              <a:solidFill>
+                <a:srgbClr val="000000"/>
+              </a:solidFill>
+              <a:uFill>
+                <a:solidFill>
+                  <a:srgbClr val="FFFFFF"/>
                 </a:solidFill>
               </a:uFill>
               <a:latin typeface="Arial"/>
@@ -4141,15 +4494,16 @@
           </a:prstGeom>
         </p:spPr>
         <p:txBody>
-          <a:bodyPr lIns="0" rIns="0" tIns="0" bIns="0"/>
-          <a:p>
-            <a:endParaRPr b="0" lang="en-GB" sz="3200" spc="-1" strike="noStrike">
-              <a:solidFill>
-                <a:srgbClr val="000000"/>
-              </a:solidFill>
-              <a:uFill>
-                <a:solidFill>
-                  <a:srgbClr val="ffffff"/>
+          <a:bodyPr lIns="0" tIns="0" rIns="0" bIns="0"/>
+          <a:lstStyle/>
+          <a:p>
+            <a:endParaRPr lang="en-GB" sz="3200" b="0" strike="noStrike" spc="-1">
+              <a:solidFill>
+                <a:srgbClr val="000000"/>
+              </a:solidFill>
+              <a:uFill>
+                <a:solidFill>
+                  <a:srgbClr val="FFFFFF"/>
                 </a:solidFill>
               </a:uFill>
               <a:latin typeface="Arial"/>
@@ -4177,15 +4531,16 @@
           </a:prstGeom>
         </p:spPr>
         <p:txBody>
-          <a:bodyPr lIns="0" rIns="0" tIns="0" bIns="0"/>
-          <a:p>
-            <a:endParaRPr b="0" lang="en-GB" sz="3200" spc="-1" strike="noStrike">
-              <a:solidFill>
-                <a:srgbClr val="000000"/>
-              </a:solidFill>
-              <a:uFill>
-                <a:solidFill>
-                  <a:srgbClr val="ffffff"/>
+          <a:bodyPr lIns="0" tIns="0" rIns="0" bIns="0"/>
+          <a:lstStyle/>
+          <a:p>
+            <a:endParaRPr lang="en-GB" sz="3200" b="0" strike="noStrike" spc="-1">
+              <a:solidFill>
+                <a:srgbClr val="000000"/>
+              </a:solidFill>
+              <a:uFill>
+                <a:solidFill>
+                  <a:srgbClr val="FFFFFF"/>
                 </a:solidFill>
               </a:uFill>
               <a:latin typeface="Arial"/>
@@ -4213,15 +4568,16 @@
           </a:prstGeom>
         </p:spPr>
         <p:txBody>
-          <a:bodyPr lIns="0" rIns="0" tIns="0" bIns="0"/>
-          <a:p>
-            <a:endParaRPr b="0" lang="en-GB" sz="3200" spc="-1" strike="noStrike">
-              <a:solidFill>
-                <a:srgbClr val="000000"/>
-              </a:solidFill>
-              <a:uFill>
-                <a:solidFill>
-                  <a:srgbClr val="ffffff"/>
+          <a:bodyPr lIns="0" tIns="0" rIns="0" bIns="0"/>
+          <a:lstStyle/>
+          <a:p>
+            <a:endParaRPr lang="en-GB" sz="3200" b="0" strike="noStrike" spc="-1">
+              <a:solidFill>
+                <a:srgbClr val="000000"/>
+              </a:solidFill>
+              <a:uFill>
+                <a:solidFill>
+                  <a:srgbClr val="FFFFFF"/>
                 </a:solidFill>
               </a:uFill>
               <a:latin typeface="Arial"/>
@@ -4249,15 +4605,16 @@
           </a:prstGeom>
         </p:spPr>
         <p:txBody>
-          <a:bodyPr lIns="0" rIns="0" tIns="0" bIns="0"/>
-          <a:p>
-            <a:endParaRPr b="0" lang="en-GB" sz="3200" spc="-1" strike="noStrike">
-              <a:solidFill>
-                <a:srgbClr val="000000"/>
-              </a:solidFill>
-              <a:uFill>
-                <a:solidFill>
-                  <a:srgbClr val="ffffff"/>
+          <a:bodyPr lIns="0" tIns="0" rIns="0" bIns="0"/>
+          <a:lstStyle/>
+          <a:p>
+            <a:endParaRPr lang="en-GB" sz="3200" b="0" strike="noStrike" spc="-1">
+              <a:solidFill>
+                <a:srgbClr val="000000"/>
+              </a:solidFill>
+              <a:uFill>
+                <a:solidFill>
+                  <a:srgbClr val="FFFFFF"/>
                 </a:solidFill>
               </a:uFill>
               <a:latin typeface="Arial"/>
@@ -4267,11 +4624,14 @@
       </p:sp>
     </p:spTree>
   </p:cSld>
+  <p:clrMapOvr>
+    <a:masterClrMapping/>
+  </p:clrMapOvr>
 </p:sldLayout>
 </file>
 
 <file path=ppt/slideLayouts/slideLayout36.xml><?xml version="1.0" encoding="utf-8"?>
-<p:sldLayout xmlns:a="http://schemas.openxmlformats.org/drawingml/2006/main" xmlns:p="http://schemas.openxmlformats.org/presentationml/2006/main" xmlns:r="http://schemas.openxmlformats.org/officeDocument/2006/relationships" xmlns:p14="http://schemas.microsoft.com/office/powerpoint/2010/main" xmlns:p15="http://schemas.microsoft.com/office/powerpoint/2012/main" xmlns:mc="http://schemas.openxmlformats.org/markup-compatibility/2006" type="blank" preserve="1">
+<p:sldLayout xmlns:a="http://schemas.openxmlformats.org/drawingml/2006/main" xmlns:r="http://schemas.openxmlformats.org/officeDocument/2006/relationships" xmlns:p="http://schemas.openxmlformats.org/presentationml/2006/main" type="blank" preserve="1">
   <p:cSld name="Title, 6 Content">
     <p:spTree>
       <p:nvGrpSpPr>
@@ -4307,16 +4667,17 @@
           </a:prstGeom>
         </p:spPr>
         <p:txBody>
-          <a:bodyPr lIns="0" rIns="0" tIns="0" bIns="0" anchor="ctr"/>
+          <a:bodyPr lIns="0" tIns="0" rIns="0" bIns="0" anchor="ctr"/>
+          <a:lstStyle/>
           <a:p>
             <a:pPr algn="ctr"/>
-            <a:endParaRPr b="0" lang="en-GB" sz="4400" spc="-1" strike="noStrike">
-              <a:solidFill>
-                <a:srgbClr val="000000"/>
-              </a:solidFill>
-              <a:uFill>
-                <a:solidFill>
-                  <a:srgbClr val="ffffff"/>
+            <a:endParaRPr lang="en-GB" sz="4400" b="0" strike="noStrike" spc="-1">
+              <a:solidFill>
+                <a:srgbClr val="000000"/>
+              </a:solidFill>
+              <a:uFill>
+                <a:solidFill>
+                  <a:srgbClr val="FFFFFF"/>
                 </a:solidFill>
               </a:uFill>
               <a:latin typeface="Arial"/>
@@ -4344,15 +4705,16 @@
           </a:prstGeom>
         </p:spPr>
         <p:txBody>
-          <a:bodyPr lIns="0" rIns="0" tIns="0" bIns="0"/>
-          <a:p>
-            <a:endParaRPr b="0" lang="en-GB" sz="3200" spc="-1" strike="noStrike">
-              <a:solidFill>
-                <a:srgbClr val="000000"/>
-              </a:solidFill>
-              <a:uFill>
-                <a:solidFill>
-                  <a:srgbClr val="ffffff"/>
+          <a:bodyPr lIns="0" tIns="0" rIns="0" bIns="0"/>
+          <a:lstStyle/>
+          <a:p>
+            <a:endParaRPr lang="en-GB" sz="3200" b="0" strike="noStrike" spc="-1">
+              <a:solidFill>
+                <a:srgbClr val="000000"/>
+              </a:solidFill>
+              <a:uFill>
+                <a:solidFill>
+                  <a:srgbClr val="FFFFFF"/>
                 </a:solidFill>
               </a:uFill>
               <a:latin typeface="Arial"/>
@@ -4380,15 +4742,16 @@
           </a:prstGeom>
         </p:spPr>
         <p:txBody>
-          <a:bodyPr lIns="0" rIns="0" tIns="0" bIns="0"/>
-          <a:p>
-            <a:endParaRPr b="0" lang="en-GB" sz="3200" spc="-1" strike="noStrike">
-              <a:solidFill>
-                <a:srgbClr val="000000"/>
-              </a:solidFill>
-              <a:uFill>
-                <a:solidFill>
-                  <a:srgbClr val="ffffff"/>
+          <a:bodyPr lIns="0" tIns="0" rIns="0" bIns="0"/>
+          <a:lstStyle/>
+          <a:p>
+            <a:endParaRPr lang="en-GB" sz="3200" b="0" strike="noStrike" spc="-1">
+              <a:solidFill>
+                <a:srgbClr val="000000"/>
+              </a:solidFill>
+              <a:uFill>
+                <a:solidFill>
+                  <a:srgbClr val="FFFFFF"/>
                 </a:solidFill>
               </a:uFill>
               <a:latin typeface="Arial"/>
@@ -4398,7 +4761,7 @@
       </p:sp>
       <p:pic>
         <p:nvPicPr>
-          <p:cNvPr id="106" name="" descr=""/>
+          <p:cNvPr id="106" name="Picture 105"/>
           <p:cNvPicPr/>
           <p:nvPr/>
         </p:nvPicPr>
@@ -4421,12 +4784,12 @@
       </p:pic>
       <p:pic>
         <p:nvPicPr>
-          <p:cNvPr id="107" name="" descr=""/>
+          <p:cNvPr id="107" name="Picture 106"/>
           <p:cNvPicPr/>
           <p:nvPr/>
         </p:nvPicPr>
         <p:blipFill>
-          <a:blip r:embed="rId3"/>
+          <a:blip r:embed="rId2"/>
           <a:stretch/>
         </p:blipFill>
         <p:spPr>
@@ -4444,11 +4807,14 @@
       </p:pic>
     </p:spTree>
   </p:cSld>
+  <p:clrMapOvr>
+    <a:masterClrMapping/>
+  </p:clrMapOvr>
 </p:sldLayout>
 </file>
 
 <file path=ppt/slideLayouts/slideLayout4.xml><?xml version="1.0" encoding="utf-8"?>
-<p:sldLayout xmlns:a="http://schemas.openxmlformats.org/drawingml/2006/main" xmlns:p="http://schemas.openxmlformats.org/presentationml/2006/main" xmlns:r="http://schemas.openxmlformats.org/officeDocument/2006/relationships" xmlns:p14="http://schemas.microsoft.com/office/powerpoint/2010/main" xmlns:p15="http://schemas.microsoft.com/office/powerpoint/2012/main" xmlns:mc="http://schemas.openxmlformats.org/markup-compatibility/2006" type="twoObj" preserve="1">
+<p:sldLayout xmlns:a="http://schemas.openxmlformats.org/drawingml/2006/main" xmlns:r="http://schemas.openxmlformats.org/officeDocument/2006/relationships" xmlns:p="http://schemas.openxmlformats.org/presentationml/2006/main" type="twoObj" preserve="1">
   <p:cSld name="Title, 2 Content">
     <p:spTree>
       <p:nvGrpSpPr>
@@ -4484,16 +4850,17 @@
           </a:prstGeom>
         </p:spPr>
         <p:txBody>
-          <a:bodyPr lIns="0" rIns="0" tIns="0" bIns="0" anchor="ctr"/>
+          <a:bodyPr lIns="0" tIns="0" rIns="0" bIns="0" anchor="ctr"/>
+          <a:lstStyle/>
           <a:p>
             <a:pPr algn="ctr"/>
-            <a:endParaRPr b="0" lang="en-GB" sz="4400" spc="-1" strike="noStrike">
-              <a:solidFill>
-                <a:srgbClr val="000000"/>
-              </a:solidFill>
-              <a:uFill>
-                <a:solidFill>
-                  <a:srgbClr val="ffffff"/>
+            <a:endParaRPr lang="en-GB" sz="4400" b="0" strike="noStrike" spc="-1">
+              <a:solidFill>
+                <a:srgbClr val="000000"/>
+              </a:solidFill>
+              <a:uFill>
+                <a:solidFill>
+                  <a:srgbClr val="FFFFFF"/>
                 </a:solidFill>
               </a:uFill>
               <a:latin typeface="Arial"/>
@@ -4521,15 +4888,16 @@
           </a:prstGeom>
         </p:spPr>
         <p:txBody>
-          <a:bodyPr lIns="0" rIns="0" tIns="0" bIns="0"/>
-          <a:p>
-            <a:endParaRPr b="0" lang="en-GB" sz="3200" spc="-1" strike="noStrike">
-              <a:solidFill>
-                <a:srgbClr val="000000"/>
-              </a:solidFill>
-              <a:uFill>
-                <a:solidFill>
-                  <a:srgbClr val="ffffff"/>
+          <a:bodyPr lIns="0" tIns="0" rIns="0" bIns="0"/>
+          <a:lstStyle/>
+          <a:p>
+            <a:endParaRPr lang="en-GB" sz="3200" b="0" strike="noStrike" spc="-1">
+              <a:solidFill>
+                <a:srgbClr val="000000"/>
+              </a:solidFill>
+              <a:uFill>
+                <a:solidFill>
+                  <a:srgbClr val="FFFFFF"/>
                 </a:solidFill>
               </a:uFill>
               <a:latin typeface="Arial"/>
@@ -4557,15 +4925,16 @@
           </a:prstGeom>
         </p:spPr>
         <p:txBody>
-          <a:bodyPr lIns="0" rIns="0" tIns="0" bIns="0"/>
-          <a:p>
-            <a:endParaRPr b="0" lang="en-GB" sz="3200" spc="-1" strike="noStrike">
-              <a:solidFill>
-                <a:srgbClr val="000000"/>
-              </a:solidFill>
-              <a:uFill>
-                <a:solidFill>
-                  <a:srgbClr val="ffffff"/>
+          <a:bodyPr lIns="0" tIns="0" rIns="0" bIns="0"/>
+          <a:lstStyle/>
+          <a:p>
+            <a:endParaRPr lang="en-GB" sz="3200" b="0" strike="noStrike" spc="-1">
+              <a:solidFill>
+                <a:srgbClr val="000000"/>
+              </a:solidFill>
+              <a:uFill>
+                <a:solidFill>
+                  <a:srgbClr val="FFFFFF"/>
                 </a:solidFill>
               </a:uFill>
               <a:latin typeface="Arial"/>
@@ -4575,11 +4944,14 @@
       </p:sp>
     </p:spTree>
   </p:cSld>
+  <p:clrMapOvr>
+    <a:masterClrMapping/>
+  </p:clrMapOvr>
 </p:sldLayout>
 </file>
 
 <file path=ppt/slideLayouts/slideLayout5.xml><?xml version="1.0" encoding="utf-8"?>
-<p:sldLayout xmlns:a="http://schemas.openxmlformats.org/drawingml/2006/main" xmlns:p="http://schemas.openxmlformats.org/presentationml/2006/main" xmlns:r="http://schemas.openxmlformats.org/officeDocument/2006/relationships" xmlns:p14="http://schemas.microsoft.com/office/powerpoint/2010/main" xmlns:p15="http://schemas.microsoft.com/office/powerpoint/2012/main" xmlns:mc="http://schemas.openxmlformats.org/markup-compatibility/2006" type="titleOnly" preserve="1">
+<p:sldLayout xmlns:a="http://schemas.openxmlformats.org/drawingml/2006/main" xmlns:r="http://schemas.openxmlformats.org/officeDocument/2006/relationships" xmlns:p="http://schemas.openxmlformats.org/presentationml/2006/main" type="titleOnly" preserve="1">
   <p:cSld name="Title Only">
     <p:spTree>
       <p:nvGrpSpPr>
@@ -4615,16 +4987,17 @@
           </a:prstGeom>
         </p:spPr>
         <p:txBody>
-          <a:bodyPr lIns="0" rIns="0" tIns="0" bIns="0" anchor="ctr"/>
+          <a:bodyPr lIns="0" tIns="0" rIns="0" bIns="0" anchor="ctr"/>
+          <a:lstStyle/>
           <a:p>
             <a:pPr algn="ctr"/>
-            <a:endParaRPr b="0" lang="en-GB" sz="4400" spc="-1" strike="noStrike">
-              <a:solidFill>
-                <a:srgbClr val="000000"/>
-              </a:solidFill>
-              <a:uFill>
-                <a:solidFill>
-                  <a:srgbClr val="ffffff"/>
+            <a:endParaRPr lang="en-GB" sz="4400" b="0" strike="noStrike" spc="-1">
+              <a:solidFill>
+                <a:srgbClr val="000000"/>
+              </a:solidFill>
+              <a:uFill>
+                <a:solidFill>
+                  <a:srgbClr val="FFFFFF"/>
                 </a:solidFill>
               </a:uFill>
               <a:latin typeface="Arial"/>
@@ -4634,11 +5007,14 @@
       </p:sp>
     </p:spTree>
   </p:cSld>
+  <p:clrMapOvr>
+    <a:masterClrMapping/>
+  </p:clrMapOvr>
 </p:sldLayout>
 </file>
 
 <file path=ppt/slideLayouts/slideLayout6.xml><?xml version="1.0" encoding="utf-8"?>
-<p:sldLayout xmlns:a="http://schemas.openxmlformats.org/drawingml/2006/main" xmlns:p="http://schemas.openxmlformats.org/presentationml/2006/main" xmlns:r="http://schemas.openxmlformats.org/officeDocument/2006/relationships" xmlns:p14="http://schemas.microsoft.com/office/powerpoint/2010/main" xmlns:p15="http://schemas.microsoft.com/office/powerpoint/2012/main" xmlns:mc="http://schemas.openxmlformats.org/markup-compatibility/2006" type="objOnly" preserve="1">
+<p:sldLayout xmlns:a="http://schemas.openxmlformats.org/drawingml/2006/main" xmlns:r="http://schemas.openxmlformats.org/officeDocument/2006/relationships" xmlns:p="http://schemas.openxmlformats.org/presentationml/2006/main" type="objOnly" preserve="1">
   <p:cSld name="Centered Text">
     <p:spTree>
       <p:nvGrpSpPr>
@@ -4674,16 +5050,17 @@
           </a:prstGeom>
         </p:spPr>
         <p:txBody>
-          <a:bodyPr lIns="0" rIns="0" tIns="0" bIns="0" anchor="ctr"/>
+          <a:bodyPr lIns="0" tIns="0" rIns="0" bIns="0" anchor="ctr"/>
+          <a:lstStyle/>
           <a:p>
             <a:pPr algn="ctr"/>
-            <a:endParaRPr b="0" lang="en-GB" sz="3200" spc="-1" strike="noStrike">
-              <a:solidFill>
-                <a:srgbClr val="000000"/>
-              </a:solidFill>
-              <a:uFill>
-                <a:solidFill>
-                  <a:srgbClr val="ffffff"/>
+            <a:endParaRPr lang="en-GB" sz="3200" b="0" strike="noStrike" spc="-1">
+              <a:solidFill>
+                <a:srgbClr val="000000"/>
+              </a:solidFill>
+              <a:uFill>
+                <a:solidFill>
+                  <a:srgbClr val="FFFFFF"/>
                 </a:solidFill>
               </a:uFill>
               <a:latin typeface="Arial"/>
@@ -4693,11 +5070,14 @@
       </p:sp>
     </p:spTree>
   </p:cSld>
+  <p:clrMapOvr>
+    <a:masterClrMapping/>
+  </p:clrMapOvr>
 </p:sldLayout>
 </file>
 
 <file path=ppt/slideLayouts/slideLayout7.xml><?xml version="1.0" encoding="utf-8"?>
-<p:sldLayout xmlns:a="http://schemas.openxmlformats.org/drawingml/2006/main" xmlns:p="http://schemas.openxmlformats.org/presentationml/2006/main" xmlns:r="http://schemas.openxmlformats.org/officeDocument/2006/relationships" xmlns:p14="http://schemas.microsoft.com/office/powerpoint/2010/main" xmlns:p15="http://schemas.microsoft.com/office/powerpoint/2012/main" xmlns:mc="http://schemas.openxmlformats.org/markup-compatibility/2006" type="twoObjAndObj" preserve="1">
+<p:sldLayout xmlns:a="http://schemas.openxmlformats.org/drawingml/2006/main" xmlns:r="http://schemas.openxmlformats.org/officeDocument/2006/relationships" xmlns:p="http://schemas.openxmlformats.org/presentationml/2006/main" type="twoObjAndObj" preserve="1">
   <p:cSld name="Title, 2 Content and Content">
     <p:spTree>
       <p:nvGrpSpPr>
@@ -4733,16 +5113,17 @@
           </a:prstGeom>
         </p:spPr>
         <p:txBody>
-          <a:bodyPr lIns="0" rIns="0" tIns="0" bIns="0" anchor="ctr"/>
+          <a:bodyPr lIns="0" tIns="0" rIns="0" bIns="0" anchor="ctr"/>
+          <a:lstStyle/>
           <a:p>
             <a:pPr algn="ctr"/>
-            <a:endParaRPr b="0" lang="en-GB" sz="4400" spc="-1" strike="noStrike">
-              <a:solidFill>
-                <a:srgbClr val="000000"/>
-              </a:solidFill>
-              <a:uFill>
-                <a:solidFill>
-                  <a:srgbClr val="ffffff"/>
+            <a:endParaRPr lang="en-GB" sz="4400" b="0" strike="noStrike" spc="-1">
+              <a:solidFill>
+                <a:srgbClr val="000000"/>
+              </a:solidFill>
+              <a:uFill>
+                <a:solidFill>
+                  <a:srgbClr val="FFFFFF"/>
                 </a:solidFill>
               </a:uFill>
               <a:latin typeface="Arial"/>
@@ -4770,15 +5151,16 @@
           </a:prstGeom>
         </p:spPr>
         <p:txBody>
-          <a:bodyPr lIns="0" rIns="0" tIns="0" bIns="0"/>
-          <a:p>
-            <a:endParaRPr b="0" lang="en-GB" sz="3200" spc="-1" strike="noStrike">
-              <a:solidFill>
-                <a:srgbClr val="000000"/>
-              </a:solidFill>
-              <a:uFill>
-                <a:solidFill>
-                  <a:srgbClr val="ffffff"/>
+          <a:bodyPr lIns="0" tIns="0" rIns="0" bIns="0"/>
+          <a:lstStyle/>
+          <a:p>
+            <a:endParaRPr lang="en-GB" sz="3200" b="0" strike="noStrike" spc="-1">
+              <a:solidFill>
+                <a:srgbClr val="000000"/>
+              </a:solidFill>
+              <a:uFill>
+                <a:solidFill>
+                  <a:srgbClr val="FFFFFF"/>
                 </a:solidFill>
               </a:uFill>
               <a:latin typeface="Arial"/>
@@ -4806,15 +5188,16 @@
           </a:prstGeom>
         </p:spPr>
         <p:txBody>
-          <a:bodyPr lIns="0" rIns="0" tIns="0" bIns="0"/>
-          <a:p>
-            <a:endParaRPr b="0" lang="en-GB" sz="3200" spc="-1" strike="noStrike">
-              <a:solidFill>
-                <a:srgbClr val="000000"/>
-              </a:solidFill>
-              <a:uFill>
-                <a:solidFill>
-                  <a:srgbClr val="ffffff"/>
+          <a:bodyPr lIns="0" tIns="0" rIns="0" bIns="0"/>
+          <a:lstStyle/>
+          <a:p>
+            <a:endParaRPr lang="en-GB" sz="3200" b="0" strike="noStrike" spc="-1">
+              <a:solidFill>
+                <a:srgbClr val="000000"/>
+              </a:solidFill>
+              <a:uFill>
+                <a:solidFill>
+                  <a:srgbClr val="FFFFFF"/>
                 </a:solidFill>
               </a:uFill>
               <a:latin typeface="Arial"/>
@@ -4842,15 +5225,16 @@
           </a:prstGeom>
         </p:spPr>
         <p:txBody>
-          <a:bodyPr lIns="0" rIns="0" tIns="0" bIns="0"/>
-          <a:p>
-            <a:endParaRPr b="0" lang="en-GB" sz="3200" spc="-1" strike="noStrike">
-              <a:solidFill>
-                <a:srgbClr val="000000"/>
-              </a:solidFill>
-              <a:uFill>
-                <a:solidFill>
-                  <a:srgbClr val="ffffff"/>
+          <a:bodyPr lIns="0" tIns="0" rIns="0" bIns="0"/>
+          <a:lstStyle/>
+          <a:p>
+            <a:endParaRPr lang="en-GB" sz="3200" b="0" strike="noStrike" spc="-1">
+              <a:solidFill>
+                <a:srgbClr val="000000"/>
+              </a:solidFill>
+              <a:uFill>
+                <a:solidFill>
+                  <a:srgbClr val="FFFFFF"/>
                 </a:solidFill>
               </a:uFill>
               <a:latin typeface="Arial"/>
@@ -4860,11 +5244,14 @@
       </p:sp>
     </p:spTree>
   </p:cSld>
+  <p:clrMapOvr>
+    <a:masterClrMapping/>
+  </p:clrMapOvr>
 </p:sldLayout>
 </file>
 
 <file path=ppt/slideLayouts/slideLayout8.xml><?xml version="1.0" encoding="utf-8"?>
-<p:sldLayout xmlns:a="http://schemas.openxmlformats.org/drawingml/2006/main" xmlns:p="http://schemas.openxmlformats.org/presentationml/2006/main" xmlns:r="http://schemas.openxmlformats.org/officeDocument/2006/relationships" xmlns:p14="http://schemas.microsoft.com/office/powerpoint/2010/main" xmlns:p15="http://schemas.microsoft.com/office/powerpoint/2012/main" xmlns:mc="http://schemas.openxmlformats.org/markup-compatibility/2006" type="objAndTwoObj" preserve="1">
+<p:sldLayout xmlns:a="http://schemas.openxmlformats.org/drawingml/2006/main" xmlns:r="http://schemas.openxmlformats.org/officeDocument/2006/relationships" xmlns:p="http://schemas.openxmlformats.org/presentationml/2006/main" type="objAndTwoObj" preserve="1">
   <p:cSld name="Title Content and 2 Content">
     <p:spTree>
       <p:nvGrpSpPr>
@@ -4900,16 +5287,17 @@
           </a:prstGeom>
         </p:spPr>
         <p:txBody>
-          <a:bodyPr lIns="0" rIns="0" tIns="0" bIns="0" anchor="ctr"/>
+          <a:bodyPr lIns="0" tIns="0" rIns="0" bIns="0" anchor="ctr"/>
+          <a:lstStyle/>
           <a:p>
             <a:pPr algn="ctr"/>
-            <a:endParaRPr b="0" lang="en-GB" sz="4400" spc="-1" strike="noStrike">
-              <a:solidFill>
-                <a:srgbClr val="000000"/>
-              </a:solidFill>
-              <a:uFill>
-                <a:solidFill>
-                  <a:srgbClr val="ffffff"/>
+            <a:endParaRPr lang="en-GB" sz="4400" b="0" strike="noStrike" spc="-1">
+              <a:solidFill>
+                <a:srgbClr val="000000"/>
+              </a:solidFill>
+              <a:uFill>
+                <a:solidFill>
+                  <a:srgbClr val="FFFFFF"/>
                 </a:solidFill>
               </a:uFill>
               <a:latin typeface="Arial"/>
@@ -4937,15 +5325,16 @@
           </a:prstGeom>
         </p:spPr>
         <p:txBody>
-          <a:bodyPr lIns="0" rIns="0" tIns="0" bIns="0"/>
-          <a:p>
-            <a:endParaRPr b="0" lang="en-GB" sz="3200" spc="-1" strike="noStrike">
-              <a:solidFill>
-                <a:srgbClr val="000000"/>
-              </a:solidFill>
-              <a:uFill>
-                <a:solidFill>
-                  <a:srgbClr val="ffffff"/>
+          <a:bodyPr lIns="0" tIns="0" rIns="0" bIns="0"/>
+          <a:lstStyle/>
+          <a:p>
+            <a:endParaRPr lang="en-GB" sz="3200" b="0" strike="noStrike" spc="-1">
+              <a:solidFill>
+                <a:srgbClr val="000000"/>
+              </a:solidFill>
+              <a:uFill>
+                <a:solidFill>
+                  <a:srgbClr val="FFFFFF"/>
                 </a:solidFill>
               </a:uFill>
               <a:latin typeface="Arial"/>
@@ -4973,15 +5362,16 @@
           </a:prstGeom>
         </p:spPr>
         <p:txBody>
-          <a:bodyPr lIns="0" rIns="0" tIns="0" bIns="0"/>
-          <a:p>
-            <a:endParaRPr b="0" lang="en-GB" sz="3200" spc="-1" strike="noStrike">
-              <a:solidFill>
-                <a:srgbClr val="000000"/>
-              </a:solidFill>
-              <a:uFill>
-                <a:solidFill>
-                  <a:srgbClr val="ffffff"/>
+          <a:bodyPr lIns="0" tIns="0" rIns="0" bIns="0"/>
+          <a:lstStyle/>
+          <a:p>
+            <a:endParaRPr lang="en-GB" sz="3200" b="0" strike="noStrike" spc="-1">
+              <a:solidFill>
+                <a:srgbClr val="000000"/>
+              </a:solidFill>
+              <a:uFill>
+                <a:solidFill>
+                  <a:srgbClr val="FFFFFF"/>
                 </a:solidFill>
               </a:uFill>
               <a:latin typeface="Arial"/>
@@ -5009,15 +5399,16 @@
           </a:prstGeom>
         </p:spPr>
         <p:txBody>
-          <a:bodyPr lIns="0" rIns="0" tIns="0" bIns="0"/>
-          <a:p>
-            <a:endParaRPr b="0" lang="en-GB" sz="3200" spc="-1" strike="noStrike">
-              <a:solidFill>
-                <a:srgbClr val="000000"/>
-              </a:solidFill>
-              <a:uFill>
-                <a:solidFill>
-                  <a:srgbClr val="ffffff"/>
+          <a:bodyPr lIns="0" tIns="0" rIns="0" bIns="0"/>
+          <a:lstStyle/>
+          <a:p>
+            <a:endParaRPr lang="en-GB" sz="3200" b="0" strike="noStrike" spc="-1">
+              <a:solidFill>
+                <a:srgbClr val="000000"/>
+              </a:solidFill>
+              <a:uFill>
+                <a:solidFill>
+                  <a:srgbClr val="FFFFFF"/>
                 </a:solidFill>
               </a:uFill>
               <a:latin typeface="Arial"/>
@@ -5027,11 +5418,14 @@
       </p:sp>
     </p:spTree>
   </p:cSld>
+  <p:clrMapOvr>
+    <a:masterClrMapping/>
+  </p:clrMapOvr>
 </p:sldLayout>
 </file>
 
 <file path=ppt/slideLayouts/slideLayout9.xml><?xml version="1.0" encoding="utf-8"?>
-<p:sldLayout xmlns:a="http://schemas.openxmlformats.org/drawingml/2006/main" xmlns:p="http://schemas.openxmlformats.org/presentationml/2006/main" xmlns:r="http://schemas.openxmlformats.org/officeDocument/2006/relationships" xmlns:p14="http://schemas.microsoft.com/office/powerpoint/2010/main" xmlns:p15="http://schemas.microsoft.com/office/powerpoint/2012/main" xmlns:mc="http://schemas.openxmlformats.org/markup-compatibility/2006" type="twoObjOverTx" preserve="1">
+<p:sldLayout xmlns:a="http://schemas.openxmlformats.org/drawingml/2006/main" xmlns:r="http://schemas.openxmlformats.org/officeDocument/2006/relationships" xmlns:p="http://schemas.openxmlformats.org/presentationml/2006/main" type="twoObjOverTx" preserve="1">
   <p:cSld name="Title, 2 Content over Content">
     <p:spTree>
       <p:nvGrpSpPr>
@@ -5067,16 +5461,17 @@
           </a:prstGeom>
         </p:spPr>
         <p:txBody>
-          <a:bodyPr lIns="0" rIns="0" tIns="0" bIns="0" anchor="ctr"/>
+          <a:bodyPr lIns="0" tIns="0" rIns="0" bIns="0" anchor="ctr"/>
+          <a:lstStyle/>
           <a:p>
             <a:pPr algn="ctr"/>
-            <a:endParaRPr b="0" lang="en-GB" sz="4400" spc="-1" strike="noStrike">
-              <a:solidFill>
-                <a:srgbClr val="000000"/>
-              </a:solidFill>
-              <a:uFill>
-                <a:solidFill>
-                  <a:srgbClr val="ffffff"/>
+            <a:endParaRPr lang="en-GB" sz="4400" b="0" strike="noStrike" spc="-1">
+              <a:solidFill>
+                <a:srgbClr val="000000"/>
+              </a:solidFill>
+              <a:uFill>
+                <a:solidFill>
+                  <a:srgbClr val="FFFFFF"/>
                 </a:solidFill>
               </a:uFill>
               <a:latin typeface="Arial"/>
@@ -5104,15 +5499,16 @@
           </a:prstGeom>
         </p:spPr>
         <p:txBody>
-          <a:bodyPr lIns="0" rIns="0" tIns="0" bIns="0"/>
-          <a:p>
-            <a:endParaRPr b="0" lang="en-GB" sz="3200" spc="-1" strike="noStrike">
-              <a:solidFill>
-                <a:srgbClr val="000000"/>
-              </a:solidFill>
-              <a:uFill>
-                <a:solidFill>
-                  <a:srgbClr val="ffffff"/>
+          <a:bodyPr lIns="0" tIns="0" rIns="0" bIns="0"/>
+          <a:lstStyle/>
+          <a:p>
+            <a:endParaRPr lang="en-GB" sz="3200" b="0" strike="noStrike" spc="-1">
+              <a:solidFill>
+                <a:srgbClr val="000000"/>
+              </a:solidFill>
+              <a:uFill>
+                <a:solidFill>
+                  <a:srgbClr val="FFFFFF"/>
                 </a:solidFill>
               </a:uFill>
               <a:latin typeface="Arial"/>
@@ -5140,15 +5536,16 @@
           </a:prstGeom>
         </p:spPr>
         <p:txBody>
-          <a:bodyPr lIns="0" rIns="0" tIns="0" bIns="0"/>
-          <a:p>
-            <a:endParaRPr b="0" lang="en-GB" sz="3200" spc="-1" strike="noStrike">
-              <a:solidFill>
-                <a:srgbClr val="000000"/>
-              </a:solidFill>
-              <a:uFill>
-                <a:solidFill>
-                  <a:srgbClr val="ffffff"/>
+          <a:bodyPr lIns="0" tIns="0" rIns="0" bIns="0"/>
+          <a:lstStyle/>
+          <a:p>
+            <a:endParaRPr lang="en-GB" sz="3200" b="0" strike="noStrike" spc="-1">
+              <a:solidFill>
+                <a:srgbClr val="000000"/>
+              </a:solidFill>
+              <a:uFill>
+                <a:solidFill>
+                  <a:srgbClr val="FFFFFF"/>
                 </a:solidFill>
               </a:uFill>
               <a:latin typeface="Arial"/>
@@ -5176,15 +5573,16 @@
           </a:prstGeom>
         </p:spPr>
         <p:txBody>
-          <a:bodyPr lIns="0" rIns="0" tIns="0" bIns="0"/>
-          <a:p>
-            <a:endParaRPr b="0" lang="en-GB" sz="3200" spc="-1" strike="noStrike">
-              <a:solidFill>
-                <a:srgbClr val="000000"/>
-              </a:solidFill>
-              <a:uFill>
-                <a:solidFill>
-                  <a:srgbClr val="ffffff"/>
+          <a:bodyPr lIns="0" tIns="0" rIns="0" bIns="0"/>
+          <a:lstStyle/>
+          <a:p>
+            <a:endParaRPr lang="en-GB" sz="3200" b="0" strike="noStrike" spc="-1">
+              <a:solidFill>
+                <a:srgbClr val="000000"/>
+              </a:solidFill>
+              <a:uFill>
+                <a:solidFill>
+                  <a:srgbClr val="FFFFFF"/>
                 </a:solidFill>
               </a:uFill>
               <a:latin typeface="Arial"/>
@@ -5194,17 +5592,21 @@
       </p:sp>
     </p:spTree>
   </p:cSld>
+  <p:clrMapOvr>
+    <a:masterClrMapping/>
+  </p:clrMapOvr>
 </p:sldLayout>
 </file>
 
 <file path=ppt/slideMasters/slideMaster1.xml><?xml version="1.0" encoding="utf-8"?>
-<p:sldMaster xmlns:a="http://schemas.openxmlformats.org/drawingml/2006/main" xmlns:p="http://schemas.openxmlformats.org/presentationml/2006/main" xmlns:r="http://schemas.openxmlformats.org/officeDocument/2006/relationships" xmlns:p14="http://schemas.microsoft.com/office/powerpoint/2010/main" xmlns:p15="http://schemas.microsoft.com/office/powerpoint/2012/main" xmlns:mc="http://schemas.openxmlformats.org/markup-compatibility/2006">
+<p:sldMaster xmlns:a="http://schemas.openxmlformats.org/drawingml/2006/main" xmlns:r="http://schemas.openxmlformats.org/officeDocument/2006/relationships" xmlns:p="http://schemas.openxmlformats.org/presentationml/2006/main">
   <p:cSld>
     <p:bg>
       <p:bgPr>
         <a:solidFill>
-          <a:srgbClr val="ffffff"/>
+          <a:srgbClr val="FFFFFF"/>
         </a:solidFill>
+        <a:effectLst/>
       </p:bgPr>
     </p:bg>
     <p:spTree>
@@ -5223,7 +5625,7 @@
       </p:grpSpPr>
       <p:sp>
         <p:nvSpPr>
-          <p:cNvPr id="0" name="PlaceHolder 1"/>
+          <p:cNvPr id="2" name="PlaceHolder 1"/>
           <p:cNvSpPr>
             <a:spLocks noGrp="1"/>
           </p:cNvSpPr>
@@ -5241,40 +5643,30 @@
           </a:prstGeom>
         </p:spPr>
         <p:txBody>
-          <a:bodyPr lIns="0" rIns="0" tIns="0" bIns="0" anchor="ctr"/>
+          <a:bodyPr lIns="0" tIns="0" rIns="0" bIns="0" anchor="ctr"/>
+          <a:lstStyle/>
           <a:p>
             <a:pPr algn="ctr"/>
             <a:r>
-              <a:rPr b="0" lang="en-GB" sz="4400" spc="-1" strike="noStrike">
+              <a:rPr lang="en-GB" sz="4400" b="0" strike="noStrike" spc="-1">
                 <a:solidFill>
                   <a:srgbClr val="000000"/>
                 </a:solidFill>
                 <a:uFill>
                   <a:solidFill>
-                    <a:srgbClr val="ffffff"/>
+                    <a:srgbClr val="FFFFFF"/>
                   </a:solidFill>
                 </a:uFill>
                 <a:latin typeface="Arial"/>
               </a:rPr>
               <a:t>Click to edit the title text format</a:t>
             </a:r>
-            <a:endParaRPr b="0" lang="en-GB" sz="4400" spc="-1" strike="noStrike">
-              <a:solidFill>
-                <a:srgbClr val="000000"/>
-              </a:solidFill>
-              <a:uFill>
-                <a:solidFill>
-                  <a:srgbClr val="ffffff"/>
-                </a:solidFill>
-              </a:uFill>
-              <a:latin typeface="Arial"/>
-            </a:endParaRPr>
-          </a:p>
-        </p:txBody>
-      </p:sp>
-      <p:sp>
-        <p:nvSpPr>
-          <p:cNvPr id="1" name="PlaceHolder 2"/>
+          </a:p>
+        </p:txBody>
+      </p:sp>
+      <p:sp>
+        <p:nvSpPr>
+          <p:cNvPr id="3" name="PlaceHolder 2"/>
           <p:cNvSpPr>
             <a:spLocks noGrp="1"/>
           </p:cNvSpPr>
@@ -5292,7 +5684,8 @@
           </a:prstGeom>
         </p:spPr>
         <p:txBody>
-          <a:bodyPr lIns="0" rIns="0" tIns="0" bIns="0"/>
+          <a:bodyPr lIns="0" tIns="0" rIns="0" bIns="0"/>
+          <a:lstStyle/>
           <a:p>
             <a:pPr marL="432000" indent="-324000">
               <a:spcBef>
@@ -5306,33 +5699,22 @@
               <a:buChar char=""/>
             </a:pPr>
             <a:r>
-              <a:rPr b="0" lang="en-GB" sz="3200" spc="-1" strike="noStrike">
+              <a:rPr lang="en-GB" sz="3200" b="0" strike="noStrike" spc="-1">
                 <a:solidFill>
                   <a:srgbClr val="000000"/>
                 </a:solidFill>
                 <a:uFill>
                   <a:solidFill>
-                    <a:srgbClr val="ffffff"/>
+                    <a:srgbClr val="FFFFFF"/>
                   </a:solidFill>
                 </a:uFill>
                 <a:latin typeface="Arial"/>
               </a:rPr>
               <a:t>Click to edit the outline text format</a:t>
             </a:r>
-            <a:endParaRPr b="0" lang="en-GB" sz="3200" spc="-1" strike="noStrike">
-              <a:solidFill>
-                <a:srgbClr val="000000"/>
-              </a:solidFill>
-              <a:uFill>
-                <a:solidFill>
-                  <a:srgbClr val="ffffff"/>
-                </a:solidFill>
-              </a:uFill>
-              <a:latin typeface="Arial"/>
-            </a:endParaRPr>
-          </a:p>
-          <a:p>
-            <a:pPr lvl="1" marL="864000" indent="-324000">
+          </a:p>
+          <a:p>
+            <a:pPr marL="864000" lvl="1" indent="-324000">
               <a:spcBef>
                 <a:spcPts val="1134"/>
               </a:spcBef>
@@ -5344,33 +5726,22 @@
               <a:buChar char=""/>
             </a:pPr>
             <a:r>
-              <a:rPr b="0" lang="en-GB" sz="2800" spc="-1" strike="noStrike">
+              <a:rPr lang="en-GB" sz="2800" b="0" strike="noStrike" spc="-1">
                 <a:solidFill>
                   <a:srgbClr val="000000"/>
                 </a:solidFill>
                 <a:uFill>
                   <a:solidFill>
-                    <a:srgbClr val="ffffff"/>
+                    <a:srgbClr val="FFFFFF"/>
                   </a:solidFill>
                 </a:uFill>
                 <a:latin typeface="Arial"/>
               </a:rPr>
               <a:t>Second Outline Level</a:t>
             </a:r>
-            <a:endParaRPr b="0" lang="en-GB" sz="2800" spc="-1" strike="noStrike">
-              <a:solidFill>
-                <a:srgbClr val="000000"/>
-              </a:solidFill>
-              <a:uFill>
-                <a:solidFill>
-                  <a:srgbClr val="ffffff"/>
-                </a:solidFill>
-              </a:uFill>
-              <a:latin typeface="Arial"/>
-            </a:endParaRPr>
-          </a:p>
-          <a:p>
-            <a:pPr lvl="2" marL="1296000" indent="-288000">
+          </a:p>
+          <a:p>
+            <a:pPr marL="1296000" lvl="2" indent="-288000">
               <a:spcBef>
                 <a:spcPts val="850"/>
               </a:spcBef>
@@ -5382,33 +5753,22 @@
               <a:buChar char=""/>
             </a:pPr>
             <a:r>
-              <a:rPr b="0" lang="en-GB" sz="2400" spc="-1" strike="noStrike">
+              <a:rPr lang="en-GB" sz="2400" b="0" strike="noStrike" spc="-1">
                 <a:solidFill>
                   <a:srgbClr val="000000"/>
                 </a:solidFill>
                 <a:uFill>
                   <a:solidFill>
-                    <a:srgbClr val="ffffff"/>
+                    <a:srgbClr val="FFFFFF"/>
                   </a:solidFill>
                 </a:uFill>
                 <a:latin typeface="Arial"/>
               </a:rPr>
               <a:t>Third Outline Level</a:t>
             </a:r>
-            <a:endParaRPr b="0" lang="en-GB" sz="2400" spc="-1" strike="noStrike">
-              <a:solidFill>
-                <a:srgbClr val="000000"/>
-              </a:solidFill>
-              <a:uFill>
-                <a:solidFill>
-                  <a:srgbClr val="ffffff"/>
-                </a:solidFill>
-              </a:uFill>
-              <a:latin typeface="Arial"/>
-            </a:endParaRPr>
-          </a:p>
-          <a:p>
-            <a:pPr lvl="3" marL="1728000" indent="-216000">
+          </a:p>
+          <a:p>
+            <a:pPr marL="1728000" lvl="3" indent="-216000">
               <a:spcBef>
                 <a:spcPts val="567"/>
               </a:spcBef>
@@ -5420,33 +5780,22 @@
               <a:buChar char=""/>
             </a:pPr>
             <a:r>
-              <a:rPr b="0" lang="en-GB" sz="2000" spc="-1" strike="noStrike">
+              <a:rPr lang="en-GB" sz="2000" b="0" strike="noStrike" spc="-1">
                 <a:solidFill>
                   <a:srgbClr val="000000"/>
                 </a:solidFill>
                 <a:uFill>
                   <a:solidFill>
-                    <a:srgbClr val="ffffff"/>
+                    <a:srgbClr val="FFFFFF"/>
                   </a:solidFill>
                 </a:uFill>
                 <a:latin typeface="Arial"/>
               </a:rPr>
               <a:t>Fourth Outline Level</a:t>
             </a:r>
-            <a:endParaRPr b="0" lang="en-GB" sz="2000" spc="-1" strike="noStrike">
-              <a:solidFill>
-                <a:srgbClr val="000000"/>
-              </a:solidFill>
-              <a:uFill>
-                <a:solidFill>
-                  <a:srgbClr val="ffffff"/>
-                </a:solidFill>
-              </a:uFill>
-              <a:latin typeface="Arial"/>
-            </a:endParaRPr>
-          </a:p>
-          <a:p>
-            <a:pPr lvl="4" marL="2160000" indent="-216000">
+          </a:p>
+          <a:p>
+            <a:pPr marL="2160000" lvl="4" indent="-216000">
               <a:spcBef>
                 <a:spcPts val="283"/>
               </a:spcBef>
@@ -5458,33 +5807,22 @@
               <a:buChar char=""/>
             </a:pPr>
             <a:r>
-              <a:rPr b="0" lang="en-GB" sz="2000" spc="-1" strike="noStrike">
+              <a:rPr lang="en-GB" sz="2000" b="0" strike="noStrike" spc="-1">
                 <a:solidFill>
                   <a:srgbClr val="000000"/>
                 </a:solidFill>
                 <a:uFill>
                   <a:solidFill>
-                    <a:srgbClr val="ffffff"/>
+                    <a:srgbClr val="FFFFFF"/>
                   </a:solidFill>
                 </a:uFill>
                 <a:latin typeface="Arial"/>
               </a:rPr>
               <a:t>Fifth Outline Level</a:t>
             </a:r>
-            <a:endParaRPr b="0" lang="en-GB" sz="2000" spc="-1" strike="noStrike">
-              <a:solidFill>
-                <a:srgbClr val="000000"/>
-              </a:solidFill>
-              <a:uFill>
-                <a:solidFill>
-                  <a:srgbClr val="ffffff"/>
-                </a:solidFill>
-              </a:uFill>
-              <a:latin typeface="Arial"/>
-            </a:endParaRPr>
-          </a:p>
-          <a:p>
-            <a:pPr lvl="5" marL="2592000" indent="-216000">
+          </a:p>
+          <a:p>
+            <a:pPr marL="2592000" lvl="5" indent="-216000">
               <a:spcBef>
                 <a:spcPts val="283"/>
               </a:spcBef>
@@ -5496,33 +5834,22 @@
               <a:buChar char=""/>
             </a:pPr>
             <a:r>
-              <a:rPr b="0" lang="en-GB" sz="2000" spc="-1" strike="noStrike">
+              <a:rPr lang="en-GB" sz="2000" b="0" strike="noStrike" spc="-1">
                 <a:solidFill>
                   <a:srgbClr val="000000"/>
                 </a:solidFill>
                 <a:uFill>
                   <a:solidFill>
-                    <a:srgbClr val="ffffff"/>
+                    <a:srgbClr val="FFFFFF"/>
                   </a:solidFill>
                 </a:uFill>
                 <a:latin typeface="Arial"/>
               </a:rPr>
               <a:t>Sixth Outline Level</a:t>
             </a:r>
-            <a:endParaRPr b="0" lang="en-GB" sz="2000" spc="-1" strike="noStrike">
-              <a:solidFill>
-                <a:srgbClr val="000000"/>
-              </a:solidFill>
-              <a:uFill>
-                <a:solidFill>
-                  <a:srgbClr val="ffffff"/>
-                </a:solidFill>
-              </a:uFill>
-              <a:latin typeface="Arial"/>
-            </a:endParaRPr>
-          </a:p>
-          <a:p>
-            <a:pPr lvl="6" marL="3024000" indent="-216000">
+          </a:p>
+          <a:p>
+            <a:pPr marL="3024000" lvl="6" indent="-216000">
               <a:spcBef>
                 <a:spcPts val="283"/>
               </a:spcBef>
@@ -5534,61 +5861,331 @@
               <a:buChar char=""/>
             </a:pPr>
             <a:r>
-              <a:rPr b="0" lang="en-GB" sz="2000" spc="-1" strike="noStrike">
+              <a:rPr lang="en-GB" sz="2000" b="0" strike="noStrike" spc="-1">
                 <a:solidFill>
                   <a:srgbClr val="000000"/>
                 </a:solidFill>
                 <a:uFill>
                   <a:solidFill>
-                    <a:srgbClr val="ffffff"/>
+                    <a:srgbClr val="FFFFFF"/>
                   </a:solidFill>
                 </a:uFill>
                 <a:latin typeface="Arial"/>
               </a:rPr>
               <a:t>Seventh Outline Level</a:t>
             </a:r>
-            <a:endParaRPr b="0" lang="en-GB" sz="2000" spc="-1" strike="noStrike">
-              <a:solidFill>
-                <a:srgbClr val="000000"/>
-              </a:solidFill>
-              <a:uFill>
-                <a:solidFill>
-                  <a:srgbClr val="ffffff"/>
-                </a:solidFill>
-              </a:uFill>
-              <a:latin typeface="Arial"/>
-            </a:endParaRPr>
           </a:p>
         </p:txBody>
       </p:sp>
     </p:spTree>
   </p:cSld>
-  <p:clrMap bg1="lt1" bg2="lt2" tx1="dk1" tx2="dk2" accent1="accent1" accent2="accent2" accent3="accent3" accent4="accent4" accent5="accent5" accent6="accent6" hlink="hlink" folHlink="folHlink"/>
+  <p:clrMap bg1="lt1" tx1="dk1" bg2="lt2" tx2="dk2" accent1="accent1" accent2="accent2" accent3="accent3" accent4="accent4" accent5="accent5" accent6="accent6" hlink="hlink" folHlink="folHlink"/>
   <p:sldLayoutIdLst>
-    <p:sldLayoutId id="2147483649" r:id="rId2"/>
-    <p:sldLayoutId id="2147483650" r:id="rId3"/>
-    <p:sldLayoutId id="2147483651" r:id="rId4"/>
-    <p:sldLayoutId id="2147483652" r:id="rId5"/>
-    <p:sldLayoutId id="2147483653" r:id="rId6"/>
-    <p:sldLayoutId id="2147483654" r:id="rId7"/>
-    <p:sldLayoutId id="2147483655" r:id="rId8"/>
-    <p:sldLayoutId id="2147483656" r:id="rId9"/>
-    <p:sldLayoutId id="2147483657" r:id="rId10"/>
-    <p:sldLayoutId id="2147483658" r:id="rId11"/>
-    <p:sldLayoutId id="2147483659" r:id="rId12"/>
-    <p:sldLayoutId id="2147483660" r:id="rId13"/>
+    <p:sldLayoutId id="2147483649" r:id="rId1"/>
+    <p:sldLayoutId id="2147483650" r:id="rId2"/>
+    <p:sldLayoutId id="2147483651" r:id="rId3"/>
+    <p:sldLayoutId id="2147483652" r:id="rId4"/>
+    <p:sldLayoutId id="2147483653" r:id="rId5"/>
+    <p:sldLayoutId id="2147483654" r:id="rId6"/>
+    <p:sldLayoutId id="2147483655" r:id="rId7"/>
+    <p:sldLayoutId id="2147483656" r:id="rId8"/>
+    <p:sldLayoutId id="2147483657" r:id="rId9"/>
+    <p:sldLayoutId id="2147483658" r:id="rId10"/>
+    <p:sldLayoutId id="2147483659" r:id="rId11"/>
+    <p:sldLayoutId id="2147483660" r:id="rId12"/>
   </p:sldLayoutIdLst>
+  <p:txStyles>
+    <p:titleStyle>
+      <a:lvl1pPr algn="l" defTabSz="914400" rtl="0" eaLnBrk="1" latinLnBrk="0" hangingPunct="1">
+        <a:lnSpc>
+          <a:spcPct val="90000"/>
+        </a:lnSpc>
+        <a:spcBef>
+          <a:spcPct val="0"/>
+        </a:spcBef>
+        <a:buNone/>
+        <a:defRPr sz="4400" kern="1200">
+          <a:solidFill>
+            <a:schemeClr val="tx1"/>
+          </a:solidFill>
+          <a:latin typeface="+mj-lt"/>
+          <a:ea typeface="+mj-ea"/>
+          <a:cs typeface="+mj-cs"/>
+        </a:defRPr>
+      </a:lvl1pPr>
+    </p:titleStyle>
+    <p:bodyStyle>
+      <a:lvl1pPr marL="228600" indent="-228600" algn="l" defTabSz="914400" rtl="0" eaLnBrk="1" latinLnBrk="0" hangingPunct="1">
+        <a:lnSpc>
+          <a:spcPct val="90000"/>
+        </a:lnSpc>
+        <a:spcBef>
+          <a:spcPts val="1000"/>
+        </a:spcBef>
+        <a:buFont typeface="Arial"/>
+        <a:buChar char="•"/>
+        <a:defRPr sz="2800" kern="1200">
+          <a:solidFill>
+            <a:schemeClr val="tx1"/>
+          </a:solidFill>
+          <a:latin typeface="+mn-lt"/>
+          <a:ea typeface="+mn-ea"/>
+          <a:cs typeface="+mn-cs"/>
+        </a:defRPr>
+      </a:lvl1pPr>
+      <a:lvl2pPr marL="685800" indent="-228600" algn="l" defTabSz="914400" rtl="0" eaLnBrk="1" latinLnBrk="0" hangingPunct="1">
+        <a:lnSpc>
+          <a:spcPct val="90000"/>
+        </a:lnSpc>
+        <a:spcBef>
+          <a:spcPts val="500"/>
+        </a:spcBef>
+        <a:buFont typeface="Arial"/>
+        <a:buChar char="•"/>
+        <a:defRPr sz="2400" kern="1200">
+          <a:solidFill>
+            <a:schemeClr val="tx1"/>
+          </a:solidFill>
+          <a:latin typeface="+mn-lt"/>
+          <a:ea typeface="+mn-ea"/>
+          <a:cs typeface="+mn-cs"/>
+        </a:defRPr>
+      </a:lvl2pPr>
+      <a:lvl3pPr marL="1143000" indent="-228600" algn="l" defTabSz="914400" rtl="0" eaLnBrk="1" latinLnBrk="0" hangingPunct="1">
+        <a:lnSpc>
+          <a:spcPct val="90000"/>
+        </a:lnSpc>
+        <a:spcBef>
+          <a:spcPts val="500"/>
+        </a:spcBef>
+        <a:buFont typeface="Arial"/>
+        <a:buChar char="•"/>
+        <a:defRPr sz="2000" kern="1200">
+          <a:solidFill>
+            <a:schemeClr val="tx1"/>
+          </a:solidFill>
+          <a:latin typeface="+mn-lt"/>
+          <a:ea typeface="+mn-ea"/>
+          <a:cs typeface="+mn-cs"/>
+        </a:defRPr>
+      </a:lvl3pPr>
+      <a:lvl4pPr marL="1600200" indent="-228600" algn="l" defTabSz="914400" rtl="0" eaLnBrk="1" latinLnBrk="0" hangingPunct="1">
+        <a:lnSpc>
+          <a:spcPct val="90000"/>
+        </a:lnSpc>
+        <a:spcBef>
+          <a:spcPts val="500"/>
+        </a:spcBef>
+        <a:buFont typeface="Arial"/>
+        <a:buChar char="•"/>
+        <a:defRPr sz="1800" kern="1200">
+          <a:solidFill>
+            <a:schemeClr val="tx1"/>
+          </a:solidFill>
+          <a:latin typeface="+mn-lt"/>
+          <a:ea typeface="+mn-ea"/>
+          <a:cs typeface="+mn-cs"/>
+        </a:defRPr>
+      </a:lvl4pPr>
+      <a:lvl5pPr marL="2057400" indent="-228600" algn="l" defTabSz="914400" rtl="0" eaLnBrk="1" latinLnBrk="0" hangingPunct="1">
+        <a:lnSpc>
+          <a:spcPct val="90000"/>
+        </a:lnSpc>
+        <a:spcBef>
+          <a:spcPts val="500"/>
+        </a:spcBef>
+        <a:buFont typeface="Arial"/>
+        <a:buChar char="•"/>
+        <a:defRPr sz="1800" kern="1200">
+          <a:solidFill>
+            <a:schemeClr val="tx1"/>
+          </a:solidFill>
+          <a:latin typeface="+mn-lt"/>
+          <a:ea typeface="+mn-ea"/>
+          <a:cs typeface="+mn-cs"/>
+        </a:defRPr>
+      </a:lvl5pPr>
+      <a:lvl6pPr marL="2514600" indent="-228600" algn="l" defTabSz="914400" rtl="0" eaLnBrk="1" latinLnBrk="0" hangingPunct="1">
+        <a:lnSpc>
+          <a:spcPct val="90000"/>
+        </a:lnSpc>
+        <a:spcBef>
+          <a:spcPts val="500"/>
+        </a:spcBef>
+        <a:buFont typeface="Arial"/>
+        <a:buChar char="•"/>
+        <a:defRPr sz="1800" kern="1200">
+          <a:solidFill>
+            <a:schemeClr val="tx1"/>
+          </a:solidFill>
+          <a:latin typeface="+mn-lt"/>
+          <a:ea typeface="+mn-ea"/>
+          <a:cs typeface="+mn-cs"/>
+        </a:defRPr>
+      </a:lvl6pPr>
+      <a:lvl7pPr marL="2971800" indent="-228600" algn="l" defTabSz="914400" rtl="0" eaLnBrk="1" latinLnBrk="0" hangingPunct="1">
+        <a:lnSpc>
+          <a:spcPct val="90000"/>
+        </a:lnSpc>
+        <a:spcBef>
+          <a:spcPts val="500"/>
+        </a:spcBef>
+        <a:buFont typeface="Arial"/>
+        <a:buChar char="•"/>
+        <a:defRPr sz="1800" kern="1200">
+          <a:solidFill>
+            <a:schemeClr val="tx1"/>
+          </a:solidFill>
+          <a:latin typeface="+mn-lt"/>
+          <a:ea typeface="+mn-ea"/>
+          <a:cs typeface="+mn-cs"/>
+        </a:defRPr>
+      </a:lvl7pPr>
+      <a:lvl8pPr marL="3429000" indent="-228600" algn="l" defTabSz="914400" rtl="0" eaLnBrk="1" latinLnBrk="0" hangingPunct="1">
+        <a:lnSpc>
+          <a:spcPct val="90000"/>
+        </a:lnSpc>
+        <a:spcBef>
+          <a:spcPts val="500"/>
+        </a:spcBef>
+        <a:buFont typeface="Arial"/>
+        <a:buChar char="•"/>
+        <a:defRPr sz="1800" kern="1200">
+          <a:solidFill>
+            <a:schemeClr val="tx1"/>
+          </a:solidFill>
+          <a:latin typeface="+mn-lt"/>
+          <a:ea typeface="+mn-ea"/>
+          <a:cs typeface="+mn-cs"/>
+        </a:defRPr>
+      </a:lvl8pPr>
+      <a:lvl9pPr marL="3886200" indent="-228600" algn="l" defTabSz="914400" rtl="0" eaLnBrk="1" latinLnBrk="0" hangingPunct="1">
+        <a:lnSpc>
+          <a:spcPct val="90000"/>
+        </a:lnSpc>
+        <a:spcBef>
+          <a:spcPts val="500"/>
+        </a:spcBef>
+        <a:buFont typeface="Arial"/>
+        <a:buChar char="•"/>
+        <a:defRPr sz="1800" kern="1200">
+          <a:solidFill>
+            <a:schemeClr val="tx1"/>
+          </a:solidFill>
+          <a:latin typeface="+mn-lt"/>
+          <a:ea typeface="+mn-ea"/>
+          <a:cs typeface="+mn-cs"/>
+        </a:defRPr>
+      </a:lvl9pPr>
+    </p:bodyStyle>
+    <p:otherStyle>
+      <a:defPPr>
+        <a:defRPr lang="en-US"/>
+      </a:defPPr>
+      <a:lvl1pPr marL="0" algn="l" defTabSz="914400" rtl="0" eaLnBrk="1" latinLnBrk="0" hangingPunct="1">
+        <a:defRPr sz="1800" kern="1200">
+          <a:solidFill>
+            <a:schemeClr val="tx1"/>
+          </a:solidFill>
+          <a:latin typeface="+mn-lt"/>
+          <a:ea typeface="+mn-ea"/>
+          <a:cs typeface="+mn-cs"/>
+        </a:defRPr>
+      </a:lvl1pPr>
+      <a:lvl2pPr marL="457200" algn="l" defTabSz="914400" rtl="0" eaLnBrk="1" latinLnBrk="0" hangingPunct="1">
+        <a:defRPr sz="1800" kern="1200">
+          <a:solidFill>
+            <a:schemeClr val="tx1"/>
+          </a:solidFill>
+          <a:latin typeface="+mn-lt"/>
+          <a:ea typeface="+mn-ea"/>
+          <a:cs typeface="+mn-cs"/>
+        </a:defRPr>
+      </a:lvl2pPr>
+      <a:lvl3pPr marL="914400" algn="l" defTabSz="914400" rtl="0" eaLnBrk="1" latinLnBrk="0" hangingPunct="1">
+        <a:defRPr sz="1800" kern="1200">
+          <a:solidFill>
+            <a:schemeClr val="tx1"/>
+          </a:solidFill>
+          <a:latin typeface="+mn-lt"/>
+          <a:ea typeface="+mn-ea"/>
+          <a:cs typeface="+mn-cs"/>
+        </a:defRPr>
+      </a:lvl3pPr>
+      <a:lvl4pPr marL="1371600" algn="l" defTabSz="914400" rtl="0" eaLnBrk="1" latinLnBrk="0" hangingPunct="1">
+        <a:defRPr sz="1800" kern="1200">
+          <a:solidFill>
+            <a:schemeClr val="tx1"/>
+          </a:solidFill>
+          <a:latin typeface="+mn-lt"/>
+          <a:ea typeface="+mn-ea"/>
+          <a:cs typeface="+mn-cs"/>
+        </a:defRPr>
+      </a:lvl4pPr>
+      <a:lvl5pPr marL="1828800" algn="l" defTabSz="914400" rtl="0" eaLnBrk="1" latinLnBrk="0" hangingPunct="1">
+        <a:defRPr sz="1800" kern="1200">
+          <a:solidFill>
+            <a:schemeClr val="tx1"/>
+          </a:solidFill>
+          <a:latin typeface="+mn-lt"/>
+          <a:ea typeface="+mn-ea"/>
+          <a:cs typeface="+mn-cs"/>
+        </a:defRPr>
+      </a:lvl5pPr>
+      <a:lvl6pPr marL="2286000" algn="l" defTabSz="914400" rtl="0" eaLnBrk="1" latinLnBrk="0" hangingPunct="1">
+        <a:defRPr sz="1800" kern="1200">
+          <a:solidFill>
+            <a:schemeClr val="tx1"/>
+          </a:solidFill>
+          <a:latin typeface="+mn-lt"/>
+          <a:ea typeface="+mn-ea"/>
+          <a:cs typeface="+mn-cs"/>
+        </a:defRPr>
+      </a:lvl6pPr>
+      <a:lvl7pPr marL="2743200" algn="l" defTabSz="914400" rtl="0" eaLnBrk="1" latinLnBrk="0" hangingPunct="1">
+        <a:defRPr sz="1800" kern="1200">
+          <a:solidFill>
+            <a:schemeClr val="tx1"/>
+          </a:solidFill>
+          <a:latin typeface="+mn-lt"/>
+          <a:ea typeface="+mn-ea"/>
+          <a:cs typeface="+mn-cs"/>
+        </a:defRPr>
+      </a:lvl7pPr>
+      <a:lvl8pPr marL="3200400" algn="l" defTabSz="914400" rtl="0" eaLnBrk="1" latinLnBrk="0" hangingPunct="1">
+        <a:defRPr sz="1800" kern="1200">
+          <a:solidFill>
+            <a:schemeClr val="tx1"/>
+          </a:solidFill>
+          <a:latin typeface="+mn-lt"/>
+          <a:ea typeface="+mn-ea"/>
+          <a:cs typeface="+mn-cs"/>
+        </a:defRPr>
+      </a:lvl8pPr>
+      <a:lvl9pPr marL="3657600" algn="l" defTabSz="914400" rtl="0" eaLnBrk="1" latinLnBrk="0" hangingPunct="1">
+        <a:defRPr sz="1800" kern="1200">
+          <a:solidFill>
+            <a:schemeClr val="tx1"/>
+          </a:solidFill>
+          <a:latin typeface="+mn-lt"/>
+          <a:ea typeface="+mn-ea"/>
+          <a:cs typeface="+mn-cs"/>
+        </a:defRPr>
+      </a:lvl9pPr>
+    </p:otherStyle>
+  </p:txStyles>
 </p:sldMaster>
 </file>
 
 <file path=ppt/slideMasters/slideMaster2.xml><?xml version="1.0" encoding="utf-8"?>
-<p:sldMaster xmlns:a="http://schemas.openxmlformats.org/drawingml/2006/main" xmlns:p="http://schemas.openxmlformats.org/presentationml/2006/main" xmlns:r="http://schemas.openxmlformats.org/officeDocument/2006/relationships" xmlns:p14="http://schemas.microsoft.com/office/powerpoint/2010/main" xmlns:p15="http://schemas.microsoft.com/office/powerpoint/2012/main" xmlns:mc="http://schemas.openxmlformats.org/markup-compatibility/2006">
+<p:sldMaster xmlns:a="http://schemas.openxmlformats.org/drawingml/2006/main" xmlns:r="http://schemas.openxmlformats.org/officeDocument/2006/relationships" xmlns:p="http://schemas.openxmlformats.org/presentationml/2006/main">
   <p:cSld>
     <p:bg>
       <p:bgPr>
         <a:solidFill>
-          <a:srgbClr val="ffffff"/>
+          <a:srgbClr val="FFFFFF"/>
         </a:solidFill>
+        <a:effectLst/>
       </p:bgPr>
     </p:bg>
     <p:spTree>
@@ -5625,34 +6222,24 @@
           </a:prstGeom>
         </p:spPr>
         <p:txBody>
-          <a:bodyPr lIns="0" rIns="0" tIns="0" bIns="0" anchor="ctr"/>
+          <a:bodyPr lIns="0" tIns="0" rIns="0" bIns="0" anchor="ctr"/>
+          <a:lstStyle/>
           <a:p>
             <a:pPr algn="ctr"/>
             <a:r>
-              <a:rPr b="0" lang="en-GB" sz="4400" spc="-1" strike="noStrike">
+              <a:rPr lang="en-GB" sz="4400" b="0" strike="noStrike" spc="-1">
                 <a:solidFill>
                   <a:srgbClr val="000000"/>
                 </a:solidFill>
                 <a:uFill>
                   <a:solidFill>
-                    <a:srgbClr val="ffffff"/>
+                    <a:srgbClr val="FFFFFF"/>
                   </a:solidFill>
                 </a:uFill>
                 <a:latin typeface="Arial"/>
               </a:rPr>
               <a:t>Click to edit the title text format</a:t>
             </a:r>
-            <a:endParaRPr b="0" lang="en-GB" sz="4400" spc="-1" strike="noStrike">
-              <a:solidFill>
-                <a:srgbClr val="000000"/>
-              </a:solidFill>
-              <a:uFill>
-                <a:solidFill>
-                  <a:srgbClr val="ffffff"/>
-                </a:solidFill>
-              </a:uFill>
-              <a:latin typeface="Arial"/>
-            </a:endParaRPr>
           </a:p>
         </p:txBody>
       </p:sp>
@@ -5676,7 +6263,8 @@
           </a:prstGeom>
         </p:spPr>
         <p:txBody>
-          <a:bodyPr lIns="0" rIns="0" tIns="0" bIns="0"/>
+          <a:bodyPr lIns="0" tIns="0" rIns="0" bIns="0"/>
+          <a:lstStyle/>
           <a:p>
             <a:pPr marL="432000" indent="-324000">
               <a:spcBef>
@@ -5690,33 +6278,22 @@
               <a:buChar char=""/>
             </a:pPr>
             <a:r>
-              <a:rPr b="0" lang="en-GB" sz="3200" spc="-1" strike="noStrike">
+              <a:rPr lang="en-GB" sz="3200" b="0" strike="noStrike" spc="-1">
                 <a:solidFill>
                   <a:srgbClr val="000000"/>
                 </a:solidFill>
                 <a:uFill>
                   <a:solidFill>
-                    <a:srgbClr val="ffffff"/>
+                    <a:srgbClr val="FFFFFF"/>
                   </a:solidFill>
                 </a:uFill>
                 <a:latin typeface="Arial"/>
               </a:rPr>
               <a:t>Click to edit the outline text format</a:t>
             </a:r>
-            <a:endParaRPr b="0" lang="en-GB" sz="3200" spc="-1" strike="noStrike">
-              <a:solidFill>
-                <a:srgbClr val="000000"/>
-              </a:solidFill>
-              <a:uFill>
-                <a:solidFill>
-                  <a:srgbClr val="ffffff"/>
-                </a:solidFill>
-              </a:uFill>
-              <a:latin typeface="Arial"/>
-            </a:endParaRPr>
-          </a:p>
-          <a:p>
-            <a:pPr lvl="1" marL="864000" indent="-324000">
+          </a:p>
+          <a:p>
+            <a:pPr marL="864000" lvl="1" indent="-324000">
               <a:spcBef>
                 <a:spcPts val="1134"/>
               </a:spcBef>
@@ -5728,33 +6305,22 @@
               <a:buChar char=""/>
             </a:pPr>
             <a:r>
-              <a:rPr b="0" lang="en-GB" sz="2800" spc="-1" strike="noStrike">
+              <a:rPr lang="en-GB" sz="2800" b="0" strike="noStrike" spc="-1">
                 <a:solidFill>
                   <a:srgbClr val="000000"/>
                 </a:solidFill>
                 <a:uFill>
                   <a:solidFill>
-                    <a:srgbClr val="ffffff"/>
+                    <a:srgbClr val="FFFFFF"/>
                   </a:solidFill>
                 </a:uFill>
                 <a:latin typeface="Arial"/>
               </a:rPr>
               <a:t>Second Outline Level</a:t>
             </a:r>
-            <a:endParaRPr b="0" lang="en-GB" sz="2800" spc="-1" strike="noStrike">
-              <a:solidFill>
-                <a:srgbClr val="000000"/>
-              </a:solidFill>
-              <a:uFill>
-                <a:solidFill>
-                  <a:srgbClr val="ffffff"/>
-                </a:solidFill>
-              </a:uFill>
-              <a:latin typeface="Arial"/>
-            </a:endParaRPr>
-          </a:p>
-          <a:p>
-            <a:pPr lvl="2" marL="1296000" indent="-288000">
+          </a:p>
+          <a:p>
+            <a:pPr marL="1296000" lvl="2" indent="-288000">
               <a:spcBef>
                 <a:spcPts val="850"/>
               </a:spcBef>
@@ -5766,33 +6332,22 @@
               <a:buChar char=""/>
             </a:pPr>
             <a:r>
-              <a:rPr b="0" lang="en-GB" sz="2400" spc="-1" strike="noStrike">
+              <a:rPr lang="en-GB" sz="2400" b="0" strike="noStrike" spc="-1">
                 <a:solidFill>
                   <a:srgbClr val="000000"/>
                 </a:solidFill>
                 <a:uFill>
                   <a:solidFill>
-                    <a:srgbClr val="ffffff"/>
+                    <a:srgbClr val="FFFFFF"/>
                   </a:solidFill>
                 </a:uFill>
                 <a:latin typeface="Arial"/>
               </a:rPr>
               <a:t>Third Outline Level</a:t>
             </a:r>
-            <a:endParaRPr b="0" lang="en-GB" sz="2400" spc="-1" strike="noStrike">
-              <a:solidFill>
-                <a:srgbClr val="000000"/>
-              </a:solidFill>
-              <a:uFill>
-                <a:solidFill>
-                  <a:srgbClr val="ffffff"/>
-                </a:solidFill>
-              </a:uFill>
-              <a:latin typeface="Arial"/>
-            </a:endParaRPr>
-          </a:p>
-          <a:p>
-            <a:pPr lvl="3" marL="1728000" indent="-216000">
+          </a:p>
+          <a:p>
+            <a:pPr marL="1728000" lvl="3" indent="-216000">
               <a:spcBef>
                 <a:spcPts val="567"/>
               </a:spcBef>
@@ -5804,33 +6359,22 @@
               <a:buChar char=""/>
             </a:pPr>
             <a:r>
-              <a:rPr b="0" lang="en-GB" sz="2000" spc="-1" strike="noStrike">
+              <a:rPr lang="en-GB" sz="2000" b="0" strike="noStrike" spc="-1">
                 <a:solidFill>
                   <a:srgbClr val="000000"/>
                 </a:solidFill>
                 <a:uFill>
                   <a:solidFill>
-                    <a:srgbClr val="ffffff"/>
+                    <a:srgbClr val="FFFFFF"/>
                   </a:solidFill>
                 </a:uFill>
                 <a:latin typeface="Arial"/>
               </a:rPr>
               <a:t>Fourth Outline Level</a:t>
             </a:r>
-            <a:endParaRPr b="0" lang="en-GB" sz="2000" spc="-1" strike="noStrike">
-              <a:solidFill>
-                <a:srgbClr val="000000"/>
-              </a:solidFill>
-              <a:uFill>
-                <a:solidFill>
-                  <a:srgbClr val="ffffff"/>
-                </a:solidFill>
-              </a:uFill>
-              <a:latin typeface="Arial"/>
-            </a:endParaRPr>
-          </a:p>
-          <a:p>
-            <a:pPr lvl="4" marL="2160000" indent="-216000">
+          </a:p>
+          <a:p>
+            <a:pPr marL="2160000" lvl="4" indent="-216000">
               <a:spcBef>
                 <a:spcPts val="283"/>
               </a:spcBef>
@@ -5842,33 +6386,22 @@
               <a:buChar char=""/>
             </a:pPr>
             <a:r>
-              <a:rPr b="0" lang="en-GB" sz="2000" spc="-1" strike="noStrike">
+              <a:rPr lang="en-GB" sz="2000" b="0" strike="noStrike" spc="-1">
                 <a:solidFill>
                   <a:srgbClr val="000000"/>
                 </a:solidFill>
                 <a:uFill>
                   <a:solidFill>
-                    <a:srgbClr val="ffffff"/>
+                    <a:srgbClr val="FFFFFF"/>
                   </a:solidFill>
                 </a:uFill>
                 <a:latin typeface="Arial"/>
               </a:rPr>
               <a:t>Fifth Outline Level</a:t>
             </a:r>
-            <a:endParaRPr b="0" lang="en-GB" sz="2000" spc="-1" strike="noStrike">
-              <a:solidFill>
-                <a:srgbClr val="000000"/>
-              </a:solidFill>
-              <a:uFill>
-                <a:solidFill>
-                  <a:srgbClr val="ffffff"/>
-                </a:solidFill>
-              </a:uFill>
-              <a:latin typeface="Arial"/>
-            </a:endParaRPr>
-          </a:p>
-          <a:p>
-            <a:pPr lvl="5" marL="2592000" indent="-216000">
+          </a:p>
+          <a:p>
+            <a:pPr marL="2592000" lvl="5" indent="-216000">
               <a:spcBef>
                 <a:spcPts val="283"/>
               </a:spcBef>
@@ -5880,33 +6413,22 @@
               <a:buChar char=""/>
             </a:pPr>
             <a:r>
-              <a:rPr b="0" lang="en-GB" sz="2000" spc="-1" strike="noStrike">
+              <a:rPr lang="en-GB" sz="2000" b="0" strike="noStrike" spc="-1">
                 <a:solidFill>
                   <a:srgbClr val="000000"/>
                 </a:solidFill>
                 <a:uFill>
                   <a:solidFill>
-                    <a:srgbClr val="ffffff"/>
+                    <a:srgbClr val="FFFFFF"/>
                   </a:solidFill>
                 </a:uFill>
                 <a:latin typeface="Arial"/>
               </a:rPr>
               <a:t>Sixth Outline Level</a:t>
             </a:r>
-            <a:endParaRPr b="0" lang="en-GB" sz="2000" spc="-1" strike="noStrike">
-              <a:solidFill>
-                <a:srgbClr val="000000"/>
-              </a:solidFill>
-              <a:uFill>
-                <a:solidFill>
-                  <a:srgbClr val="ffffff"/>
-                </a:solidFill>
-              </a:uFill>
-              <a:latin typeface="Arial"/>
-            </a:endParaRPr>
-          </a:p>
-          <a:p>
-            <a:pPr lvl="6" marL="3024000" indent="-216000">
+          </a:p>
+          <a:p>
+            <a:pPr marL="3024000" lvl="6" indent="-216000">
               <a:spcBef>
                 <a:spcPts val="283"/>
               </a:spcBef>
@@ -5918,61 +6440,331 @@
               <a:buChar char=""/>
             </a:pPr>
             <a:r>
-              <a:rPr b="0" lang="en-GB" sz="2000" spc="-1" strike="noStrike">
+              <a:rPr lang="en-GB" sz="2000" b="0" strike="noStrike" spc="-1">
                 <a:solidFill>
                   <a:srgbClr val="000000"/>
                 </a:solidFill>
                 <a:uFill>
                   <a:solidFill>
-                    <a:srgbClr val="ffffff"/>
+                    <a:srgbClr val="FFFFFF"/>
                   </a:solidFill>
                 </a:uFill>
                 <a:latin typeface="Arial"/>
               </a:rPr>
               <a:t>Seventh Outline Level</a:t>
             </a:r>
-            <a:endParaRPr b="0" lang="en-GB" sz="2000" spc="-1" strike="noStrike">
-              <a:solidFill>
-                <a:srgbClr val="000000"/>
-              </a:solidFill>
-              <a:uFill>
-                <a:solidFill>
-                  <a:srgbClr val="ffffff"/>
-                </a:solidFill>
-              </a:uFill>
-              <a:latin typeface="Arial"/>
-            </a:endParaRPr>
           </a:p>
         </p:txBody>
       </p:sp>
     </p:spTree>
   </p:cSld>
-  <p:clrMap bg1="lt1" bg2="lt2" tx1="dk1" tx2="dk2" accent1="accent1" accent2="accent2" accent3="accent3" accent4="accent4" accent5="accent5" accent6="accent6" hlink="hlink" folHlink="folHlink"/>
+  <p:clrMap bg1="lt1" tx1="dk1" bg2="lt2" tx2="dk2" accent1="accent1" accent2="accent2" accent3="accent3" accent4="accent4" accent5="accent5" accent6="accent6" hlink="hlink" folHlink="folHlink"/>
   <p:sldLayoutIdLst>
-    <p:sldLayoutId id="2147483662" r:id="rId2"/>
-    <p:sldLayoutId id="2147483663" r:id="rId3"/>
-    <p:sldLayoutId id="2147483664" r:id="rId4"/>
-    <p:sldLayoutId id="2147483665" r:id="rId5"/>
-    <p:sldLayoutId id="2147483666" r:id="rId6"/>
-    <p:sldLayoutId id="2147483667" r:id="rId7"/>
-    <p:sldLayoutId id="2147483668" r:id="rId8"/>
-    <p:sldLayoutId id="2147483669" r:id="rId9"/>
-    <p:sldLayoutId id="2147483670" r:id="rId10"/>
-    <p:sldLayoutId id="2147483671" r:id="rId11"/>
-    <p:sldLayoutId id="2147483672" r:id="rId12"/>
-    <p:sldLayoutId id="2147483673" r:id="rId13"/>
+    <p:sldLayoutId id="2147483662" r:id="rId1"/>
+    <p:sldLayoutId id="2147483663" r:id="rId2"/>
+    <p:sldLayoutId id="2147483664" r:id="rId3"/>
+    <p:sldLayoutId id="2147483665" r:id="rId4"/>
+    <p:sldLayoutId id="2147483666" r:id="rId5"/>
+    <p:sldLayoutId id="2147483667" r:id="rId6"/>
+    <p:sldLayoutId id="2147483668" r:id="rId7"/>
+    <p:sldLayoutId id="2147483669" r:id="rId8"/>
+    <p:sldLayoutId id="2147483670" r:id="rId9"/>
+    <p:sldLayoutId id="2147483671" r:id="rId10"/>
+    <p:sldLayoutId id="2147483672" r:id="rId11"/>
+    <p:sldLayoutId id="2147483673" r:id="rId12"/>
   </p:sldLayoutIdLst>
+  <p:txStyles>
+    <p:titleStyle>
+      <a:lvl1pPr algn="l" defTabSz="914400" rtl="0" eaLnBrk="1" latinLnBrk="0" hangingPunct="1">
+        <a:lnSpc>
+          <a:spcPct val="90000"/>
+        </a:lnSpc>
+        <a:spcBef>
+          <a:spcPct val="0"/>
+        </a:spcBef>
+        <a:buNone/>
+        <a:defRPr sz="4400" kern="1200">
+          <a:solidFill>
+            <a:schemeClr val="tx1"/>
+          </a:solidFill>
+          <a:latin typeface="+mj-lt"/>
+          <a:ea typeface="+mj-ea"/>
+          <a:cs typeface="+mj-cs"/>
+        </a:defRPr>
+      </a:lvl1pPr>
+    </p:titleStyle>
+    <p:bodyStyle>
+      <a:lvl1pPr marL="228600" indent="-228600" algn="l" defTabSz="914400" rtl="0" eaLnBrk="1" latinLnBrk="0" hangingPunct="1">
+        <a:lnSpc>
+          <a:spcPct val="90000"/>
+        </a:lnSpc>
+        <a:spcBef>
+          <a:spcPts val="1000"/>
+        </a:spcBef>
+        <a:buFont typeface="Arial"/>
+        <a:buChar char="•"/>
+        <a:defRPr sz="2800" kern="1200">
+          <a:solidFill>
+            <a:schemeClr val="tx1"/>
+          </a:solidFill>
+          <a:latin typeface="+mn-lt"/>
+          <a:ea typeface="+mn-ea"/>
+          <a:cs typeface="+mn-cs"/>
+        </a:defRPr>
+      </a:lvl1pPr>
+      <a:lvl2pPr marL="685800" indent="-228600" algn="l" defTabSz="914400" rtl="0" eaLnBrk="1" latinLnBrk="0" hangingPunct="1">
+        <a:lnSpc>
+          <a:spcPct val="90000"/>
+        </a:lnSpc>
+        <a:spcBef>
+          <a:spcPts val="500"/>
+        </a:spcBef>
+        <a:buFont typeface="Arial"/>
+        <a:buChar char="•"/>
+        <a:defRPr sz="2400" kern="1200">
+          <a:solidFill>
+            <a:schemeClr val="tx1"/>
+          </a:solidFill>
+          <a:latin typeface="+mn-lt"/>
+          <a:ea typeface="+mn-ea"/>
+          <a:cs typeface="+mn-cs"/>
+        </a:defRPr>
+      </a:lvl2pPr>
+      <a:lvl3pPr marL="1143000" indent="-228600" algn="l" defTabSz="914400" rtl="0" eaLnBrk="1" latinLnBrk="0" hangingPunct="1">
+        <a:lnSpc>
+          <a:spcPct val="90000"/>
+        </a:lnSpc>
+        <a:spcBef>
+          <a:spcPts val="500"/>
+        </a:spcBef>
+        <a:buFont typeface="Arial"/>
+        <a:buChar char="•"/>
+        <a:defRPr sz="2000" kern="1200">
+          <a:solidFill>
+            <a:schemeClr val="tx1"/>
+          </a:solidFill>
+          <a:latin typeface="+mn-lt"/>
+          <a:ea typeface="+mn-ea"/>
+          <a:cs typeface="+mn-cs"/>
+        </a:defRPr>
+      </a:lvl3pPr>
+      <a:lvl4pPr marL="1600200" indent="-228600" algn="l" defTabSz="914400" rtl="0" eaLnBrk="1" latinLnBrk="0" hangingPunct="1">
+        <a:lnSpc>
+          <a:spcPct val="90000"/>
+        </a:lnSpc>
+        <a:spcBef>
+          <a:spcPts val="500"/>
+        </a:spcBef>
+        <a:buFont typeface="Arial"/>
+        <a:buChar char="•"/>
+        <a:defRPr sz="1800" kern="1200">
+          <a:solidFill>
+            <a:schemeClr val="tx1"/>
+          </a:solidFill>
+          <a:latin typeface="+mn-lt"/>
+          <a:ea typeface="+mn-ea"/>
+          <a:cs typeface="+mn-cs"/>
+        </a:defRPr>
+      </a:lvl4pPr>
+      <a:lvl5pPr marL="2057400" indent="-228600" algn="l" defTabSz="914400" rtl="0" eaLnBrk="1" latinLnBrk="0" hangingPunct="1">
+        <a:lnSpc>
+          <a:spcPct val="90000"/>
+        </a:lnSpc>
+        <a:spcBef>
+          <a:spcPts val="500"/>
+        </a:spcBef>
+        <a:buFont typeface="Arial"/>
+        <a:buChar char="•"/>
+        <a:defRPr sz="1800" kern="1200">
+          <a:solidFill>
+            <a:schemeClr val="tx1"/>
+          </a:solidFill>
+          <a:latin typeface="+mn-lt"/>
+          <a:ea typeface="+mn-ea"/>
+          <a:cs typeface="+mn-cs"/>
+        </a:defRPr>
+      </a:lvl5pPr>
+      <a:lvl6pPr marL="2514600" indent="-228600" algn="l" defTabSz="914400" rtl="0" eaLnBrk="1" latinLnBrk="0" hangingPunct="1">
+        <a:lnSpc>
+          <a:spcPct val="90000"/>
+        </a:lnSpc>
+        <a:spcBef>
+          <a:spcPts val="500"/>
+        </a:spcBef>
+        <a:buFont typeface="Arial"/>
+        <a:buChar char="•"/>
+        <a:defRPr sz="1800" kern="1200">
+          <a:solidFill>
+            <a:schemeClr val="tx1"/>
+          </a:solidFill>
+          <a:latin typeface="+mn-lt"/>
+          <a:ea typeface="+mn-ea"/>
+          <a:cs typeface="+mn-cs"/>
+        </a:defRPr>
+      </a:lvl6pPr>
+      <a:lvl7pPr marL="2971800" indent="-228600" algn="l" defTabSz="914400" rtl="0" eaLnBrk="1" latinLnBrk="0" hangingPunct="1">
+        <a:lnSpc>
+          <a:spcPct val="90000"/>
+        </a:lnSpc>
+        <a:spcBef>
+          <a:spcPts val="500"/>
+        </a:spcBef>
+        <a:buFont typeface="Arial"/>
+        <a:buChar char="•"/>
+        <a:defRPr sz="1800" kern="1200">
+          <a:solidFill>
+            <a:schemeClr val="tx1"/>
+          </a:solidFill>
+          <a:latin typeface="+mn-lt"/>
+          <a:ea typeface="+mn-ea"/>
+          <a:cs typeface="+mn-cs"/>
+        </a:defRPr>
+      </a:lvl7pPr>
+      <a:lvl8pPr marL="3429000" indent="-228600" algn="l" defTabSz="914400" rtl="0" eaLnBrk="1" latinLnBrk="0" hangingPunct="1">
+        <a:lnSpc>
+          <a:spcPct val="90000"/>
+        </a:lnSpc>
+        <a:spcBef>
+          <a:spcPts val="500"/>
+        </a:spcBef>
+        <a:buFont typeface="Arial"/>
+        <a:buChar char="•"/>
+        <a:defRPr sz="1800" kern="1200">
+          <a:solidFill>
+            <a:schemeClr val="tx1"/>
+          </a:solidFill>
+          <a:latin typeface="+mn-lt"/>
+          <a:ea typeface="+mn-ea"/>
+          <a:cs typeface="+mn-cs"/>
+        </a:defRPr>
+      </a:lvl8pPr>
+      <a:lvl9pPr marL="3886200" indent="-228600" algn="l" defTabSz="914400" rtl="0" eaLnBrk="1" latinLnBrk="0" hangingPunct="1">
+        <a:lnSpc>
+          <a:spcPct val="90000"/>
+        </a:lnSpc>
+        <a:spcBef>
+          <a:spcPts val="500"/>
+        </a:spcBef>
+        <a:buFont typeface="Arial"/>
+        <a:buChar char="•"/>
+        <a:defRPr sz="1800" kern="1200">
+          <a:solidFill>
+            <a:schemeClr val="tx1"/>
+          </a:solidFill>
+          <a:latin typeface="+mn-lt"/>
+          <a:ea typeface="+mn-ea"/>
+          <a:cs typeface="+mn-cs"/>
+        </a:defRPr>
+      </a:lvl9pPr>
+    </p:bodyStyle>
+    <p:otherStyle>
+      <a:defPPr>
+        <a:defRPr lang="en-US"/>
+      </a:defPPr>
+      <a:lvl1pPr marL="0" algn="l" defTabSz="914400" rtl="0" eaLnBrk="1" latinLnBrk="0" hangingPunct="1">
+        <a:defRPr sz="1800" kern="1200">
+          <a:solidFill>
+            <a:schemeClr val="tx1"/>
+          </a:solidFill>
+          <a:latin typeface="+mn-lt"/>
+          <a:ea typeface="+mn-ea"/>
+          <a:cs typeface="+mn-cs"/>
+        </a:defRPr>
+      </a:lvl1pPr>
+      <a:lvl2pPr marL="457200" algn="l" defTabSz="914400" rtl="0" eaLnBrk="1" latinLnBrk="0" hangingPunct="1">
+        <a:defRPr sz="1800" kern="1200">
+          <a:solidFill>
+            <a:schemeClr val="tx1"/>
+          </a:solidFill>
+          <a:latin typeface="+mn-lt"/>
+          <a:ea typeface="+mn-ea"/>
+          <a:cs typeface="+mn-cs"/>
+        </a:defRPr>
+      </a:lvl2pPr>
+      <a:lvl3pPr marL="914400" algn="l" defTabSz="914400" rtl="0" eaLnBrk="1" latinLnBrk="0" hangingPunct="1">
+        <a:defRPr sz="1800" kern="1200">
+          <a:solidFill>
+            <a:schemeClr val="tx1"/>
+          </a:solidFill>
+          <a:latin typeface="+mn-lt"/>
+          <a:ea typeface="+mn-ea"/>
+          <a:cs typeface="+mn-cs"/>
+        </a:defRPr>
+      </a:lvl3pPr>
+      <a:lvl4pPr marL="1371600" algn="l" defTabSz="914400" rtl="0" eaLnBrk="1" latinLnBrk="0" hangingPunct="1">
+        <a:defRPr sz="1800" kern="1200">
+          <a:solidFill>
+            <a:schemeClr val="tx1"/>
+          </a:solidFill>
+          <a:latin typeface="+mn-lt"/>
+          <a:ea typeface="+mn-ea"/>
+          <a:cs typeface="+mn-cs"/>
+        </a:defRPr>
+      </a:lvl4pPr>
+      <a:lvl5pPr marL="1828800" algn="l" defTabSz="914400" rtl="0" eaLnBrk="1" latinLnBrk="0" hangingPunct="1">
+        <a:defRPr sz="1800" kern="1200">
+          <a:solidFill>
+            <a:schemeClr val="tx1"/>
+          </a:solidFill>
+          <a:latin typeface="+mn-lt"/>
+          <a:ea typeface="+mn-ea"/>
+          <a:cs typeface="+mn-cs"/>
+        </a:defRPr>
+      </a:lvl5pPr>
+      <a:lvl6pPr marL="2286000" algn="l" defTabSz="914400" rtl="0" eaLnBrk="1" latinLnBrk="0" hangingPunct="1">
+        <a:defRPr sz="1800" kern="1200">
+          <a:solidFill>
+            <a:schemeClr val="tx1"/>
+          </a:solidFill>
+          <a:latin typeface="+mn-lt"/>
+          <a:ea typeface="+mn-ea"/>
+          <a:cs typeface="+mn-cs"/>
+        </a:defRPr>
+      </a:lvl6pPr>
+      <a:lvl7pPr marL="2743200" algn="l" defTabSz="914400" rtl="0" eaLnBrk="1" latinLnBrk="0" hangingPunct="1">
+        <a:defRPr sz="1800" kern="1200">
+          <a:solidFill>
+            <a:schemeClr val="tx1"/>
+          </a:solidFill>
+          <a:latin typeface="+mn-lt"/>
+          <a:ea typeface="+mn-ea"/>
+          <a:cs typeface="+mn-cs"/>
+        </a:defRPr>
+      </a:lvl7pPr>
+      <a:lvl8pPr marL="3200400" algn="l" defTabSz="914400" rtl="0" eaLnBrk="1" latinLnBrk="0" hangingPunct="1">
+        <a:defRPr sz="1800" kern="1200">
+          <a:solidFill>
+            <a:schemeClr val="tx1"/>
+          </a:solidFill>
+          <a:latin typeface="+mn-lt"/>
+          <a:ea typeface="+mn-ea"/>
+          <a:cs typeface="+mn-cs"/>
+        </a:defRPr>
+      </a:lvl8pPr>
+      <a:lvl9pPr marL="3657600" algn="l" defTabSz="914400" rtl="0" eaLnBrk="1" latinLnBrk="0" hangingPunct="1">
+        <a:defRPr sz="1800" kern="1200">
+          <a:solidFill>
+            <a:schemeClr val="tx1"/>
+          </a:solidFill>
+          <a:latin typeface="+mn-lt"/>
+          <a:ea typeface="+mn-ea"/>
+          <a:cs typeface="+mn-cs"/>
+        </a:defRPr>
+      </a:lvl9pPr>
+    </p:otherStyle>
+  </p:txStyles>
 </p:sldMaster>
 </file>
 
 <file path=ppt/slideMasters/slideMaster3.xml><?xml version="1.0" encoding="utf-8"?>
-<p:sldMaster xmlns:a="http://schemas.openxmlformats.org/drawingml/2006/main" xmlns:p="http://schemas.openxmlformats.org/presentationml/2006/main" xmlns:r="http://schemas.openxmlformats.org/officeDocument/2006/relationships" xmlns:p14="http://schemas.microsoft.com/office/powerpoint/2010/main" xmlns:p15="http://schemas.microsoft.com/office/powerpoint/2012/main" xmlns:mc="http://schemas.openxmlformats.org/markup-compatibility/2006">
+<p:sldMaster xmlns:a="http://schemas.openxmlformats.org/drawingml/2006/main" xmlns:r="http://schemas.openxmlformats.org/officeDocument/2006/relationships" xmlns:p="http://schemas.openxmlformats.org/presentationml/2006/main">
   <p:cSld>
     <p:bg>
       <p:bgPr>
         <a:solidFill>
-          <a:srgbClr val="ffffff"/>
+          <a:srgbClr val="FFFFFF"/>
         </a:solidFill>
+        <a:effectLst/>
       </p:bgPr>
     </p:bg>
     <p:spTree>
@@ -6009,33 +6801,23 @@
           </a:prstGeom>
         </p:spPr>
         <p:txBody>
-          <a:bodyPr lIns="0" rIns="0" tIns="0" bIns="0" anchor="ctr"/>
+          <a:bodyPr lIns="0" tIns="0" rIns="0" bIns="0" anchor="ctr"/>
+          <a:lstStyle/>
           <a:p>
             <a:r>
-              <a:rPr b="0" lang="en-GB" sz="1800" spc="-1" strike="noStrike">
+              <a:rPr lang="en-GB" sz="1800" b="0" strike="noStrike" spc="-1">
                 <a:solidFill>
                   <a:srgbClr val="000000"/>
                 </a:solidFill>
                 <a:uFill>
                   <a:solidFill>
-                    <a:srgbClr val="ffffff"/>
+                    <a:srgbClr val="FFFFFF"/>
                   </a:solidFill>
                 </a:uFill>
                 <a:latin typeface="Arial"/>
               </a:rPr>
               <a:t>Click to edit the title text format</a:t>
             </a:r>
-            <a:endParaRPr b="0" lang="en-GB" sz="1800" spc="-1" strike="noStrike">
-              <a:solidFill>
-                <a:srgbClr val="000000"/>
-              </a:solidFill>
-              <a:uFill>
-                <a:solidFill>
-                  <a:srgbClr val="ffffff"/>
-                </a:solidFill>
-              </a:uFill>
-              <a:latin typeface="Arial"/>
-            </a:endParaRPr>
           </a:p>
         </p:txBody>
       </p:sp>
@@ -6059,7 +6841,8 @@
           </a:prstGeom>
         </p:spPr>
         <p:txBody>
-          <a:bodyPr lIns="0" rIns="0" tIns="0" bIns="0"/>
+          <a:bodyPr lIns="0" tIns="0" rIns="0" bIns="0"/>
+          <a:lstStyle/>
           <a:p>
             <a:pPr marL="432000" indent="-324000">
               <a:spcBef>
@@ -6073,33 +6856,22 @@
               <a:buChar char=""/>
             </a:pPr>
             <a:r>
-              <a:rPr b="0" lang="en-GB" sz="3200" spc="-1" strike="noStrike">
+              <a:rPr lang="en-GB" sz="3200" b="0" strike="noStrike" spc="-1">
                 <a:solidFill>
                   <a:srgbClr val="000000"/>
                 </a:solidFill>
                 <a:uFill>
                   <a:solidFill>
-                    <a:srgbClr val="ffffff"/>
+                    <a:srgbClr val="FFFFFF"/>
                   </a:solidFill>
                 </a:uFill>
                 <a:latin typeface="Arial"/>
               </a:rPr>
               <a:t>Click to edit the outline text format</a:t>
             </a:r>
-            <a:endParaRPr b="0" lang="en-GB" sz="3200" spc="-1" strike="noStrike">
-              <a:solidFill>
-                <a:srgbClr val="000000"/>
-              </a:solidFill>
-              <a:uFill>
-                <a:solidFill>
-                  <a:srgbClr val="ffffff"/>
-                </a:solidFill>
-              </a:uFill>
-              <a:latin typeface="Arial"/>
-            </a:endParaRPr>
-          </a:p>
-          <a:p>
-            <a:pPr lvl="1" marL="864000" indent="-324000">
+          </a:p>
+          <a:p>
+            <a:pPr marL="864000" lvl="1" indent="-324000">
               <a:spcBef>
                 <a:spcPts val="1134"/>
               </a:spcBef>
@@ -6111,33 +6883,22 @@
               <a:buChar char=""/>
             </a:pPr>
             <a:r>
-              <a:rPr b="0" lang="en-GB" sz="2800" spc="-1" strike="noStrike">
+              <a:rPr lang="en-GB" sz="2800" b="0" strike="noStrike" spc="-1">
                 <a:solidFill>
                   <a:srgbClr val="000000"/>
                 </a:solidFill>
                 <a:uFill>
                   <a:solidFill>
-                    <a:srgbClr val="ffffff"/>
+                    <a:srgbClr val="FFFFFF"/>
                   </a:solidFill>
                 </a:uFill>
                 <a:latin typeface="Arial"/>
               </a:rPr>
               <a:t>Second Outline Level</a:t>
             </a:r>
-            <a:endParaRPr b="0" lang="en-GB" sz="2800" spc="-1" strike="noStrike">
-              <a:solidFill>
-                <a:srgbClr val="000000"/>
-              </a:solidFill>
-              <a:uFill>
-                <a:solidFill>
-                  <a:srgbClr val="ffffff"/>
-                </a:solidFill>
-              </a:uFill>
-              <a:latin typeface="Arial"/>
-            </a:endParaRPr>
-          </a:p>
-          <a:p>
-            <a:pPr lvl="2" marL="1296000" indent="-288000">
+          </a:p>
+          <a:p>
+            <a:pPr marL="1296000" lvl="2" indent="-288000">
               <a:spcBef>
                 <a:spcPts val="850"/>
               </a:spcBef>
@@ -6149,33 +6910,22 @@
               <a:buChar char=""/>
             </a:pPr>
             <a:r>
-              <a:rPr b="0" lang="en-GB" sz="2400" spc="-1" strike="noStrike">
+              <a:rPr lang="en-GB" sz="2400" b="0" strike="noStrike" spc="-1">
                 <a:solidFill>
                   <a:srgbClr val="000000"/>
                 </a:solidFill>
                 <a:uFill>
                   <a:solidFill>
-                    <a:srgbClr val="ffffff"/>
+                    <a:srgbClr val="FFFFFF"/>
                   </a:solidFill>
                 </a:uFill>
                 <a:latin typeface="Arial"/>
               </a:rPr>
               <a:t>Third Outline Level</a:t>
             </a:r>
-            <a:endParaRPr b="0" lang="en-GB" sz="2400" spc="-1" strike="noStrike">
-              <a:solidFill>
-                <a:srgbClr val="000000"/>
-              </a:solidFill>
-              <a:uFill>
-                <a:solidFill>
-                  <a:srgbClr val="ffffff"/>
-                </a:solidFill>
-              </a:uFill>
-              <a:latin typeface="Arial"/>
-            </a:endParaRPr>
-          </a:p>
-          <a:p>
-            <a:pPr lvl="3" marL="1728000" indent="-216000">
+          </a:p>
+          <a:p>
+            <a:pPr marL="1728000" lvl="3" indent="-216000">
               <a:spcBef>
                 <a:spcPts val="567"/>
               </a:spcBef>
@@ -6187,33 +6937,22 @@
               <a:buChar char=""/>
             </a:pPr>
             <a:r>
-              <a:rPr b="0" lang="en-GB" sz="2000" spc="-1" strike="noStrike">
+              <a:rPr lang="en-GB" sz="2000" b="0" strike="noStrike" spc="-1">
                 <a:solidFill>
                   <a:srgbClr val="000000"/>
                 </a:solidFill>
                 <a:uFill>
                   <a:solidFill>
-                    <a:srgbClr val="ffffff"/>
+                    <a:srgbClr val="FFFFFF"/>
                   </a:solidFill>
                 </a:uFill>
                 <a:latin typeface="Arial"/>
               </a:rPr>
               <a:t>Fourth Outline Level</a:t>
             </a:r>
-            <a:endParaRPr b="0" lang="en-GB" sz="2000" spc="-1" strike="noStrike">
-              <a:solidFill>
-                <a:srgbClr val="000000"/>
-              </a:solidFill>
-              <a:uFill>
-                <a:solidFill>
-                  <a:srgbClr val="ffffff"/>
-                </a:solidFill>
-              </a:uFill>
-              <a:latin typeface="Arial"/>
-            </a:endParaRPr>
-          </a:p>
-          <a:p>
-            <a:pPr lvl="4" marL="2160000" indent="-216000">
+          </a:p>
+          <a:p>
+            <a:pPr marL="2160000" lvl="4" indent="-216000">
               <a:spcBef>
                 <a:spcPts val="283"/>
               </a:spcBef>
@@ -6225,33 +6964,22 @@
               <a:buChar char=""/>
             </a:pPr>
             <a:r>
-              <a:rPr b="0" lang="en-GB" sz="2000" spc="-1" strike="noStrike">
+              <a:rPr lang="en-GB" sz="2000" b="0" strike="noStrike" spc="-1">
                 <a:solidFill>
                   <a:srgbClr val="000000"/>
                 </a:solidFill>
                 <a:uFill>
                   <a:solidFill>
-                    <a:srgbClr val="ffffff"/>
+                    <a:srgbClr val="FFFFFF"/>
                   </a:solidFill>
                 </a:uFill>
                 <a:latin typeface="Arial"/>
               </a:rPr>
               <a:t>Fifth Outline Level</a:t>
             </a:r>
-            <a:endParaRPr b="0" lang="en-GB" sz="2000" spc="-1" strike="noStrike">
-              <a:solidFill>
-                <a:srgbClr val="000000"/>
-              </a:solidFill>
-              <a:uFill>
-                <a:solidFill>
-                  <a:srgbClr val="ffffff"/>
-                </a:solidFill>
-              </a:uFill>
-              <a:latin typeface="Arial"/>
-            </a:endParaRPr>
-          </a:p>
-          <a:p>
-            <a:pPr lvl="5" marL="2592000" indent="-216000">
+          </a:p>
+          <a:p>
+            <a:pPr marL="2592000" lvl="5" indent="-216000">
               <a:spcBef>
                 <a:spcPts val="283"/>
               </a:spcBef>
@@ -6263,33 +6991,22 @@
               <a:buChar char=""/>
             </a:pPr>
             <a:r>
-              <a:rPr b="0" lang="en-GB" sz="2000" spc="-1" strike="noStrike">
+              <a:rPr lang="en-GB" sz="2000" b="0" strike="noStrike" spc="-1">
                 <a:solidFill>
                   <a:srgbClr val="000000"/>
                 </a:solidFill>
                 <a:uFill>
                   <a:solidFill>
-                    <a:srgbClr val="ffffff"/>
+                    <a:srgbClr val="FFFFFF"/>
                   </a:solidFill>
                 </a:uFill>
                 <a:latin typeface="Arial"/>
               </a:rPr>
               <a:t>Sixth Outline Level</a:t>
             </a:r>
-            <a:endParaRPr b="0" lang="en-GB" sz="2000" spc="-1" strike="noStrike">
-              <a:solidFill>
-                <a:srgbClr val="000000"/>
-              </a:solidFill>
-              <a:uFill>
-                <a:solidFill>
-                  <a:srgbClr val="ffffff"/>
-                </a:solidFill>
-              </a:uFill>
-              <a:latin typeface="Arial"/>
-            </a:endParaRPr>
-          </a:p>
-          <a:p>
-            <a:pPr lvl="6" marL="3024000" indent="-216000">
+          </a:p>
+          <a:p>
+            <a:pPr marL="3024000" lvl="6" indent="-216000">
               <a:spcBef>
                 <a:spcPts val="283"/>
               </a:spcBef>
@@ -6301,55 +7018,324 @@
               <a:buChar char=""/>
             </a:pPr>
             <a:r>
-              <a:rPr b="0" lang="en-GB" sz="2000" spc="-1" strike="noStrike">
+              <a:rPr lang="en-GB" sz="2000" b="0" strike="noStrike" spc="-1">
                 <a:solidFill>
                   <a:srgbClr val="000000"/>
                 </a:solidFill>
                 <a:uFill>
                   <a:solidFill>
-                    <a:srgbClr val="ffffff"/>
+                    <a:srgbClr val="FFFFFF"/>
                   </a:solidFill>
                 </a:uFill>
                 <a:latin typeface="Arial"/>
               </a:rPr>
               <a:t>Seventh Outline Level</a:t>
             </a:r>
-            <a:endParaRPr b="0" lang="en-GB" sz="2000" spc="-1" strike="noStrike">
-              <a:solidFill>
-                <a:srgbClr val="000000"/>
-              </a:solidFill>
-              <a:uFill>
-                <a:solidFill>
-                  <a:srgbClr val="ffffff"/>
-                </a:solidFill>
-              </a:uFill>
-              <a:latin typeface="Arial"/>
-            </a:endParaRPr>
           </a:p>
         </p:txBody>
       </p:sp>
     </p:spTree>
   </p:cSld>
-  <p:clrMap bg1="lt1" bg2="lt2" tx1="dk1" tx2="dk2" accent1="accent1" accent2="accent2" accent3="accent3" accent4="accent4" accent5="accent5" accent6="accent6" hlink="hlink" folHlink="folHlink"/>
+  <p:clrMap bg1="lt1" tx1="dk1" bg2="lt2" tx2="dk2" accent1="accent1" accent2="accent2" accent3="accent3" accent4="accent4" accent5="accent5" accent6="accent6" hlink="hlink" folHlink="folHlink"/>
   <p:sldLayoutIdLst>
-    <p:sldLayoutId id="2147483675" r:id="rId2"/>
-    <p:sldLayoutId id="2147483676" r:id="rId3"/>
-    <p:sldLayoutId id="2147483677" r:id="rId4"/>
-    <p:sldLayoutId id="2147483678" r:id="rId5"/>
-    <p:sldLayoutId id="2147483679" r:id="rId6"/>
-    <p:sldLayoutId id="2147483680" r:id="rId7"/>
-    <p:sldLayoutId id="2147483681" r:id="rId8"/>
-    <p:sldLayoutId id="2147483682" r:id="rId9"/>
-    <p:sldLayoutId id="2147483683" r:id="rId10"/>
-    <p:sldLayoutId id="2147483684" r:id="rId11"/>
-    <p:sldLayoutId id="2147483685" r:id="rId12"/>
-    <p:sldLayoutId id="2147483686" r:id="rId13"/>
+    <p:sldLayoutId id="2147483675" r:id="rId1"/>
+    <p:sldLayoutId id="2147483676" r:id="rId2"/>
+    <p:sldLayoutId id="2147483677" r:id="rId3"/>
+    <p:sldLayoutId id="2147483678" r:id="rId4"/>
+    <p:sldLayoutId id="2147483679" r:id="rId5"/>
+    <p:sldLayoutId id="2147483680" r:id="rId6"/>
+    <p:sldLayoutId id="2147483681" r:id="rId7"/>
+    <p:sldLayoutId id="2147483682" r:id="rId8"/>
+    <p:sldLayoutId id="2147483683" r:id="rId9"/>
+    <p:sldLayoutId id="2147483684" r:id="rId10"/>
+    <p:sldLayoutId id="2147483685" r:id="rId11"/>
+    <p:sldLayoutId id="2147483686" r:id="rId12"/>
   </p:sldLayoutIdLst>
+  <p:txStyles>
+    <p:titleStyle>
+      <a:lvl1pPr algn="l" defTabSz="914400" rtl="0" eaLnBrk="1" latinLnBrk="0" hangingPunct="1">
+        <a:lnSpc>
+          <a:spcPct val="90000"/>
+        </a:lnSpc>
+        <a:spcBef>
+          <a:spcPct val="0"/>
+        </a:spcBef>
+        <a:buNone/>
+        <a:defRPr sz="4400" kern="1200">
+          <a:solidFill>
+            <a:schemeClr val="tx1"/>
+          </a:solidFill>
+          <a:latin typeface="+mj-lt"/>
+          <a:ea typeface="+mj-ea"/>
+          <a:cs typeface="+mj-cs"/>
+        </a:defRPr>
+      </a:lvl1pPr>
+    </p:titleStyle>
+    <p:bodyStyle>
+      <a:lvl1pPr marL="228600" indent="-228600" algn="l" defTabSz="914400" rtl="0" eaLnBrk="1" latinLnBrk="0" hangingPunct="1">
+        <a:lnSpc>
+          <a:spcPct val="90000"/>
+        </a:lnSpc>
+        <a:spcBef>
+          <a:spcPts val="1000"/>
+        </a:spcBef>
+        <a:buFont typeface="Arial"/>
+        <a:buChar char="•"/>
+        <a:defRPr sz="2800" kern="1200">
+          <a:solidFill>
+            <a:schemeClr val="tx1"/>
+          </a:solidFill>
+          <a:latin typeface="+mn-lt"/>
+          <a:ea typeface="+mn-ea"/>
+          <a:cs typeface="+mn-cs"/>
+        </a:defRPr>
+      </a:lvl1pPr>
+      <a:lvl2pPr marL="685800" indent="-228600" algn="l" defTabSz="914400" rtl="0" eaLnBrk="1" latinLnBrk="0" hangingPunct="1">
+        <a:lnSpc>
+          <a:spcPct val="90000"/>
+        </a:lnSpc>
+        <a:spcBef>
+          <a:spcPts val="500"/>
+        </a:spcBef>
+        <a:buFont typeface="Arial"/>
+        <a:buChar char="•"/>
+        <a:defRPr sz="2400" kern="1200">
+          <a:solidFill>
+            <a:schemeClr val="tx1"/>
+          </a:solidFill>
+          <a:latin typeface="+mn-lt"/>
+          <a:ea typeface="+mn-ea"/>
+          <a:cs typeface="+mn-cs"/>
+        </a:defRPr>
+      </a:lvl2pPr>
+      <a:lvl3pPr marL="1143000" indent="-228600" algn="l" defTabSz="914400" rtl="0" eaLnBrk="1" latinLnBrk="0" hangingPunct="1">
+        <a:lnSpc>
+          <a:spcPct val="90000"/>
+        </a:lnSpc>
+        <a:spcBef>
+          <a:spcPts val="500"/>
+        </a:spcBef>
+        <a:buFont typeface="Arial"/>
+        <a:buChar char="•"/>
+        <a:defRPr sz="2000" kern="1200">
+          <a:solidFill>
+            <a:schemeClr val="tx1"/>
+          </a:solidFill>
+          <a:latin typeface="+mn-lt"/>
+          <a:ea typeface="+mn-ea"/>
+          <a:cs typeface="+mn-cs"/>
+        </a:defRPr>
+      </a:lvl3pPr>
+      <a:lvl4pPr marL="1600200" indent="-228600" algn="l" defTabSz="914400" rtl="0" eaLnBrk="1" latinLnBrk="0" hangingPunct="1">
+        <a:lnSpc>
+          <a:spcPct val="90000"/>
+        </a:lnSpc>
+        <a:spcBef>
+          <a:spcPts val="500"/>
+        </a:spcBef>
+        <a:buFont typeface="Arial"/>
+        <a:buChar char="•"/>
+        <a:defRPr sz="1800" kern="1200">
+          <a:solidFill>
+            <a:schemeClr val="tx1"/>
+          </a:solidFill>
+          <a:latin typeface="+mn-lt"/>
+          <a:ea typeface="+mn-ea"/>
+          <a:cs typeface="+mn-cs"/>
+        </a:defRPr>
+      </a:lvl4pPr>
+      <a:lvl5pPr marL="2057400" indent="-228600" algn="l" defTabSz="914400" rtl="0" eaLnBrk="1" latinLnBrk="0" hangingPunct="1">
+        <a:lnSpc>
+          <a:spcPct val="90000"/>
+        </a:lnSpc>
+        <a:spcBef>
+          <a:spcPts val="500"/>
+        </a:spcBef>
+        <a:buFont typeface="Arial"/>
+        <a:buChar char="•"/>
+        <a:defRPr sz="1800" kern="1200">
+          <a:solidFill>
+            <a:schemeClr val="tx1"/>
+          </a:solidFill>
+          <a:latin typeface="+mn-lt"/>
+          <a:ea typeface="+mn-ea"/>
+          <a:cs typeface="+mn-cs"/>
+        </a:defRPr>
+      </a:lvl5pPr>
+      <a:lvl6pPr marL="2514600" indent="-228600" algn="l" defTabSz="914400" rtl="0" eaLnBrk="1" latinLnBrk="0" hangingPunct="1">
+        <a:lnSpc>
+          <a:spcPct val="90000"/>
+        </a:lnSpc>
+        <a:spcBef>
+          <a:spcPts val="500"/>
+        </a:spcBef>
+        <a:buFont typeface="Arial"/>
+        <a:buChar char="•"/>
+        <a:defRPr sz="1800" kern="1200">
+          <a:solidFill>
+            <a:schemeClr val="tx1"/>
+          </a:solidFill>
+          <a:latin typeface="+mn-lt"/>
+          <a:ea typeface="+mn-ea"/>
+          <a:cs typeface="+mn-cs"/>
+        </a:defRPr>
+      </a:lvl6pPr>
+      <a:lvl7pPr marL="2971800" indent="-228600" algn="l" defTabSz="914400" rtl="0" eaLnBrk="1" latinLnBrk="0" hangingPunct="1">
+        <a:lnSpc>
+          <a:spcPct val="90000"/>
+        </a:lnSpc>
+        <a:spcBef>
+          <a:spcPts val="500"/>
+        </a:spcBef>
+        <a:buFont typeface="Arial"/>
+        <a:buChar char="•"/>
+        <a:defRPr sz="1800" kern="1200">
+          <a:solidFill>
+            <a:schemeClr val="tx1"/>
+          </a:solidFill>
+          <a:latin typeface="+mn-lt"/>
+          <a:ea typeface="+mn-ea"/>
+          <a:cs typeface="+mn-cs"/>
+        </a:defRPr>
+      </a:lvl7pPr>
+      <a:lvl8pPr marL="3429000" indent="-228600" algn="l" defTabSz="914400" rtl="0" eaLnBrk="1" latinLnBrk="0" hangingPunct="1">
+        <a:lnSpc>
+          <a:spcPct val="90000"/>
+        </a:lnSpc>
+        <a:spcBef>
+          <a:spcPts val="500"/>
+        </a:spcBef>
+        <a:buFont typeface="Arial"/>
+        <a:buChar char="•"/>
+        <a:defRPr sz="1800" kern="1200">
+          <a:solidFill>
+            <a:schemeClr val="tx1"/>
+          </a:solidFill>
+          <a:latin typeface="+mn-lt"/>
+          <a:ea typeface="+mn-ea"/>
+          <a:cs typeface="+mn-cs"/>
+        </a:defRPr>
+      </a:lvl8pPr>
+      <a:lvl9pPr marL="3886200" indent="-228600" algn="l" defTabSz="914400" rtl="0" eaLnBrk="1" latinLnBrk="0" hangingPunct="1">
+        <a:lnSpc>
+          <a:spcPct val="90000"/>
+        </a:lnSpc>
+        <a:spcBef>
+          <a:spcPts val="500"/>
+        </a:spcBef>
+        <a:buFont typeface="Arial"/>
+        <a:buChar char="•"/>
+        <a:defRPr sz="1800" kern="1200">
+          <a:solidFill>
+            <a:schemeClr val="tx1"/>
+          </a:solidFill>
+          <a:latin typeface="+mn-lt"/>
+          <a:ea typeface="+mn-ea"/>
+          <a:cs typeface="+mn-cs"/>
+        </a:defRPr>
+      </a:lvl9pPr>
+    </p:bodyStyle>
+    <p:otherStyle>
+      <a:defPPr>
+        <a:defRPr lang="en-US"/>
+      </a:defPPr>
+      <a:lvl1pPr marL="0" algn="l" defTabSz="914400" rtl="0" eaLnBrk="1" latinLnBrk="0" hangingPunct="1">
+        <a:defRPr sz="1800" kern="1200">
+          <a:solidFill>
+            <a:schemeClr val="tx1"/>
+          </a:solidFill>
+          <a:latin typeface="+mn-lt"/>
+          <a:ea typeface="+mn-ea"/>
+          <a:cs typeface="+mn-cs"/>
+        </a:defRPr>
+      </a:lvl1pPr>
+      <a:lvl2pPr marL="457200" algn="l" defTabSz="914400" rtl="0" eaLnBrk="1" latinLnBrk="0" hangingPunct="1">
+        <a:defRPr sz="1800" kern="1200">
+          <a:solidFill>
+            <a:schemeClr val="tx1"/>
+          </a:solidFill>
+          <a:latin typeface="+mn-lt"/>
+          <a:ea typeface="+mn-ea"/>
+          <a:cs typeface="+mn-cs"/>
+        </a:defRPr>
+      </a:lvl2pPr>
+      <a:lvl3pPr marL="914400" algn="l" defTabSz="914400" rtl="0" eaLnBrk="1" latinLnBrk="0" hangingPunct="1">
+        <a:defRPr sz="1800" kern="1200">
+          <a:solidFill>
+            <a:schemeClr val="tx1"/>
+          </a:solidFill>
+          <a:latin typeface="+mn-lt"/>
+          <a:ea typeface="+mn-ea"/>
+          <a:cs typeface="+mn-cs"/>
+        </a:defRPr>
+      </a:lvl3pPr>
+      <a:lvl4pPr marL="1371600" algn="l" defTabSz="914400" rtl="0" eaLnBrk="1" latinLnBrk="0" hangingPunct="1">
+        <a:defRPr sz="1800" kern="1200">
+          <a:solidFill>
+            <a:schemeClr val="tx1"/>
+          </a:solidFill>
+          <a:latin typeface="+mn-lt"/>
+          <a:ea typeface="+mn-ea"/>
+          <a:cs typeface="+mn-cs"/>
+        </a:defRPr>
+      </a:lvl4pPr>
+      <a:lvl5pPr marL="1828800" algn="l" defTabSz="914400" rtl="0" eaLnBrk="1" latinLnBrk="0" hangingPunct="1">
+        <a:defRPr sz="1800" kern="1200">
+          <a:solidFill>
+            <a:schemeClr val="tx1"/>
+          </a:solidFill>
+          <a:latin typeface="+mn-lt"/>
+          <a:ea typeface="+mn-ea"/>
+          <a:cs typeface="+mn-cs"/>
+        </a:defRPr>
+      </a:lvl5pPr>
+      <a:lvl6pPr marL="2286000" algn="l" defTabSz="914400" rtl="0" eaLnBrk="1" latinLnBrk="0" hangingPunct="1">
+        <a:defRPr sz="1800" kern="1200">
+          <a:solidFill>
+            <a:schemeClr val="tx1"/>
+          </a:solidFill>
+          <a:latin typeface="+mn-lt"/>
+          <a:ea typeface="+mn-ea"/>
+          <a:cs typeface="+mn-cs"/>
+        </a:defRPr>
+      </a:lvl6pPr>
+      <a:lvl7pPr marL="2743200" algn="l" defTabSz="914400" rtl="0" eaLnBrk="1" latinLnBrk="0" hangingPunct="1">
+        <a:defRPr sz="1800" kern="1200">
+          <a:solidFill>
+            <a:schemeClr val="tx1"/>
+          </a:solidFill>
+          <a:latin typeface="+mn-lt"/>
+          <a:ea typeface="+mn-ea"/>
+          <a:cs typeface="+mn-cs"/>
+        </a:defRPr>
+      </a:lvl7pPr>
+      <a:lvl8pPr marL="3200400" algn="l" defTabSz="914400" rtl="0" eaLnBrk="1" latinLnBrk="0" hangingPunct="1">
+        <a:defRPr sz="1800" kern="1200">
+          <a:solidFill>
+            <a:schemeClr val="tx1"/>
+          </a:solidFill>
+          <a:latin typeface="+mn-lt"/>
+          <a:ea typeface="+mn-ea"/>
+          <a:cs typeface="+mn-cs"/>
+        </a:defRPr>
+      </a:lvl8pPr>
+      <a:lvl9pPr marL="3657600" algn="l" defTabSz="914400" rtl="0" eaLnBrk="1" latinLnBrk="0" hangingPunct="1">
+        <a:defRPr sz="1800" kern="1200">
+          <a:solidFill>
+            <a:schemeClr val="tx1"/>
+          </a:solidFill>
+          <a:latin typeface="+mn-lt"/>
+          <a:ea typeface="+mn-ea"/>
+          <a:cs typeface="+mn-cs"/>
+        </a:defRPr>
+      </a:lvl9pPr>
+    </p:otherStyle>
+  </p:txStyles>
 </p:sldMaster>
 </file>
 
 <file path=ppt/slides/slide1.xml><?xml version="1.0" encoding="utf-8"?>
-<p:sld xmlns:a="http://schemas.openxmlformats.org/drawingml/2006/main" xmlns:p="http://schemas.openxmlformats.org/presentationml/2006/main" xmlns:r="http://schemas.openxmlformats.org/officeDocument/2006/relationships" xmlns:p14="http://schemas.microsoft.com/office/powerpoint/2010/main" xmlns:p15="http://schemas.microsoft.com/office/powerpoint/2012/main" xmlns:mc="http://schemas.openxmlformats.org/markup-compatibility/2006">
+<p:sld xmlns:a="http://schemas.openxmlformats.org/drawingml/2006/main" xmlns:r="http://schemas.openxmlformats.org/officeDocument/2006/relationships" xmlns:p="http://schemas.openxmlformats.org/presentationml/2006/main">
   <p:cSld>
     <p:spTree>
       <p:nvGrpSpPr>
@@ -6385,13 +7371,20 @@
           </a:ln>
         </p:spPr>
         <p:style>
-          <a:lnRef idx="0"/>
-          <a:fillRef idx="0"/>
-          <a:effectRef idx="0"/>
+          <a:lnRef idx="0">
+            <a:scrgbClr r="0" g="0" b="0"/>
+          </a:lnRef>
+          <a:fillRef idx="0">
+            <a:scrgbClr r="0" g="0" b="0"/>
+          </a:fillRef>
+          <a:effectRef idx="0">
+            <a:scrgbClr r="0" g="0" b="0"/>
+          </a:effectRef>
           <a:fontRef idx="minor"/>
         </p:style>
         <p:txBody>
-          <a:bodyPr lIns="0" rIns="0" tIns="39240" bIns="0" anchor="ctr"/>
+          <a:bodyPr lIns="0" tIns="39240" rIns="0" bIns="0" anchor="ctr"/>
+          <a:lstStyle/>
           <a:p>
             <a:pPr algn="ctr">
               <a:lnSpc>
@@ -6399,13 +7392,13 @@
               </a:lnSpc>
             </a:pPr>
             <a:r>
-              <a:rPr b="0" lang="en-GB" sz="4400" spc="-1" strike="noStrike">
+              <a:rPr lang="en-GB" sz="4400" b="0" strike="noStrike" spc="-1">
                 <a:solidFill>
                   <a:srgbClr val="800000"/>
                 </a:solidFill>
                 <a:uFill>
                   <a:solidFill>
-                    <a:srgbClr val="ffffff"/>
+                    <a:srgbClr val="FFFFFF"/>
                   </a:solidFill>
                 </a:uFill>
                 <a:latin typeface="Arial"/>
@@ -6413,13 +7406,13 @@
               </a:rPr>
               <a:t>Neurodata Without Borders Neurophysiology format</a:t>
             </a:r>
-            <a:endParaRPr b="0" lang="en-GB" sz="1800" spc="-1" strike="noStrike">
-              <a:solidFill>
-                <a:srgbClr val="000000"/>
-              </a:solidFill>
-              <a:uFill>
-                <a:solidFill>
-                  <a:srgbClr val="ffffff"/>
+            <a:endParaRPr lang="en-GB" sz="1800" b="0" strike="noStrike" spc="-1">
+              <a:solidFill>
+                <a:srgbClr val="000000"/>
+              </a:solidFill>
+              <a:uFill>
+                <a:solidFill>
+                  <a:srgbClr val="FFFFFF"/>
                 </a:solidFill>
               </a:uFill>
               <a:latin typeface="Arial"/>
@@ -6447,13 +7440,20 @@
           </a:ln>
         </p:spPr>
         <p:style>
-          <a:lnRef idx="0"/>
-          <a:fillRef idx="0"/>
-          <a:effectRef idx="0"/>
+          <a:lnRef idx="0">
+            <a:scrgbClr r="0" g="0" b="0"/>
+          </a:lnRef>
+          <a:fillRef idx="0">
+            <a:scrgbClr r="0" g="0" b="0"/>
+          </a:fillRef>
+          <a:effectRef idx="0">
+            <a:scrgbClr r="0" g="0" b="0"/>
+          </a:effectRef>
           <a:fontRef idx="minor"/>
         </p:style>
         <p:txBody>
-          <a:bodyPr lIns="0" rIns="0" tIns="28440" bIns="0" anchor="ctr"/>
+          <a:bodyPr lIns="0" tIns="28440" rIns="0" bIns="0" anchor="ctr"/>
+          <a:lstStyle/>
           <a:p>
             <a:pPr algn="ctr">
               <a:lnSpc>
@@ -6461,28 +7461,28 @@
               </a:lnSpc>
             </a:pPr>
             <a:r>
-              <a:rPr b="0" lang="en-GB" sz="3200" spc="-1" strike="noStrike" u="sng">
-                <a:solidFill>
-                  <a:srgbClr val="0000ff"/>
+              <a:rPr lang="en-GB" sz="3200" b="0" u="sng" strike="noStrike" spc="-1">
+                <a:solidFill>
+                  <a:srgbClr val="0000FF"/>
                 </a:solidFill>
                 <a:uFill>
                   <a:solidFill>
-                    <a:srgbClr val="ffffff"/>
+                    <a:srgbClr val="FFFFFF"/>
                   </a:solidFill>
                 </a:uFill>
                 <a:latin typeface="Arial"/>
                 <a:ea typeface="Noto Sans CJK SC Regular"/>
-                <a:hlinkClick r:id="rId1"/>
+                <a:hlinkClick r:id="rId3"/>
               </a:rPr>
               <a:t>http://nwb.org</a:t>
             </a:r>
-            <a:endParaRPr b="0" lang="en-GB" sz="1800" spc="-1" strike="noStrike">
-              <a:solidFill>
-                <a:srgbClr val="000000"/>
-              </a:solidFill>
-              <a:uFill>
-                <a:solidFill>
-                  <a:srgbClr val="ffffff"/>
+            <a:endParaRPr lang="en-GB" sz="1800" b="0" strike="noStrike" spc="-1">
+              <a:solidFill>
+                <a:srgbClr val="000000"/>
+              </a:solidFill>
+              <a:uFill>
+                <a:solidFill>
+                  <a:srgbClr val="FFFFFF"/>
                 </a:solidFill>
               </a:uFill>
               <a:latin typeface="Arial"/>
@@ -6510,13 +7510,20 @@
           </a:ln>
         </p:spPr>
         <p:style>
-          <a:lnRef idx="0"/>
-          <a:fillRef idx="0"/>
-          <a:effectRef idx="0"/>
+          <a:lnRef idx="0">
+            <a:scrgbClr r="0" g="0" b="0"/>
+          </a:lnRef>
+          <a:fillRef idx="0">
+            <a:scrgbClr r="0" g="0" b="0"/>
+          </a:fillRef>
+          <a:effectRef idx="0">
+            <a:scrgbClr r="0" g="0" b="0"/>
+          </a:effectRef>
           <a:fontRef idx="minor"/>
         </p:style>
         <p:txBody>
-          <a:bodyPr lIns="0" rIns="0" tIns="35640" bIns="0" anchor="ctr"/>
+          <a:bodyPr lIns="0" tIns="35640" rIns="0" bIns="0" anchor="ctr"/>
+          <a:lstStyle/>
           <a:p>
             <a:pPr>
               <a:lnSpc>
@@ -6524,13 +7531,13 @@
               </a:lnSpc>
             </a:pPr>
             <a:r>
-              <a:rPr b="1" lang="en-GB" sz="1800" spc="-1" strike="noStrike">
+              <a:rPr lang="en-GB" sz="1800" b="1" strike="noStrike" spc="-1">
                 <a:solidFill>
                   <a:srgbClr val="808080"/>
                 </a:solidFill>
                 <a:uFill>
                   <a:solidFill>
-                    <a:srgbClr val="ffffff"/>
+                    <a:srgbClr val="FFFFFF"/>
                   </a:solidFill>
                 </a:uFill>
                 <a:latin typeface="Arial"/>
@@ -6538,13 +7545,13 @@
               </a:rPr>
               <a:t>Neuroinformatics tutorial</a:t>
             </a:r>
-            <a:endParaRPr b="0" lang="en-GB" sz="1800" spc="-1" strike="noStrike">
-              <a:solidFill>
-                <a:srgbClr val="000000"/>
-              </a:solidFill>
-              <a:uFill>
-                <a:solidFill>
-                  <a:srgbClr val="ffffff"/>
+            <a:endParaRPr lang="en-GB" sz="1800" b="0" strike="noStrike" spc="-1">
+              <a:solidFill>
+                <a:srgbClr val="000000"/>
+              </a:solidFill>
+              <a:uFill>
+                <a:solidFill>
+                  <a:srgbClr val="FFFFFF"/>
                 </a:solidFill>
               </a:uFill>
               <a:latin typeface="Arial"/>
@@ -6572,13 +7579,20 @@
           </a:ln>
         </p:spPr>
         <p:style>
-          <a:lnRef idx="0"/>
-          <a:fillRef idx="0"/>
-          <a:effectRef idx="0"/>
+          <a:lnRef idx="0">
+            <a:scrgbClr r="0" g="0" b="0"/>
+          </a:lnRef>
+          <a:fillRef idx="0">
+            <a:scrgbClr r="0" g="0" b="0"/>
+          </a:fillRef>
+          <a:effectRef idx="0">
+            <a:scrgbClr r="0" g="0" b="0"/>
+          </a:effectRef>
           <a:fontRef idx="minor"/>
         </p:style>
         <p:txBody>
-          <a:bodyPr lIns="90000" rIns="90000" tIns="60840" bIns="45000"/>
+          <a:bodyPr lIns="90000" tIns="60840" rIns="90000" bIns="45000"/>
+          <a:lstStyle/>
           <a:p>
             <a:pPr algn="just">
               <a:lnSpc>
@@ -6586,13 +7600,13 @@
               </a:lnSpc>
             </a:pPr>
             <a:r>
-              <a:rPr b="0" lang="en-GB" sz="1800" spc="-1" strike="noStrike">
+              <a:rPr lang="en-GB" sz="1800" b="0" strike="noStrike" spc="-1">
                 <a:solidFill>
                   <a:srgbClr val="000000"/>
                 </a:solidFill>
                 <a:uFill>
                   <a:solidFill>
-                    <a:srgbClr val="ffffff"/>
+                    <a:srgbClr val="FFFFFF"/>
                   </a:solidFill>
                 </a:uFill>
                 <a:latin typeface="Arial"/>
@@ -6600,13 +7614,13 @@
               </a:rPr>
               <a:t>A data format designed for storing neurophysiology data and related metadata in a structured manner.  It currently stores the data within HDF5 files.  A write API is available in Python and Matlab.</a:t>
             </a:r>
-            <a:endParaRPr b="0" lang="en-GB" sz="1800" spc="-1" strike="noStrike">
-              <a:solidFill>
-                <a:srgbClr val="000000"/>
-              </a:solidFill>
-              <a:uFill>
-                <a:solidFill>
-                  <a:srgbClr val="ffffff"/>
+            <a:endParaRPr lang="en-GB" sz="1800" b="0" strike="noStrike" spc="-1">
+              <a:solidFill>
+                <a:srgbClr val="000000"/>
+              </a:solidFill>
+              <a:uFill>
+                <a:solidFill>
+                  <a:srgbClr val="FFFFFF"/>
                 </a:solidFill>
               </a:uFill>
               <a:latin typeface="Arial"/>
@@ -6636,9 +7650,15 @@
           </a:ln>
         </p:spPr>
         <p:style>
-          <a:lnRef idx="0"/>
-          <a:fillRef idx="0"/>
-          <a:effectRef idx="0"/>
+          <a:lnRef idx="0">
+            <a:scrgbClr r="0" g="0" b="0"/>
+          </a:lnRef>
+          <a:fillRef idx="0">
+            <a:scrgbClr r="0" g="0" b="0"/>
+          </a:fillRef>
+          <a:effectRef idx="0">
+            <a:scrgbClr r="0" g="0" b="0"/>
+          </a:effectRef>
           <a:fontRef idx="minor"/>
         </p:style>
       </p:sp>
@@ -6662,13 +7682,20 @@
           </a:ln>
         </p:spPr>
         <p:style>
-          <a:lnRef idx="0"/>
-          <a:fillRef idx="0"/>
-          <a:effectRef idx="0"/>
+          <a:lnRef idx="0">
+            <a:scrgbClr r="0" g="0" b="0"/>
+          </a:lnRef>
+          <a:fillRef idx="0">
+            <a:scrgbClr r="0" g="0" b="0"/>
+          </a:fillRef>
+          <a:effectRef idx="0">
+            <a:scrgbClr r="0" g="0" b="0"/>
+          </a:effectRef>
           <a:fontRef idx="minor"/>
         </p:style>
         <p:txBody>
-          <a:bodyPr lIns="0" rIns="0" tIns="35640" bIns="0" anchor="ctr"/>
+          <a:bodyPr lIns="0" tIns="35640" rIns="0" bIns="0" anchor="ctr"/>
+          <a:lstStyle/>
           <a:p>
             <a:pPr algn="r">
               <a:lnSpc>
@@ -6676,13 +7703,13 @@
               </a:lnSpc>
             </a:pPr>
             <a:r>
-              <a:rPr b="0" lang="en-GB" sz="1800" spc="-1" strike="noStrike">
+              <a:rPr lang="en-GB" sz="1800" b="0" strike="noStrike" spc="-1">
                 <a:solidFill>
                   <a:srgbClr val="808080"/>
                 </a:solidFill>
                 <a:uFill>
                   <a:solidFill>
-                    <a:srgbClr val="ffffff"/>
+                    <a:srgbClr val="FFFFFF"/>
                   </a:solidFill>
                 </a:uFill>
                 <a:latin typeface="Arial"/>
@@ -6690,13 +7717,13 @@
               </a:rPr>
               <a:t>1.3 Analysis tools</a:t>
             </a:r>
-            <a:endParaRPr b="0" lang="en-GB" sz="1800" spc="-1" strike="noStrike">
-              <a:solidFill>
-                <a:srgbClr val="000000"/>
-              </a:solidFill>
-              <a:uFill>
-                <a:solidFill>
-                  <a:srgbClr val="ffffff"/>
+            <a:endParaRPr lang="en-GB" sz="1800" b="0" strike="noStrike" spc="-1">
+              <a:solidFill>
+                <a:srgbClr val="000000"/>
+              </a:solidFill>
+              <a:uFill>
+                <a:solidFill>
+                  <a:srgbClr val="FFFFFF"/>
                 </a:solidFill>
               </a:uFill>
               <a:latin typeface="Arial"/>
@@ -6706,6 +7733,9 @@
       </p:sp>
     </p:spTree>
   </p:cSld>
+  <p:clrMapOvr>
+    <a:masterClrMapping/>
+  </p:clrMapOvr>
   <p:timing>
     <p:tnLst>
       <p:par>
@@ -6714,14 +7744,14 @@
             <p:seq>
               <p:cTn id="2" nodeType="mainSeq"/>
               <p:prevCondLst>
-                <p:cond delay="0" evt="onPrev">
+                <p:cond evt="onPrev" delay="0">
                   <p:tgtEl>
                     <p:sldTgt/>
                   </p:tgtEl>
                 </p:cond>
               </p:prevCondLst>
               <p:nextCondLst>
-                <p:cond delay="0" evt="onNext">
+                <p:cond evt="onNext" delay="0">
                   <p:tgtEl>
                     <p:sldTgt/>
                   </p:tgtEl>
@@ -6737,7 +7767,7 @@
 </file>
 
 <file path=ppt/slides/slide2.xml><?xml version="1.0" encoding="utf-8"?>
-<p:sld xmlns:a="http://schemas.openxmlformats.org/drawingml/2006/main" xmlns:p="http://schemas.openxmlformats.org/presentationml/2006/main" xmlns:r="http://schemas.openxmlformats.org/officeDocument/2006/relationships" xmlns:p14="http://schemas.microsoft.com/office/powerpoint/2010/main" xmlns:p15="http://schemas.microsoft.com/office/powerpoint/2012/main" xmlns:mc="http://schemas.openxmlformats.org/markup-compatibility/2006">
+<p:sld xmlns:a="http://schemas.openxmlformats.org/drawingml/2006/main" xmlns:r="http://schemas.openxmlformats.org/officeDocument/2006/relationships" xmlns:p="http://schemas.openxmlformats.org/presentationml/2006/main">
   <p:cSld>
     <p:spTree>
       <p:nvGrpSpPr>
@@ -6773,17 +7803,24 @@
           </a:ln>
         </p:spPr>
         <p:style>
-          <a:lnRef idx="0"/>
-          <a:fillRef idx="0"/>
-          <a:effectRef idx="0"/>
+          <a:lnRef idx="0">
+            <a:scrgbClr r="0" g="0" b="0"/>
+          </a:lnRef>
+          <a:fillRef idx="0">
+            <a:scrgbClr r="0" g="0" b="0"/>
+          </a:fillRef>
+          <a:effectRef idx="0">
+            <a:scrgbClr r="0" g="0" b="0"/>
+          </a:effectRef>
           <a:fontRef idx="minor"/>
         </p:style>
         <p:txBody>
-          <a:bodyPr lIns="90000" rIns="90000" tIns="45000" bIns="45000"/>
+          <a:bodyPr lIns="90000" tIns="45000" rIns="90000" bIns="45000"/>
+          <a:lstStyle/>
           <a:p>
             <a:pPr marL="343080" indent="-342360">
               <a:lnSpc>
-                <a:spcPct val="100000"/>
+                <a:spcPct val="150000"/>
               </a:lnSpc>
               <a:buClr>
                 <a:srgbClr val="000000"/>
@@ -6792,13 +7829,13 @@
               <a:buChar char="•"/>
             </a:pPr>
             <a:r>
-              <a:rPr b="0" lang="en-GB" sz="2800" spc="-1" strike="noStrike">
+              <a:rPr lang="en-GB" sz="2800" b="0" strike="noStrike" spc="-1" dirty="0">
                 <a:solidFill>
                   <a:srgbClr val="000000"/>
                 </a:solidFill>
                 <a:uFill>
                   <a:solidFill>
-                    <a:srgbClr val="ffffff"/>
+                    <a:srgbClr val="FFFFFF"/>
                   </a:solidFill>
                 </a:uFill>
                 <a:latin typeface="Arial"/>
@@ -6806,13 +7843,13 @@
               </a:rPr>
               <a:t>Has standard layouts for storing common Neurophysiology data types and metadata</a:t>
             </a:r>
-            <a:endParaRPr b="0" lang="en-GB" sz="1800" spc="-1" strike="noStrike">
-              <a:solidFill>
-                <a:srgbClr val="000000"/>
-              </a:solidFill>
-              <a:uFill>
-                <a:solidFill>
-                  <a:srgbClr val="ffffff"/>
+            <a:endParaRPr lang="en-GB" sz="1800" b="0" strike="noStrike" spc="-1" dirty="0">
+              <a:solidFill>
+                <a:srgbClr val="000000"/>
+              </a:solidFill>
+              <a:uFill>
+                <a:solidFill>
+                  <a:srgbClr val="FFFFFF"/>
                 </a:solidFill>
               </a:uFill>
               <a:latin typeface="Arial"/>
@@ -6821,7 +7858,7 @@
           <a:p>
             <a:pPr marL="343080" indent="-342360">
               <a:lnSpc>
-                <a:spcPct val="100000"/>
+                <a:spcPct val="150000"/>
               </a:lnSpc>
               <a:buClr>
                 <a:srgbClr val="000000"/>
@@ -6830,13 +7867,13 @@
               <a:buChar char="•"/>
             </a:pPr>
             <a:r>
-              <a:rPr b="0" lang="en-GB" sz="2800" spc="-1" strike="noStrike">
+              <a:rPr lang="en-GB" sz="2800" b="0" strike="noStrike" spc="-1" dirty="0">
                 <a:solidFill>
                   <a:srgbClr val="000000"/>
                 </a:solidFill>
                 <a:uFill>
                   <a:solidFill>
-                    <a:srgbClr val="ffffff"/>
+                    <a:srgbClr val="FFFFFF"/>
                   </a:solidFill>
                 </a:uFill>
                 <a:latin typeface="Arial"/>
@@ -6844,13 +7881,13 @@
               </a:rPr>
               <a:t>Ability to link data between files</a:t>
             </a:r>
-            <a:endParaRPr b="0" lang="en-GB" sz="1800" spc="-1" strike="noStrike">
-              <a:solidFill>
-                <a:srgbClr val="000000"/>
-              </a:solidFill>
-              <a:uFill>
-                <a:solidFill>
-                  <a:srgbClr val="ffffff"/>
+            <a:endParaRPr lang="en-GB" sz="1800" b="0" strike="noStrike" spc="-1" dirty="0">
+              <a:solidFill>
+                <a:srgbClr val="000000"/>
+              </a:solidFill>
+              <a:uFill>
+                <a:solidFill>
+                  <a:srgbClr val="FFFFFF"/>
                 </a:solidFill>
               </a:uFill>
               <a:latin typeface="Arial"/>
@@ -6859,7 +7896,7 @@
           <a:p>
             <a:pPr marL="343080" indent="-342360">
               <a:lnSpc>
-                <a:spcPct val="100000"/>
+                <a:spcPct val="150000"/>
               </a:lnSpc>
               <a:buClr>
                 <a:srgbClr val="000000"/>
@@ -6868,13 +7905,13 @@
               <a:buChar char="•"/>
             </a:pPr>
             <a:r>
-              <a:rPr b="0" lang="en-GB" sz="2800" spc="-1" strike="noStrike">
+              <a:rPr lang="en-GB" sz="2800" b="0" strike="noStrike" spc="-1" dirty="0">
                 <a:solidFill>
                   <a:srgbClr val="000000"/>
                 </a:solidFill>
                 <a:uFill>
                   <a:solidFill>
-                    <a:srgbClr val="ffffff"/>
+                    <a:srgbClr val="FFFFFF"/>
                   </a:solidFill>
                 </a:uFill>
                 <a:latin typeface="Arial"/>
@@ -6882,13 +7919,13 @@
               </a:rPr>
               <a:t>Extensible, e.g. allows defining schema for storing new types of data in a standard manner</a:t>
             </a:r>
-            <a:endParaRPr b="0" lang="en-GB" sz="1800" spc="-1" strike="noStrike">
-              <a:solidFill>
-                <a:srgbClr val="000000"/>
-              </a:solidFill>
-              <a:uFill>
-                <a:solidFill>
-                  <a:srgbClr val="ffffff"/>
+            <a:endParaRPr lang="en-GB" sz="1800" b="0" strike="noStrike" spc="-1" dirty="0">
+              <a:solidFill>
+                <a:srgbClr val="000000"/>
+              </a:solidFill>
+              <a:uFill>
+                <a:solidFill>
+                  <a:srgbClr val="FFFFFF"/>
                 </a:solidFill>
               </a:uFill>
               <a:latin typeface="Arial"/>
@@ -6897,7 +7934,7 @@
           <a:p>
             <a:pPr marL="343080" indent="-342360">
               <a:lnSpc>
-                <a:spcPct val="100000"/>
+                <a:spcPct val="150000"/>
               </a:lnSpc>
               <a:buClr>
                 <a:srgbClr val="000000"/>
@@ -6906,13 +7943,13 @@
               <a:buChar char="•"/>
             </a:pPr>
             <a:r>
-              <a:rPr b="0" lang="en-GB" sz="2800" spc="-1" strike="noStrike">
+              <a:rPr lang="en-GB" sz="2800" b="0" strike="noStrike" spc="-1" dirty="0">
                 <a:solidFill>
                   <a:srgbClr val="000000"/>
                 </a:solidFill>
                 <a:uFill>
                   <a:solidFill>
-                    <a:srgbClr val="ffffff"/>
+                    <a:srgbClr val="FFFFFF"/>
                   </a:solidFill>
                 </a:uFill>
                 <a:latin typeface="Arial"/>
@@ -6920,13 +7957,13 @@
               </a:rPr>
               <a:t>Minimal library dependencies</a:t>
             </a:r>
-            <a:endParaRPr b="0" lang="en-GB" sz="1800" spc="-1" strike="noStrike">
-              <a:solidFill>
-                <a:srgbClr val="000000"/>
-              </a:solidFill>
-              <a:uFill>
-                <a:solidFill>
-                  <a:srgbClr val="ffffff"/>
+            <a:endParaRPr lang="en-GB" sz="1800" b="0" strike="noStrike" spc="-1" dirty="0">
+              <a:solidFill>
+                <a:srgbClr val="000000"/>
+              </a:solidFill>
+              <a:uFill>
+                <a:solidFill>
+                  <a:srgbClr val="FFFFFF"/>
                 </a:solidFill>
               </a:uFill>
               <a:latin typeface="Arial"/>
@@ -6935,7 +7972,7 @@
           <a:p>
             <a:pPr marL="343080" indent="-342360">
               <a:lnSpc>
-                <a:spcPct val="100000"/>
+                <a:spcPct val="150000"/>
               </a:lnSpc>
               <a:buClr>
                 <a:srgbClr val="000000"/>
@@ -6944,13 +7981,13 @@
               <a:buChar char="•"/>
             </a:pPr>
             <a:r>
-              <a:rPr b="0" lang="en-GB" sz="2800" spc="-1" strike="noStrike">
+              <a:rPr lang="en-GB" sz="2800" b="0" strike="noStrike" spc="-1" dirty="0">
                 <a:solidFill>
                   <a:srgbClr val="000000"/>
                 </a:solidFill>
                 <a:uFill>
                   <a:solidFill>
-                    <a:srgbClr val="ffffff"/>
+                    <a:srgbClr val="FFFFFF"/>
                   </a:solidFill>
                 </a:uFill>
                 <a:latin typeface="Arial"/>
@@ -6958,13 +7995,13 @@
               </a:rPr>
               <a:t>Human-readable and self-documenting</a:t>
             </a:r>
-            <a:endParaRPr b="0" lang="en-GB" sz="1800" spc="-1" strike="noStrike">
-              <a:solidFill>
-                <a:srgbClr val="000000"/>
-              </a:solidFill>
-              <a:uFill>
-                <a:solidFill>
-                  <a:srgbClr val="ffffff"/>
+            <a:endParaRPr lang="en-GB" sz="1800" b="0" strike="noStrike" spc="-1" dirty="0">
+              <a:solidFill>
+                <a:srgbClr val="000000"/>
+              </a:solidFill>
+              <a:uFill>
+                <a:solidFill>
+                  <a:srgbClr val="FFFFFF"/>
                 </a:solidFill>
               </a:uFill>
               <a:latin typeface="Arial"/>
@@ -6992,13 +8029,20 @@
           </a:ln>
         </p:spPr>
         <p:style>
-          <a:lnRef idx="0"/>
-          <a:fillRef idx="0"/>
-          <a:effectRef idx="0"/>
+          <a:lnRef idx="0">
+            <a:scrgbClr r="0" g="0" b="0"/>
+          </a:lnRef>
+          <a:fillRef idx="0">
+            <a:scrgbClr r="0" g="0" b="0"/>
+          </a:fillRef>
+          <a:effectRef idx="0">
+            <a:scrgbClr r="0" g="0" b="0"/>
+          </a:effectRef>
           <a:fontRef idx="minor"/>
         </p:style>
         <p:txBody>
-          <a:bodyPr lIns="0" rIns="0" tIns="35280" bIns="0" anchor="ctr"/>
+          <a:bodyPr lIns="0" tIns="35280" rIns="0" bIns="0" anchor="ctr"/>
+          <a:lstStyle/>
           <a:p>
             <a:pPr algn="ctr">
               <a:lnSpc>
@@ -7006,13 +8050,13 @@
               </a:lnSpc>
             </a:pPr>
             <a:r>
-              <a:rPr b="0" lang="en-GB" sz="4400" spc="-1" strike="noStrike">
+              <a:rPr lang="en-GB" sz="4400" b="0" strike="noStrike" spc="-1">
                 <a:solidFill>
                   <a:srgbClr val="000000"/>
                 </a:solidFill>
                 <a:uFill>
                   <a:solidFill>
-                    <a:srgbClr val="ffffff"/>
+                    <a:srgbClr val="FFFFFF"/>
                   </a:solidFill>
                 </a:uFill>
                 <a:latin typeface="Arial"/>
@@ -7020,13 +8064,13 @@
               </a:rPr>
               <a:t>NWB features</a:t>
             </a:r>
-            <a:endParaRPr b="0" lang="en-GB" sz="1800" spc="-1" strike="noStrike">
-              <a:solidFill>
-                <a:srgbClr val="000000"/>
-              </a:solidFill>
-              <a:uFill>
-                <a:solidFill>
-                  <a:srgbClr val="ffffff"/>
+            <a:endParaRPr lang="en-GB" sz="1800" b="0" strike="noStrike" spc="-1">
+              <a:solidFill>
+                <a:srgbClr val="000000"/>
+              </a:solidFill>
+              <a:uFill>
+                <a:solidFill>
+                  <a:srgbClr val="FFFFFF"/>
                 </a:solidFill>
               </a:uFill>
               <a:latin typeface="Arial"/>
@@ -7036,22 +8080,25 @@
       </p:sp>
     </p:spTree>
   </p:cSld>
+  <p:clrMapOvr>
+    <a:masterClrMapping/>
+  </p:clrMapOvr>
   <p:timing>
     <p:tnLst>
       <p:par>
-        <p:cTn id="3" dur="indefinite" restart="never" nodeType="tmRoot">
+        <p:cTn id="1" dur="indefinite" restart="never" nodeType="tmRoot">
           <p:childTnLst>
             <p:seq>
-              <p:cTn id="4" nodeType="mainSeq"/>
+              <p:cTn id="2" nodeType="mainSeq"/>
               <p:prevCondLst>
-                <p:cond delay="0" evt="onPrev">
+                <p:cond evt="onPrev" delay="0">
                   <p:tgtEl>
                     <p:sldTgt/>
                   </p:tgtEl>
                 </p:cond>
               </p:prevCondLst>
               <p:nextCondLst>
-                <p:cond delay="0" evt="onNext">
+                <p:cond evt="onNext" delay="0">
                   <p:tgtEl>
                     <p:sldTgt/>
                   </p:tgtEl>
@@ -7067,7 +8114,7 @@
 </file>
 
 <file path=ppt/slides/slide3.xml><?xml version="1.0" encoding="utf-8"?>
-<p:sld xmlns:a="http://schemas.openxmlformats.org/drawingml/2006/main" xmlns:p="http://schemas.openxmlformats.org/presentationml/2006/main" xmlns:r="http://schemas.openxmlformats.org/officeDocument/2006/relationships" xmlns:p14="http://schemas.microsoft.com/office/powerpoint/2010/main" xmlns:p15="http://schemas.microsoft.com/office/powerpoint/2012/main" xmlns:mc="http://schemas.openxmlformats.org/markup-compatibility/2006">
+<p:sld xmlns:a="http://schemas.openxmlformats.org/drawingml/2006/main" xmlns:r="http://schemas.openxmlformats.org/officeDocument/2006/relationships" xmlns:p="http://schemas.openxmlformats.org/presentationml/2006/main">
   <p:cSld>
     <p:spTree>
       <p:nvGrpSpPr>
@@ -7085,14 +8132,14 @@
       </p:grpSpPr>
       <p:sp>
         <p:nvSpPr>
-          <p:cNvPr id="121" name="CustomShape 1"/>
+          <p:cNvPr id="123" name="CustomShape 1"/>
           <p:cNvSpPr/>
           <p:nvPr/>
         </p:nvSpPr>
         <p:spPr>
           <a:xfrm>
-            <a:off x="456480" y="273600"/>
-            <a:ext cx="8227440" cy="1144080"/>
+            <a:off x="503640" y="0"/>
+            <a:ext cx="9070200" cy="886680"/>
           </a:xfrm>
           <a:prstGeom prst="rect">
             <a:avLst/>
@@ -7103,13 +8150,20 @@
           </a:ln>
         </p:spPr>
         <p:style>
-          <a:lnRef idx="0"/>
-          <a:fillRef idx="0"/>
-          <a:effectRef idx="0"/>
+          <a:lnRef idx="0">
+            <a:scrgbClr r="0" g="0" b="0"/>
+          </a:lnRef>
+          <a:fillRef idx="0">
+            <a:scrgbClr r="0" g="0" b="0"/>
+          </a:fillRef>
+          <a:effectRef idx="0">
+            <a:scrgbClr r="0" g="0" b="0"/>
+          </a:effectRef>
           <a:fontRef idx="minor"/>
         </p:style>
         <p:txBody>
-          <a:bodyPr lIns="0" rIns="0" tIns="35280" bIns="0" anchor="ctr"/>
+          <a:bodyPr lIns="0" tIns="38880" rIns="0" bIns="0" anchor="ctr"/>
+          <a:lstStyle/>
           <a:p>
             <a:pPr algn="ctr">
               <a:lnSpc>
@@ -7117,44 +8171,44 @@
               </a:lnSpc>
             </a:pPr>
             <a:r>
-              <a:rPr b="0" lang="en-GB" sz="4400" spc="-1" strike="noStrike">
+              <a:rPr lang="en-GB" sz="4400" b="0" strike="noStrike" spc="-1">
                 <a:solidFill>
                   <a:srgbClr val="000000"/>
                 </a:solidFill>
                 <a:uFill>
                   <a:solidFill>
-                    <a:srgbClr val="ffffff"/>
+                    <a:srgbClr val="FFFFFF"/>
                   </a:solidFill>
                 </a:uFill>
                 <a:latin typeface="Arial"/>
                 <a:ea typeface="Noto Sans CJK SC Regular"/>
               </a:rPr>
-              <a:t>Current work/ future plans</a:t>
+              <a:t>Overview of NWB format</a:t>
             </a:r>
-            <a:endParaRPr b="0" lang="en-GB" sz="1800" spc="-1" strike="noStrike">
-              <a:solidFill>
-                <a:srgbClr val="000000"/>
-              </a:solidFill>
-              <a:uFill>
-                <a:solidFill>
-                  <a:srgbClr val="ffffff"/>
-                </a:solidFill>
-              </a:uFill>
-              <a:latin typeface="Arial"/>
-            </a:endParaRPr>
-          </a:p>
-        </p:txBody>
-      </p:sp>
-      <p:sp>
-        <p:nvSpPr>
-          <p:cNvPr id="122" name="CustomShape 2"/>
+            <a:endParaRPr lang="en-GB" sz="1800" b="0" strike="noStrike" spc="-1">
+              <a:solidFill>
+                <a:srgbClr val="000000"/>
+              </a:solidFill>
+              <a:uFill>
+                <a:solidFill>
+                  <a:srgbClr val="FFFFFF"/>
+                </a:solidFill>
+              </a:uFill>
+              <a:latin typeface="Arial"/>
+            </a:endParaRPr>
+          </a:p>
+        </p:txBody>
+      </p:sp>
+      <p:sp>
+        <p:nvSpPr>
+          <p:cNvPr id="124" name="CustomShape 2"/>
           <p:cNvSpPr/>
           <p:nvPr/>
         </p:nvSpPr>
         <p:spPr>
           <a:xfrm>
-            <a:off x="1080000" y="1691640"/>
-            <a:ext cx="8064000" cy="4757400"/>
+            <a:off x="4910040" y="6583320"/>
+            <a:ext cx="5109480" cy="913680"/>
           </a:xfrm>
           <a:prstGeom prst="rect">
             <a:avLst/>
@@ -7165,261 +8219,649 @@
           </a:ln>
         </p:spPr>
         <p:style>
-          <a:lnRef idx="0"/>
-          <a:fillRef idx="0"/>
-          <a:effectRef idx="0"/>
+          <a:lnRef idx="0">
+            <a:scrgbClr r="0" g="0" b="0"/>
+          </a:lnRef>
+          <a:fillRef idx="0">
+            <a:scrgbClr r="0" g="0" b="0"/>
+          </a:fillRef>
+          <a:effectRef idx="0">
+            <a:scrgbClr r="0" g="0" b="0"/>
+          </a:effectRef>
           <a:fontRef idx="minor"/>
         </p:style>
         <p:txBody>
-          <a:bodyPr lIns="90000" rIns="90000" tIns="45000" bIns="45000"/>
-          <a:p>
-            <a:pPr marL="343080" indent="-342360">
+          <a:bodyPr lIns="90000" tIns="68040" rIns="90000" bIns="45000"/>
+          <a:lstStyle/>
+          <a:p>
+            <a:pPr>
               <a:lnSpc>
                 <a:spcPct val="100000"/>
               </a:lnSpc>
-              <a:buClr>
-                <a:srgbClr val="000000"/>
-              </a:buClr>
-              <a:buFont typeface="Arial"/>
-              <a:buChar char="•"/>
             </a:pPr>
             <a:r>
-              <a:rPr b="0" lang="en-GB" sz="2800" spc="-1" strike="noStrike">
+              <a:rPr lang="en-GB" sz="2600" b="1" strike="noStrike" spc="-1">
                 <a:solidFill>
                   <a:srgbClr val="000000"/>
                 </a:solidFill>
                 <a:uFill>
                   <a:solidFill>
-                    <a:srgbClr val="ffffff"/>
+                    <a:srgbClr val="FFFFFF"/>
                   </a:solidFill>
                 </a:uFill>
                 <a:latin typeface="Arial"/>
-                <a:ea typeface="Noto Sans CJK SC Regular"/>
+                <a:ea typeface="ＭＳ Ｐゴシック"/>
               </a:rPr>
-              <a:t>Develop high-level read and write API</a:t>
+              <a:t>HDFView</a:t>
             </a:r>
-            <a:endParaRPr b="0" lang="en-GB" sz="1800" spc="-1" strike="noStrike">
-              <a:solidFill>
-                <a:srgbClr val="000000"/>
-              </a:solidFill>
-              <a:uFill>
-                <a:solidFill>
-                  <a:srgbClr val="ffffff"/>
-                </a:solidFill>
-              </a:uFill>
-              <a:latin typeface="Arial"/>
-            </a:endParaRPr>
-          </a:p>
-          <a:p>
-            <a:pPr marL="343080" indent="-342360">
+            <a:r>
+              <a:rPr lang="en-GB" sz="2600" b="0" strike="noStrike" spc="-1">
+                <a:solidFill>
+                  <a:srgbClr val="000000"/>
+                </a:solidFill>
+                <a:uFill>
+                  <a:solidFill>
+                    <a:srgbClr val="FFFFFF"/>
+                  </a:solidFill>
+                </a:uFill>
+                <a:latin typeface="Arial"/>
+                <a:ea typeface="ＭＳ Ｐゴシック"/>
+              </a:rPr>
+              <a:t> is a free application for browsing HDF5 files.</a:t>
+            </a:r>
+            <a:endParaRPr lang="en-GB" sz="1800" b="0" strike="noStrike" spc="-1">
+              <a:solidFill>
+                <a:srgbClr val="000000"/>
+              </a:solidFill>
+              <a:uFill>
+                <a:solidFill>
+                  <a:srgbClr val="FFFFFF"/>
+                </a:solidFill>
+              </a:uFill>
+              <a:latin typeface="Arial"/>
+            </a:endParaRPr>
+          </a:p>
+        </p:txBody>
+      </p:sp>
+      <p:sp>
+        <p:nvSpPr>
+          <p:cNvPr id="125" name="CustomShape 3"/>
+          <p:cNvSpPr/>
+          <p:nvPr/>
+        </p:nvSpPr>
+        <p:spPr>
+          <a:xfrm>
+            <a:off x="320760" y="2487600"/>
+            <a:ext cx="4434840" cy="1224720"/>
+          </a:xfrm>
+          <a:prstGeom prst="rect">
+            <a:avLst/>
+          </a:prstGeom>
+          <a:noFill/>
+          <a:ln w="9360">
+            <a:solidFill>
+              <a:srgbClr val="000000"/>
+            </a:solidFill>
+            <a:round/>
+          </a:ln>
+        </p:spPr>
+        <p:style>
+          <a:lnRef idx="0">
+            <a:scrgbClr r="0" g="0" b="0"/>
+          </a:lnRef>
+          <a:fillRef idx="0">
+            <a:scrgbClr r="0" g="0" b="0"/>
+          </a:fillRef>
+          <a:effectRef idx="0">
+            <a:scrgbClr r="0" g="0" b="0"/>
+          </a:effectRef>
+          <a:fontRef idx="minor"/>
+        </p:style>
+        <p:txBody>
+          <a:bodyPr lIns="90000" tIns="66240" rIns="90000" bIns="45000"/>
+          <a:lstStyle/>
+          <a:p>
+            <a:pPr>
               <a:lnSpc>
                 <a:spcPct val="100000"/>
               </a:lnSpc>
-              <a:buClr>
-                <a:srgbClr val="000000"/>
-              </a:buClr>
-              <a:buFont typeface="Arial"/>
-              <a:buChar char="•"/>
             </a:pPr>
             <a:r>
-              <a:rPr b="0" lang="en-GB" sz="2800" spc="-1" strike="noStrike">
+              <a:rPr lang="en-GB" sz="2400" b="0" strike="noStrike" spc="-1">
                 <a:solidFill>
                   <a:srgbClr val="000000"/>
                 </a:solidFill>
                 <a:uFill>
                   <a:solidFill>
-                    <a:srgbClr val="ffffff"/>
+                    <a:srgbClr val="FFFFFF"/>
                   </a:solidFill>
                 </a:uFill>
                 <a:latin typeface="Arial"/>
-                <a:ea typeface="Noto Sans CJK SC Regular"/>
+                <a:ea typeface="ＭＳ Ｐゴシック"/>
               </a:rPr>
-              <a:t>Extend to store new types of data (e.g. ECoG)</a:t>
+              <a:t>Logical intervals that provide windows into data occurring during the interval</a:t>
             </a:r>
-            <a:endParaRPr b="0" lang="en-GB" sz="1800" spc="-1" strike="noStrike">
-              <a:solidFill>
-                <a:srgbClr val="000000"/>
-              </a:solidFill>
-              <a:uFill>
-                <a:solidFill>
-                  <a:srgbClr val="ffffff"/>
-                </a:solidFill>
-              </a:uFill>
-              <a:latin typeface="Arial"/>
-            </a:endParaRPr>
-          </a:p>
-          <a:p>
-            <a:pPr marL="343080" indent="-342360">
+            <a:endParaRPr lang="en-GB" sz="1800" b="0" strike="noStrike" spc="-1">
+              <a:solidFill>
+                <a:srgbClr val="000000"/>
+              </a:solidFill>
+              <a:uFill>
+                <a:solidFill>
+                  <a:srgbClr val="FFFFFF"/>
+                </a:solidFill>
+              </a:uFill>
+              <a:latin typeface="Arial"/>
+            </a:endParaRPr>
+          </a:p>
+        </p:txBody>
+      </p:sp>
+      <p:sp>
+        <p:nvSpPr>
+          <p:cNvPr id="126" name="CustomShape 4"/>
+          <p:cNvSpPr/>
+          <p:nvPr/>
+        </p:nvSpPr>
+        <p:spPr>
+          <a:xfrm>
+            <a:off x="316080" y="1411200"/>
+            <a:ext cx="4438080" cy="878040"/>
+          </a:xfrm>
+          <a:prstGeom prst="rect">
+            <a:avLst/>
+          </a:prstGeom>
+          <a:noFill/>
+          <a:ln w="9360">
+            <a:solidFill>
+              <a:srgbClr val="000000"/>
+            </a:solidFill>
+            <a:round/>
+          </a:ln>
+        </p:spPr>
+        <p:style>
+          <a:lnRef idx="0">
+            <a:scrgbClr r="0" g="0" b="0"/>
+          </a:lnRef>
+          <a:fillRef idx="0">
+            <a:scrgbClr r="0" g="0" b="0"/>
+          </a:fillRef>
+          <a:effectRef idx="0">
+            <a:scrgbClr r="0" g="0" b="0"/>
+          </a:effectRef>
+          <a:fontRef idx="minor"/>
+        </p:style>
+        <p:txBody>
+          <a:bodyPr lIns="90000" tIns="66240" rIns="90000" bIns="45000"/>
+          <a:lstStyle/>
+          <a:p>
+            <a:pPr>
               <a:lnSpc>
                 <a:spcPct val="100000"/>
               </a:lnSpc>
-              <a:buClr>
-                <a:srgbClr val="000000"/>
-              </a:buClr>
-              <a:buFont typeface="Arial"/>
-              <a:buChar char="•"/>
             </a:pPr>
             <a:r>
-              <a:rPr b="0" lang="en-GB" sz="2800" spc="-1" strike="noStrike">
+              <a:rPr lang="en-GB" sz="2400" b="0" strike="noStrike" spc="-1">
                 <a:solidFill>
                   <a:srgbClr val="000000"/>
                 </a:solidFill>
                 <a:uFill>
                   <a:solidFill>
-                    <a:srgbClr val="ffffff"/>
+                    <a:srgbClr val="FFFFFF"/>
                   </a:solidFill>
                 </a:uFill>
                 <a:latin typeface="Arial"/>
-                <a:ea typeface="Noto Sans CJK SC Regular"/>
+                <a:ea typeface="ＭＳ Ｐゴシック"/>
               </a:rPr>
-              <a:t>API features for HPC (High Performance Computing) environments</a:t>
+              <a:t>Acquired experimental data and graphical documentation</a:t>
             </a:r>
-            <a:endParaRPr b="0" lang="en-GB" sz="1800" spc="-1" strike="noStrike">
-              <a:solidFill>
-                <a:srgbClr val="000000"/>
-              </a:solidFill>
-              <a:uFill>
-                <a:solidFill>
-                  <a:srgbClr val="ffffff"/>
-                </a:solidFill>
-              </a:uFill>
-              <a:latin typeface="Arial"/>
-            </a:endParaRPr>
-          </a:p>
-          <a:p>
-            <a:pPr marL="343080" indent="-342360">
+            <a:endParaRPr lang="en-GB" sz="1800" b="0" strike="noStrike" spc="-1">
+              <a:solidFill>
+                <a:srgbClr val="000000"/>
+              </a:solidFill>
+              <a:uFill>
+                <a:solidFill>
+                  <a:srgbClr val="FFFFFF"/>
+                </a:solidFill>
+              </a:uFill>
+              <a:latin typeface="Arial"/>
+            </a:endParaRPr>
+          </a:p>
+        </p:txBody>
+      </p:sp>
+      <p:sp>
+        <p:nvSpPr>
+          <p:cNvPr id="127" name="CustomShape 5"/>
+          <p:cNvSpPr/>
+          <p:nvPr/>
+        </p:nvSpPr>
+        <p:spPr>
+          <a:xfrm>
+            <a:off x="320760" y="3995640"/>
+            <a:ext cx="4425120" cy="950040"/>
+          </a:xfrm>
+          <a:prstGeom prst="rect">
+            <a:avLst/>
+          </a:prstGeom>
+          <a:noFill/>
+          <a:ln w="9360">
+            <a:solidFill>
+              <a:srgbClr val="000000"/>
+            </a:solidFill>
+            <a:round/>
+          </a:ln>
+        </p:spPr>
+        <p:style>
+          <a:lnRef idx="0">
+            <a:scrgbClr r="0" g="0" b="0"/>
+          </a:lnRef>
+          <a:fillRef idx="0">
+            <a:scrgbClr r="0" g="0" b="0"/>
+          </a:fillRef>
+          <a:effectRef idx="0">
+            <a:scrgbClr r="0" g="0" b="0"/>
+          </a:effectRef>
+          <a:fontRef idx="minor"/>
+        </p:style>
+        <p:txBody>
+          <a:bodyPr lIns="90000" tIns="66240" rIns="90000" bIns="45000"/>
+          <a:lstStyle/>
+          <a:p>
+            <a:pPr>
               <a:lnSpc>
                 <a:spcPct val="100000"/>
               </a:lnSpc>
-              <a:buClr>
-                <a:srgbClr val="000000"/>
-              </a:buClr>
-              <a:buFont typeface="Arial"/>
-              <a:buChar char="•"/>
             </a:pPr>
             <a:r>
-              <a:rPr b="0" lang="en-GB" sz="2800" spc="-1" strike="noStrike">
+              <a:rPr lang="en-GB" sz="2400" b="0" strike="noStrike" spc="-1">
                 <a:solidFill>
                   <a:srgbClr val="000000"/>
                 </a:solidFill>
                 <a:uFill>
                   <a:solidFill>
-                    <a:srgbClr val="ffffff"/>
+                    <a:srgbClr val="FFFFFF"/>
                   </a:solidFill>
                 </a:uFill>
                 <a:latin typeface="Arial"/>
-                <a:ea typeface="Noto Sans CJK SC Regular"/>
+                <a:ea typeface="ＭＳ Ｐゴシック"/>
               </a:rPr>
-              <a:t>Allow using different backends, e.g. other than HDF5</a:t>
+              <a:t>Metadata, including originating lab, devices, methods, etc</a:t>
             </a:r>
-            <a:endParaRPr b="0" lang="en-GB" sz="1800" spc="-1" strike="noStrike">
-              <a:solidFill>
-                <a:srgbClr val="000000"/>
-              </a:solidFill>
-              <a:uFill>
-                <a:solidFill>
-                  <a:srgbClr val="ffffff"/>
-                </a:solidFill>
-              </a:uFill>
-              <a:latin typeface="Arial"/>
-            </a:endParaRPr>
-          </a:p>
-          <a:p>
-            <a:pPr marL="343080" indent="-342360">
+            <a:endParaRPr lang="en-GB" sz="1800" b="0" strike="noStrike" spc="-1">
+              <a:solidFill>
+                <a:srgbClr val="000000"/>
+              </a:solidFill>
+              <a:uFill>
+                <a:solidFill>
+                  <a:srgbClr val="FFFFFF"/>
+                </a:solidFill>
+              </a:uFill>
+              <a:latin typeface="Arial"/>
+            </a:endParaRPr>
+          </a:p>
+        </p:txBody>
+      </p:sp>
+      <p:sp>
+        <p:nvSpPr>
+          <p:cNvPr id="128" name="CustomShape 6"/>
+          <p:cNvSpPr/>
+          <p:nvPr/>
+        </p:nvSpPr>
+        <p:spPr>
+          <a:xfrm>
+            <a:off x="320760" y="5199120"/>
+            <a:ext cx="4425120" cy="996120"/>
+          </a:xfrm>
+          <a:prstGeom prst="rect">
+            <a:avLst/>
+          </a:prstGeom>
+          <a:noFill/>
+          <a:ln w="9360">
+            <a:solidFill>
+              <a:srgbClr val="000000"/>
+            </a:solidFill>
+            <a:round/>
+          </a:ln>
+        </p:spPr>
+        <p:style>
+          <a:lnRef idx="0">
+            <a:scrgbClr r="0" g="0" b="0"/>
+          </a:lnRef>
+          <a:fillRef idx="0">
+            <a:scrgbClr r="0" g="0" b="0"/>
+          </a:fillRef>
+          <a:effectRef idx="0">
+            <a:scrgbClr r="0" g="0" b="0"/>
+          </a:effectRef>
+          <a:fontRef idx="minor"/>
+        </p:style>
+        <p:txBody>
+          <a:bodyPr lIns="90000" tIns="66240" rIns="90000" bIns="45000"/>
+          <a:lstStyle/>
+          <a:p>
+            <a:pPr>
               <a:lnSpc>
                 <a:spcPct val="100000"/>
               </a:lnSpc>
-              <a:buClr>
-                <a:srgbClr val="000000"/>
-              </a:buClr>
-              <a:buFont typeface="Arial"/>
-              <a:buChar char="•"/>
             </a:pPr>
             <a:r>
-              <a:rPr b="0" lang="en-GB" sz="2800" spc="-1" strike="noStrike">
+              <a:rPr lang="en-GB" sz="2400" b="0" strike="noStrike" spc="-1">
                 <a:solidFill>
                   <a:srgbClr val="000000"/>
                 </a:solidFill>
                 <a:uFill>
                   <a:solidFill>
-                    <a:srgbClr val="ffffff"/>
+                    <a:srgbClr val="FFFFFF"/>
                   </a:solidFill>
                 </a:uFill>
                 <a:latin typeface="Arial"/>
-                <a:ea typeface="Noto Sans CJK SC Regular"/>
+                <a:ea typeface="ＭＳ Ｐゴシック"/>
               </a:rPr>
-              <a:t>Formation of governance board to manage the format and related tools</a:t>
+              <a:t>Intermediate processing of data, such as spike sorting</a:t>
             </a:r>
-            <a:endParaRPr b="0" lang="en-GB" sz="1800" spc="-1" strike="noStrike">
-              <a:solidFill>
-                <a:srgbClr val="000000"/>
-              </a:solidFill>
-              <a:uFill>
-                <a:solidFill>
-                  <a:srgbClr val="ffffff"/>
-                </a:solidFill>
-              </a:uFill>
-              <a:latin typeface="Arial"/>
-            </a:endParaRPr>
-          </a:p>
-          <a:p>
-            <a:pPr marL="343080" indent="-342360">
+            <a:endParaRPr lang="en-GB" sz="1800" b="0" strike="noStrike" spc="-1">
+              <a:solidFill>
+                <a:srgbClr val="000000"/>
+              </a:solidFill>
+              <a:uFill>
+                <a:solidFill>
+                  <a:srgbClr val="FFFFFF"/>
+                </a:solidFill>
+              </a:uFill>
+              <a:latin typeface="Arial"/>
+            </a:endParaRPr>
+          </a:p>
+        </p:txBody>
+      </p:sp>
+      <p:sp>
+        <p:nvSpPr>
+          <p:cNvPr id="129" name="CustomShape 7"/>
+          <p:cNvSpPr/>
+          <p:nvPr/>
+        </p:nvSpPr>
+        <p:spPr>
+          <a:xfrm>
+            <a:off x="320760" y="6434280"/>
+            <a:ext cx="4434840" cy="846630"/>
+          </a:xfrm>
+          <a:prstGeom prst="rect">
+            <a:avLst/>
+          </a:prstGeom>
+          <a:noFill/>
+          <a:ln w="9360">
+            <a:solidFill>
+              <a:srgbClr val="000000"/>
+            </a:solidFill>
+            <a:round/>
+          </a:ln>
+        </p:spPr>
+        <p:style>
+          <a:lnRef idx="0">
+            <a:scrgbClr r="0" g="0" b="0"/>
+          </a:lnRef>
+          <a:fillRef idx="0">
+            <a:scrgbClr r="0" g="0" b="0"/>
+          </a:fillRef>
+          <a:effectRef idx="0">
+            <a:scrgbClr r="0" g="0" b="0"/>
+          </a:effectRef>
+          <a:fontRef idx="minor"/>
+        </p:style>
+        <p:txBody>
+          <a:bodyPr lIns="90000" tIns="66240" rIns="90000" bIns="45000"/>
+          <a:lstStyle/>
+          <a:p>
+            <a:pPr>
               <a:lnSpc>
                 <a:spcPct val="100000"/>
               </a:lnSpc>
-              <a:buClr>
-                <a:srgbClr val="000000"/>
-              </a:buClr>
-              <a:buFont typeface="Arial"/>
-              <a:buChar char="•"/>
             </a:pPr>
             <a:r>
-              <a:rPr b="0" lang="en-GB" sz="2800" spc="-1" strike="noStrike">
+              <a:rPr lang="en-GB" sz="2400" b="0" strike="noStrike" spc="-1">
                 <a:solidFill>
                   <a:srgbClr val="000000"/>
                 </a:solidFill>
                 <a:uFill>
                   <a:solidFill>
-                    <a:srgbClr val="ffffff"/>
+                    <a:srgbClr val="FFFFFF"/>
                   </a:solidFill>
                 </a:uFill>
                 <a:latin typeface="Arial"/>
-                <a:ea typeface="Noto Sans CJK SC Regular"/>
+                <a:ea typeface="ＭＳ Ｐゴシック"/>
               </a:rPr>
-              <a:t>New version release planned by SfN 2017</a:t>
+              <a:t>Stimuli that were presented during an experiment</a:t>
             </a:r>
-            <a:endParaRPr b="0" lang="en-GB" sz="1800" spc="-1" strike="noStrike">
-              <a:solidFill>
-                <a:srgbClr val="000000"/>
-              </a:solidFill>
-              <a:uFill>
-                <a:solidFill>
-                  <a:srgbClr val="ffffff"/>
-                </a:solidFill>
-              </a:uFill>
-              <a:latin typeface="Arial"/>
-            </a:endParaRPr>
-          </a:p>
-        </p:txBody>
-      </p:sp>
+            <a:endParaRPr lang="en-GB" sz="1800" b="0" strike="noStrike" spc="-1">
+              <a:solidFill>
+                <a:srgbClr val="000000"/>
+              </a:solidFill>
+              <a:uFill>
+                <a:solidFill>
+                  <a:srgbClr val="FFFFFF"/>
+                </a:solidFill>
+              </a:uFill>
+              <a:latin typeface="Arial"/>
+            </a:endParaRPr>
+          </a:p>
+        </p:txBody>
+      </p:sp>
+      <p:sp>
+        <p:nvSpPr>
+          <p:cNvPr id="130" name="Line 8"/>
+          <p:cNvSpPr/>
+          <p:nvPr/>
+        </p:nvSpPr>
+        <p:spPr>
+          <a:xfrm flipV="1">
+            <a:off x="4746600" y="4592160"/>
+            <a:ext cx="900000" cy="1916280"/>
+          </a:xfrm>
+          <a:prstGeom prst="line">
+            <a:avLst/>
+          </a:prstGeom>
+          <a:ln w="9360">
+            <a:solidFill>
+              <a:srgbClr val="000000"/>
+            </a:solidFill>
+            <a:round/>
+            <a:tailEnd type="triangle" w="med" len="med"/>
+          </a:ln>
+        </p:spPr>
+        <p:style>
+          <a:lnRef idx="0">
+            <a:scrgbClr r="0" g="0" b="0"/>
+          </a:lnRef>
+          <a:fillRef idx="0">
+            <a:scrgbClr r="0" g="0" b="0"/>
+          </a:fillRef>
+          <a:effectRef idx="0">
+            <a:scrgbClr r="0" g="0" b="0"/>
+          </a:effectRef>
+          <a:fontRef idx="minor"/>
+        </p:style>
+      </p:sp>
+      <p:sp>
+        <p:nvSpPr>
+          <p:cNvPr id="131" name="Line 9"/>
+          <p:cNvSpPr/>
+          <p:nvPr/>
+        </p:nvSpPr>
+        <p:spPr>
+          <a:xfrm flipV="1">
+            <a:off x="4746600" y="3965760"/>
+            <a:ext cx="900000" cy="1234800"/>
+          </a:xfrm>
+          <a:prstGeom prst="line">
+            <a:avLst/>
+          </a:prstGeom>
+          <a:ln w="9360">
+            <a:solidFill>
+              <a:srgbClr val="000000"/>
+            </a:solidFill>
+            <a:round/>
+            <a:tailEnd type="triangle" w="med" len="med"/>
+          </a:ln>
+        </p:spPr>
+        <p:style>
+          <a:lnRef idx="0">
+            <a:scrgbClr r="0" g="0" b="0"/>
+          </a:lnRef>
+          <a:fillRef idx="0">
+            <a:scrgbClr r="0" g="0" b="0"/>
+          </a:fillRef>
+          <a:effectRef idx="0">
+            <a:scrgbClr r="0" g="0" b="0"/>
+          </a:effectRef>
+          <a:fontRef idx="minor"/>
+        </p:style>
+      </p:sp>
+      <p:sp>
+        <p:nvSpPr>
+          <p:cNvPr id="132" name="Line 10"/>
+          <p:cNvSpPr/>
+          <p:nvPr/>
+        </p:nvSpPr>
+        <p:spPr>
+          <a:xfrm flipV="1">
+            <a:off x="4746600" y="3283920"/>
+            <a:ext cx="900000" cy="751320"/>
+          </a:xfrm>
+          <a:prstGeom prst="line">
+            <a:avLst/>
+          </a:prstGeom>
+          <a:ln w="9360">
+            <a:solidFill>
+              <a:srgbClr val="000000"/>
+            </a:solidFill>
+            <a:round/>
+            <a:tailEnd type="triangle" w="med" len="med"/>
+          </a:ln>
+        </p:spPr>
+        <p:style>
+          <a:lnRef idx="0">
+            <a:scrgbClr r="0" g="0" b="0"/>
+          </a:lnRef>
+          <a:fillRef idx="0">
+            <a:scrgbClr r="0" g="0" b="0"/>
+          </a:fillRef>
+          <a:effectRef idx="0">
+            <a:scrgbClr r="0" g="0" b="0"/>
+          </a:effectRef>
+          <a:fontRef idx="minor"/>
+        </p:style>
+      </p:sp>
+      <p:sp>
+        <p:nvSpPr>
+          <p:cNvPr id="133" name="Line 11"/>
+          <p:cNvSpPr/>
+          <p:nvPr/>
+        </p:nvSpPr>
+        <p:spPr>
+          <a:xfrm flipV="1">
+            <a:off x="4746600" y="2772360"/>
+            <a:ext cx="900000" cy="62640"/>
+          </a:xfrm>
+          <a:prstGeom prst="line">
+            <a:avLst/>
+          </a:prstGeom>
+          <a:ln w="9360">
+            <a:solidFill>
+              <a:srgbClr val="000000"/>
+            </a:solidFill>
+            <a:round/>
+            <a:tailEnd type="triangle" w="med" len="med"/>
+          </a:ln>
+        </p:spPr>
+        <p:style>
+          <a:lnRef idx="0">
+            <a:scrgbClr r="0" g="0" b="0"/>
+          </a:lnRef>
+          <a:fillRef idx="0">
+            <a:scrgbClr r="0" g="0" b="0"/>
+          </a:fillRef>
+          <a:effectRef idx="0">
+            <a:scrgbClr r="0" g="0" b="0"/>
+          </a:effectRef>
+          <a:fontRef idx="minor"/>
+        </p:style>
+      </p:sp>
+      <p:sp>
+        <p:nvSpPr>
+          <p:cNvPr id="134" name="Line 12"/>
+          <p:cNvSpPr/>
+          <p:nvPr/>
+        </p:nvSpPr>
+        <p:spPr>
+          <a:xfrm>
+            <a:off x="4746600" y="2193840"/>
+            <a:ext cx="900000" cy="181440"/>
+          </a:xfrm>
+          <a:prstGeom prst="line">
+            <a:avLst/>
+          </a:prstGeom>
+          <a:ln w="9360">
+            <a:solidFill>
+              <a:srgbClr val="000000"/>
+            </a:solidFill>
+            <a:round/>
+            <a:tailEnd type="triangle" w="med" len="med"/>
+          </a:ln>
+        </p:spPr>
+        <p:style>
+          <a:lnRef idx="0">
+            <a:scrgbClr r="0" g="0" b="0"/>
+          </a:lnRef>
+          <a:fillRef idx="0">
+            <a:scrgbClr r="0" g="0" b="0"/>
+          </a:fillRef>
+          <a:effectRef idx="0">
+            <a:scrgbClr r="0" g="0" b="0"/>
+          </a:effectRef>
+          <a:fontRef idx="minor"/>
+        </p:style>
+      </p:sp>
+      <p:pic>
+        <p:nvPicPr>
+          <p:cNvPr id="135" name="Picture 134"/>
+          <p:cNvPicPr/>
+          <p:nvPr/>
+        </p:nvPicPr>
+        <p:blipFill>
+          <a:blip r:embed="rId3"/>
+          <a:stretch/>
+        </p:blipFill>
+        <p:spPr>
+          <a:xfrm>
+            <a:off x="5646600" y="850320"/>
+            <a:ext cx="4068900" cy="5344920"/>
+          </a:xfrm>
+          <a:prstGeom prst="rect">
+            <a:avLst/>
+          </a:prstGeom>
+          <a:ln>
+            <a:noFill/>
+          </a:ln>
+        </p:spPr>
+      </p:pic>
     </p:spTree>
   </p:cSld>
+  <p:clrMapOvr>
+    <a:masterClrMapping/>
+  </p:clrMapOvr>
   <p:timing>
     <p:tnLst>
       <p:par>
-        <p:cTn id="5" dur="indefinite" restart="never" nodeType="tmRoot">
+        <p:cTn id="1" dur="indefinite" restart="never" nodeType="tmRoot">
           <p:childTnLst>
             <p:seq>
-              <p:cTn id="6" nodeType="mainSeq"/>
+              <p:cTn id="2" nodeType="mainSeq"/>
               <p:prevCondLst>
-                <p:cond delay="0" evt="onPrev">
+                <p:cond evt="onPrev" delay="0">
                   <p:tgtEl>
                     <p:sldTgt/>
                   </p:tgtEl>
                 </p:cond>
               </p:prevCondLst>
               <p:nextCondLst>
-                <p:cond delay="0" evt="onNext">
+                <p:cond evt="onNext" delay="0">
                   <p:tgtEl>
                     <p:sldTgt/>
                   </p:tgtEl>
@@ -7435,7 +8877,7 @@
 </file>
 
 <file path=ppt/slides/slide4.xml><?xml version="1.0" encoding="utf-8"?>
-<p:sld xmlns:a="http://schemas.openxmlformats.org/drawingml/2006/main" xmlns:p="http://schemas.openxmlformats.org/presentationml/2006/main" xmlns:r="http://schemas.openxmlformats.org/officeDocument/2006/relationships" xmlns:p14="http://schemas.microsoft.com/office/powerpoint/2010/main" xmlns:p15="http://schemas.microsoft.com/office/powerpoint/2012/main" xmlns:mc="http://schemas.openxmlformats.org/markup-compatibility/2006">
+<p:sld xmlns:a="http://schemas.openxmlformats.org/drawingml/2006/main" xmlns:r="http://schemas.openxmlformats.org/officeDocument/2006/relationships" xmlns:p="http://schemas.openxmlformats.org/presentationml/2006/main">
   <p:cSld>
     <p:spTree>
       <p:nvGrpSpPr>
@@ -7453,14 +8895,14 @@
       </p:grpSpPr>
       <p:sp>
         <p:nvSpPr>
-          <p:cNvPr id="123" name="CustomShape 1"/>
+          <p:cNvPr id="121" name="CustomShape 1"/>
           <p:cNvSpPr/>
           <p:nvPr/>
         </p:nvSpPr>
         <p:spPr>
           <a:xfrm>
-            <a:off x="503640" y="0"/>
-            <a:ext cx="9070200" cy="886680"/>
+            <a:off x="456480" y="273600"/>
+            <a:ext cx="8227440" cy="1144080"/>
           </a:xfrm>
           <a:prstGeom prst="rect">
             <a:avLst/>
@@ -7471,13 +8913,20 @@
           </a:ln>
         </p:spPr>
         <p:style>
-          <a:lnRef idx="0"/>
-          <a:fillRef idx="0"/>
-          <a:effectRef idx="0"/>
+          <a:lnRef idx="0">
+            <a:scrgbClr r="0" g="0" b="0"/>
+          </a:lnRef>
+          <a:fillRef idx="0">
+            <a:scrgbClr r="0" g="0" b="0"/>
+          </a:fillRef>
+          <a:effectRef idx="0">
+            <a:scrgbClr r="0" g="0" b="0"/>
+          </a:effectRef>
           <a:fontRef idx="minor"/>
         </p:style>
         <p:txBody>
-          <a:bodyPr lIns="0" rIns="0" tIns="38880" bIns="0" anchor="ctr"/>
+          <a:bodyPr lIns="0" tIns="35280" rIns="0" bIns="0" anchor="ctr"/>
+          <a:lstStyle/>
           <a:p>
             <a:pPr algn="ctr">
               <a:lnSpc>
@@ -7485,44 +8934,44 @@
               </a:lnSpc>
             </a:pPr>
             <a:r>
-              <a:rPr b="0" lang="en-GB" sz="4400" spc="-1" strike="noStrike">
+              <a:rPr lang="en-GB" sz="4400" b="0" strike="noStrike" spc="-1">
                 <a:solidFill>
                   <a:srgbClr val="000000"/>
                 </a:solidFill>
                 <a:uFill>
                   <a:solidFill>
-                    <a:srgbClr val="ffffff"/>
+                    <a:srgbClr val="FFFFFF"/>
                   </a:solidFill>
                 </a:uFill>
                 <a:latin typeface="Arial"/>
                 <a:ea typeface="Noto Sans CJK SC Regular"/>
               </a:rPr>
-              <a:t>Overview of NWB format</a:t>
+              <a:t>Current work/ future plans</a:t>
             </a:r>
-            <a:endParaRPr b="0" lang="en-GB" sz="1800" spc="-1" strike="noStrike">
-              <a:solidFill>
-                <a:srgbClr val="000000"/>
-              </a:solidFill>
-              <a:uFill>
-                <a:solidFill>
-                  <a:srgbClr val="ffffff"/>
-                </a:solidFill>
-              </a:uFill>
-              <a:latin typeface="Arial"/>
-            </a:endParaRPr>
-          </a:p>
-        </p:txBody>
-      </p:sp>
-      <p:sp>
-        <p:nvSpPr>
-          <p:cNvPr id="124" name="CustomShape 2"/>
+            <a:endParaRPr lang="en-GB" sz="1800" b="0" strike="noStrike" spc="-1">
+              <a:solidFill>
+                <a:srgbClr val="000000"/>
+              </a:solidFill>
+              <a:uFill>
+                <a:solidFill>
+                  <a:srgbClr val="FFFFFF"/>
+                </a:solidFill>
+              </a:uFill>
+              <a:latin typeface="Arial"/>
+            </a:endParaRPr>
+          </a:p>
+        </p:txBody>
+      </p:sp>
+      <p:sp>
+        <p:nvSpPr>
+          <p:cNvPr id="122" name="CustomShape 2"/>
           <p:cNvSpPr/>
           <p:nvPr/>
         </p:nvSpPr>
         <p:spPr>
           <a:xfrm>
-            <a:off x="4910040" y="6583320"/>
-            <a:ext cx="5109480" cy="913680"/>
+            <a:off x="1080000" y="1417680"/>
+            <a:ext cx="8064000" cy="5031360"/>
           </a:xfrm>
           <a:prstGeom prst="rect">
             <a:avLst/>
@@ -7533,574 +8982,361 @@
           </a:ln>
         </p:spPr>
         <p:style>
-          <a:lnRef idx="0"/>
-          <a:fillRef idx="0"/>
-          <a:effectRef idx="0"/>
+          <a:lnRef idx="0">
+            <a:scrgbClr r="0" g="0" b="0"/>
+          </a:lnRef>
+          <a:fillRef idx="0">
+            <a:scrgbClr r="0" g="0" b="0"/>
+          </a:fillRef>
+          <a:effectRef idx="0">
+            <a:scrgbClr r="0" g="0" b="0"/>
+          </a:effectRef>
           <a:fontRef idx="minor"/>
         </p:style>
         <p:txBody>
-          <a:bodyPr lIns="90000" rIns="90000" tIns="68040" bIns="45000"/>
-          <a:p>
-            <a:pPr>
+          <a:bodyPr lIns="90000" tIns="45000" rIns="90000" bIns="45000"/>
+          <a:lstStyle/>
+          <a:p>
+            <a:pPr marL="343080" indent="-342360">
               <a:lnSpc>
-                <a:spcPct val="100000"/>
+                <a:spcPct val="150000"/>
               </a:lnSpc>
+              <a:buClr>
+                <a:srgbClr val="000000"/>
+              </a:buClr>
+              <a:buFont typeface="Arial"/>
+              <a:buChar char="•"/>
             </a:pPr>
             <a:r>
-              <a:rPr b="1" lang="en-GB" sz="2600" spc="-1" strike="noStrike">
+              <a:rPr lang="en-GB" sz="2800" b="0" strike="noStrike" spc="-1" dirty="0">
                 <a:solidFill>
                   <a:srgbClr val="000000"/>
                 </a:solidFill>
                 <a:uFill>
                   <a:solidFill>
-                    <a:srgbClr val="ffffff"/>
+                    <a:srgbClr val="FFFFFF"/>
                   </a:solidFill>
                 </a:uFill>
                 <a:latin typeface="Arial"/>
-                <a:ea typeface="ＭＳ Ｐゴシック"/>
+                <a:ea typeface="Noto Sans CJK SC Regular"/>
               </a:rPr>
-              <a:t>HDFView</a:t>
+              <a:t>Develop high-level read and write API</a:t>
             </a:r>
+            <a:endParaRPr lang="en-GB" sz="1800" b="0" strike="noStrike" spc="-1" dirty="0">
+              <a:solidFill>
+                <a:srgbClr val="000000"/>
+              </a:solidFill>
+              <a:uFill>
+                <a:solidFill>
+                  <a:srgbClr val="FFFFFF"/>
+                </a:solidFill>
+              </a:uFill>
+              <a:latin typeface="Arial"/>
+            </a:endParaRPr>
+          </a:p>
+          <a:p>
+            <a:pPr marL="343080" indent="-342360">
+              <a:lnSpc>
+                <a:spcPct val="150000"/>
+              </a:lnSpc>
+              <a:buClr>
+                <a:srgbClr val="000000"/>
+              </a:buClr>
+              <a:buFont typeface="Arial"/>
+              <a:buChar char="•"/>
+            </a:pPr>
             <a:r>
-              <a:rPr b="0" lang="en-GB" sz="2600" spc="-1" strike="noStrike">
+              <a:rPr lang="en-GB" sz="2800" b="0" strike="noStrike" spc="-1" dirty="0">
                 <a:solidFill>
                   <a:srgbClr val="000000"/>
                 </a:solidFill>
                 <a:uFill>
                   <a:solidFill>
-                    <a:srgbClr val="ffffff"/>
+                    <a:srgbClr val="FFFFFF"/>
                   </a:solidFill>
                 </a:uFill>
                 <a:latin typeface="Arial"/>
-                <a:ea typeface="ＭＳ Ｐゴシック"/>
+                <a:ea typeface="Noto Sans CJK SC Regular"/>
               </a:rPr>
-              <a:t> is a free application for browsing HDF5 files.</a:t>
+              <a:t>Extend to store new types of data (e.g. </a:t>
             </a:r>
-            <a:endParaRPr b="0" lang="en-GB" sz="1800" spc="-1" strike="noStrike">
-              <a:solidFill>
-                <a:srgbClr val="000000"/>
-              </a:solidFill>
-              <a:uFill>
-                <a:solidFill>
-                  <a:srgbClr val="ffffff"/>
-                </a:solidFill>
-              </a:uFill>
-              <a:latin typeface="Arial"/>
-            </a:endParaRPr>
-          </a:p>
-        </p:txBody>
-      </p:sp>
-      <p:sp>
-        <p:nvSpPr>
-          <p:cNvPr id="125" name="CustomShape 3"/>
-          <p:cNvSpPr/>
-          <p:nvPr/>
-        </p:nvSpPr>
-        <p:spPr>
-          <a:xfrm>
-            <a:off x="320760" y="2487600"/>
-            <a:ext cx="4434840" cy="1224720"/>
-          </a:xfrm>
-          <a:prstGeom prst="rect">
-            <a:avLst/>
-          </a:prstGeom>
-          <a:noFill/>
-          <a:ln w="9360">
-            <a:solidFill>
-              <a:srgbClr val="000000"/>
-            </a:solidFill>
-            <a:round/>
-          </a:ln>
-        </p:spPr>
-        <p:style>
-          <a:lnRef idx="0"/>
-          <a:fillRef idx="0"/>
-          <a:effectRef idx="0"/>
-          <a:fontRef idx="minor"/>
-        </p:style>
-        <p:txBody>
-          <a:bodyPr lIns="90000" rIns="90000" tIns="66240" bIns="45000"/>
-          <a:p>
-            <a:pPr>
-              <a:lnSpc>
-                <a:spcPct val="100000"/>
-              </a:lnSpc>
-            </a:pPr>
             <a:r>
-              <a:rPr b="0" lang="en-GB" sz="2400" spc="-1" strike="noStrike">
+              <a:rPr lang="en-GB" sz="2800" b="0" strike="noStrike" spc="-1" dirty="0" err="1">
                 <a:solidFill>
                   <a:srgbClr val="000000"/>
                 </a:solidFill>
                 <a:uFill>
                   <a:solidFill>
-                    <a:srgbClr val="ffffff"/>
+                    <a:srgbClr val="FFFFFF"/>
                   </a:solidFill>
                 </a:uFill>
                 <a:latin typeface="Arial"/>
-                <a:ea typeface="ＭＳ Ｐゴシック"/>
+                <a:ea typeface="Noto Sans CJK SC Regular"/>
               </a:rPr>
-              <a:t>Logical intervals that provide windows into data occurring during the interval</a:t>
+              <a:t>ECoG</a:t>
             </a:r>
-            <a:endParaRPr b="0" lang="en-GB" sz="1800" spc="-1" strike="noStrike">
-              <a:solidFill>
-                <a:srgbClr val="000000"/>
-              </a:solidFill>
-              <a:uFill>
-                <a:solidFill>
-                  <a:srgbClr val="ffffff"/>
-                </a:solidFill>
-              </a:uFill>
-              <a:latin typeface="Arial"/>
-            </a:endParaRPr>
-          </a:p>
-        </p:txBody>
-      </p:sp>
-      <p:sp>
-        <p:nvSpPr>
-          <p:cNvPr id="126" name="CustomShape 4"/>
-          <p:cNvSpPr/>
-          <p:nvPr/>
-        </p:nvSpPr>
-        <p:spPr>
-          <a:xfrm>
-            <a:off x="316080" y="1411200"/>
-            <a:ext cx="4438080" cy="781920"/>
-          </a:xfrm>
-          <a:prstGeom prst="rect">
-            <a:avLst/>
-          </a:prstGeom>
-          <a:noFill/>
-          <a:ln w="9360">
-            <a:solidFill>
-              <a:srgbClr val="000000"/>
-            </a:solidFill>
-            <a:round/>
-          </a:ln>
-        </p:spPr>
-        <p:style>
-          <a:lnRef idx="0"/>
-          <a:fillRef idx="0"/>
-          <a:effectRef idx="0"/>
-          <a:fontRef idx="minor"/>
-        </p:style>
-        <p:txBody>
-          <a:bodyPr lIns="90000" rIns="90000" tIns="66240" bIns="45000"/>
-          <a:p>
-            <a:pPr>
-              <a:lnSpc>
-                <a:spcPct val="100000"/>
-              </a:lnSpc>
-            </a:pPr>
             <a:r>
-              <a:rPr b="0" lang="en-GB" sz="2400" spc="-1" strike="noStrike">
+              <a:rPr lang="en-GB" sz="2800" b="0" strike="noStrike" spc="-1" dirty="0">
                 <a:solidFill>
                   <a:srgbClr val="000000"/>
                 </a:solidFill>
                 <a:uFill>
                   <a:solidFill>
-                    <a:srgbClr val="ffffff"/>
+                    <a:srgbClr val="FFFFFF"/>
                   </a:solidFill>
                 </a:uFill>
                 <a:latin typeface="Arial"/>
-                <a:ea typeface="ＭＳ Ｐゴシック"/>
+                <a:ea typeface="Noto Sans CJK SC Regular"/>
               </a:rPr>
-              <a:t>Acquired experimental data and graphical documentation</a:t>
+              <a:t>)</a:t>
             </a:r>
-            <a:endParaRPr b="0" lang="en-GB" sz="1800" spc="-1" strike="noStrike">
-              <a:solidFill>
-                <a:srgbClr val="000000"/>
-              </a:solidFill>
-              <a:uFill>
-                <a:solidFill>
-                  <a:srgbClr val="ffffff"/>
-                </a:solidFill>
-              </a:uFill>
-              <a:latin typeface="Arial"/>
-            </a:endParaRPr>
-          </a:p>
-        </p:txBody>
-      </p:sp>
-      <p:sp>
-        <p:nvSpPr>
-          <p:cNvPr id="127" name="CustomShape 5"/>
-          <p:cNvSpPr/>
-          <p:nvPr/>
-        </p:nvSpPr>
-        <p:spPr>
-          <a:xfrm>
-            <a:off x="320760" y="3995640"/>
-            <a:ext cx="4425120" cy="950040"/>
-          </a:xfrm>
-          <a:prstGeom prst="rect">
-            <a:avLst/>
-          </a:prstGeom>
-          <a:noFill/>
-          <a:ln w="9360">
-            <a:solidFill>
-              <a:srgbClr val="000000"/>
-            </a:solidFill>
-            <a:round/>
-          </a:ln>
-        </p:spPr>
-        <p:style>
-          <a:lnRef idx="0"/>
-          <a:fillRef idx="0"/>
-          <a:effectRef idx="0"/>
-          <a:fontRef idx="minor"/>
-        </p:style>
-        <p:txBody>
-          <a:bodyPr lIns="90000" rIns="90000" tIns="66240" bIns="45000"/>
-          <a:p>
-            <a:pPr>
+            <a:endParaRPr lang="en-GB" sz="1800" b="0" strike="noStrike" spc="-1" dirty="0">
+              <a:solidFill>
+                <a:srgbClr val="000000"/>
+              </a:solidFill>
+              <a:uFill>
+                <a:solidFill>
+                  <a:srgbClr val="FFFFFF"/>
+                </a:solidFill>
+              </a:uFill>
+              <a:latin typeface="Arial"/>
+            </a:endParaRPr>
+          </a:p>
+          <a:p>
+            <a:pPr marL="343080" indent="-342360">
               <a:lnSpc>
-                <a:spcPct val="100000"/>
+                <a:spcPct val="150000"/>
               </a:lnSpc>
+              <a:buClr>
+                <a:srgbClr val="000000"/>
+              </a:buClr>
+              <a:buFont typeface="Arial"/>
+              <a:buChar char="•"/>
             </a:pPr>
             <a:r>
-              <a:rPr b="0" lang="en-GB" sz="2400" spc="-1" strike="noStrike">
+              <a:rPr lang="en-GB" sz="2800" b="0" strike="noStrike" spc="-1" dirty="0">
                 <a:solidFill>
                   <a:srgbClr val="000000"/>
                 </a:solidFill>
                 <a:uFill>
                   <a:solidFill>
-                    <a:srgbClr val="ffffff"/>
+                    <a:srgbClr val="FFFFFF"/>
                   </a:solidFill>
                 </a:uFill>
                 <a:latin typeface="Arial"/>
-                <a:ea typeface="ＭＳ Ｐゴシック"/>
+                <a:ea typeface="Noto Sans CJK SC Regular"/>
               </a:rPr>
-              <a:t>Metadata, including originating lab, devices, methods, etc</a:t>
+              <a:t>API features for HPC (High Performance Computing) environments</a:t>
             </a:r>
-            <a:endParaRPr b="0" lang="en-GB" sz="1800" spc="-1" strike="noStrike">
-              <a:solidFill>
-                <a:srgbClr val="000000"/>
-              </a:solidFill>
-              <a:uFill>
-                <a:solidFill>
-                  <a:srgbClr val="ffffff"/>
-                </a:solidFill>
-              </a:uFill>
-              <a:latin typeface="Arial"/>
-            </a:endParaRPr>
-          </a:p>
-        </p:txBody>
-      </p:sp>
-      <p:sp>
-        <p:nvSpPr>
-          <p:cNvPr id="128" name="CustomShape 6"/>
-          <p:cNvSpPr/>
-          <p:nvPr/>
-        </p:nvSpPr>
-        <p:spPr>
-          <a:xfrm>
-            <a:off x="320760" y="5199120"/>
-            <a:ext cx="4425120" cy="996120"/>
-          </a:xfrm>
-          <a:prstGeom prst="rect">
-            <a:avLst/>
-          </a:prstGeom>
-          <a:noFill/>
-          <a:ln w="9360">
-            <a:solidFill>
-              <a:srgbClr val="000000"/>
-            </a:solidFill>
-            <a:round/>
-          </a:ln>
-        </p:spPr>
-        <p:style>
-          <a:lnRef idx="0"/>
-          <a:fillRef idx="0"/>
-          <a:effectRef idx="0"/>
-          <a:fontRef idx="minor"/>
-        </p:style>
-        <p:txBody>
-          <a:bodyPr lIns="90000" rIns="90000" tIns="66240" bIns="45000"/>
-          <a:p>
-            <a:pPr>
+            <a:endParaRPr lang="en-GB" sz="1800" b="0" strike="noStrike" spc="-1" dirty="0">
+              <a:solidFill>
+                <a:srgbClr val="000000"/>
+              </a:solidFill>
+              <a:uFill>
+                <a:solidFill>
+                  <a:srgbClr val="FFFFFF"/>
+                </a:solidFill>
+              </a:uFill>
+              <a:latin typeface="Arial"/>
+            </a:endParaRPr>
+          </a:p>
+          <a:p>
+            <a:pPr marL="343080" indent="-342360">
               <a:lnSpc>
-                <a:spcPct val="100000"/>
+                <a:spcPct val="150000"/>
               </a:lnSpc>
+              <a:buClr>
+                <a:srgbClr val="000000"/>
+              </a:buClr>
+              <a:buFont typeface="Arial"/>
+              <a:buChar char="•"/>
             </a:pPr>
             <a:r>
-              <a:rPr b="0" lang="en-GB" sz="2400" spc="-1" strike="noStrike">
+              <a:rPr lang="en-GB" sz="2800" b="0" strike="noStrike" spc="-1" dirty="0">
                 <a:solidFill>
                   <a:srgbClr val="000000"/>
                 </a:solidFill>
                 <a:uFill>
                   <a:solidFill>
-                    <a:srgbClr val="ffffff"/>
+                    <a:srgbClr val="FFFFFF"/>
                   </a:solidFill>
                 </a:uFill>
                 <a:latin typeface="Arial"/>
-                <a:ea typeface="ＭＳ Ｐゴシック"/>
+                <a:ea typeface="Noto Sans CJK SC Regular"/>
               </a:rPr>
-              <a:t>Intermediate processing of data, such as spike sorting</a:t>
+              <a:t>Allow using different </a:t>
             </a:r>
-            <a:endParaRPr b="0" lang="en-GB" sz="1800" spc="-1" strike="noStrike">
-              <a:solidFill>
-                <a:srgbClr val="000000"/>
-              </a:solidFill>
-              <a:uFill>
-                <a:solidFill>
-                  <a:srgbClr val="ffffff"/>
-                </a:solidFill>
-              </a:uFill>
-              <a:latin typeface="Arial"/>
-            </a:endParaRPr>
-          </a:p>
-        </p:txBody>
-      </p:sp>
-      <p:sp>
-        <p:nvSpPr>
-          <p:cNvPr id="129" name="CustomShape 7"/>
-          <p:cNvSpPr/>
-          <p:nvPr/>
-        </p:nvSpPr>
-        <p:spPr>
-          <a:xfrm>
-            <a:off x="320760" y="6434280"/>
-            <a:ext cx="4434840" cy="769320"/>
-          </a:xfrm>
-          <a:prstGeom prst="rect">
-            <a:avLst/>
-          </a:prstGeom>
-          <a:noFill/>
-          <a:ln w="9360">
-            <a:solidFill>
-              <a:srgbClr val="000000"/>
-            </a:solidFill>
-            <a:round/>
-          </a:ln>
-        </p:spPr>
-        <p:style>
-          <a:lnRef idx="0"/>
-          <a:fillRef idx="0"/>
-          <a:effectRef idx="0"/>
-          <a:fontRef idx="minor"/>
-        </p:style>
-        <p:txBody>
-          <a:bodyPr lIns="90000" rIns="90000" tIns="66240" bIns="45000"/>
-          <a:p>
-            <a:pPr>
-              <a:lnSpc>
-                <a:spcPct val="100000"/>
-              </a:lnSpc>
-            </a:pPr>
             <a:r>
-              <a:rPr b="0" lang="en-GB" sz="2400" spc="-1" strike="noStrike">
+              <a:rPr lang="en-GB" sz="2800" b="0" strike="noStrike" spc="-1" dirty="0" err="1">
                 <a:solidFill>
                   <a:srgbClr val="000000"/>
                 </a:solidFill>
                 <a:uFill>
                   <a:solidFill>
-                    <a:srgbClr val="ffffff"/>
+                    <a:srgbClr val="FFFFFF"/>
                   </a:solidFill>
                 </a:uFill>
                 <a:latin typeface="Arial"/>
-                <a:ea typeface="ＭＳ Ｐゴシック"/>
+                <a:ea typeface="Noto Sans CJK SC Regular"/>
               </a:rPr>
-              <a:t>Stimuli that were presented during an experiment</a:t>
+              <a:t>backends</a:t>
             </a:r>
-            <a:endParaRPr b="0" lang="en-GB" sz="1800" spc="-1" strike="noStrike">
-              <a:solidFill>
-                <a:srgbClr val="000000"/>
-              </a:solidFill>
-              <a:uFill>
-                <a:solidFill>
-                  <a:srgbClr val="ffffff"/>
-                </a:solidFill>
-              </a:uFill>
-              <a:latin typeface="Arial"/>
-            </a:endParaRPr>
-          </a:p>
-        </p:txBody>
-      </p:sp>
-      <p:sp>
-        <p:nvSpPr>
-          <p:cNvPr id="130" name="Line 8"/>
-          <p:cNvSpPr/>
-          <p:nvPr/>
-        </p:nvSpPr>
-        <p:spPr>
-          <a:xfrm flipV="1">
-            <a:off x="4746600" y="4671720"/>
-            <a:ext cx="900000" cy="1836720"/>
-          </a:xfrm>
-          <a:prstGeom prst="line">
-            <a:avLst/>
-          </a:prstGeom>
-          <a:ln w="9360">
-            <a:solidFill>
-              <a:srgbClr val="000000"/>
-            </a:solidFill>
-            <a:round/>
-            <a:tailEnd len="med" type="triangle" w="med"/>
-          </a:ln>
-        </p:spPr>
-        <p:style>
-          <a:lnRef idx="0"/>
-          <a:fillRef idx="0"/>
-          <a:effectRef idx="0"/>
-          <a:fontRef idx="minor"/>
-        </p:style>
-      </p:sp>
-      <p:sp>
-        <p:nvSpPr>
-          <p:cNvPr id="131" name="Line 9"/>
-          <p:cNvSpPr/>
-          <p:nvPr/>
-        </p:nvSpPr>
-        <p:spPr>
-          <a:xfrm flipV="1">
-            <a:off x="4746600" y="4030560"/>
-            <a:ext cx="900000" cy="1170000"/>
-          </a:xfrm>
-          <a:prstGeom prst="line">
-            <a:avLst/>
-          </a:prstGeom>
-          <a:ln w="9360">
-            <a:solidFill>
-              <a:srgbClr val="000000"/>
-            </a:solidFill>
-            <a:round/>
-            <a:tailEnd len="med" type="triangle" w="med"/>
-          </a:ln>
-        </p:spPr>
-        <p:style>
-          <a:lnRef idx="0"/>
-          <a:fillRef idx="0"/>
-          <a:effectRef idx="0"/>
-          <a:fontRef idx="minor"/>
-        </p:style>
-      </p:sp>
-      <p:sp>
-        <p:nvSpPr>
-          <p:cNvPr id="132" name="Line 10"/>
-          <p:cNvSpPr/>
-          <p:nvPr/>
-        </p:nvSpPr>
-        <p:spPr>
-          <a:xfrm flipV="1">
-            <a:off x="4746600" y="3392280"/>
-            <a:ext cx="900000" cy="642960"/>
-          </a:xfrm>
-          <a:prstGeom prst="line">
-            <a:avLst/>
-          </a:prstGeom>
-          <a:ln w="9360">
-            <a:solidFill>
-              <a:srgbClr val="000000"/>
-            </a:solidFill>
-            <a:round/>
-            <a:tailEnd len="med" type="triangle" w="med"/>
-          </a:ln>
-        </p:spPr>
-        <p:style>
-          <a:lnRef idx="0"/>
-          <a:fillRef idx="0"/>
-          <a:effectRef idx="0"/>
-          <a:fontRef idx="minor"/>
-        </p:style>
-      </p:sp>
-      <p:sp>
-        <p:nvSpPr>
-          <p:cNvPr id="133" name="Line 11"/>
-          <p:cNvSpPr/>
-          <p:nvPr/>
-        </p:nvSpPr>
-        <p:spPr>
-          <a:xfrm>
-            <a:off x="4746600" y="2835000"/>
-            <a:ext cx="900000" cy="101520"/>
-          </a:xfrm>
-          <a:prstGeom prst="line">
-            <a:avLst/>
-          </a:prstGeom>
-          <a:ln w="9360">
-            <a:solidFill>
-              <a:srgbClr val="000000"/>
-            </a:solidFill>
-            <a:round/>
-            <a:tailEnd len="med" type="triangle" w="med"/>
-          </a:ln>
-        </p:spPr>
-        <p:style>
-          <a:lnRef idx="0"/>
-          <a:fillRef idx="0"/>
-          <a:effectRef idx="0"/>
-          <a:fontRef idx="minor"/>
-        </p:style>
-      </p:sp>
-      <p:sp>
-        <p:nvSpPr>
-          <p:cNvPr id="134" name="Line 12"/>
-          <p:cNvSpPr/>
-          <p:nvPr/>
-        </p:nvSpPr>
-        <p:spPr>
-          <a:xfrm>
-            <a:off x="4746600" y="2193840"/>
-            <a:ext cx="900000" cy="284040"/>
-          </a:xfrm>
-          <a:prstGeom prst="line">
-            <a:avLst/>
-          </a:prstGeom>
-          <a:ln w="9360">
-            <a:solidFill>
-              <a:srgbClr val="000000"/>
-            </a:solidFill>
-            <a:round/>
-            <a:tailEnd len="med" type="triangle" w="med"/>
-          </a:ln>
-        </p:spPr>
-        <p:style>
-          <a:lnRef idx="0"/>
-          <a:fillRef idx="0"/>
-          <a:effectRef idx="0"/>
-          <a:fontRef idx="minor"/>
-        </p:style>
-      </p:sp>
-      <p:pic>
-        <p:nvPicPr>
-          <p:cNvPr id="135" name="" descr=""/>
-          <p:cNvPicPr/>
-          <p:nvPr/>
-        </p:nvPicPr>
-        <p:blipFill>
-          <a:blip r:embed="rId1"/>
-          <a:stretch/>
-        </p:blipFill>
-        <p:spPr>
-          <a:xfrm>
-            <a:off x="5646600" y="850320"/>
-            <a:ext cx="4142520" cy="5787000"/>
-          </a:xfrm>
-          <a:prstGeom prst="rect">
-            <a:avLst/>
-          </a:prstGeom>
-          <a:ln>
-            <a:noFill/>
-          </a:ln>
-        </p:spPr>
-      </p:pic>
+            <a:r>
+              <a:rPr lang="en-GB" sz="2800" b="0" strike="noStrike" spc="-1" dirty="0">
+                <a:solidFill>
+                  <a:srgbClr val="000000"/>
+                </a:solidFill>
+                <a:uFill>
+                  <a:solidFill>
+                    <a:srgbClr val="FFFFFF"/>
+                  </a:solidFill>
+                </a:uFill>
+                <a:latin typeface="Arial"/>
+                <a:ea typeface="Noto Sans CJK SC Regular"/>
+              </a:rPr>
+              <a:t>, e.g. other than HDF5</a:t>
+            </a:r>
+            <a:endParaRPr lang="en-GB" sz="1800" b="0" strike="noStrike" spc="-1" dirty="0">
+              <a:solidFill>
+                <a:srgbClr val="000000"/>
+              </a:solidFill>
+              <a:uFill>
+                <a:solidFill>
+                  <a:srgbClr val="FFFFFF"/>
+                </a:solidFill>
+              </a:uFill>
+              <a:latin typeface="Arial"/>
+            </a:endParaRPr>
+          </a:p>
+          <a:p>
+            <a:pPr marL="343080" indent="-342360">
+              <a:lnSpc>
+                <a:spcPct val="150000"/>
+              </a:lnSpc>
+              <a:buClr>
+                <a:srgbClr val="000000"/>
+              </a:buClr>
+              <a:buFont typeface="Arial"/>
+              <a:buChar char="•"/>
+            </a:pPr>
+            <a:r>
+              <a:rPr lang="en-GB" sz="2800" b="0" strike="noStrike" spc="-1" dirty="0">
+                <a:solidFill>
+                  <a:srgbClr val="000000"/>
+                </a:solidFill>
+                <a:uFill>
+                  <a:solidFill>
+                    <a:srgbClr val="FFFFFF"/>
+                  </a:solidFill>
+                </a:uFill>
+                <a:latin typeface="Arial"/>
+                <a:ea typeface="Noto Sans CJK SC Regular"/>
+              </a:rPr>
+              <a:t>Formation of governance board to manage the format and related tools</a:t>
+            </a:r>
+            <a:endParaRPr lang="en-GB" sz="1800" b="0" strike="noStrike" spc="-1" dirty="0">
+              <a:solidFill>
+                <a:srgbClr val="000000"/>
+              </a:solidFill>
+              <a:uFill>
+                <a:solidFill>
+                  <a:srgbClr val="FFFFFF"/>
+                </a:solidFill>
+              </a:uFill>
+              <a:latin typeface="Arial"/>
+            </a:endParaRPr>
+          </a:p>
+          <a:p>
+            <a:pPr marL="343080" indent="-342360">
+              <a:lnSpc>
+                <a:spcPct val="150000"/>
+              </a:lnSpc>
+              <a:buClr>
+                <a:srgbClr val="000000"/>
+              </a:buClr>
+              <a:buFont typeface="Arial"/>
+              <a:buChar char="•"/>
+            </a:pPr>
+            <a:r>
+              <a:rPr lang="en-GB" sz="2800" b="0" strike="noStrike" spc="-1" dirty="0">
+                <a:solidFill>
+                  <a:srgbClr val="000000"/>
+                </a:solidFill>
+                <a:uFill>
+                  <a:solidFill>
+                    <a:srgbClr val="FFFFFF"/>
+                  </a:solidFill>
+                </a:uFill>
+                <a:latin typeface="Arial"/>
+                <a:ea typeface="Noto Sans CJK SC Regular"/>
+              </a:rPr>
+              <a:t>New version release planned by </a:t>
+            </a:r>
+            <a:r>
+              <a:rPr lang="en-GB" sz="2800" b="0" strike="noStrike" spc="-1" dirty="0" err="1">
+                <a:solidFill>
+                  <a:srgbClr val="000000"/>
+                </a:solidFill>
+                <a:uFill>
+                  <a:solidFill>
+                    <a:srgbClr val="FFFFFF"/>
+                  </a:solidFill>
+                </a:uFill>
+                <a:latin typeface="Arial"/>
+                <a:ea typeface="Noto Sans CJK SC Regular"/>
+              </a:rPr>
+              <a:t>SfN</a:t>
+            </a:r>
+            <a:r>
+              <a:rPr lang="en-GB" sz="2800" b="0" strike="noStrike" spc="-1" dirty="0">
+                <a:solidFill>
+                  <a:srgbClr val="000000"/>
+                </a:solidFill>
+                <a:uFill>
+                  <a:solidFill>
+                    <a:srgbClr val="FFFFFF"/>
+                  </a:solidFill>
+                </a:uFill>
+                <a:latin typeface="Arial"/>
+                <a:ea typeface="Noto Sans CJK SC Regular"/>
+              </a:rPr>
+              <a:t> 2017</a:t>
+            </a:r>
+            <a:endParaRPr lang="en-GB" sz="1800" b="0" strike="noStrike" spc="-1" dirty="0">
+              <a:solidFill>
+                <a:srgbClr val="000000"/>
+              </a:solidFill>
+              <a:uFill>
+                <a:solidFill>
+                  <a:srgbClr val="FFFFFF"/>
+                </a:solidFill>
+              </a:uFill>
+              <a:latin typeface="Arial"/>
+            </a:endParaRPr>
+          </a:p>
+        </p:txBody>
+      </p:sp>
     </p:spTree>
   </p:cSld>
+  <p:clrMapOvr>
+    <a:masterClrMapping/>
+  </p:clrMapOvr>
   <p:timing>
     <p:tnLst>
       <p:par>
-        <p:cTn id="7" dur="indefinite" restart="never" nodeType="tmRoot">
+        <p:cTn id="1" dur="indefinite" restart="never" nodeType="tmRoot">
           <p:childTnLst>
             <p:seq>
-              <p:cTn id="8" nodeType="mainSeq"/>
+              <p:cTn id="2" nodeType="mainSeq"/>
               <p:prevCondLst>
-                <p:cond delay="0" evt="onPrev">
+                <p:cond evt="onPrev" delay="0">
                   <p:tgtEl>
                     <p:sldTgt/>
                   </p:tgtEl>
                 </p:cond>
               </p:prevCondLst>
               <p:nextCondLst>
-                <p:cond delay="0" evt="onNext">
+                <p:cond evt="onNext" delay="0">
                   <p:tgtEl>
                     <p:sldTgt/>
                   </p:tgtEl>
@@ -8335,6 +9571,8 @@
       </a:bgFillStyleLst>
     </a:fmtScheme>
   </a:themeElements>
+  <a:objectDefaults/>
+  <a:extraClrSchemeLst/>
 </a:theme>
 </file>
 
@@ -8558,6 +9796,8 @@
       </a:bgFillStyleLst>
     </a:fmtScheme>
   </a:themeElements>
+  <a:objectDefaults/>
+  <a:extraClrSchemeLst/>
 </a:theme>
 </file>
 
@@ -8781,6 +10021,8 @@
       </a:bgFillStyleLst>
     </a:fmtScheme>
   </a:themeElements>
+  <a:objectDefaults/>
+  <a:extraClrSchemeLst/>
 </a:theme>
 </file>
 
@@ -9004,5 +10246,7 @@
       </a:bgFillStyleLst>
     </a:fmtScheme>
   </a:themeElements>
+  <a:objectDefaults/>
+  <a:extraClrSchemeLst/>
 </a:theme>
 </file>